--- a/doc/3_ 설계서/Class Design.pptx
+++ b/doc/3_ 설계서/Class Design.pptx
@@ -5,15 +5,26 @@
     <p:sldMasterId id="2147483655" r:id="rId1"/>
   </p:sldMasterIdLst>
   <p:notesMasterIdLst>
-    <p:notesMasterId r:id="rId5"/>
+    <p:notesMasterId r:id="rId16"/>
   </p:notesMasterIdLst>
   <p:handoutMasterIdLst>
-    <p:handoutMasterId r:id="rId6"/>
+    <p:handoutMasterId r:id="rId17"/>
   </p:handoutMasterIdLst>
   <p:sldIdLst>
     <p:sldId id="256" r:id="rId2"/>
     <p:sldId id="257" r:id="rId3"/>
     <p:sldId id="258" r:id="rId4"/>
+    <p:sldId id="259" r:id="rId5"/>
+    <p:sldId id="260" r:id="rId6"/>
+    <p:sldId id="261" r:id="rId7"/>
+    <p:sldId id="262" r:id="rId8"/>
+    <p:sldId id="263" r:id="rId9"/>
+    <p:sldId id="264" r:id="rId10"/>
+    <p:sldId id="265" r:id="rId11"/>
+    <p:sldId id="266" r:id="rId12"/>
+    <p:sldId id="267" r:id="rId13"/>
+    <p:sldId id="268" r:id="rId14"/>
+    <p:sldId id="269" r:id="rId15"/>
   </p:sldIdLst>
   <p:sldSz cx="9144000" cy="6858000" type="screen4x3"/>
   <p:notesSz cx="6797675" cy="9928225"/>
@@ -142,7 +153,46 @@
       </a:defRPr>
     </a:lvl9pPr>
   </p:defaultTextStyle>
+  <p:extLst>
+    <p:ext uri="{EFAFB233-063F-42B5-8137-9DF3F51BA10A}">
+      <p15:sldGuideLst xmlns:p15="http://schemas.microsoft.com/office/powerpoint/2012/main">
+        <p15:guide id="1" orient="horz">
+          <p15:clr>
+            <a:srgbClr val="A4A3A4"/>
+          </p15:clr>
+        </p15:guide>
+        <p15:guide id="2" pos="2880">
+          <p15:clr>
+            <a:srgbClr val="A4A3A4"/>
+          </p15:clr>
+        </p15:guide>
+        <p15:guide id="3" pos="6">
+          <p15:clr>
+            <a:srgbClr val="A4A3A4"/>
+          </p15:clr>
+        </p15:guide>
+      </p15:sldGuideLst>
+    </p:ext>
+    <p:ext uri="{2D200454-40CA-4A62-9FC3-DE9A4176ACB9}">
+      <p15:notesGuideLst xmlns:p15="http://schemas.microsoft.com/office/powerpoint/2012/main">
+        <p15:guide id="1" orient="horz" pos="3126">
+          <p15:clr>
+            <a:srgbClr val="A4A3A4"/>
+          </p15:clr>
+        </p15:guide>
+        <p15:guide id="2" pos="2140">
+          <p15:clr>
+            <a:srgbClr val="A4A3A4"/>
+          </p15:clr>
+        </p15:guide>
+      </p15:notesGuideLst>
+    </p:ext>
+  </p:extLst>
 </p:presentation>
+</file>
+
+<file path=ppt/revisionInfo.xml><?xml version="1.0" encoding="utf-8"?>
+<p1510:revInfo xmlns:a="http://schemas.openxmlformats.org/drawingml/2006/main" xmlns:r="http://schemas.openxmlformats.org/officeDocument/2006/relationships" xmlns:p1510="http://schemas.microsoft.com/office/powerpoint/2015/10/main"/>
 </file>
 
 <file path=ppt/handoutMasters/handoutMaster1.xml><?xml version="1.0" encoding="utf-8"?>
@@ -554,35 +604,35 @@
           <a:p>
             <a:pPr lvl="0"/>
             <a:r>
-              <a:rPr lang="en-GB" altLang="ko-KR" smtClean="0"/>
+              <a:rPr lang="en-GB" altLang="ko-KR"/>
               <a:t>Click to edit Master text styles</a:t>
             </a:r>
           </a:p>
           <a:p>
             <a:pPr lvl="1"/>
             <a:r>
-              <a:rPr lang="en-GB" altLang="ko-KR" smtClean="0"/>
+              <a:rPr lang="en-GB" altLang="ko-KR"/>
               <a:t>Second level</a:t>
             </a:r>
           </a:p>
           <a:p>
             <a:pPr lvl="2"/>
             <a:r>
-              <a:rPr lang="en-GB" altLang="ko-KR" smtClean="0"/>
+              <a:rPr lang="en-GB" altLang="ko-KR"/>
               <a:t>Third level</a:t>
             </a:r>
           </a:p>
           <a:p>
             <a:pPr lvl="3"/>
             <a:r>
-              <a:rPr lang="en-GB" altLang="ko-KR" smtClean="0"/>
+              <a:rPr lang="en-GB" altLang="ko-KR"/>
               <a:t>Fourth level</a:t>
             </a:r>
           </a:p>
           <a:p>
             <a:pPr lvl="4"/>
             <a:r>
-              <a:rPr lang="en-GB" altLang="ko-KR" smtClean="0"/>
+              <a:rPr lang="en-GB" altLang="ko-KR"/>
               <a:t>Fifth level</a:t>
             </a:r>
           </a:p>
@@ -973,7 +1023,7 @@
           </a:bodyPr>
           <a:lstStyle/>
           <a:p>
-            <a:endParaRPr lang="en-US" altLang="ko-KR" sz="2400" b="1" dirty="0" smtClean="0">
+            <a:endParaRPr lang="en-US" altLang="ko-KR" sz="2400" b="1" dirty="0">
               <a:latin typeface="HY헤드라인M" pitchFamily="18" charset="-127"/>
               <a:ea typeface="HY헤드라인M" pitchFamily="18" charset="-127"/>
             </a:endParaRPr>
@@ -1027,18 +1077,13 @@
             </a:lvl1pPr>
           </a:lstStyle>
           <a:p>
-            <a:r>
-              <a:rPr lang="en-US" altLang="ko-KR" dirty="0" smtClean="0"/>
-              <a:t/>
-            </a:r>
             <a:br>
-              <a:rPr lang="en-US" altLang="ko-KR" dirty="0" smtClean="0"/>
+              <a:rPr lang="en-US" altLang="ko-KR" dirty="0"/>
             </a:br>
             <a:r>
-              <a:rPr lang="ko-KR" altLang="en-US" dirty="0" smtClean="0"/>
+              <a:rPr lang="ko-KR" altLang="en-US" dirty="0"/>
               <a:t>마스터 제목 스타일 편집</a:t>
             </a:r>
-            <a:endParaRPr lang="ko-KR" altLang="en-US" dirty="0"/>
           </a:p>
         </p:txBody>
       </p:sp>
@@ -1090,10 +1135,34 @@
             <a:tbl>
               <a:tblPr/>
               <a:tblGrid>
-                <a:gridCol w="1022523"/>
-                <a:gridCol w="3439486"/>
-                <a:gridCol w="947956"/>
-                <a:gridCol w="3523377"/>
+                <a:gridCol w="1022523">
+                  <a:extLst>
+                    <a:ext uri="{9D8B030D-6E8A-4147-A177-3AD203B41FA5}">
+                      <a16:colId xmlns:a16="http://schemas.microsoft.com/office/drawing/2014/main" val="20000"/>
+                    </a:ext>
+                  </a:extLst>
+                </a:gridCol>
+                <a:gridCol w="3439486">
+                  <a:extLst>
+                    <a:ext uri="{9D8B030D-6E8A-4147-A177-3AD203B41FA5}">
+                      <a16:colId xmlns:a16="http://schemas.microsoft.com/office/drawing/2014/main" val="20001"/>
+                    </a:ext>
+                  </a:extLst>
+                </a:gridCol>
+                <a:gridCol w="947956">
+                  <a:extLst>
+                    <a:ext uri="{9D8B030D-6E8A-4147-A177-3AD203B41FA5}">
+                      <a16:colId xmlns:a16="http://schemas.microsoft.com/office/drawing/2014/main" val="20002"/>
+                    </a:ext>
+                  </a:extLst>
+                </a:gridCol>
+                <a:gridCol w="3523377">
+                  <a:extLst>
+                    <a:ext uri="{9D8B030D-6E8A-4147-A177-3AD203B41FA5}">
+                      <a16:colId xmlns:a16="http://schemas.microsoft.com/office/drawing/2014/main" val="20003"/>
+                    </a:ext>
+                  </a:extLst>
+                </a:gridCol>
               </a:tblGrid>
               <a:tr h="299619">
                 <a:tc rowSpan="2">
@@ -1118,7 +1187,7 @@
                         <a:tabLst/>
                       </a:pPr>
                       <a:r>
-                        <a:rPr kumimoji="1" lang="ko-KR" altLang="en-US" sz="900" b="0" i="0" u="none" strike="noStrike" cap="none" normalizeH="0" baseline="0" dirty="0" smtClean="0">
+                        <a:rPr kumimoji="1" lang="ko-KR" altLang="en-US" sz="900" b="0" i="0" u="none" strike="noStrike" cap="none" normalizeH="0" baseline="0" dirty="0">
                           <a:ln>
                             <a:noFill/>
                           </a:ln>
@@ -1131,7 +1200,7 @@
                         </a:rPr>
                         <a:t>프로젝트 명</a:t>
                       </a:r>
-                      <a:endParaRPr kumimoji="1" lang="ko-KR" altLang="ko-KR" sz="900" b="0" i="0" u="none" strike="noStrike" cap="none" normalizeH="0" baseline="0" dirty="0" smtClean="0">
+                      <a:endParaRPr kumimoji="1" lang="ko-KR" altLang="ko-KR" sz="900" b="0" i="0" u="none" strike="noStrike" cap="none" normalizeH="0" baseline="0" dirty="0">
                         <a:ln>
                           <a:noFill/>
                         </a:ln>
@@ -1213,7 +1282,7 @@
                         <a:buNone/>
                         <a:tabLst/>
                       </a:pPr>
-                      <a:endParaRPr kumimoji="1" lang="ko-KR" altLang="ko-KR" sz="900" b="0" i="0" u="none" strike="noStrike" cap="none" normalizeH="0" baseline="0" dirty="0" smtClean="0">
+                      <a:endParaRPr kumimoji="1" lang="ko-KR" altLang="ko-KR" sz="900" b="0" i="0" u="none" strike="noStrike" cap="none" normalizeH="0" baseline="0" dirty="0">
                         <a:ln>
                           <a:noFill/>
                         </a:ln>
@@ -1294,7 +1363,7 @@
                         <a:tabLst/>
                       </a:pPr>
                       <a:r>
-                        <a:rPr kumimoji="1" lang="ko-KR" altLang="en-US" sz="900" b="0" i="0" u="none" strike="noStrike" cap="none" normalizeH="0" baseline="0" dirty="0" smtClean="0">
+                        <a:rPr kumimoji="1" lang="ko-KR" altLang="en-US" sz="900" b="0" i="0" u="none" strike="noStrike" cap="none" normalizeH="0" baseline="0" dirty="0">
                           <a:ln>
                             <a:noFill/>
                           </a:ln>
@@ -1307,7 +1376,7 @@
                         </a:rPr>
                         <a:t>문서 명</a:t>
                       </a:r>
-                      <a:endParaRPr kumimoji="1" lang="ko-KR" altLang="ko-KR" sz="900" b="0" i="0" u="none" strike="noStrike" cap="none" normalizeH="0" baseline="0" dirty="0" smtClean="0">
+                      <a:endParaRPr kumimoji="1" lang="ko-KR" altLang="ko-KR" sz="900" b="0" i="0" u="none" strike="noStrike" cap="none" normalizeH="0" baseline="0" dirty="0">
                         <a:ln>
                           <a:noFill/>
                         </a:ln>
@@ -1390,7 +1459,7 @@
                         <a:tabLst/>
                       </a:pPr>
                       <a:r>
-                        <a:rPr kumimoji="1" lang="en-US" altLang="ko-KR" sz="900" b="0" i="0" u="none" strike="noStrike" cap="none" normalizeH="0" baseline="0" dirty="0" smtClean="0">
+                        <a:rPr kumimoji="1" lang="en-US" altLang="ko-KR" sz="900" b="0" i="0" u="none" strike="noStrike" cap="none" normalizeH="0" baseline="0" dirty="0">
                           <a:ln>
                             <a:noFill/>
                           </a:ln>
@@ -1404,7 +1473,7 @@
                         <a:t>Class </a:t>
                       </a:r>
                       <a:r>
-                        <a:rPr kumimoji="1" lang="ko-KR" altLang="en-US" sz="900" b="0" i="0" u="none" strike="noStrike" cap="none" normalizeH="0" baseline="0" dirty="0" smtClean="0">
+                        <a:rPr kumimoji="1" lang="ko-KR" altLang="en-US" sz="900" b="0" i="0" u="none" strike="noStrike" cap="none" normalizeH="0" baseline="0" dirty="0">
                           <a:ln>
                             <a:noFill/>
                           </a:ln>
@@ -1417,7 +1486,7 @@
                         </a:rPr>
                         <a:t>설계서</a:t>
                       </a:r>
-                      <a:endParaRPr kumimoji="1" lang="ko-KR" sz="900" b="0" i="0" u="none" strike="noStrike" cap="none" normalizeH="0" baseline="0" dirty="0" smtClean="0">
+                      <a:endParaRPr kumimoji="1" lang="ko-KR" sz="900" b="0" i="0" u="none" strike="noStrike" cap="none" normalizeH="0" baseline="0" dirty="0">
                         <a:ln>
                           <a:noFill/>
                         </a:ln>
@@ -1476,6 +1545,11 @@
                     <a:noFill/>
                   </a:tcPr>
                 </a:tc>
+                <a:extLst>
+                  <a:ext uri="{0D108BD9-81ED-4DB2-BD59-A6C34878D82A}">
+                    <a16:rowId xmlns:a16="http://schemas.microsoft.com/office/drawing/2014/main" val="10000"/>
+                  </a:ext>
+                </a:extLst>
               </a:tr>
               <a:tr h="297106">
                 <a:tc vMerge="1">
@@ -1499,7 +1573,7 @@
                         <a:buNone/>
                         <a:tabLst/>
                       </a:pPr>
-                      <a:endParaRPr kumimoji="1" lang="ko-KR" sz="900" b="0" i="0" u="none" strike="noStrike" cap="none" normalizeH="0" baseline="0" dirty="0" smtClean="0">
+                      <a:endParaRPr kumimoji="1" lang="ko-KR" sz="900" b="0" i="0" u="none" strike="noStrike" cap="none" normalizeH="0" baseline="0" dirty="0">
                         <a:ln>
                           <a:noFill/>
                         </a:ln>
@@ -1581,7 +1655,7 @@
                         <a:buNone/>
                         <a:tabLst/>
                       </a:pPr>
-                      <a:endParaRPr kumimoji="1" lang="ko-KR" altLang="ko-KR" sz="900" b="0" i="0" u="none" strike="noStrike" cap="none" normalizeH="0" baseline="0" dirty="0" smtClean="0">
+                      <a:endParaRPr kumimoji="1" lang="ko-KR" altLang="ko-KR" sz="900" b="0" i="0" u="none" strike="noStrike" cap="none" normalizeH="0" baseline="0" dirty="0">
                         <a:ln>
                           <a:noFill/>
                         </a:ln>
@@ -1662,7 +1736,7 @@
                         <a:tabLst/>
                       </a:pPr>
                       <a:r>
-                        <a:rPr kumimoji="1" lang="ko-KR" altLang="en-US" sz="900" b="0" i="0" u="none" strike="noStrike" cap="none" normalizeH="0" baseline="0" dirty="0" smtClean="0">
+                        <a:rPr kumimoji="1" lang="ko-KR" altLang="en-US" sz="900" b="0" i="0" u="none" strike="noStrike" cap="none" normalizeH="0" baseline="0" dirty="0">
                           <a:ln>
                             <a:noFill/>
                           </a:ln>
@@ -1675,7 +1749,7 @@
                         </a:rPr>
                         <a:t>버전</a:t>
                       </a:r>
-                      <a:endParaRPr kumimoji="1" lang="ko-KR" altLang="ko-KR" sz="900" b="0" i="0" u="none" strike="noStrike" cap="none" normalizeH="0" baseline="0" dirty="0" smtClean="0">
+                      <a:endParaRPr kumimoji="1" lang="ko-KR" altLang="ko-KR" sz="900" b="0" i="0" u="none" strike="noStrike" cap="none" normalizeH="0" baseline="0" dirty="0">
                         <a:ln>
                           <a:noFill/>
                         </a:ln>
@@ -1758,7 +1832,7 @@
                         <a:tabLst/>
                       </a:pPr>
                       <a:r>
-                        <a:rPr kumimoji="1" lang="en-US" altLang="ko-KR" sz="900" b="0" i="0" u="none" strike="noStrike" cap="none" normalizeH="0" baseline="0" dirty="0" smtClean="0">
+                        <a:rPr kumimoji="1" lang="en-US" altLang="ko-KR" sz="900" b="0" i="0" u="none" strike="noStrike" cap="none" normalizeH="0" baseline="0" dirty="0">
                           <a:ln>
                             <a:noFill/>
                           </a:ln>
@@ -1771,7 +1845,7 @@
                         </a:rPr>
                         <a:t>V X.X</a:t>
                       </a:r>
-                      <a:endParaRPr kumimoji="1" lang="ko-KR" altLang="ko-KR" sz="900" b="0" i="0" u="none" strike="noStrike" cap="none" normalizeH="0" baseline="0" dirty="0" smtClean="0">
+                      <a:endParaRPr kumimoji="1" lang="ko-KR" altLang="ko-KR" sz="900" b="0" i="0" u="none" strike="noStrike" cap="none" normalizeH="0" baseline="0" dirty="0">
                         <a:ln>
                           <a:noFill/>
                         </a:ln>
@@ -1830,6 +1904,11 @@
                     <a:noFill/>
                   </a:tcPr>
                 </a:tc>
+                <a:extLst>
+                  <a:ext uri="{0D108BD9-81ED-4DB2-BD59-A6C34878D82A}">
+                    <a16:rowId xmlns:a16="http://schemas.microsoft.com/office/drawing/2014/main" val="10001"/>
+                  </a:ext>
+                </a:extLst>
               </a:tr>
             </a:tbl>
           </a:graphicData>
@@ -1882,7 +1961,7 @@
           <a:p>
             <a:pPr algn="r"/>
             <a:r>
-              <a:rPr lang="ko-KR" altLang="en-US" dirty="0" smtClean="0"/>
+              <a:rPr lang="ko-KR" altLang="en-US" dirty="0"/>
               <a:t>팀 명</a:t>
             </a:r>
             <a:endParaRPr lang="en-US" altLang="ko-KR" dirty="0"/>
@@ -1939,7 +2018,7 @@
               <a:buNone/>
               <a:tabLst/>
             </a:pPr>
-            <a:endParaRPr kumimoji="0" lang="ko-KR" altLang="en-US" sz="1400" b="0" i="0" u="none" strike="noStrike" cap="none" normalizeH="0" baseline="0" smtClean="0">
+            <a:endParaRPr kumimoji="0" lang="ko-KR" altLang="en-US" sz="1400" b="0" i="0" u="none" strike="noStrike" cap="none" normalizeH="0" baseline="0">
               <a:ln>
                 <a:noFill/>
               </a:ln>
@@ -2008,7 +2087,7 @@
           </a:lstStyle>
           <a:p>
             <a:r>
-              <a:rPr lang="ko-KR" altLang="en-US" smtClean="0"/>
+              <a:rPr lang="ko-KR" altLang="en-US"/>
               <a:t>마스터 제목 스타일 편집</a:t>
             </a:r>
             <a:endParaRPr lang="ko-KR" altLang="en-US" dirty="0"/>
@@ -2058,35 +2137,35 @@
           <a:p>
             <a:pPr lvl="0"/>
             <a:r>
-              <a:rPr lang="ko-KR" altLang="en-US" smtClean="0"/>
+              <a:rPr lang="ko-KR" altLang="en-US"/>
               <a:t>마스터 텍스트 스타일을 편집합니다</a:t>
             </a:r>
           </a:p>
           <a:p>
             <a:pPr lvl="1"/>
             <a:r>
-              <a:rPr lang="ko-KR" altLang="en-US" smtClean="0"/>
+              <a:rPr lang="ko-KR" altLang="en-US"/>
               <a:t>둘째 수준</a:t>
             </a:r>
           </a:p>
           <a:p>
             <a:pPr lvl="2"/>
             <a:r>
-              <a:rPr lang="ko-KR" altLang="en-US" smtClean="0"/>
+              <a:rPr lang="ko-KR" altLang="en-US"/>
               <a:t>셋째 수준</a:t>
             </a:r>
           </a:p>
           <a:p>
             <a:pPr lvl="3"/>
             <a:r>
-              <a:rPr lang="ko-KR" altLang="en-US" smtClean="0"/>
+              <a:rPr lang="ko-KR" altLang="en-US"/>
               <a:t>넷째 수준</a:t>
             </a:r>
           </a:p>
           <a:p>
             <a:pPr lvl="4"/>
             <a:r>
-              <a:rPr lang="ko-KR" altLang="en-US" smtClean="0"/>
+              <a:rPr lang="ko-KR" altLang="en-US"/>
               <a:t>다섯째 수준</a:t>
             </a:r>
             <a:endParaRPr lang="ko-KR" altLang="en-US" dirty="0"/>
@@ -2210,7 +2289,7 @@
           <a:p>
             <a:pPr algn="r"/>
             <a:r>
-              <a:rPr lang="ko-KR" altLang="en-US" dirty="0" smtClean="0"/>
+              <a:rPr lang="ko-KR" altLang="en-US" dirty="0"/>
               <a:t>팀 명</a:t>
             </a:r>
             <a:endParaRPr lang="en-US" altLang="ko-KR" dirty="0"/>
@@ -2415,7 +2494,7 @@
           <a:p>
             <a:pPr algn="r"/>
             <a:r>
-              <a:rPr lang="ko-KR" altLang="en-US" dirty="0" smtClean="0"/>
+              <a:rPr lang="ko-KR" altLang="en-US" dirty="0"/>
               <a:t>팀 명</a:t>
             </a:r>
             <a:endParaRPr lang="en-US" altLang="ko-KR" dirty="0"/>
@@ -2961,22 +3040,17 @@
           <a:bodyPr/>
           <a:lstStyle/>
           <a:p>
-            <a:r>
-              <a:rPr lang="en-US" altLang="ko-KR" dirty="0" smtClean="0"/>
-              <a:t/>
-            </a:r>
             <a:br>
-              <a:rPr lang="en-US" altLang="ko-KR" dirty="0" smtClean="0"/>
+              <a:rPr lang="en-US" altLang="ko-KR" dirty="0"/>
             </a:br>
             <a:r>
-              <a:rPr lang="en-US" altLang="ko-KR" dirty="0" smtClean="0"/>
+              <a:rPr lang="en-US" altLang="ko-KR" dirty="0"/>
               <a:t>Class </a:t>
             </a:r>
             <a:r>
-              <a:rPr lang="ko-KR" altLang="en-US" dirty="0" smtClean="0"/>
+              <a:rPr lang="ko-KR" altLang="en-US" dirty="0"/>
               <a:t>설계서</a:t>
             </a:r>
-            <a:endParaRPr lang="ko-KR" altLang="en-US" dirty="0"/>
           </a:p>
         </p:txBody>
       </p:sp>
@@ -2988,8 +3062,8 @@
         </p:nvSpPr>
         <p:spPr>
           <a:xfrm>
-            <a:off x="7751445" y="4372844"/>
-            <a:ext cx="768159" cy="400110"/>
+            <a:off x="7253605" y="4372844"/>
+            <a:ext cx="1581780" cy="400110"/>
           </a:xfrm>
           <a:prstGeom prst="rect">
             <a:avLst/>
@@ -3003,14 +3077,1270 @@
           <a:lstStyle/>
           <a:p>
             <a:r>
-              <a:rPr lang="ko-KR" altLang="en-US" sz="2000" dirty="0" smtClean="0"/>
-              <a:t>팀 명</a:t>
+              <a:rPr lang="en-US" altLang="ko-KR" sz="2000" dirty="0" err="1"/>
+              <a:t>TenoutofTen</a:t>
             </a:r>
             <a:endParaRPr lang="ko-KR" altLang="en-US" sz="2000" dirty="0"/>
           </a:p>
         </p:txBody>
       </p:sp>
     </p:spTree>
+  </p:cSld>
+  <p:clrMapOvr>
+    <a:masterClrMapping/>
+  </p:clrMapOvr>
+</p:sld>
+</file>
+
+<file path=ppt/slides/slide10.xml><?xml version="1.0" encoding="utf-8"?>
+<p:sld xmlns:a="http://schemas.openxmlformats.org/drawingml/2006/main" xmlns:r="http://schemas.openxmlformats.org/officeDocument/2006/relationships" xmlns:p="http://schemas.openxmlformats.org/presentationml/2006/main">
+  <p:cSld>
+    <p:spTree>
+      <p:nvGrpSpPr>
+        <p:cNvPr id="1" name=""/>
+        <p:cNvGrpSpPr/>
+        <p:nvPr/>
+      </p:nvGrpSpPr>
+      <p:grpSpPr>
+        <a:xfrm>
+          <a:off x="0" y="0"/>
+          <a:ext cx="0" cy="0"/>
+          <a:chOff x="0" y="0"/>
+          <a:chExt cx="0" cy="0"/>
+        </a:xfrm>
+      </p:grpSpPr>
+      <p:sp>
+        <p:nvSpPr>
+          <p:cNvPr id="2" name="제목 1"/>
+          <p:cNvSpPr>
+            <a:spLocks noGrp="1"/>
+          </p:cNvSpPr>
+          <p:nvPr>
+            <p:ph type="ctrTitle"/>
+          </p:nvPr>
+        </p:nvSpPr>
+        <p:spPr/>
+        <p:txBody>
+          <a:bodyPr/>
+          <a:lstStyle/>
+          <a:p>
+            <a:pPr algn="ctr"/>
+            <a:r>
+              <a:rPr lang="en-US" altLang="ko-KR" sz="4500" dirty="0"/>
+              <a:t>Control Class</a:t>
+            </a:r>
+            <a:endParaRPr lang="ko-KR" altLang="en-US" sz="4500" dirty="0"/>
+          </a:p>
+        </p:txBody>
+      </p:sp>
+    </p:spTree>
+    <p:extLst>
+      <p:ext uri="{BB962C8B-B14F-4D97-AF65-F5344CB8AC3E}">
+        <p14:creationId xmlns:p14="http://schemas.microsoft.com/office/powerpoint/2010/main" val="2616846915"/>
+      </p:ext>
+    </p:extLst>
+  </p:cSld>
+  <p:clrMapOvr>
+    <a:masterClrMapping/>
+  </p:clrMapOvr>
+</p:sld>
+</file>
+
+<file path=ppt/slides/slide11.xml><?xml version="1.0" encoding="utf-8"?>
+<p:sld xmlns:a="http://schemas.openxmlformats.org/drawingml/2006/main" xmlns:r="http://schemas.openxmlformats.org/officeDocument/2006/relationships" xmlns:p="http://schemas.openxmlformats.org/presentationml/2006/main">
+  <p:cSld>
+    <p:spTree>
+      <p:nvGrpSpPr>
+        <p:cNvPr id="1" name=""/>
+        <p:cNvGrpSpPr/>
+        <p:nvPr/>
+      </p:nvGrpSpPr>
+      <p:grpSpPr>
+        <a:xfrm>
+          <a:off x="0" y="0"/>
+          <a:ext cx="0" cy="0"/>
+          <a:chOff x="0" y="0"/>
+          <a:chExt cx="0" cy="0"/>
+        </a:xfrm>
+      </p:grpSpPr>
+      <p:sp>
+        <p:nvSpPr>
+          <p:cNvPr id="2" name="제목 1"/>
+          <p:cNvSpPr>
+            <a:spLocks noGrp="1"/>
+          </p:cNvSpPr>
+          <p:nvPr>
+            <p:ph type="title"/>
+          </p:nvPr>
+        </p:nvSpPr>
+        <p:spPr>
+          <a:xfrm>
+            <a:off x="352425" y="220211"/>
+            <a:ext cx="8327552" cy="625950"/>
+          </a:xfrm>
+        </p:spPr>
+        <p:txBody>
+          <a:bodyPr/>
+          <a:lstStyle/>
+          <a:p>
+            <a:r>
+              <a:rPr lang="en-US" altLang="ko-KR" sz="2500" dirty="0"/>
+              <a:t>Control Class</a:t>
+            </a:r>
+            <a:endParaRPr lang="ko-KR" altLang="en-US" sz="2500" dirty="0"/>
+          </a:p>
+        </p:txBody>
+      </p:sp>
+      <p:sp>
+        <p:nvSpPr>
+          <p:cNvPr id="4" name="바닥글 개체 틀 3"/>
+          <p:cNvSpPr>
+            <a:spLocks noGrp="1"/>
+          </p:cNvSpPr>
+          <p:nvPr>
+            <p:ph type="ftr" sz="quarter" idx="3"/>
+          </p:nvPr>
+        </p:nvSpPr>
+        <p:spPr/>
+        <p:txBody>
+          <a:bodyPr/>
+          <a:lstStyle/>
+          <a:p>
+            <a:pPr algn="r"/>
+            <a:r>
+              <a:rPr lang="ko-KR" altLang="en-US"/>
+              <a:t>팀 명</a:t>
+            </a:r>
+            <a:endParaRPr lang="en-US" altLang="ko-KR" dirty="0"/>
+          </a:p>
+        </p:txBody>
+      </p:sp>
+      <p:graphicFrame>
+        <p:nvGraphicFramePr>
+          <p:cNvPr id="5" name="표 4"/>
+          <p:cNvGraphicFramePr>
+            <a:graphicFrameLocks noGrp="1"/>
+          </p:cNvGraphicFramePr>
+          <p:nvPr/>
+        </p:nvGraphicFramePr>
+        <p:xfrm>
+          <a:off x="352425" y="1228296"/>
+          <a:ext cx="8327551" cy="4967787"/>
+        </p:xfrm>
+        <a:graphic>
+          <a:graphicData uri="http://schemas.openxmlformats.org/drawingml/2006/table">
+            <a:tbl>
+              <a:tblPr firstRow="1" bandRow="1">
+                <a:tableStyleId>{17292A2E-F333-43FB-9621-5CBBE7FDCDCB}</a:tableStyleId>
+              </a:tblPr>
+              <a:tblGrid>
+                <a:gridCol w="8327551">
+                  <a:extLst>
+                    <a:ext uri="{9D8B030D-6E8A-4147-A177-3AD203B41FA5}">
+                      <a16:colId xmlns:a16="http://schemas.microsoft.com/office/drawing/2014/main" val="20000"/>
+                    </a:ext>
+                  </a:extLst>
+                </a:gridCol>
+              </a:tblGrid>
+              <a:tr h="875279">
+                <a:tc>
+                  <a:txBody>
+                    <a:bodyPr/>
+                    <a:lstStyle/>
+                    <a:p>
+                      <a:r>
+                        <a:rPr lang="en-US" altLang="ko-KR" sz="4000" dirty="0" err="1"/>
+                        <a:t>LoginSystem</a:t>
+                      </a:r>
+                      <a:endParaRPr lang="ko-KR" altLang="en-US" sz="4000" dirty="0"/>
+                    </a:p>
+                  </a:txBody>
+                  <a:tcPr/>
+                </a:tc>
+                <a:extLst>
+                  <a:ext uri="{0D108BD9-81ED-4DB2-BD59-A6C34878D82A}">
+                    <a16:rowId xmlns:a16="http://schemas.microsoft.com/office/drawing/2014/main" val="10000"/>
+                  </a:ext>
+                </a:extLst>
+              </a:tr>
+              <a:tr h="2046254">
+                <a:tc>
+                  <a:txBody>
+                    <a:bodyPr/>
+                    <a:lstStyle/>
+                    <a:p>
+                      <a:r>
+                        <a:rPr lang="en-US" altLang="ko-KR" dirty="0"/>
+                        <a:t>-</a:t>
+                      </a:r>
+                      <a:r>
+                        <a:rPr lang="en-US" altLang="ko-KR" dirty="0" err="1"/>
+                        <a:t>loginedStudent</a:t>
+                      </a:r>
+                      <a:r>
+                        <a:rPr lang="en-US" altLang="ko-KR" dirty="0"/>
+                        <a:t> : Student</a:t>
+                      </a:r>
+                    </a:p>
+                    <a:p>
+                      <a:r>
+                        <a:rPr lang="en-US" altLang="ko-KR" dirty="0"/>
+                        <a:t>-</a:t>
+                      </a:r>
+                      <a:r>
+                        <a:rPr lang="en-US" altLang="ko-KR" dirty="0" err="1"/>
+                        <a:t>loginUI</a:t>
+                      </a:r>
+                      <a:r>
+                        <a:rPr lang="en-US" altLang="ko-KR" baseline="0" dirty="0"/>
+                        <a:t> :</a:t>
+                      </a:r>
+                      <a:r>
+                        <a:rPr lang="en-US" altLang="ko-KR" baseline="0" dirty="0" err="1"/>
+                        <a:t>LoginUI</a:t>
+                      </a:r>
+                      <a:endParaRPr lang="en-US" altLang="ko-KR" baseline="0" dirty="0"/>
+                    </a:p>
+                    <a:p>
+                      <a:r>
+                        <a:rPr lang="en-US" altLang="ko-KR" baseline="0" dirty="0"/>
+                        <a:t>-</a:t>
+                      </a:r>
+                      <a:r>
+                        <a:rPr lang="en-US" altLang="ko-KR" baseline="0" dirty="0" err="1"/>
+                        <a:t>mainUI</a:t>
+                      </a:r>
+                      <a:r>
+                        <a:rPr lang="en-US" altLang="ko-KR" baseline="0" dirty="0"/>
+                        <a:t> : </a:t>
+                      </a:r>
+                      <a:r>
+                        <a:rPr lang="en-US" altLang="ko-KR" baseline="0" dirty="0" err="1"/>
+                        <a:t>MainUI</a:t>
+                      </a:r>
+                      <a:endParaRPr lang="en-US" altLang="ko-KR" baseline="0" dirty="0"/>
+                    </a:p>
+                    <a:p>
+                      <a:r>
+                        <a:rPr lang="en-US" altLang="ko-KR" baseline="0" dirty="0"/>
+                        <a:t>-</a:t>
+                      </a:r>
+                      <a:r>
+                        <a:rPr lang="en-US" altLang="ko-KR" baseline="0" dirty="0" err="1"/>
+                        <a:t>registeredStudent</a:t>
+                      </a:r>
+                      <a:r>
+                        <a:rPr lang="en-US" altLang="ko-KR" baseline="0" dirty="0"/>
+                        <a:t> : </a:t>
+                      </a:r>
+                      <a:r>
+                        <a:rPr lang="en-US" altLang="ko-KR" baseline="0" dirty="0" err="1"/>
+                        <a:t>StudentList</a:t>
+                      </a:r>
+                      <a:endParaRPr lang="ko-KR" altLang="en-US" dirty="0"/>
+                    </a:p>
+                  </a:txBody>
+                  <a:tcPr/>
+                </a:tc>
+                <a:extLst>
+                  <a:ext uri="{0D108BD9-81ED-4DB2-BD59-A6C34878D82A}">
+                    <a16:rowId xmlns:a16="http://schemas.microsoft.com/office/drawing/2014/main" val="10001"/>
+                  </a:ext>
+                </a:extLst>
+              </a:tr>
+              <a:tr h="2046254">
+                <a:tc>
+                  <a:txBody>
+                    <a:bodyPr/>
+                    <a:lstStyle/>
+                    <a:p>
+                      <a:r>
+                        <a:rPr lang="en-US" altLang="ko-KR" dirty="0"/>
+                        <a:t>+</a:t>
+                      </a:r>
+                      <a:r>
+                        <a:rPr lang="en-US" altLang="ko-KR" dirty="0" err="1"/>
+                        <a:t>LoginSystem</a:t>
+                      </a:r>
+                      <a:r>
+                        <a:rPr lang="en-US" altLang="ko-KR" baseline="0" dirty="0"/>
+                        <a:t> ( login UI : Login UI )</a:t>
+                      </a:r>
+                    </a:p>
+                    <a:p>
+                      <a:r>
+                        <a:rPr lang="en-US" altLang="ko-KR" baseline="0" dirty="0"/>
+                        <a:t>+</a:t>
+                      </a:r>
+                      <a:r>
+                        <a:rPr lang="en-US" altLang="ko-KR" baseline="0" dirty="0" err="1"/>
+                        <a:t>isLogin</a:t>
+                      </a:r>
+                      <a:r>
+                        <a:rPr lang="en-US" altLang="ko-KR" baseline="0" dirty="0"/>
+                        <a:t> ( id : String , </a:t>
+                      </a:r>
+                      <a:r>
+                        <a:rPr lang="en-US" altLang="ko-KR" baseline="0" dirty="0" err="1"/>
+                        <a:t>pwd</a:t>
+                      </a:r>
+                      <a:r>
+                        <a:rPr lang="en-US" altLang="ko-KR" baseline="0" dirty="0"/>
+                        <a:t> : String )</a:t>
+                      </a:r>
+                    </a:p>
+                    <a:p>
+                      <a:r>
+                        <a:rPr lang="en-US" altLang="ko-KR" baseline="0" dirty="0"/>
+                        <a:t>+login ( </a:t>
+                      </a:r>
+                      <a:r>
+                        <a:rPr lang="en-US" altLang="ko-KR" baseline="0" dirty="0" err="1"/>
+                        <a:t>loginedStudent</a:t>
+                      </a:r>
+                      <a:r>
+                        <a:rPr lang="en-US" altLang="ko-KR" baseline="0" dirty="0"/>
+                        <a:t> : </a:t>
+                      </a:r>
+                      <a:r>
+                        <a:rPr lang="en-US" altLang="ko-KR" baseline="0" dirty="0" err="1"/>
+                        <a:t>Strudent</a:t>
+                      </a:r>
+                      <a:r>
+                        <a:rPr lang="en-US" altLang="ko-KR" baseline="0" dirty="0"/>
+                        <a:t> )</a:t>
+                      </a:r>
+                    </a:p>
+                    <a:p>
+                      <a:r>
+                        <a:rPr lang="en-US" altLang="ko-KR" baseline="0" dirty="0"/>
+                        <a:t>+logout()</a:t>
+                      </a:r>
+                    </a:p>
+                    <a:p>
+                      <a:r>
+                        <a:rPr lang="en-US" altLang="ko-KR" baseline="0" dirty="0"/>
+                        <a:t>+</a:t>
+                      </a:r>
+                      <a:r>
+                        <a:rPr lang="en-US" altLang="ko-KR" baseline="0" dirty="0" err="1"/>
+                        <a:t>getLoginedStudent</a:t>
+                      </a:r>
+                      <a:r>
+                        <a:rPr lang="en-US" altLang="ko-KR" baseline="0" dirty="0"/>
+                        <a:t> : Student</a:t>
+                      </a:r>
+                    </a:p>
+                  </a:txBody>
+                  <a:tcPr/>
+                </a:tc>
+                <a:extLst>
+                  <a:ext uri="{0D108BD9-81ED-4DB2-BD59-A6C34878D82A}">
+                    <a16:rowId xmlns:a16="http://schemas.microsoft.com/office/drawing/2014/main" val="10002"/>
+                  </a:ext>
+                </a:extLst>
+              </a:tr>
+            </a:tbl>
+          </a:graphicData>
+        </a:graphic>
+      </p:graphicFrame>
+    </p:spTree>
+    <p:extLst>
+      <p:ext uri="{BB962C8B-B14F-4D97-AF65-F5344CB8AC3E}">
+        <p14:creationId xmlns:p14="http://schemas.microsoft.com/office/powerpoint/2010/main" val="2134069634"/>
+      </p:ext>
+    </p:extLst>
+  </p:cSld>
+  <p:clrMapOvr>
+    <a:masterClrMapping/>
+  </p:clrMapOvr>
+</p:sld>
+</file>
+
+<file path=ppt/slides/slide12.xml><?xml version="1.0" encoding="utf-8"?>
+<p:sld xmlns:a="http://schemas.openxmlformats.org/drawingml/2006/main" xmlns:r="http://schemas.openxmlformats.org/officeDocument/2006/relationships" xmlns:p="http://schemas.openxmlformats.org/presentationml/2006/main">
+  <p:cSld>
+    <p:spTree>
+      <p:nvGrpSpPr>
+        <p:cNvPr id="1" name=""/>
+        <p:cNvGrpSpPr/>
+        <p:nvPr/>
+      </p:nvGrpSpPr>
+      <p:grpSpPr>
+        <a:xfrm>
+          <a:off x="0" y="0"/>
+          <a:ext cx="0" cy="0"/>
+          <a:chOff x="0" y="0"/>
+          <a:chExt cx="0" cy="0"/>
+        </a:xfrm>
+      </p:grpSpPr>
+      <p:sp>
+        <p:nvSpPr>
+          <p:cNvPr id="2" name="제목 1"/>
+          <p:cNvSpPr>
+            <a:spLocks noGrp="1"/>
+          </p:cNvSpPr>
+          <p:nvPr>
+            <p:ph type="title"/>
+          </p:nvPr>
+        </p:nvSpPr>
+        <p:spPr>
+          <a:xfrm>
+            <a:off x="352425" y="220211"/>
+            <a:ext cx="8327552" cy="625950"/>
+          </a:xfrm>
+        </p:spPr>
+        <p:txBody>
+          <a:bodyPr/>
+          <a:lstStyle/>
+          <a:p>
+            <a:r>
+              <a:rPr lang="en-US" altLang="ko-KR" sz="2500" dirty="0"/>
+              <a:t>Control Class</a:t>
+            </a:r>
+            <a:endParaRPr lang="ko-KR" altLang="en-US" sz="2500" dirty="0"/>
+          </a:p>
+        </p:txBody>
+      </p:sp>
+      <p:sp>
+        <p:nvSpPr>
+          <p:cNvPr id="4" name="바닥글 개체 틀 3"/>
+          <p:cNvSpPr>
+            <a:spLocks noGrp="1"/>
+          </p:cNvSpPr>
+          <p:nvPr>
+            <p:ph type="ftr" sz="quarter" idx="3"/>
+          </p:nvPr>
+        </p:nvSpPr>
+        <p:spPr/>
+        <p:txBody>
+          <a:bodyPr/>
+          <a:lstStyle/>
+          <a:p>
+            <a:pPr algn="r"/>
+            <a:r>
+              <a:rPr lang="ko-KR" altLang="en-US"/>
+              <a:t>팀 명</a:t>
+            </a:r>
+            <a:endParaRPr lang="en-US" altLang="ko-KR" dirty="0"/>
+          </a:p>
+        </p:txBody>
+      </p:sp>
+      <p:graphicFrame>
+        <p:nvGraphicFramePr>
+          <p:cNvPr id="5" name="표 4"/>
+          <p:cNvGraphicFramePr>
+            <a:graphicFrameLocks noGrp="1"/>
+          </p:cNvGraphicFramePr>
+          <p:nvPr/>
+        </p:nvGraphicFramePr>
+        <p:xfrm>
+          <a:off x="352425" y="1228296"/>
+          <a:ext cx="8327551" cy="4967787"/>
+        </p:xfrm>
+        <a:graphic>
+          <a:graphicData uri="http://schemas.openxmlformats.org/drawingml/2006/table">
+            <a:tbl>
+              <a:tblPr firstRow="1" bandRow="1">
+                <a:tableStyleId>{17292A2E-F333-43FB-9621-5CBBE7FDCDCB}</a:tableStyleId>
+              </a:tblPr>
+              <a:tblGrid>
+                <a:gridCol w="8327551">
+                  <a:extLst>
+                    <a:ext uri="{9D8B030D-6E8A-4147-A177-3AD203B41FA5}">
+                      <a16:colId xmlns:a16="http://schemas.microsoft.com/office/drawing/2014/main" val="20000"/>
+                    </a:ext>
+                  </a:extLst>
+                </a:gridCol>
+              </a:tblGrid>
+              <a:tr h="875279">
+                <a:tc>
+                  <a:txBody>
+                    <a:bodyPr/>
+                    <a:lstStyle/>
+                    <a:p>
+                      <a:r>
+                        <a:rPr lang="en-US" altLang="ko-KR" sz="4000" dirty="0" err="1"/>
+                        <a:t>Show</a:t>
+                      </a:r>
+                      <a:r>
+                        <a:rPr lang="en-US" altLang="ko-KR" sz="4000" baseline="0" dirty="0" err="1"/>
+                        <a:t>CourseSystem</a:t>
+                      </a:r>
+                      <a:endParaRPr lang="ko-KR" altLang="en-US" sz="4000" dirty="0"/>
+                    </a:p>
+                  </a:txBody>
+                  <a:tcPr/>
+                </a:tc>
+                <a:extLst>
+                  <a:ext uri="{0D108BD9-81ED-4DB2-BD59-A6C34878D82A}">
+                    <a16:rowId xmlns:a16="http://schemas.microsoft.com/office/drawing/2014/main" val="10000"/>
+                  </a:ext>
+                </a:extLst>
+              </a:tr>
+              <a:tr h="2046254">
+                <a:tc>
+                  <a:txBody>
+                    <a:bodyPr/>
+                    <a:lstStyle/>
+                    <a:p>
+                      <a:r>
+                        <a:rPr lang="en-US" altLang="ko-KR" dirty="0"/>
+                        <a:t>- </a:t>
+                      </a:r>
+                      <a:r>
+                        <a:rPr lang="en-US" altLang="ko-KR" dirty="0" err="1"/>
+                        <a:t>CourseList</a:t>
+                      </a:r>
+                      <a:r>
+                        <a:rPr lang="en-US" altLang="ko-KR" baseline="0" dirty="0"/>
+                        <a:t> : </a:t>
+                      </a:r>
+                      <a:r>
+                        <a:rPr lang="en-US" altLang="ko-KR" baseline="0" dirty="0" err="1"/>
+                        <a:t>CourseList</a:t>
+                      </a:r>
+                      <a:endParaRPr lang="ko-KR" altLang="en-US" dirty="0"/>
+                    </a:p>
+                  </a:txBody>
+                  <a:tcPr/>
+                </a:tc>
+                <a:extLst>
+                  <a:ext uri="{0D108BD9-81ED-4DB2-BD59-A6C34878D82A}">
+                    <a16:rowId xmlns:a16="http://schemas.microsoft.com/office/drawing/2014/main" val="10001"/>
+                  </a:ext>
+                </a:extLst>
+              </a:tr>
+              <a:tr h="2046254">
+                <a:tc>
+                  <a:txBody>
+                    <a:bodyPr/>
+                    <a:lstStyle/>
+                    <a:p>
+                      <a:r>
+                        <a:rPr lang="en-US" altLang="ko-KR" baseline="0" dirty="0"/>
+                        <a:t>+</a:t>
+                      </a:r>
+                      <a:r>
+                        <a:rPr lang="en-US" altLang="ko-KR" baseline="0" dirty="0" err="1"/>
+                        <a:t>ShowCourseSystem</a:t>
+                      </a:r>
+                      <a:r>
+                        <a:rPr lang="en-US" altLang="ko-KR" baseline="0" dirty="0"/>
+                        <a:t>()</a:t>
+                      </a:r>
+                    </a:p>
+                    <a:p>
+                      <a:r>
+                        <a:rPr lang="en-US" altLang="ko-KR" baseline="0" dirty="0"/>
+                        <a:t>+ </a:t>
+                      </a:r>
+                      <a:r>
+                        <a:rPr lang="en-US" altLang="ko-KR" baseline="0" dirty="0" err="1"/>
+                        <a:t>getCourseContesnts</a:t>
+                      </a:r>
+                      <a:r>
+                        <a:rPr lang="en-US" altLang="ko-KR" baseline="0" dirty="0"/>
+                        <a:t>() : String[][]</a:t>
+                      </a:r>
+                    </a:p>
+                    <a:p>
+                      <a:r>
+                        <a:rPr lang="en-US" altLang="ko-KR" baseline="0" dirty="0"/>
+                        <a:t>+ </a:t>
+                      </a:r>
+                      <a:r>
+                        <a:rPr lang="en-US" altLang="ko-KR" baseline="0" dirty="0" err="1"/>
+                        <a:t>getCourseList</a:t>
+                      </a:r>
+                      <a:r>
+                        <a:rPr lang="en-US" altLang="ko-KR" baseline="0" dirty="0"/>
+                        <a:t>() : </a:t>
+                      </a:r>
+                      <a:r>
+                        <a:rPr lang="en-US" altLang="ko-KR" baseline="0" dirty="0" err="1"/>
+                        <a:t>CourseList</a:t>
+                      </a:r>
+                      <a:endParaRPr lang="en-US" altLang="ko-KR" baseline="0" dirty="0"/>
+                    </a:p>
+                  </a:txBody>
+                  <a:tcPr/>
+                </a:tc>
+                <a:extLst>
+                  <a:ext uri="{0D108BD9-81ED-4DB2-BD59-A6C34878D82A}">
+                    <a16:rowId xmlns:a16="http://schemas.microsoft.com/office/drawing/2014/main" val="10002"/>
+                  </a:ext>
+                </a:extLst>
+              </a:tr>
+            </a:tbl>
+          </a:graphicData>
+        </a:graphic>
+      </p:graphicFrame>
+    </p:spTree>
+    <p:extLst>
+      <p:ext uri="{BB962C8B-B14F-4D97-AF65-F5344CB8AC3E}">
+        <p14:creationId xmlns:p14="http://schemas.microsoft.com/office/powerpoint/2010/main" val="1712016017"/>
+      </p:ext>
+    </p:extLst>
+  </p:cSld>
+  <p:clrMapOvr>
+    <a:masterClrMapping/>
+  </p:clrMapOvr>
+</p:sld>
+</file>
+
+<file path=ppt/slides/slide13.xml><?xml version="1.0" encoding="utf-8"?>
+<p:sld xmlns:a="http://schemas.openxmlformats.org/drawingml/2006/main" xmlns:r="http://schemas.openxmlformats.org/officeDocument/2006/relationships" xmlns:p="http://schemas.openxmlformats.org/presentationml/2006/main">
+  <p:cSld>
+    <p:spTree>
+      <p:nvGrpSpPr>
+        <p:cNvPr id="1" name=""/>
+        <p:cNvGrpSpPr/>
+        <p:nvPr/>
+      </p:nvGrpSpPr>
+      <p:grpSpPr>
+        <a:xfrm>
+          <a:off x="0" y="0"/>
+          <a:ext cx="0" cy="0"/>
+          <a:chOff x="0" y="0"/>
+          <a:chExt cx="0" cy="0"/>
+        </a:xfrm>
+      </p:grpSpPr>
+      <p:sp>
+        <p:nvSpPr>
+          <p:cNvPr id="2" name="제목 1"/>
+          <p:cNvSpPr>
+            <a:spLocks noGrp="1"/>
+          </p:cNvSpPr>
+          <p:nvPr>
+            <p:ph type="title"/>
+          </p:nvPr>
+        </p:nvSpPr>
+        <p:spPr>
+          <a:xfrm>
+            <a:off x="352425" y="220211"/>
+            <a:ext cx="8327552" cy="625950"/>
+          </a:xfrm>
+        </p:spPr>
+        <p:txBody>
+          <a:bodyPr/>
+          <a:lstStyle/>
+          <a:p>
+            <a:r>
+              <a:rPr lang="en-US" altLang="ko-KR" sz="2500" dirty="0"/>
+              <a:t>Control Class</a:t>
+            </a:r>
+            <a:endParaRPr lang="ko-KR" altLang="en-US" sz="2500" dirty="0"/>
+          </a:p>
+        </p:txBody>
+      </p:sp>
+      <p:sp>
+        <p:nvSpPr>
+          <p:cNvPr id="4" name="바닥글 개체 틀 3"/>
+          <p:cNvSpPr>
+            <a:spLocks noGrp="1"/>
+          </p:cNvSpPr>
+          <p:nvPr>
+            <p:ph type="ftr" sz="quarter" idx="3"/>
+          </p:nvPr>
+        </p:nvSpPr>
+        <p:spPr/>
+        <p:txBody>
+          <a:bodyPr/>
+          <a:lstStyle/>
+          <a:p>
+            <a:pPr algn="r"/>
+            <a:r>
+              <a:rPr lang="ko-KR" altLang="en-US"/>
+              <a:t>팀 명</a:t>
+            </a:r>
+            <a:endParaRPr lang="en-US" altLang="ko-KR" dirty="0"/>
+          </a:p>
+        </p:txBody>
+      </p:sp>
+      <p:graphicFrame>
+        <p:nvGraphicFramePr>
+          <p:cNvPr id="5" name="표 4"/>
+          <p:cNvGraphicFramePr>
+            <a:graphicFrameLocks noGrp="1"/>
+          </p:cNvGraphicFramePr>
+          <p:nvPr/>
+        </p:nvGraphicFramePr>
+        <p:xfrm>
+          <a:off x="352425" y="1228296"/>
+          <a:ext cx="8327551" cy="4967787"/>
+        </p:xfrm>
+        <a:graphic>
+          <a:graphicData uri="http://schemas.openxmlformats.org/drawingml/2006/table">
+            <a:tbl>
+              <a:tblPr firstRow="1" bandRow="1">
+                <a:tableStyleId>{17292A2E-F333-43FB-9621-5CBBE7FDCDCB}</a:tableStyleId>
+              </a:tblPr>
+              <a:tblGrid>
+                <a:gridCol w="8327551">
+                  <a:extLst>
+                    <a:ext uri="{9D8B030D-6E8A-4147-A177-3AD203B41FA5}">
+                      <a16:colId xmlns:a16="http://schemas.microsoft.com/office/drawing/2014/main" val="20000"/>
+                    </a:ext>
+                  </a:extLst>
+                </a:gridCol>
+              </a:tblGrid>
+              <a:tr h="875279">
+                <a:tc>
+                  <a:txBody>
+                    <a:bodyPr/>
+                    <a:lstStyle/>
+                    <a:p>
+                      <a:r>
+                        <a:rPr lang="en-US" altLang="ko-KR" sz="4000" dirty="0" err="1"/>
+                        <a:t>CourseManageSystem</a:t>
+                      </a:r>
+                      <a:endParaRPr lang="ko-KR" altLang="en-US" sz="4000" dirty="0"/>
+                    </a:p>
+                  </a:txBody>
+                  <a:tcPr/>
+                </a:tc>
+                <a:extLst>
+                  <a:ext uri="{0D108BD9-81ED-4DB2-BD59-A6C34878D82A}">
+                    <a16:rowId xmlns:a16="http://schemas.microsoft.com/office/drawing/2014/main" val="10000"/>
+                  </a:ext>
+                </a:extLst>
+              </a:tr>
+              <a:tr h="2046254">
+                <a:tc>
+                  <a:txBody>
+                    <a:bodyPr/>
+                    <a:lstStyle/>
+                    <a:p>
+                      <a:r>
+                        <a:rPr lang="en-US" altLang="ko-KR" dirty="0"/>
+                        <a:t>- </a:t>
+                      </a:r>
+                      <a:r>
+                        <a:rPr lang="en-US" altLang="ko-KR" dirty="0" err="1"/>
+                        <a:t>CourseList</a:t>
+                      </a:r>
+                      <a:r>
+                        <a:rPr lang="en-US" altLang="ko-KR" baseline="0" dirty="0"/>
+                        <a:t> : </a:t>
+                      </a:r>
+                      <a:r>
+                        <a:rPr lang="en-US" altLang="ko-KR" baseline="0" dirty="0" err="1"/>
+                        <a:t>CourseList</a:t>
+                      </a:r>
+                      <a:endParaRPr lang="ko-KR" altLang="en-US" dirty="0"/>
+                    </a:p>
+                  </a:txBody>
+                  <a:tcPr/>
+                </a:tc>
+                <a:extLst>
+                  <a:ext uri="{0D108BD9-81ED-4DB2-BD59-A6C34878D82A}">
+                    <a16:rowId xmlns:a16="http://schemas.microsoft.com/office/drawing/2014/main" val="10001"/>
+                  </a:ext>
+                </a:extLst>
+              </a:tr>
+              <a:tr h="2046254">
+                <a:tc>
+                  <a:txBody>
+                    <a:bodyPr/>
+                    <a:lstStyle/>
+                    <a:p>
+                      <a:pPr marL="0" marR="0" indent="0" algn="l" defTabSz="914400" rtl="0" eaLnBrk="1" fontAlgn="auto" latinLnBrk="1" hangingPunct="1">
+                        <a:lnSpc>
+                          <a:spcPct val="100000"/>
+                        </a:lnSpc>
+                        <a:spcBef>
+                          <a:spcPts val="0"/>
+                        </a:spcBef>
+                        <a:spcAft>
+                          <a:spcPts val="0"/>
+                        </a:spcAft>
+                        <a:buClrTx/>
+                        <a:buSzTx/>
+                        <a:buFontTx/>
+                        <a:buNone/>
+                        <a:tabLst/>
+                        <a:defRPr/>
+                      </a:pPr>
+                      <a:r>
+                        <a:rPr lang="en-US" altLang="ko-KR" baseline="0" dirty="0"/>
+                        <a:t>+</a:t>
+                      </a:r>
+                      <a:r>
+                        <a:rPr lang="en-US" altLang="ko-KR" sz="1800" dirty="0" err="1"/>
+                        <a:t>CourseManageSystem</a:t>
+                      </a:r>
+                      <a:r>
+                        <a:rPr lang="en-US" altLang="ko-KR" sz="1800" dirty="0"/>
+                        <a:t>()</a:t>
+                      </a:r>
+                      <a:endParaRPr lang="ko-KR" altLang="en-US" sz="1800" dirty="0"/>
+                    </a:p>
+                    <a:p>
+                      <a:r>
+                        <a:rPr lang="en-US" altLang="ko-KR" baseline="0" dirty="0"/>
+                        <a:t>+</a:t>
+                      </a:r>
+                      <a:r>
+                        <a:rPr lang="en-US" altLang="ko-KR" baseline="0" dirty="0" err="1"/>
+                        <a:t>AddCourseSystem</a:t>
+                      </a:r>
+                      <a:r>
+                        <a:rPr lang="en-US" altLang="ko-KR" baseline="0" dirty="0"/>
+                        <a:t>()</a:t>
+                      </a:r>
+                    </a:p>
+                    <a:p>
+                      <a:pPr marL="0" marR="0" indent="0" algn="l" defTabSz="914400" rtl="0" eaLnBrk="1" fontAlgn="auto" latinLnBrk="1" hangingPunct="1">
+                        <a:lnSpc>
+                          <a:spcPct val="100000"/>
+                        </a:lnSpc>
+                        <a:spcBef>
+                          <a:spcPts val="0"/>
+                        </a:spcBef>
+                        <a:spcAft>
+                          <a:spcPts val="0"/>
+                        </a:spcAft>
+                        <a:buClrTx/>
+                        <a:buSzTx/>
+                        <a:buFontTx/>
+                        <a:buNone/>
+                        <a:tabLst/>
+                        <a:defRPr/>
+                      </a:pPr>
+                      <a:r>
+                        <a:rPr lang="en-US" altLang="ko-KR" baseline="0" dirty="0"/>
+                        <a:t>+</a:t>
+                      </a:r>
+                      <a:r>
+                        <a:rPr lang="en-US" altLang="ko-KR" sz="1800" dirty="0" err="1"/>
+                        <a:t>Edit</a:t>
+                      </a:r>
+                      <a:r>
+                        <a:rPr lang="en-US" altLang="ko-KR" baseline="0" dirty="0" err="1"/>
+                        <a:t>CourseSystem</a:t>
+                      </a:r>
+                      <a:r>
+                        <a:rPr lang="en-US" altLang="ko-KR" baseline="0" dirty="0"/>
+                        <a:t>()</a:t>
+                      </a:r>
+                    </a:p>
+                    <a:p>
+                      <a:pPr marL="0" marR="0" indent="0" algn="l" defTabSz="914400" rtl="0" eaLnBrk="1" fontAlgn="auto" latinLnBrk="1" hangingPunct="1">
+                        <a:lnSpc>
+                          <a:spcPct val="100000"/>
+                        </a:lnSpc>
+                        <a:spcBef>
+                          <a:spcPts val="0"/>
+                        </a:spcBef>
+                        <a:spcAft>
+                          <a:spcPts val="0"/>
+                        </a:spcAft>
+                        <a:buClrTx/>
+                        <a:buSzTx/>
+                        <a:buFontTx/>
+                        <a:buNone/>
+                        <a:tabLst/>
+                        <a:defRPr/>
+                      </a:pPr>
+                      <a:r>
+                        <a:rPr lang="en-US" altLang="ko-KR" baseline="0" dirty="0"/>
+                        <a:t>+</a:t>
+                      </a:r>
+                      <a:r>
+                        <a:rPr lang="en-US" altLang="ko-KR" sz="1800" baseline="0" dirty="0" err="1"/>
+                        <a:t>Delete</a:t>
+                      </a:r>
+                      <a:r>
+                        <a:rPr lang="en-US" altLang="ko-KR" baseline="0" dirty="0" err="1"/>
+                        <a:t>CourseSystem</a:t>
+                      </a:r>
+                      <a:r>
+                        <a:rPr lang="en-US" altLang="ko-KR" baseline="0" dirty="0"/>
+                        <a:t>()</a:t>
+                      </a:r>
+                    </a:p>
+                    <a:p>
+                      <a:r>
+                        <a:rPr lang="en-US" altLang="ko-KR" baseline="0" dirty="0"/>
+                        <a:t>+ </a:t>
+                      </a:r>
+                      <a:r>
+                        <a:rPr lang="en-US" altLang="ko-KR" baseline="0" dirty="0" err="1"/>
+                        <a:t>getCourseContesnts</a:t>
+                      </a:r>
+                      <a:r>
+                        <a:rPr lang="en-US" altLang="ko-KR" baseline="0" dirty="0"/>
+                        <a:t>() : String[][]</a:t>
+                      </a:r>
+                    </a:p>
+                    <a:p>
+                      <a:r>
+                        <a:rPr lang="en-US" altLang="ko-KR" baseline="0" dirty="0"/>
+                        <a:t>+ </a:t>
+                      </a:r>
+                      <a:r>
+                        <a:rPr lang="en-US" altLang="ko-KR" baseline="0" dirty="0" err="1"/>
+                        <a:t>getCourseList</a:t>
+                      </a:r>
+                      <a:r>
+                        <a:rPr lang="en-US" altLang="ko-KR" baseline="0" dirty="0"/>
+                        <a:t>() : </a:t>
+                      </a:r>
+                      <a:r>
+                        <a:rPr lang="en-US" altLang="ko-KR" baseline="0" dirty="0" err="1"/>
+                        <a:t>CourseList</a:t>
+                      </a:r>
+                      <a:endParaRPr lang="en-US" altLang="ko-KR" baseline="0" dirty="0"/>
+                    </a:p>
+                  </a:txBody>
+                  <a:tcPr/>
+                </a:tc>
+                <a:extLst>
+                  <a:ext uri="{0D108BD9-81ED-4DB2-BD59-A6C34878D82A}">
+                    <a16:rowId xmlns:a16="http://schemas.microsoft.com/office/drawing/2014/main" val="10002"/>
+                  </a:ext>
+                </a:extLst>
+              </a:tr>
+            </a:tbl>
+          </a:graphicData>
+        </a:graphic>
+      </p:graphicFrame>
+    </p:spTree>
+    <p:extLst>
+      <p:ext uri="{BB962C8B-B14F-4D97-AF65-F5344CB8AC3E}">
+        <p14:creationId xmlns:p14="http://schemas.microsoft.com/office/powerpoint/2010/main" val="4113967170"/>
+      </p:ext>
+    </p:extLst>
+  </p:cSld>
+  <p:clrMapOvr>
+    <a:masterClrMapping/>
+  </p:clrMapOvr>
+</p:sld>
+</file>
+
+<file path=ppt/slides/slide14.xml><?xml version="1.0" encoding="utf-8"?>
+<p:sld xmlns:a="http://schemas.openxmlformats.org/drawingml/2006/main" xmlns:r="http://schemas.openxmlformats.org/officeDocument/2006/relationships" xmlns:p="http://schemas.openxmlformats.org/presentationml/2006/main">
+  <p:cSld>
+    <p:spTree>
+      <p:nvGrpSpPr>
+        <p:cNvPr id="1" name=""/>
+        <p:cNvGrpSpPr/>
+        <p:nvPr/>
+      </p:nvGrpSpPr>
+      <p:grpSpPr>
+        <a:xfrm>
+          <a:off x="0" y="0"/>
+          <a:ext cx="0" cy="0"/>
+          <a:chOff x="0" y="0"/>
+          <a:chExt cx="0" cy="0"/>
+        </a:xfrm>
+      </p:grpSpPr>
+      <p:sp>
+        <p:nvSpPr>
+          <p:cNvPr id="2" name="제목 1"/>
+          <p:cNvSpPr>
+            <a:spLocks noGrp="1"/>
+          </p:cNvSpPr>
+          <p:nvPr>
+            <p:ph type="title"/>
+          </p:nvPr>
+        </p:nvSpPr>
+        <p:spPr>
+          <a:xfrm>
+            <a:off x="352425" y="220211"/>
+            <a:ext cx="8327552" cy="625950"/>
+          </a:xfrm>
+        </p:spPr>
+        <p:txBody>
+          <a:bodyPr/>
+          <a:lstStyle/>
+          <a:p>
+            <a:r>
+              <a:rPr lang="en-US" altLang="ko-KR" sz="2500" dirty="0"/>
+              <a:t>Control Class</a:t>
+            </a:r>
+            <a:endParaRPr lang="ko-KR" altLang="en-US" sz="2500" dirty="0"/>
+          </a:p>
+        </p:txBody>
+      </p:sp>
+      <p:sp>
+        <p:nvSpPr>
+          <p:cNvPr id="4" name="바닥글 개체 틀 3"/>
+          <p:cNvSpPr>
+            <a:spLocks noGrp="1"/>
+          </p:cNvSpPr>
+          <p:nvPr>
+            <p:ph type="ftr" sz="quarter" idx="3"/>
+          </p:nvPr>
+        </p:nvSpPr>
+        <p:spPr/>
+        <p:txBody>
+          <a:bodyPr/>
+          <a:lstStyle/>
+          <a:p>
+            <a:pPr algn="r"/>
+            <a:r>
+              <a:rPr lang="ko-KR" altLang="en-US"/>
+              <a:t>팀 명</a:t>
+            </a:r>
+            <a:endParaRPr lang="en-US" altLang="ko-KR" dirty="0"/>
+          </a:p>
+        </p:txBody>
+      </p:sp>
+      <p:graphicFrame>
+        <p:nvGraphicFramePr>
+          <p:cNvPr id="5" name="표 4"/>
+          <p:cNvGraphicFramePr>
+            <a:graphicFrameLocks noGrp="1"/>
+          </p:cNvGraphicFramePr>
+          <p:nvPr/>
+        </p:nvGraphicFramePr>
+        <p:xfrm>
+          <a:off x="352425" y="1228296"/>
+          <a:ext cx="8327551" cy="4967787"/>
+        </p:xfrm>
+        <a:graphic>
+          <a:graphicData uri="http://schemas.openxmlformats.org/drawingml/2006/table">
+            <a:tbl>
+              <a:tblPr firstRow="1" bandRow="1">
+                <a:tableStyleId>{17292A2E-F333-43FB-9621-5CBBE7FDCDCB}</a:tableStyleId>
+              </a:tblPr>
+              <a:tblGrid>
+                <a:gridCol w="8327551">
+                  <a:extLst>
+                    <a:ext uri="{9D8B030D-6E8A-4147-A177-3AD203B41FA5}">
+                      <a16:colId xmlns:a16="http://schemas.microsoft.com/office/drawing/2014/main" val="20000"/>
+                    </a:ext>
+                  </a:extLst>
+                </a:gridCol>
+              </a:tblGrid>
+              <a:tr h="875279">
+                <a:tc>
+                  <a:txBody>
+                    <a:bodyPr/>
+                    <a:lstStyle/>
+                    <a:p>
+                      <a:r>
+                        <a:rPr lang="en-US" altLang="ko-KR" sz="4000" dirty="0" err="1"/>
+                        <a:t>TaskManageSystem</a:t>
+                      </a:r>
+                      <a:endParaRPr lang="ko-KR" altLang="en-US" sz="4000" dirty="0"/>
+                    </a:p>
+                  </a:txBody>
+                  <a:tcPr/>
+                </a:tc>
+                <a:extLst>
+                  <a:ext uri="{0D108BD9-81ED-4DB2-BD59-A6C34878D82A}">
+                    <a16:rowId xmlns:a16="http://schemas.microsoft.com/office/drawing/2014/main" val="10000"/>
+                  </a:ext>
+                </a:extLst>
+              </a:tr>
+              <a:tr h="2046254">
+                <a:tc>
+                  <a:txBody>
+                    <a:bodyPr/>
+                    <a:lstStyle/>
+                    <a:p>
+                      <a:r>
+                        <a:rPr lang="en-US" altLang="ko-KR" dirty="0"/>
+                        <a:t>- </a:t>
+                      </a:r>
+                      <a:r>
+                        <a:rPr lang="en-US" altLang="ko-KR" dirty="0" err="1"/>
+                        <a:t>CourseList</a:t>
+                      </a:r>
+                      <a:r>
+                        <a:rPr lang="en-US" altLang="ko-KR" baseline="0" dirty="0"/>
+                        <a:t> : </a:t>
+                      </a:r>
+                      <a:r>
+                        <a:rPr lang="en-US" altLang="ko-KR" baseline="0" dirty="0" err="1"/>
+                        <a:t>CourseList</a:t>
+                      </a:r>
+                      <a:endParaRPr lang="ko-KR" altLang="en-US" dirty="0"/>
+                    </a:p>
+                  </a:txBody>
+                  <a:tcPr/>
+                </a:tc>
+                <a:extLst>
+                  <a:ext uri="{0D108BD9-81ED-4DB2-BD59-A6C34878D82A}">
+                    <a16:rowId xmlns:a16="http://schemas.microsoft.com/office/drawing/2014/main" val="10001"/>
+                  </a:ext>
+                </a:extLst>
+              </a:tr>
+              <a:tr h="2046254">
+                <a:tc>
+                  <a:txBody>
+                    <a:bodyPr/>
+                    <a:lstStyle/>
+                    <a:p>
+                      <a:pPr marL="0" marR="0" indent="0" algn="l" defTabSz="914400" rtl="0" eaLnBrk="1" fontAlgn="auto" latinLnBrk="1" hangingPunct="1">
+                        <a:lnSpc>
+                          <a:spcPct val="100000"/>
+                        </a:lnSpc>
+                        <a:spcBef>
+                          <a:spcPts val="0"/>
+                        </a:spcBef>
+                        <a:spcAft>
+                          <a:spcPts val="0"/>
+                        </a:spcAft>
+                        <a:buClrTx/>
+                        <a:buSzTx/>
+                        <a:buFontTx/>
+                        <a:buNone/>
+                        <a:tabLst/>
+                        <a:defRPr/>
+                      </a:pPr>
+                      <a:r>
+                        <a:rPr lang="en-US" altLang="ko-KR" baseline="0" dirty="0"/>
+                        <a:t>+</a:t>
+                      </a:r>
+                      <a:r>
+                        <a:rPr lang="en-US" altLang="ko-KR" sz="1800" dirty="0" err="1"/>
+                        <a:t>TaskManageSystem</a:t>
+                      </a:r>
+                      <a:r>
+                        <a:rPr lang="en-US" altLang="ko-KR" baseline="0" dirty="0"/>
+                        <a:t>()</a:t>
+                      </a:r>
+                    </a:p>
+                    <a:p>
+                      <a:r>
+                        <a:rPr lang="en-US" altLang="ko-KR" baseline="0" dirty="0"/>
+                        <a:t>+</a:t>
+                      </a:r>
+                      <a:r>
+                        <a:rPr lang="en-US" altLang="ko-KR" baseline="0" dirty="0" err="1"/>
+                        <a:t>AddTaskSystem</a:t>
+                      </a:r>
+                      <a:r>
+                        <a:rPr lang="en-US" altLang="ko-KR" baseline="0" dirty="0"/>
+                        <a:t>()</a:t>
+                      </a:r>
+                    </a:p>
+                    <a:p>
+                      <a:pPr marL="0" marR="0" indent="0" algn="l" defTabSz="914400" rtl="0" eaLnBrk="1" fontAlgn="auto" latinLnBrk="1" hangingPunct="1">
+                        <a:lnSpc>
+                          <a:spcPct val="100000"/>
+                        </a:lnSpc>
+                        <a:spcBef>
+                          <a:spcPts val="0"/>
+                        </a:spcBef>
+                        <a:spcAft>
+                          <a:spcPts val="0"/>
+                        </a:spcAft>
+                        <a:buClrTx/>
+                        <a:buSzTx/>
+                        <a:buFontTx/>
+                        <a:buNone/>
+                        <a:tabLst/>
+                        <a:defRPr/>
+                      </a:pPr>
+                      <a:r>
+                        <a:rPr lang="en-US" altLang="ko-KR" baseline="0" dirty="0"/>
+                        <a:t>+</a:t>
+                      </a:r>
+                      <a:r>
+                        <a:rPr lang="en-US" altLang="ko-KR" sz="1800" dirty="0" err="1"/>
+                        <a:t>Edit</a:t>
+                      </a:r>
+                      <a:r>
+                        <a:rPr lang="en-US" altLang="ko-KR" baseline="0" dirty="0" err="1"/>
+                        <a:t>TaskSystem</a:t>
+                      </a:r>
+                      <a:r>
+                        <a:rPr lang="en-US" altLang="ko-KR" baseline="0" dirty="0"/>
+                        <a:t>()</a:t>
+                      </a:r>
+                    </a:p>
+                    <a:p>
+                      <a:pPr marL="0" marR="0" indent="0" algn="l" defTabSz="914400" rtl="0" eaLnBrk="1" fontAlgn="auto" latinLnBrk="1" hangingPunct="1">
+                        <a:lnSpc>
+                          <a:spcPct val="100000"/>
+                        </a:lnSpc>
+                        <a:spcBef>
+                          <a:spcPts val="0"/>
+                        </a:spcBef>
+                        <a:spcAft>
+                          <a:spcPts val="0"/>
+                        </a:spcAft>
+                        <a:buClrTx/>
+                        <a:buSzTx/>
+                        <a:buFontTx/>
+                        <a:buNone/>
+                        <a:tabLst/>
+                        <a:defRPr/>
+                      </a:pPr>
+                      <a:r>
+                        <a:rPr lang="en-US" altLang="ko-KR" baseline="0" dirty="0"/>
+                        <a:t>+</a:t>
+                      </a:r>
+                      <a:r>
+                        <a:rPr lang="en-US" altLang="ko-KR" sz="1800" baseline="0" dirty="0" err="1"/>
+                        <a:t>Delete</a:t>
+                      </a:r>
+                      <a:r>
+                        <a:rPr lang="en-US" altLang="ko-KR" baseline="0" dirty="0" err="1"/>
+                        <a:t>TaskSystem</a:t>
+                      </a:r>
+                      <a:r>
+                        <a:rPr lang="en-US" altLang="ko-KR" baseline="0" dirty="0"/>
+                        <a:t>()</a:t>
+                      </a:r>
+                    </a:p>
+                    <a:p>
+                      <a:r>
+                        <a:rPr lang="en-US" altLang="ko-KR" baseline="0" dirty="0"/>
+                        <a:t>+ </a:t>
+                      </a:r>
+                      <a:r>
+                        <a:rPr lang="en-US" altLang="ko-KR" baseline="0" dirty="0" err="1"/>
+                        <a:t>getTaskContesnts</a:t>
+                      </a:r>
+                      <a:r>
+                        <a:rPr lang="en-US" altLang="ko-KR" baseline="0" dirty="0"/>
+                        <a:t>() : String[][]</a:t>
+                      </a:r>
+                    </a:p>
+                    <a:p>
+                      <a:r>
+                        <a:rPr lang="en-US" altLang="ko-KR" baseline="0" dirty="0"/>
+                        <a:t>+ </a:t>
+                      </a:r>
+                      <a:r>
+                        <a:rPr lang="en-US" altLang="ko-KR" baseline="0" dirty="0" err="1"/>
+                        <a:t>getTaskList</a:t>
+                      </a:r>
+                      <a:r>
+                        <a:rPr lang="en-US" altLang="ko-KR" baseline="0" dirty="0"/>
+                        <a:t>() : </a:t>
+                      </a:r>
+                      <a:r>
+                        <a:rPr lang="en-US" altLang="ko-KR" baseline="0" dirty="0" err="1"/>
+                        <a:t>TaskList</a:t>
+                      </a:r>
+                      <a:endParaRPr lang="en-US" altLang="ko-KR" baseline="0" dirty="0"/>
+                    </a:p>
+                  </a:txBody>
+                  <a:tcPr/>
+                </a:tc>
+                <a:extLst>
+                  <a:ext uri="{0D108BD9-81ED-4DB2-BD59-A6C34878D82A}">
+                    <a16:rowId xmlns:a16="http://schemas.microsoft.com/office/drawing/2014/main" val="10002"/>
+                  </a:ext>
+                </a:extLst>
+              </a:tr>
+            </a:tbl>
+          </a:graphicData>
+        </a:graphic>
+      </p:graphicFrame>
+    </p:spTree>
+    <p:extLst>
+      <p:ext uri="{BB962C8B-B14F-4D97-AF65-F5344CB8AC3E}">
+        <p14:creationId xmlns:p14="http://schemas.microsoft.com/office/powerpoint/2010/main" val="3856391460"/>
+      </p:ext>
+    </p:extLst>
   </p:cSld>
   <p:clrMapOvr>
     <a:masterClrMapping/>
@@ -3051,10 +4381,9 @@
           <a:lstStyle/>
           <a:p>
             <a:r>
-              <a:rPr lang="ko-KR" altLang="en-US" dirty="0" smtClean="0"/>
+              <a:rPr lang="ko-KR" altLang="en-US" dirty="0"/>
               <a:t>변경 이력</a:t>
             </a:r>
-            <a:endParaRPr lang="ko-KR" altLang="en-US" dirty="0"/>
           </a:p>
         </p:txBody>
       </p:sp>
@@ -3075,7 +4404,7 @@
           <a:p>
             <a:pPr algn="r"/>
             <a:r>
-              <a:rPr lang="ko-KR" altLang="en-US" dirty="0" smtClean="0"/>
+              <a:rPr lang="ko-KR" altLang="en-US" dirty="0"/>
               <a:t>팀 명</a:t>
             </a:r>
             <a:endParaRPr lang="en-US" altLang="ko-KR" dirty="0"/>
@@ -3092,7 +4421,7 @@
             <p:ph idx="1"/>
             <p:extLst>
               <p:ext uri="{D42A27DB-BD31-4B8C-83A1-F6EECF244321}">
-                <p14:modId xmlns:p14="http://schemas.microsoft.com/office/powerpoint/2010/main" val="3721839066"/>
+                <p14:modId xmlns:p14="http://schemas.microsoft.com/office/powerpoint/2010/main" val="1427293545"/>
               </p:ext>
             </p:extLst>
           </p:nvPr>
@@ -3108,10 +4437,34 @@
                 <a:tableStyleId>{5940675A-B579-460E-94D1-54222C63F5DA}</a:tableStyleId>
               </a:tblPr>
               <a:tblGrid>
-                <a:gridCol w="2145506"/>
-                <a:gridCol w="2145506"/>
-                <a:gridCol w="2145506"/>
-                <a:gridCol w="2145506"/>
+                <a:gridCol w="2145506">
+                  <a:extLst>
+                    <a:ext uri="{9D8B030D-6E8A-4147-A177-3AD203B41FA5}">
+                      <a16:colId xmlns:a16="http://schemas.microsoft.com/office/drawing/2014/main" val="20000"/>
+                    </a:ext>
+                  </a:extLst>
+                </a:gridCol>
+                <a:gridCol w="2145506">
+                  <a:extLst>
+                    <a:ext uri="{9D8B030D-6E8A-4147-A177-3AD203B41FA5}">
+                      <a16:colId xmlns:a16="http://schemas.microsoft.com/office/drawing/2014/main" val="20001"/>
+                    </a:ext>
+                  </a:extLst>
+                </a:gridCol>
+                <a:gridCol w="2145506">
+                  <a:extLst>
+                    <a:ext uri="{9D8B030D-6E8A-4147-A177-3AD203B41FA5}">
+                      <a16:colId xmlns:a16="http://schemas.microsoft.com/office/drawing/2014/main" val="20002"/>
+                    </a:ext>
+                  </a:extLst>
+                </a:gridCol>
+                <a:gridCol w="2145506">
+                  <a:extLst>
+                    <a:ext uri="{9D8B030D-6E8A-4147-A177-3AD203B41FA5}">
+                      <a16:colId xmlns:a16="http://schemas.microsoft.com/office/drawing/2014/main" val="20003"/>
+                    </a:ext>
+                  </a:extLst>
+                </a:gridCol>
               </a:tblGrid>
               <a:tr h="370840">
                 <a:tc>
@@ -3121,7 +4474,7 @@
                     <a:p>
                       <a:pPr algn="ctr" latinLnBrk="1"/>
                       <a:r>
-                        <a:rPr lang="ko-KR" altLang="en-US" sz="1200" b="1" dirty="0" smtClean="0">
+                        <a:rPr lang="ko-KR" altLang="en-US" sz="1200" b="1" dirty="0">
                           <a:latin typeface="맑은 고딕" pitchFamily="50" charset="-127"/>
                           <a:ea typeface="맑은 고딕" pitchFamily="50" charset="-127"/>
                         </a:rPr>
@@ -3151,7 +4504,7 @@
                     <a:p>
                       <a:pPr algn="ctr" latinLnBrk="1"/>
                       <a:r>
-                        <a:rPr lang="ko-KR" altLang="en-US" sz="1200" b="1" dirty="0" smtClean="0">
+                        <a:rPr lang="ko-KR" altLang="en-US" sz="1200" b="1" dirty="0">
                           <a:latin typeface="맑은 고딕" pitchFamily="50" charset="-127"/>
                           <a:ea typeface="맑은 고딕" pitchFamily="50" charset="-127"/>
                         </a:rPr>
@@ -3181,7 +4534,7 @@
                     <a:p>
                       <a:pPr algn="ctr" latinLnBrk="1"/>
                       <a:r>
-                        <a:rPr lang="ko-KR" altLang="en-US" sz="1200" b="1" dirty="0" smtClean="0">
+                        <a:rPr lang="ko-KR" altLang="en-US" sz="1200" b="1" dirty="0">
                           <a:latin typeface="맑은 고딕" pitchFamily="50" charset="-127"/>
                           <a:ea typeface="맑은 고딕" pitchFamily="50" charset="-127"/>
                         </a:rPr>
@@ -3211,7 +4564,7 @@
                     <a:p>
                       <a:pPr algn="ctr" latinLnBrk="1"/>
                       <a:r>
-                        <a:rPr lang="ko-KR" altLang="en-US" sz="1200" b="1" dirty="0" smtClean="0">
+                        <a:rPr lang="ko-KR" altLang="en-US" sz="1200" b="1" dirty="0">
                           <a:latin typeface="맑은 고딕" pitchFamily="50" charset="-127"/>
                           <a:ea typeface="맑은 고딕" pitchFamily="50" charset="-127"/>
                         </a:rPr>
@@ -3234,6 +4587,11 @@
                     </a:solidFill>
                   </a:tcPr>
                 </a:tc>
+                <a:extLst>
+                  <a:ext uri="{0D108BD9-81ED-4DB2-BD59-A6C34878D82A}">
+                    <a16:rowId xmlns:a16="http://schemas.microsoft.com/office/drawing/2014/main" val="10000"/>
+                  </a:ext>
+                </a:extLst>
               </a:tr>
               <a:tr h="370840">
                 <a:tc>
@@ -3242,6 +4600,16 @@
                     <a:lstStyle/>
                     <a:p>
                       <a:pPr algn="ctr" latinLnBrk="1"/>
+                      <a:r>
+                        <a:rPr lang="en-US" altLang="ko-KR" sz="1200" b="0" dirty="0">
+                          <a:solidFill>
+                            <a:schemeClr val="tx1"/>
+                          </a:solidFill>
+                          <a:latin typeface="맑은 고딕" pitchFamily="50" charset="-127"/>
+                          <a:ea typeface="맑은 고딕" pitchFamily="50" charset="-127"/>
+                        </a:rPr>
+                        <a:t>2017.05.19</a:t>
+                      </a:r>
                       <a:endParaRPr lang="ko-KR" altLang="en-US" sz="1200" b="0" dirty="0">
                         <a:solidFill>
                           <a:schemeClr val="tx1"/>
@@ -3263,6 +4631,16 @@
                     <a:lstStyle/>
                     <a:p>
                       <a:pPr algn="ctr" latinLnBrk="1"/>
+                      <a:r>
+                        <a:rPr lang="en-US" altLang="ko-KR" sz="1200" b="0" dirty="0">
+                          <a:solidFill>
+                            <a:schemeClr val="tx1"/>
+                          </a:solidFill>
+                          <a:latin typeface="맑은 고딕" pitchFamily="50" charset="-127"/>
+                          <a:ea typeface="맑은 고딕" pitchFamily="50" charset="-127"/>
+                        </a:rPr>
+                        <a:t>V1.0.0</a:t>
+                      </a:r>
                       <a:endParaRPr lang="ko-KR" altLang="en-US" sz="1200" b="0" dirty="0">
                         <a:solidFill>
                           <a:schemeClr val="tx1"/>
@@ -3284,13 +4662,46 @@
                     <a:lstStyle/>
                     <a:p>
                       <a:pPr latinLnBrk="1"/>
-                      <a:endParaRPr lang="ko-KR" altLang="en-US" sz="1200" b="0" dirty="0">
-                        <a:solidFill>
-                          <a:schemeClr val="tx1"/>
-                        </a:solidFill>
-                        <a:latin typeface="맑은 고딕" pitchFamily="50" charset="-127"/>
-                        <a:ea typeface="맑은 고딕" pitchFamily="50" charset="-127"/>
-                      </a:endParaRPr>
+                      <a:r>
+                        <a:rPr lang="en-US" altLang="ko-KR" sz="1200" b="0" dirty="0">
+                          <a:solidFill>
+                            <a:schemeClr val="tx1"/>
+                          </a:solidFill>
+                          <a:latin typeface="맑은 고딕" pitchFamily="50" charset="-127"/>
+                          <a:ea typeface="맑은 고딕" pitchFamily="50" charset="-127"/>
+                        </a:rPr>
+                        <a:t>Entity</a:t>
+                      </a:r>
+                      <a:r>
+                        <a:rPr lang="ko-KR" altLang="en-US" sz="1200" b="0" dirty="0">
+                          <a:solidFill>
+                            <a:schemeClr val="tx1"/>
+                          </a:solidFill>
+                          <a:latin typeface="맑은 고딕" pitchFamily="50" charset="-127"/>
+                          <a:ea typeface="맑은 고딕" pitchFamily="50" charset="-127"/>
+                        </a:rPr>
+                        <a:t> </a:t>
+                      </a:r>
+                      <a:r>
+                        <a:rPr lang="en-US" altLang="ko-KR" sz="1200" b="0" dirty="0">
+                          <a:solidFill>
+                            <a:schemeClr val="tx1"/>
+                          </a:solidFill>
+                          <a:latin typeface="맑은 고딕" pitchFamily="50" charset="-127"/>
+                          <a:ea typeface="맑은 고딕" pitchFamily="50" charset="-127"/>
+                        </a:rPr>
+                        <a:t>/ Control Class </a:t>
+                      </a:r>
+                      <a:r>
+                        <a:rPr lang="ko-KR" altLang="en-US" sz="1200" b="0" dirty="0">
+                          <a:solidFill>
+                            <a:schemeClr val="tx1"/>
+                          </a:solidFill>
+                          <a:latin typeface="맑은 고딕" pitchFamily="50" charset="-127"/>
+                          <a:ea typeface="맑은 고딕" pitchFamily="50" charset="-127"/>
+                        </a:rPr>
+                        <a:t>작성</a:t>
+                      </a:r>
                     </a:p>
                   </a:txBody>
                   <a:tcPr anchor="ctr">
@@ -3305,13 +4716,16 @@
                     <a:lstStyle/>
                     <a:p>
                       <a:pPr algn="ctr" latinLnBrk="1"/>
-                      <a:endParaRPr lang="ko-KR" altLang="en-US" sz="1200" b="0" dirty="0">
-                        <a:solidFill>
-                          <a:schemeClr val="tx1"/>
-                        </a:solidFill>
-                        <a:latin typeface="맑은 고딕" pitchFamily="50" charset="-127"/>
-                        <a:ea typeface="맑은 고딕" pitchFamily="50" charset="-127"/>
-                      </a:endParaRPr>
+                      <a:r>
+                        <a:rPr lang="ko-KR" altLang="en-US" sz="1200" b="0" dirty="0">
+                          <a:solidFill>
+                            <a:schemeClr val="tx1"/>
+                          </a:solidFill>
+                          <a:latin typeface="맑은 고딕" pitchFamily="50" charset="-127"/>
+                          <a:ea typeface="맑은 고딕" pitchFamily="50" charset="-127"/>
+                        </a:rPr>
+                        <a:t>박정민</a:t>
+                      </a:r>
                     </a:p>
                   </a:txBody>
                   <a:tcPr anchor="ctr">
@@ -3320,6 +4734,11 @@
                     </a:solidFill>
                   </a:tcPr>
                 </a:tc>
+                <a:extLst>
+                  <a:ext uri="{0D108BD9-81ED-4DB2-BD59-A6C34878D82A}">
+                    <a16:rowId xmlns:a16="http://schemas.microsoft.com/office/drawing/2014/main" val="10001"/>
+                  </a:ext>
+                </a:extLst>
               </a:tr>
               <a:tr h="370840">
                 <a:tc>
@@ -3328,6 +4747,16 @@
                     <a:lstStyle/>
                     <a:p>
                       <a:pPr algn="ctr" latinLnBrk="1"/>
+                      <a:r>
+                        <a:rPr lang="en-US" altLang="ko-KR" sz="1200" b="0" dirty="0">
+                          <a:solidFill>
+                            <a:schemeClr val="tx1"/>
+                          </a:solidFill>
+                          <a:latin typeface="맑은 고딕" pitchFamily="50" charset="-127"/>
+                          <a:ea typeface="맑은 고딕" pitchFamily="50" charset="-127"/>
+                        </a:rPr>
+                        <a:t>2017.0519</a:t>
+                      </a:r>
                       <a:endParaRPr lang="ko-KR" altLang="en-US" sz="1200" b="0" dirty="0">
                         <a:solidFill>
                           <a:schemeClr val="tx1"/>
@@ -3349,6 +4778,16 @@
                     <a:lstStyle/>
                     <a:p>
                       <a:pPr algn="ctr" latinLnBrk="1"/>
+                      <a:r>
+                        <a:rPr lang="en-US" altLang="ko-KR" sz="1200" b="0" dirty="0">
+                          <a:solidFill>
+                            <a:schemeClr val="tx1"/>
+                          </a:solidFill>
+                          <a:latin typeface="맑은 고딕" pitchFamily="50" charset="-127"/>
+                          <a:ea typeface="맑은 고딕" pitchFamily="50" charset="-127"/>
+                        </a:rPr>
+                        <a:t>V1.0.0</a:t>
+                      </a:r>
                       <a:endParaRPr lang="ko-KR" altLang="en-US" sz="1200" b="0" dirty="0">
                         <a:solidFill>
                           <a:schemeClr val="tx1"/>
@@ -3370,13 +4809,26 @@
                     <a:lstStyle/>
                     <a:p>
                       <a:pPr latinLnBrk="1"/>
-                      <a:endParaRPr lang="ko-KR" altLang="en-US" sz="1200" b="0">
-                        <a:solidFill>
-                          <a:schemeClr val="tx1"/>
-                        </a:solidFill>
-                        <a:latin typeface="맑은 고딕" pitchFamily="50" charset="-127"/>
-                        <a:ea typeface="맑은 고딕" pitchFamily="50" charset="-127"/>
-                      </a:endParaRPr>
+                      <a:r>
+                        <a:rPr lang="en-US" altLang="ko-KR" sz="1200" b="0" dirty="0">
+                          <a:solidFill>
+                            <a:schemeClr val="tx1"/>
+                          </a:solidFill>
+                          <a:latin typeface="맑은 고딕" pitchFamily="50" charset="-127"/>
+                          <a:ea typeface="맑은 고딕" pitchFamily="50" charset="-127"/>
+                        </a:rPr>
+                        <a:t>Boundary Class </a:t>
+                      </a:r>
+                      <a:r>
+                        <a:rPr lang="ko-KR" altLang="en-US" sz="1200" b="0" dirty="0">
+                          <a:solidFill>
+                            <a:schemeClr val="tx1"/>
+                          </a:solidFill>
+                          <a:latin typeface="맑은 고딕" pitchFamily="50" charset="-127"/>
+                          <a:ea typeface="맑은 고딕" pitchFamily="50" charset="-127"/>
+                        </a:rPr>
+                        <a:t>작성</a:t>
+                      </a:r>
                     </a:p>
                   </a:txBody>
                   <a:tcPr anchor="ctr">
@@ -3391,6 +4843,16 @@
                     <a:lstStyle/>
                     <a:p>
                       <a:pPr algn="ctr" latinLnBrk="1"/>
+                      <a:r>
+                        <a:rPr lang="ko-KR" altLang="en-US" sz="1200" b="0" dirty="0" err="1">
+                          <a:solidFill>
+                            <a:schemeClr val="tx1"/>
+                          </a:solidFill>
+                          <a:latin typeface="맑은 고딕" pitchFamily="50" charset="-127"/>
+                          <a:ea typeface="맑은 고딕" pitchFamily="50" charset="-127"/>
+                        </a:rPr>
+                        <a:t>나소영</a:t>
+                      </a:r>
                       <a:endParaRPr lang="ko-KR" altLang="en-US" sz="1200" b="0" dirty="0">
                         <a:solidFill>
                           <a:schemeClr val="tx1"/>
@@ -3406,6 +4868,11 @@
                     </a:solidFill>
                   </a:tcPr>
                 </a:tc>
+                <a:extLst>
+                  <a:ext uri="{0D108BD9-81ED-4DB2-BD59-A6C34878D82A}">
+                    <a16:rowId xmlns:a16="http://schemas.microsoft.com/office/drawing/2014/main" val="10002"/>
+                  </a:ext>
+                </a:extLst>
               </a:tr>
               <a:tr h="370840">
                 <a:tc>
@@ -3456,7 +4923,7 @@
                     <a:lstStyle/>
                     <a:p>
                       <a:pPr latinLnBrk="1"/>
-                      <a:endParaRPr lang="ko-KR" altLang="en-US" sz="1200" b="0">
+                      <a:endParaRPr lang="ko-KR" altLang="en-US" sz="1200" b="0" dirty="0">
                         <a:solidFill>
                           <a:schemeClr val="tx1"/>
                         </a:solidFill>
@@ -3492,6 +4959,11 @@
                     </a:solidFill>
                   </a:tcPr>
                 </a:tc>
+                <a:extLst>
+                  <a:ext uri="{0D108BD9-81ED-4DB2-BD59-A6C34878D82A}">
+                    <a16:rowId xmlns:a16="http://schemas.microsoft.com/office/drawing/2014/main" val="10003"/>
+                  </a:ext>
+                </a:extLst>
               </a:tr>
               <a:tr h="370840">
                 <a:tc>
@@ -3578,6 +5050,11 @@
                     </a:solidFill>
                   </a:tcPr>
                 </a:tc>
+                <a:extLst>
+                  <a:ext uri="{0D108BD9-81ED-4DB2-BD59-A6C34878D82A}">
+                    <a16:rowId xmlns:a16="http://schemas.microsoft.com/office/drawing/2014/main" val="10004"/>
+                  </a:ext>
+                </a:extLst>
               </a:tr>
               <a:tr h="370840">
                 <a:tc>
@@ -3664,6 +5141,11 @@
                     </a:solidFill>
                   </a:tcPr>
                 </a:tc>
+                <a:extLst>
+                  <a:ext uri="{0D108BD9-81ED-4DB2-BD59-A6C34878D82A}">
+                    <a16:rowId xmlns:a16="http://schemas.microsoft.com/office/drawing/2014/main" val="10005"/>
+                  </a:ext>
+                </a:extLst>
               </a:tr>
               <a:tr h="370840">
                 <a:tc>
@@ -3750,6 +5232,11 @@
                     </a:solidFill>
                   </a:tcPr>
                 </a:tc>
+                <a:extLst>
+                  <a:ext uri="{0D108BD9-81ED-4DB2-BD59-A6C34878D82A}">
+                    <a16:rowId xmlns:a16="http://schemas.microsoft.com/office/drawing/2014/main" val="10006"/>
+                  </a:ext>
+                </a:extLst>
               </a:tr>
               <a:tr h="370840">
                 <a:tc>
@@ -3836,6 +5323,11 @@
                     </a:solidFill>
                   </a:tcPr>
                 </a:tc>
+                <a:extLst>
+                  <a:ext uri="{0D108BD9-81ED-4DB2-BD59-A6C34878D82A}">
+                    <a16:rowId xmlns:a16="http://schemas.microsoft.com/office/drawing/2014/main" val="10007"/>
+                  </a:ext>
+                </a:extLst>
               </a:tr>
             </a:tbl>
           </a:graphicData>
@@ -3883,7 +5375,7 @@
           <a:p>
             <a:pPr algn="r"/>
             <a:r>
-              <a:rPr lang="ko-KR" altLang="en-US" dirty="0" smtClean="0"/>
+              <a:rPr lang="ko-KR" altLang="en-US" dirty="0"/>
               <a:t>팀 명</a:t>
             </a:r>
             <a:endParaRPr lang="en-US" altLang="ko-KR" dirty="0"/>
@@ -3913,15 +5405,15 @@
           <a:lstStyle/>
           <a:p>
             <a:r>
-              <a:rPr lang="en-US" altLang="ko-KR" dirty="0" smtClean="0"/>
+              <a:rPr lang="en-US" altLang="ko-KR" dirty="0"/>
               <a:t>&lt;</a:t>
             </a:r>
             <a:r>
-              <a:rPr lang="ko-KR" altLang="en-US" dirty="0" smtClean="0"/>
+              <a:rPr lang="ko-KR" altLang="en-US" dirty="0"/>
               <a:t>예시</a:t>
             </a:r>
             <a:r>
-              <a:rPr lang="en-US" altLang="ko-KR" dirty="0" smtClean="0"/>
+              <a:rPr lang="en-US" altLang="ko-KR" dirty="0"/>
               <a:t>&gt;</a:t>
             </a:r>
             <a:endParaRPr lang="ko-KR" altLang="en-US" dirty="0"/>
@@ -3962,6 +5454,1609 @@
         </p:spPr>
       </p:pic>
     </p:spTree>
+  </p:cSld>
+  <p:clrMapOvr>
+    <a:masterClrMapping/>
+  </p:clrMapOvr>
+</p:sld>
+</file>
+
+<file path=ppt/slides/slide4.xml><?xml version="1.0" encoding="utf-8"?>
+<p:sld xmlns:a="http://schemas.openxmlformats.org/drawingml/2006/main" xmlns:r="http://schemas.openxmlformats.org/officeDocument/2006/relationships" xmlns:p="http://schemas.openxmlformats.org/presentationml/2006/main">
+  <p:cSld>
+    <p:spTree>
+      <p:nvGrpSpPr>
+        <p:cNvPr id="1" name=""/>
+        <p:cNvGrpSpPr/>
+        <p:nvPr/>
+      </p:nvGrpSpPr>
+      <p:grpSpPr>
+        <a:xfrm>
+          <a:off x="0" y="0"/>
+          <a:ext cx="0" cy="0"/>
+          <a:chOff x="0" y="0"/>
+          <a:chExt cx="0" cy="0"/>
+        </a:xfrm>
+      </p:grpSpPr>
+      <p:sp>
+        <p:nvSpPr>
+          <p:cNvPr id="2" name="제목 1"/>
+          <p:cNvSpPr>
+            <a:spLocks noGrp="1"/>
+          </p:cNvSpPr>
+          <p:nvPr>
+            <p:ph type="ctrTitle"/>
+          </p:nvPr>
+        </p:nvSpPr>
+        <p:spPr/>
+        <p:txBody>
+          <a:bodyPr/>
+          <a:lstStyle/>
+          <a:p>
+            <a:pPr algn="ctr"/>
+            <a:r>
+              <a:rPr lang="en-US" altLang="ko-KR" sz="4500" dirty="0"/>
+              <a:t>Entity Class</a:t>
+            </a:r>
+            <a:endParaRPr lang="ko-KR" altLang="en-US" sz="4500" dirty="0"/>
+          </a:p>
+        </p:txBody>
+      </p:sp>
+    </p:spTree>
+    <p:extLst>
+      <p:ext uri="{BB962C8B-B14F-4D97-AF65-F5344CB8AC3E}">
+        <p14:creationId xmlns:p14="http://schemas.microsoft.com/office/powerpoint/2010/main" val="699439387"/>
+      </p:ext>
+    </p:extLst>
+  </p:cSld>
+  <p:clrMapOvr>
+    <a:masterClrMapping/>
+  </p:clrMapOvr>
+</p:sld>
+</file>
+
+<file path=ppt/slides/slide5.xml><?xml version="1.0" encoding="utf-8"?>
+<p:sld xmlns:a="http://schemas.openxmlformats.org/drawingml/2006/main" xmlns:r="http://schemas.openxmlformats.org/officeDocument/2006/relationships" xmlns:p="http://schemas.openxmlformats.org/presentationml/2006/main">
+  <p:cSld>
+    <p:spTree>
+      <p:nvGrpSpPr>
+        <p:cNvPr id="1" name=""/>
+        <p:cNvGrpSpPr/>
+        <p:nvPr/>
+      </p:nvGrpSpPr>
+      <p:grpSpPr>
+        <a:xfrm>
+          <a:off x="0" y="0"/>
+          <a:ext cx="0" cy="0"/>
+          <a:chOff x="0" y="0"/>
+          <a:chExt cx="0" cy="0"/>
+        </a:xfrm>
+      </p:grpSpPr>
+      <p:sp>
+        <p:nvSpPr>
+          <p:cNvPr id="2" name="제목 1"/>
+          <p:cNvSpPr>
+            <a:spLocks noGrp="1"/>
+          </p:cNvSpPr>
+          <p:nvPr>
+            <p:ph type="title"/>
+          </p:nvPr>
+        </p:nvSpPr>
+        <p:spPr>
+          <a:xfrm>
+            <a:off x="352425" y="220211"/>
+            <a:ext cx="8327552" cy="625950"/>
+          </a:xfrm>
+        </p:spPr>
+        <p:txBody>
+          <a:bodyPr/>
+          <a:lstStyle/>
+          <a:p>
+            <a:r>
+              <a:rPr lang="en-US" altLang="ko-KR" sz="2500" dirty="0"/>
+              <a:t>Entity Class</a:t>
+            </a:r>
+            <a:endParaRPr lang="ko-KR" altLang="en-US" sz="2500" dirty="0"/>
+          </a:p>
+        </p:txBody>
+      </p:sp>
+      <p:sp>
+        <p:nvSpPr>
+          <p:cNvPr id="4" name="바닥글 개체 틀 3"/>
+          <p:cNvSpPr>
+            <a:spLocks noGrp="1"/>
+          </p:cNvSpPr>
+          <p:nvPr>
+            <p:ph type="ftr" sz="quarter" idx="3"/>
+          </p:nvPr>
+        </p:nvSpPr>
+        <p:spPr/>
+        <p:txBody>
+          <a:bodyPr/>
+          <a:lstStyle/>
+          <a:p>
+            <a:pPr algn="r"/>
+            <a:r>
+              <a:rPr lang="ko-KR" altLang="en-US"/>
+              <a:t>팀 명</a:t>
+            </a:r>
+            <a:endParaRPr lang="en-US" altLang="ko-KR" dirty="0"/>
+          </a:p>
+        </p:txBody>
+      </p:sp>
+      <p:graphicFrame>
+        <p:nvGraphicFramePr>
+          <p:cNvPr id="5" name="표 4"/>
+          <p:cNvGraphicFramePr>
+            <a:graphicFrameLocks noGrp="1"/>
+          </p:cNvGraphicFramePr>
+          <p:nvPr/>
+        </p:nvGraphicFramePr>
+        <p:xfrm>
+          <a:off x="352426" y="1228296"/>
+          <a:ext cx="3960268" cy="4967787"/>
+        </p:xfrm>
+        <a:graphic>
+          <a:graphicData uri="http://schemas.openxmlformats.org/drawingml/2006/table">
+            <a:tbl>
+              <a:tblPr firstRow="1" bandRow="1">
+                <a:tableStyleId>{17292A2E-F333-43FB-9621-5CBBE7FDCDCB}</a:tableStyleId>
+              </a:tblPr>
+              <a:tblGrid>
+                <a:gridCol w="3960268">
+                  <a:extLst>
+                    <a:ext uri="{9D8B030D-6E8A-4147-A177-3AD203B41FA5}">
+                      <a16:colId xmlns:a16="http://schemas.microsoft.com/office/drawing/2014/main" val="20000"/>
+                    </a:ext>
+                  </a:extLst>
+                </a:gridCol>
+              </a:tblGrid>
+              <a:tr h="875279">
+                <a:tc>
+                  <a:txBody>
+                    <a:bodyPr/>
+                    <a:lstStyle/>
+                    <a:p>
+                      <a:pPr algn="l" latinLnBrk="1"/>
+                      <a:r>
+                        <a:rPr lang="en-US" altLang="ko-KR" sz="4000" dirty="0"/>
+                        <a:t>Student</a:t>
+                      </a:r>
+                      <a:endParaRPr lang="ko-KR" altLang="en-US" sz="4000" dirty="0"/>
+                    </a:p>
+                  </a:txBody>
+                  <a:tcPr/>
+                </a:tc>
+                <a:extLst>
+                  <a:ext uri="{0D108BD9-81ED-4DB2-BD59-A6C34878D82A}">
+                    <a16:rowId xmlns:a16="http://schemas.microsoft.com/office/drawing/2014/main" val="10000"/>
+                  </a:ext>
+                </a:extLst>
+              </a:tr>
+              <a:tr h="4092508">
+                <a:tc>
+                  <a:txBody>
+                    <a:bodyPr/>
+                    <a:lstStyle/>
+                    <a:p>
+                      <a:pPr algn="l" latinLnBrk="1"/>
+                      <a:r>
+                        <a:rPr lang="en-US" altLang="ko-KR" sz="2500" dirty="0"/>
+                        <a:t>-</a:t>
+                      </a:r>
+                      <a:r>
+                        <a:rPr lang="en-US" altLang="ko-KR" sz="2500" dirty="0" err="1"/>
+                        <a:t>studentNum</a:t>
+                      </a:r>
+                      <a:r>
+                        <a:rPr lang="en-US" altLang="ko-KR" sz="2500" baseline="0" dirty="0"/>
+                        <a:t> : </a:t>
+                      </a:r>
+                      <a:r>
+                        <a:rPr lang="en-US" altLang="ko-KR" sz="2500" baseline="0" dirty="0" err="1"/>
+                        <a:t>int</a:t>
+                      </a:r>
+                      <a:endParaRPr lang="en-US" altLang="ko-KR" sz="2500" baseline="0" dirty="0"/>
+                    </a:p>
+                    <a:p>
+                      <a:pPr latinLnBrk="1"/>
+                      <a:r>
+                        <a:rPr lang="en-US" altLang="ko-KR" sz="2500" baseline="0" dirty="0"/>
+                        <a:t>-</a:t>
+                      </a:r>
+                      <a:r>
+                        <a:rPr lang="en-US" altLang="ko-KR" sz="2500" baseline="0" dirty="0" err="1"/>
+                        <a:t>studentName</a:t>
+                      </a:r>
+                      <a:r>
+                        <a:rPr lang="en-US" altLang="ko-KR" sz="2500" baseline="0" dirty="0"/>
+                        <a:t> : String</a:t>
+                      </a:r>
+                    </a:p>
+                    <a:p>
+                      <a:pPr latinLnBrk="1"/>
+                      <a:r>
+                        <a:rPr lang="en-US" altLang="ko-KR" sz="2500" baseline="0" dirty="0"/>
+                        <a:t>-password : String</a:t>
+                      </a:r>
+                      <a:endParaRPr lang="ko-KR" altLang="en-US" sz="2500" dirty="0"/>
+                    </a:p>
+                  </a:txBody>
+                  <a:tcPr/>
+                </a:tc>
+                <a:extLst>
+                  <a:ext uri="{0D108BD9-81ED-4DB2-BD59-A6C34878D82A}">
+                    <a16:rowId xmlns:a16="http://schemas.microsoft.com/office/drawing/2014/main" val="10001"/>
+                  </a:ext>
+                </a:extLst>
+              </a:tr>
+            </a:tbl>
+          </a:graphicData>
+        </a:graphic>
+      </p:graphicFrame>
+      <p:graphicFrame>
+        <p:nvGraphicFramePr>
+          <p:cNvPr id="8" name="표 7"/>
+          <p:cNvGraphicFramePr>
+            <a:graphicFrameLocks noGrp="1"/>
+          </p:cNvGraphicFramePr>
+          <p:nvPr/>
+        </p:nvGraphicFramePr>
+        <p:xfrm>
+          <a:off x="4749421" y="1228297"/>
+          <a:ext cx="3930556" cy="4967786"/>
+        </p:xfrm>
+        <a:graphic>
+          <a:graphicData uri="http://schemas.openxmlformats.org/drawingml/2006/table">
+            <a:tbl>
+              <a:tblPr firstRow="1" bandRow="1">
+                <a:tableStyleId>{17292A2E-F333-43FB-9621-5CBBE7FDCDCB}</a:tableStyleId>
+              </a:tblPr>
+              <a:tblGrid>
+                <a:gridCol w="3930556">
+                  <a:extLst>
+                    <a:ext uri="{9D8B030D-6E8A-4147-A177-3AD203B41FA5}">
+                      <a16:colId xmlns:a16="http://schemas.microsoft.com/office/drawing/2014/main" val="20000"/>
+                    </a:ext>
+                  </a:extLst>
+                </a:gridCol>
+              </a:tblGrid>
+              <a:tr h="875279">
+                <a:tc>
+                  <a:txBody>
+                    <a:bodyPr/>
+                    <a:lstStyle/>
+                    <a:p>
+                      <a:pPr algn="l" latinLnBrk="1"/>
+                      <a:r>
+                        <a:rPr lang="en-US" altLang="ko-KR" sz="4000" dirty="0"/>
+                        <a:t>Course</a:t>
+                      </a:r>
+                      <a:endParaRPr lang="ko-KR" altLang="en-US" sz="4000" dirty="0"/>
+                    </a:p>
+                  </a:txBody>
+                  <a:tcPr/>
+                </a:tc>
+                <a:extLst>
+                  <a:ext uri="{0D108BD9-81ED-4DB2-BD59-A6C34878D82A}">
+                    <a16:rowId xmlns:a16="http://schemas.microsoft.com/office/drawing/2014/main" val="10000"/>
+                  </a:ext>
+                </a:extLst>
+              </a:tr>
+              <a:tr h="4092507">
+                <a:tc>
+                  <a:txBody>
+                    <a:bodyPr/>
+                    <a:lstStyle/>
+                    <a:p>
+                      <a:pPr algn="l" latinLnBrk="1"/>
+                      <a:r>
+                        <a:rPr lang="en-US" altLang="ko-KR" sz="2500" dirty="0"/>
+                        <a:t>-</a:t>
+                      </a:r>
+                      <a:r>
+                        <a:rPr lang="en-US" altLang="ko-KR" sz="2500" dirty="0" err="1"/>
+                        <a:t>courseName</a:t>
+                      </a:r>
+                      <a:r>
+                        <a:rPr lang="en-US" altLang="ko-KR" sz="2500" dirty="0"/>
+                        <a:t> : String</a:t>
+                      </a:r>
+                    </a:p>
+                    <a:p>
+                      <a:pPr algn="l" latinLnBrk="1"/>
+                      <a:r>
+                        <a:rPr lang="en-US" altLang="ko-KR" sz="2500" dirty="0"/>
+                        <a:t>-professor : String</a:t>
+                      </a:r>
+                    </a:p>
+                    <a:p>
+                      <a:pPr algn="l" latinLnBrk="1"/>
+                      <a:r>
+                        <a:rPr lang="en-US" altLang="ko-KR" sz="2500" dirty="0"/>
+                        <a:t>-</a:t>
+                      </a:r>
+                      <a:r>
+                        <a:rPr lang="en-US" altLang="ko-KR" sz="2500" dirty="0" err="1"/>
+                        <a:t>courseDay</a:t>
+                      </a:r>
+                      <a:r>
+                        <a:rPr lang="en-US" altLang="ko-KR" sz="2500" dirty="0"/>
+                        <a:t> : </a:t>
+                      </a:r>
+                      <a:r>
+                        <a:rPr lang="en-US" altLang="ko-KR" sz="2500" dirty="0" err="1"/>
+                        <a:t>int</a:t>
+                      </a:r>
+                      <a:endParaRPr lang="en-US" altLang="ko-KR" sz="2500" dirty="0"/>
+                    </a:p>
+                    <a:p>
+                      <a:pPr algn="l" latinLnBrk="1"/>
+                      <a:r>
+                        <a:rPr lang="en-US" altLang="ko-KR" sz="2500" dirty="0"/>
+                        <a:t>-</a:t>
+                      </a:r>
+                      <a:r>
+                        <a:rPr lang="en-US" altLang="ko-KR" sz="2500" dirty="0" err="1"/>
+                        <a:t>courseTime</a:t>
+                      </a:r>
+                      <a:r>
+                        <a:rPr lang="en-US" altLang="ko-KR" sz="2500" dirty="0"/>
+                        <a:t> : </a:t>
+                      </a:r>
+                      <a:r>
+                        <a:rPr lang="en-US" altLang="ko-KR" sz="2500" dirty="0" err="1"/>
+                        <a:t>int</a:t>
+                      </a:r>
+                      <a:endParaRPr lang="en-US" altLang="ko-KR" sz="2500" dirty="0"/>
+                    </a:p>
+                    <a:p>
+                      <a:pPr algn="l" latinLnBrk="1"/>
+                      <a:r>
+                        <a:rPr lang="en-US" altLang="ko-KR" sz="2500" dirty="0"/>
+                        <a:t>-</a:t>
+                      </a:r>
+                      <a:r>
+                        <a:rPr lang="en-US" altLang="ko-KR" sz="2500" dirty="0" err="1"/>
+                        <a:t>courseYear</a:t>
+                      </a:r>
+                      <a:r>
+                        <a:rPr lang="en-US" altLang="ko-KR" sz="2500" dirty="0"/>
+                        <a:t> : </a:t>
+                      </a:r>
+                      <a:r>
+                        <a:rPr lang="en-US" altLang="ko-KR" sz="2500" dirty="0" err="1"/>
+                        <a:t>int</a:t>
+                      </a:r>
+                      <a:endParaRPr lang="en-US" altLang="ko-KR" sz="2500" dirty="0"/>
+                    </a:p>
+                    <a:p>
+                      <a:pPr algn="l" latinLnBrk="1"/>
+                      <a:r>
+                        <a:rPr lang="en-US" altLang="ko-KR" sz="2500" dirty="0"/>
+                        <a:t>-</a:t>
+                      </a:r>
+                      <a:r>
+                        <a:rPr lang="en-US" altLang="ko-KR" sz="2500" dirty="0" err="1"/>
+                        <a:t>courseSemester</a:t>
+                      </a:r>
+                      <a:r>
+                        <a:rPr lang="en-US" altLang="ko-KR" sz="2500" dirty="0"/>
+                        <a:t> : </a:t>
+                      </a:r>
+                      <a:r>
+                        <a:rPr lang="en-US" altLang="ko-KR" sz="2500" dirty="0" err="1"/>
+                        <a:t>int</a:t>
+                      </a:r>
+                      <a:endParaRPr lang="ko-KR" altLang="en-US" sz="2500" dirty="0"/>
+                    </a:p>
+                  </a:txBody>
+                  <a:tcPr/>
+                </a:tc>
+                <a:extLst>
+                  <a:ext uri="{0D108BD9-81ED-4DB2-BD59-A6C34878D82A}">
+                    <a16:rowId xmlns:a16="http://schemas.microsoft.com/office/drawing/2014/main" val="10001"/>
+                  </a:ext>
+                </a:extLst>
+              </a:tr>
+            </a:tbl>
+          </a:graphicData>
+        </a:graphic>
+      </p:graphicFrame>
+    </p:spTree>
+    <p:extLst>
+      <p:ext uri="{BB962C8B-B14F-4D97-AF65-F5344CB8AC3E}">
+        <p14:creationId xmlns:p14="http://schemas.microsoft.com/office/powerpoint/2010/main" val="2925167121"/>
+      </p:ext>
+    </p:extLst>
+  </p:cSld>
+  <p:clrMapOvr>
+    <a:masterClrMapping/>
+  </p:clrMapOvr>
+</p:sld>
+</file>
+
+<file path=ppt/slides/slide6.xml><?xml version="1.0" encoding="utf-8"?>
+<p:sld xmlns:a="http://schemas.openxmlformats.org/drawingml/2006/main" xmlns:r="http://schemas.openxmlformats.org/officeDocument/2006/relationships" xmlns:p="http://schemas.openxmlformats.org/presentationml/2006/main">
+  <p:cSld>
+    <p:spTree>
+      <p:nvGrpSpPr>
+        <p:cNvPr id="1" name=""/>
+        <p:cNvGrpSpPr/>
+        <p:nvPr/>
+      </p:nvGrpSpPr>
+      <p:grpSpPr>
+        <a:xfrm>
+          <a:off x="0" y="0"/>
+          <a:ext cx="0" cy="0"/>
+          <a:chOff x="0" y="0"/>
+          <a:chExt cx="0" cy="0"/>
+        </a:xfrm>
+      </p:grpSpPr>
+      <p:sp>
+        <p:nvSpPr>
+          <p:cNvPr id="4" name="바닥글 개체 틀 3"/>
+          <p:cNvSpPr>
+            <a:spLocks noGrp="1"/>
+          </p:cNvSpPr>
+          <p:nvPr>
+            <p:ph type="ftr" sz="quarter" idx="3"/>
+          </p:nvPr>
+        </p:nvSpPr>
+        <p:spPr/>
+        <p:txBody>
+          <a:bodyPr/>
+          <a:lstStyle/>
+          <a:p>
+            <a:pPr algn="r"/>
+            <a:r>
+              <a:rPr lang="ko-KR" altLang="en-US"/>
+              <a:t>팀 명</a:t>
+            </a:r>
+            <a:endParaRPr lang="en-US" altLang="ko-KR" dirty="0"/>
+          </a:p>
+        </p:txBody>
+      </p:sp>
+      <p:graphicFrame>
+        <p:nvGraphicFramePr>
+          <p:cNvPr id="5" name="표 4"/>
+          <p:cNvGraphicFramePr>
+            <a:graphicFrameLocks noGrp="1"/>
+          </p:cNvGraphicFramePr>
+          <p:nvPr/>
+        </p:nvGraphicFramePr>
+        <p:xfrm>
+          <a:off x="352426" y="1228296"/>
+          <a:ext cx="3960268" cy="4967787"/>
+        </p:xfrm>
+        <a:graphic>
+          <a:graphicData uri="http://schemas.openxmlformats.org/drawingml/2006/table">
+            <a:tbl>
+              <a:tblPr firstRow="1" bandRow="1">
+                <a:tableStyleId>{17292A2E-F333-43FB-9621-5CBBE7FDCDCB}</a:tableStyleId>
+              </a:tblPr>
+              <a:tblGrid>
+                <a:gridCol w="3960268">
+                  <a:extLst>
+                    <a:ext uri="{9D8B030D-6E8A-4147-A177-3AD203B41FA5}">
+                      <a16:colId xmlns:a16="http://schemas.microsoft.com/office/drawing/2014/main" val="20000"/>
+                    </a:ext>
+                  </a:extLst>
+                </a:gridCol>
+              </a:tblGrid>
+              <a:tr h="875279">
+                <a:tc>
+                  <a:txBody>
+                    <a:bodyPr/>
+                    <a:lstStyle/>
+                    <a:p>
+                      <a:pPr algn="l" latinLnBrk="1"/>
+                      <a:r>
+                        <a:rPr lang="en-US" altLang="ko-KR" sz="4000" dirty="0" err="1"/>
+                        <a:t>CourseList</a:t>
+                      </a:r>
+                      <a:endParaRPr lang="ko-KR" altLang="en-US" sz="4000" dirty="0"/>
+                    </a:p>
+                  </a:txBody>
+                  <a:tcPr/>
+                </a:tc>
+                <a:extLst>
+                  <a:ext uri="{0D108BD9-81ED-4DB2-BD59-A6C34878D82A}">
+                    <a16:rowId xmlns:a16="http://schemas.microsoft.com/office/drawing/2014/main" val="10000"/>
+                  </a:ext>
+                </a:extLst>
+              </a:tr>
+              <a:tr h="4092508">
+                <a:tc>
+                  <a:txBody>
+                    <a:bodyPr/>
+                    <a:lstStyle/>
+                    <a:p>
+                      <a:pPr algn="l" latinLnBrk="1"/>
+                      <a:r>
+                        <a:rPr lang="en-US" altLang="ko-KR" sz="2500" dirty="0" err="1"/>
+                        <a:t>courseArray</a:t>
+                      </a:r>
+                      <a:r>
+                        <a:rPr lang="en-US" altLang="ko-KR" sz="2500" baseline="0" dirty="0"/>
+                        <a:t> : Course[]</a:t>
+                      </a:r>
+                      <a:endParaRPr lang="ko-KR" altLang="en-US" sz="2500" dirty="0"/>
+                    </a:p>
+                  </a:txBody>
+                  <a:tcPr/>
+                </a:tc>
+                <a:extLst>
+                  <a:ext uri="{0D108BD9-81ED-4DB2-BD59-A6C34878D82A}">
+                    <a16:rowId xmlns:a16="http://schemas.microsoft.com/office/drawing/2014/main" val="10001"/>
+                  </a:ext>
+                </a:extLst>
+              </a:tr>
+            </a:tbl>
+          </a:graphicData>
+        </a:graphic>
+      </p:graphicFrame>
+      <p:graphicFrame>
+        <p:nvGraphicFramePr>
+          <p:cNvPr id="8" name="표 7"/>
+          <p:cNvGraphicFramePr>
+            <a:graphicFrameLocks noGrp="1"/>
+          </p:cNvGraphicFramePr>
+          <p:nvPr/>
+        </p:nvGraphicFramePr>
+        <p:xfrm>
+          <a:off x="4749421" y="1228297"/>
+          <a:ext cx="3930556" cy="4967786"/>
+        </p:xfrm>
+        <a:graphic>
+          <a:graphicData uri="http://schemas.openxmlformats.org/drawingml/2006/table">
+            <a:tbl>
+              <a:tblPr firstRow="1" bandRow="1">
+                <a:tableStyleId>{17292A2E-F333-43FB-9621-5CBBE7FDCDCB}</a:tableStyleId>
+              </a:tblPr>
+              <a:tblGrid>
+                <a:gridCol w="3930556">
+                  <a:extLst>
+                    <a:ext uri="{9D8B030D-6E8A-4147-A177-3AD203B41FA5}">
+                      <a16:colId xmlns:a16="http://schemas.microsoft.com/office/drawing/2014/main" val="20000"/>
+                    </a:ext>
+                  </a:extLst>
+                </a:gridCol>
+              </a:tblGrid>
+              <a:tr h="875279">
+                <a:tc>
+                  <a:txBody>
+                    <a:bodyPr/>
+                    <a:lstStyle/>
+                    <a:p>
+                      <a:pPr algn="l" latinLnBrk="1"/>
+                      <a:r>
+                        <a:rPr lang="en-US" altLang="ko-KR" sz="4000" dirty="0" err="1"/>
+                        <a:t>Todo</a:t>
+                      </a:r>
+                      <a:endParaRPr lang="ko-KR" altLang="en-US" sz="4000" dirty="0"/>
+                    </a:p>
+                  </a:txBody>
+                  <a:tcPr/>
+                </a:tc>
+                <a:extLst>
+                  <a:ext uri="{0D108BD9-81ED-4DB2-BD59-A6C34878D82A}">
+                    <a16:rowId xmlns:a16="http://schemas.microsoft.com/office/drawing/2014/main" val="10000"/>
+                  </a:ext>
+                </a:extLst>
+              </a:tr>
+              <a:tr h="4092507">
+                <a:tc>
+                  <a:txBody>
+                    <a:bodyPr/>
+                    <a:lstStyle/>
+                    <a:p>
+                      <a:pPr algn="l" latinLnBrk="1"/>
+                      <a:r>
+                        <a:rPr lang="en-US" altLang="ko-KR" sz="2500" dirty="0"/>
+                        <a:t>task</a:t>
+                      </a:r>
+                      <a:r>
+                        <a:rPr lang="en-US" altLang="ko-KR" sz="2500" baseline="0" dirty="0"/>
+                        <a:t> : String</a:t>
+                      </a:r>
+                    </a:p>
+                    <a:p>
+                      <a:pPr algn="l" latinLnBrk="1"/>
+                      <a:r>
+                        <a:rPr lang="en-US" altLang="ko-KR" sz="2500" baseline="0" dirty="0" err="1"/>
+                        <a:t>endtime</a:t>
+                      </a:r>
+                      <a:r>
+                        <a:rPr lang="en-US" altLang="ko-KR" sz="2500" baseline="0" dirty="0"/>
+                        <a:t> : </a:t>
+                      </a:r>
+                      <a:r>
+                        <a:rPr lang="en-US" altLang="ko-KR" sz="2500" baseline="0" dirty="0" err="1"/>
+                        <a:t>int</a:t>
+                      </a:r>
+                      <a:endParaRPr lang="en-US" altLang="ko-KR" sz="2500" baseline="0" dirty="0"/>
+                    </a:p>
+                    <a:p>
+                      <a:pPr algn="l" latinLnBrk="1"/>
+                      <a:r>
+                        <a:rPr lang="en-US" altLang="ko-KR" sz="2500" baseline="0" dirty="0" err="1"/>
+                        <a:t>readEndTime</a:t>
+                      </a:r>
+                      <a:r>
+                        <a:rPr lang="en-US" altLang="ko-KR" sz="2500" baseline="0" dirty="0"/>
+                        <a:t> : </a:t>
+                      </a:r>
+                      <a:r>
+                        <a:rPr lang="en-US" altLang="ko-KR" sz="2500" baseline="0" dirty="0" err="1"/>
+                        <a:t>int</a:t>
+                      </a:r>
+                      <a:endParaRPr lang="en-US" altLang="ko-KR" sz="2500" baseline="0" dirty="0"/>
+                    </a:p>
+                    <a:p>
+                      <a:pPr algn="l" latinLnBrk="1"/>
+                      <a:r>
+                        <a:rPr lang="en-US" altLang="ko-KR" sz="2500" baseline="0" dirty="0"/>
+                        <a:t>Important : String</a:t>
+                      </a:r>
+                    </a:p>
+                    <a:p>
+                      <a:pPr algn="l" latinLnBrk="1"/>
+                      <a:r>
+                        <a:rPr lang="en-US" altLang="ko-KR" sz="2500" baseline="0" dirty="0"/>
+                        <a:t>complete : String</a:t>
+                      </a:r>
+                    </a:p>
+                    <a:p>
+                      <a:pPr algn="l" latinLnBrk="1"/>
+                      <a:r>
+                        <a:rPr lang="en-US" altLang="ko-KR" sz="2500" baseline="0" dirty="0"/>
+                        <a:t>alarm : String</a:t>
+                      </a:r>
+                      <a:endParaRPr lang="ko-KR" altLang="en-US" sz="2500" dirty="0"/>
+                    </a:p>
+                  </a:txBody>
+                  <a:tcPr/>
+                </a:tc>
+                <a:extLst>
+                  <a:ext uri="{0D108BD9-81ED-4DB2-BD59-A6C34878D82A}">
+                    <a16:rowId xmlns:a16="http://schemas.microsoft.com/office/drawing/2014/main" val="10001"/>
+                  </a:ext>
+                </a:extLst>
+              </a:tr>
+            </a:tbl>
+          </a:graphicData>
+        </a:graphic>
+      </p:graphicFrame>
+      <p:sp>
+        <p:nvSpPr>
+          <p:cNvPr id="7" name="제목 1"/>
+          <p:cNvSpPr>
+            <a:spLocks noGrp="1"/>
+          </p:cNvSpPr>
+          <p:nvPr>
+            <p:ph type="title"/>
+          </p:nvPr>
+        </p:nvSpPr>
+        <p:spPr>
+          <a:xfrm>
+            <a:off x="352425" y="220211"/>
+            <a:ext cx="8327552" cy="625950"/>
+          </a:xfrm>
+        </p:spPr>
+        <p:txBody>
+          <a:bodyPr/>
+          <a:lstStyle/>
+          <a:p>
+            <a:r>
+              <a:rPr lang="en-US" altLang="ko-KR" sz="2500" dirty="0"/>
+              <a:t>Entity Class</a:t>
+            </a:r>
+            <a:endParaRPr lang="ko-KR" altLang="en-US" sz="2500" dirty="0"/>
+          </a:p>
+        </p:txBody>
+      </p:sp>
+    </p:spTree>
+    <p:extLst>
+      <p:ext uri="{BB962C8B-B14F-4D97-AF65-F5344CB8AC3E}">
+        <p14:creationId xmlns:p14="http://schemas.microsoft.com/office/powerpoint/2010/main" val="271517441"/>
+      </p:ext>
+    </p:extLst>
+  </p:cSld>
+  <p:clrMapOvr>
+    <a:masterClrMapping/>
+  </p:clrMapOvr>
+</p:sld>
+</file>
+
+<file path=ppt/slides/slide7.xml><?xml version="1.0" encoding="utf-8"?>
+<p:sld xmlns:a="http://schemas.openxmlformats.org/drawingml/2006/main" xmlns:r="http://schemas.openxmlformats.org/officeDocument/2006/relationships" xmlns:p="http://schemas.openxmlformats.org/presentationml/2006/main">
+  <p:cSld>
+    <p:spTree>
+      <p:nvGrpSpPr>
+        <p:cNvPr id="1" name=""/>
+        <p:cNvGrpSpPr/>
+        <p:nvPr/>
+      </p:nvGrpSpPr>
+      <p:grpSpPr>
+        <a:xfrm>
+          <a:off x="0" y="0"/>
+          <a:ext cx="0" cy="0"/>
+          <a:chOff x="0" y="0"/>
+          <a:chExt cx="0" cy="0"/>
+        </a:xfrm>
+      </p:grpSpPr>
+      <p:sp>
+        <p:nvSpPr>
+          <p:cNvPr id="4" name="바닥글 개체 틀 3"/>
+          <p:cNvSpPr>
+            <a:spLocks noGrp="1"/>
+          </p:cNvSpPr>
+          <p:nvPr>
+            <p:ph type="ftr" sz="quarter" idx="3"/>
+          </p:nvPr>
+        </p:nvSpPr>
+        <p:spPr/>
+        <p:txBody>
+          <a:bodyPr/>
+          <a:lstStyle/>
+          <a:p>
+            <a:pPr algn="r"/>
+            <a:r>
+              <a:rPr lang="ko-KR" altLang="en-US"/>
+              <a:t>팀 명</a:t>
+            </a:r>
+            <a:endParaRPr lang="en-US" altLang="ko-KR" dirty="0"/>
+          </a:p>
+        </p:txBody>
+      </p:sp>
+      <p:graphicFrame>
+        <p:nvGraphicFramePr>
+          <p:cNvPr id="5" name="표 4"/>
+          <p:cNvGraphicFramePr>
+            <a:graphicFrameLocks noGrp="1"/>
+          </p:cNvGraphicFramePr>
+          <p:nvPr/>
+        </p:nvGraphicFramePr>
+        <p:xfrm>
+          <a:off x="352426" y="1228296"/>
+          <a:ext cx="3960268" cy="4967787"/>
+        </p:xfrm>
+        <a:graphic>
+          <a:graphicData uri="http://schemas.openxmlformats.org/drawingml/2006/table">
+            <a:tbl>
+              <a:tblPr firstRow="1" bandRow="1">
+                <a:tableStyleId>{17292A2E-F333-43FB-9621-5CBBE7FDCDCB}</a:tableStyleId>
+              </a:tblPr>
+              <a:tblGrid>
+                <a:gridCol w="3960268">
+                  <a:extLst>
+                    <a:ext uri="{9D8B030D-6E8A-4147-A177-3AD203B41FA5}">
+                      <a16:colId xmlns:a16="http://schemas.microsoft.com/office/drawing/2014/main" val="20000"/>
+                    </a:ext>
+                  </a:extLst>
+                </a:gridCol>
+              </a:tblGrid>
+              <a:tr h="875279">
+                <a:tc>
+                  <a:txBody>
+                    <a:bodyPr/>
+                    <a:lstStyle/>
+                    <a:p>
+                      <a:pPr algn="l" latinLnBrk="1"/>
+                      <a:r>
+                        <a:rPr lang="en-US" altLang="ko-KR" sz="4000" dirty="0" err="1"/>
+                        <a:t>TodoList</a:t>
+                      </a:r>
+                      <a:endParaRPr lang="ko-KR" altLang="en-US" sz="4000" dirty="0"/>
+                    </a:p>
+                  </a:txBody>
+                  <a:tcPr/>
+                </a:tc>
+                <a:extLst>
+                  <a:ext uri="{0D108BD9-81ED-4DB2-BD59-A6C34878D82A}">
+                    <a16:rowId xmlns:a16="http://schemas.microsoft.com/office/drawing/2014/main" val="10000"/>
+                  </a:ext>
+                </a:extLst>
+              </a:tr>
+              <a:tr h="4092508">
+                <a:tc>
+                  <a:txBody>
+                    <a:bodyPr/>
+                    <a:lstStyle/>
+                    <a:p>
+                      <a:pPr algn="l" latinLnBrk="1"/>
+                      <a:r>
+                        <a:rPr lang="en-US" altLang="ko-KR" sz="2500" dirty="0" err="1"/>
+                        <a:t>todoArray</a:t>
+                      </a:r>
+                      <a:r>
+                        <a:rPr lang="en-US" altLang="ko-KR" sz="2500" baseline="0" dirty="0"/>
+                        <a:t> : </a:t>
+                      </a:r>
+                      <a:r>
+                        <a:rPr lang="en-US" altLang="ko-KR" sz="2500" baseline="0" dirty="0" err="1"/>
+                        <a:t>Todo</a:t>
+                      </a:r>
+                      <a:r>
+                        <a:rPr lang="en-US" altLang="ko-KR" sz="2500" baseline="0" dirty="0"/>
+                        <a:t>[]</a:t>
+                      </a:r>
+                      <a:endParaRPr lang="ko-KR" altLang="en-US" sz="2500" dirty="0"/>
+                    </a:p>
+                  </a:txBody>
+                  <a:tcPr/>
+                </a:tc>
+                <a:extLst>
+                  <a:ext uri="{0D108BD9-81ED-4DB2-BD59-A6C34878D82A}">
+                    <a16:rowId xmlns:a16="http://schemas.microsoft.com/office/drawing/2014/main" val="10001"/>
+                  </a:ext>
+                </a:extLst>
+              </a:tr>
+            </a:tbl>
+          </a:graphicData>
+        </a:graphic>
+      </p:graphicFrame>
+      <p:sp>
+        <p:nvSpPr>
+          <p:cNvPr id="7" name="제목 1"/>
+          <p:cNvSpPr>
+            <a:spLocks noGrp="1"/>
+          </p:cNvSpPr>
+          <p:nvPr>
+            <p:ph type="title"/>
+          </p:nvPr>
+        </p:nvSpPr>
+        <p:spPr>
+          <a:xfrm>
+            <a:off x="352425" y="220211"/>
+            <a:ext cx="8327552" cy="625950"/>
+          </a:xfrm>
+        </p:spPr>
+        <p:txBody>
+          <a:bodyPr/>
+          <a:lstStyle/>
+          <a:p>
+            <a:r>
+              <a:rPr lang="en-US" altLang="ko-KR" sz="2500" dirty="0"/>
+              <a:t>Entity Class</a:t>
+            </a:r>
+            <a:endParaRPr lang="ko-KR" altLang="en-US" sz="2500" dirty="0"/>
+          </a:p>
+        </p:txBody>
+      </p:sp>
+    </p:spTree>
+    <p:extLst>
+      <p:ext uri="{BB962C8B-B14F-4D97-AF65-F5344CB8AC3E}">
+        <p14:creationId xmlns:p14="http://schemas.microsoft.com/office/powerpoint/2010/main" val="2182007234"/>
+      </p:ext>
+    </p:extLst>
+  </p:cSld>
+  <p:clrMapOvr>
+    <a:masterClrMapping/>
+  </p:clrMapOvr>
+</p:sld>
+</file>
+
+<file path=ppt/slides/slide8.xml><?xml version="1.0" encoding="utf-8"?>
+<p:sld xmlns:a="http://schemas.openxmlformats.org/drawingml/2006/main" xmlns:r="http://schemas.openxmlformats.org/officeDocument/2006/relationships" xmlns:p="http://schemas.openxmlformats.org/presentationml/2006/main">
+  <p:cSld>
+    <p:spTree>
+      <p:nvGrpSpPr>
+        <p:cNvPr id="1" name=""/>
+        <p:cNvGrpSpPr/>
+        <p:nvPr/>
+      </p:nvGrpSpPr>
+      <p:grpSpPr>
+        <a:xfrm>
+          <a:off x="0" y="0"/>
+          <a:ext cx="0" cy="0"/>
+          <a:chOff x="0" y="0"/>
+          <a:chExt cx="0" cy="0"/>
+        </a:xfrm>
+      </p:grpSpPr>
+      <p:sp>
+        <p:nvSpPr>
+          <p:cNvPr id="2" name="제목 1"/>
+          <p:cNvSpPr>
+            <a:spLocks noGrp="1"/>
+          </p:cNvSpPr>
+          <p:nvPr>
+            <p:ph type="ctrTitle"/>
+          </p:nvPr>
+        </p:nvSpPr>
+        <p:spPr/>
+        <p:txBody>
+          <a:bodyPr/>
+          <a:lstStyle/>
+          <a:p>
+            <a:pPr algn="ctr"/>
+            <a:r>
+              <a:rPr lang="en-US" altLang="ko-KR" sz="4500" dirty="0"/>
+              <a:t>Boundary Class</a:t>
+            </a:r>
+            <a:endParaRPr lang="ko-KR" altLang="en-US" sz="4500" dirty="0"/>
+          </a:p>
+        </p:txBody>
+      </p:sp>
+    </p:spTree>
+    <p:extLst>
+      <p:ext uri="{BB962C8B-B14F-4D97-AF65-F5344CB8AC3E}">
+        <p14:creationId xmlns:p14="http://schemas.microsoft.com/office/powerpoint/2010/main" val="2301147020"/>
+      </p:ext>
+    </p:extLst>
+  </p:cSld>
+  <p:clrMapOvr>
+    <a:masterClrMapping/>
+  </p:clrMapOvr>
+</p:sld>
+</file>
+
+<file path=ppt/slides/slide9.xml><?xml version="1.0" encoding="utf-8"?>
+<p:sld xmlns:a="http://schemas.openxmlformats.org/drawingml/2006/main" xmlns:r="http://schemas.openxmlformats.org/officeDocument/2006/relationships" xmlns:p="http://schemas.openxmlformats.org/presentationml/2006/main">
+  <p:cSld>
+    <p:spTree>
+      <p:nvGrpSpPr>
+        <p:cNvPr id="1" name=""/>
+        <p:cNvGrpSpPr/>
+        <p:nvPr/>
+      </p:nvGrpSpPr>
+      <p:grpSpPr>
+        <a:xfrm>
+          <a:off x="0" y="0"/>
+          <a:ext cx="0" cy="0"/>
+          <a:chOff x="0" y="0"/>
+          <a:chExt cx="0" cy="0"/>
+        </a:xfrm>
+      </p:grpSpPr>
+      <p:sp>
+        <p:nvSpPr>
+          <p:cNvPr id="2" name="제목 1"/>
+          <p:cNvSpPr>
+            <a:spLocks noGrp="1"/>
+          </p:cNvSpPr>
+          <p:nvPr>
+            <p:ph type="title"/>
+          </p:nvPr>
+        </p:nvSpPr>
+        <p:spPr>
+          <a:xfrm>
+            <a:off x="352425" y="220211"/>
+            <a:ext cx="8327552" cy="625950"/>
+          </a:xfrm>
+        </p:spPr>
+        <p:txBody>
+          <a:bodyPr/>
+          <a:lstStyle/>
+          <a:p>
+            <a:r>
+              <a:rPr lang="en-US" altLang="ko-KR" sz="2500" dirty="0"/>
+              <a:t>Boundary Class</a:t>
+            </a:r>
+            <a:endParaRPr lang="ko-KR" altLang="en-US" sz="2500" dirty="0"/>
+          </a:p>
+        </p:txBody>
+      </p:sp>
+      <p:sp>
+        <p:nvSpPr>
+          <p:cNvPr id="4" name="바닥글 개체 틀 3"/>
+          <p:cNvSpPr>
+            <a:spLocks noGrp="1"/>
+          </p:cNvSpPr>
+          <p:nvPr>
+            <p:ph type="ftr" sz="quarter" idx="3"/>
+          </p:nvPr>
+        </p:nvSpPr>
+        <p:spPr/>
+        <p:txBody>
+          <a:bodyPr/>
+          <a:lstStyle/>
+          <a:p>
+            <a:pPr algn="r"/>
+            <a:r>
+              <a:rPr lang="ko-KR" altLang="en-US"/>
+              <a:t>팀 명</a:t>
+            </a:r>
+            <a:endParaRPr lang="en-US" altLang="ko-KR" dirty="0"/>
+          </a:p>
+        </p:txBody>
+      </p:sp>
+      <p:graphicFrame>
+        <p:nvGraphicFramePr>
+          <p:cNvPr id="6" name="표 5"/>
+          <p:cNvGraphicFramePr>
+            <a:graphicFrameLocks noGrp="1"/>
+          </p:cNvGraphicFramePr>
+          <p:nvPr>
+            <p:extLst/>
+          </p:nvPr>
+        </p:nvGraphicFramePr>
+        <p:xfrm>
+          <a:off x="355600" y="1229360"/>
+          <a:ext cx="4175760" cy="4698913"/>
+        </p:xfrm>
+        <a:graphic>
+          <a:graphicData uri="http://schemas.openxmlformats.org/drawingml/2006/table">
+            <a:tbl>
+              <a:tblPr firstRow="1" bandRow="1">
+                <a:tableStyleId>{7E9639D4-E3E2-4D34-9284-5A2195B3D0D7}</a:tableStyleId>
+              </a:tblPr>
+              <a:tblGrid>
+                <a:gridCol w="4175760">
+                  <a:extLst>
+                    <a:ext uri="{9D8B030D-6E8A-4147-A177-3AD203B41FA5}">
+                      <a16:colId xmlns:a16="http://schemas.microsoft.com/office/drawing/2014/main" val="3774239926"/>
+                    </a:ext>
+                  </a:extLst>
+                </a:gridCol>
+              </a:tblGrid>
+              <a:tr h="370946">
+                <a:tc>
+                  <a:txBody>
+                    <a:bodyPr/>
+                    <a:lstStyle/>
+                    <a:p>
+                      <a:pPr latinLnBrk="1"/>
+                      <a:r>
+                        <a:rPr lang="en-US" altLang="ko-KR" dirty="0"/>
+                        <a:t>Main UI</a:t>
+                      </a:r>
+                      <a:endParaRPr lang="ko-KR" altLang="en-US" dirty="0"/>
+                    </a:p>
+                  </a:txBody>
+                  <a:tcPr/>
+                </a:tc>
+                <a:extLst>
+                  <a:ext uri="{0D108BD9-81ED-4DB2-BD59-A6C34878D82A}">
+                    <a16:rowId xmlns:a16="http://schemas.microsoft.com/office/drawing/2014/main" val="302007300"/>
+                  </a:ext>
+                </a:extLst>
+              </a:tr>
+              <a:tr h="2490776">
+                <a:tc>
+                  <a:txBody>
+                    <a:bodyPr/>
+                    <a:lstStyle/>
+                    <a:p>
+                      <a:pPr latinLnBrk="1"/>
+                      <a:r>
+                        <a:rPr lang="en-US" altLang="ko-KR" dirty="0"/>
+                        <a:t>-</a:t>
+                      </a:r>
+                      <a:r>
+                        <a:rPr lang="en-US" altLang="ko-KR" dirty="0" err="1"/>
+                        <a:t>logoutButton</a:t>
+                      </a:r>
+                      <a:r>
+                        <a:rPr lang="en-US" altLang="ko-KR" dirty="0"/>
+                        <a:t> : Button</a:t>
+                      </a:r>
+                    </a:p>
+                    <a:p>
+                      <a:pPr latinLnBrk="1"/>
+                      <a:r>
+                        <a:rPr lang="en-US" altLang="ko-KR" dirty="0"/>
+                        <a:t>-</a:t>
+                      </a:r>
+                      <a:r>
+                        <a:rPr lang="en-US" altLang="ko-KR" dirty="0" err="1"/>
+                        <a:t>regButton</a:t>
+                      </a:r>
+                      <a:r>
+                        <a:rPr lang="en-US" altLang="ko-KR" dirty="0"/>
+                        <a:t> : Button</a:t>
+                      </a:r>
+                    </a:p>
+                    <a:p>
+                      <a:pPr latinLnBrk="1"/>
+                      <a:r>
+                        <a:rPr lang="en-US" altLang="ko-KR" dirty="0"/>
+                        <a:t>-</a:t>
+                      </a:r>
+                      <a:r>
+                        <a:rPr lang="en-US" altLang="ko-KR" dirty="0" err="1"/>
+                        <a:t>cancelButton</a:t>
+                      </a:r>
+                      <a:r>
+                        <a:rPr lang="en-US" altLang="ko-KR" dirty="0"/>
+                        <a:t> : Button</a:t>
+                      </a:r>
+                    </a:p>
+                    <a:p>
+                      <a:pPr latinLnBrk="1"/>
+                      <a:r>
+                        <a:rPr lang="en-US" altLang="ko-KR" dirty="0"/>
+                        <a:t>-</a:t>
+                      </a:r>
+                      <a:r>
+                        <a:rPr lang="en-US" altLang="ko-KR" dirty="0" err="1"/>
+                        <a:t>timeButton</a:t>
+                      </a:r>
+                      <a:r>
+                        <a:rPr lang="en-US" altLang="ko-KR" dirty="0"/>
+                        <a:t> : Button</a:t>
+                      </a:r>
+                    </a:p>
+                    <a:p>
+                      <a:pPr latinLnBrk="1"/>
+                      <a:r>
+                        <a:rPr lang="en-US" altLang="ko-KR" dirty="0"/>
+                        <a:t>-</a:t>
+                      </a:r>
+                      <a:r>
+                        <a:rPr lang="en-US" altLang="ko-KR" dirty="0" err="1"/>
+                        <a:t>showCourseButton</a:t>
+                      </a:r>
+                      <a:r>
+                        <a:rPr lang="en-US" altLang="ko-KR" dirty="0"/>
+                        <a:t> : Button</a:t>
+                      </a:r>
+                    </a:p>
+                    <a:p>
+                      <a:pPr latinLnBrk="1"/>
+                      <a:r>
+                        <a:rPr lang="en-US" altLang="ko-KR" dirty="0"/>
+                        <a:t>-</a:t>
+                      </a:r>
+                      <a:r>
+                        <a:rPr lang="en-US" altLang="ko-KR" dirty="0" err="1"/>
+                        <a:t>courseTable</a:t>
+                      </a:r>
+                      <a:r>
+                        <a:rPr lang="en-US" altLang="ko-KR" dirty="0"/>
+                        <a:t> : Table</a:t>
+                      </a:r>
+                    </a:p>
+                    <a:p>
+                      <a:pPr latinLnBrk="1"/>
+                      <a:r>
+                        <a:rPr lang="en-US" altLang="ko-KR" dirty="0"/>
+                        <a:t>-</a:t>
+                      </a:r>
+                      <a:r>
+                        <a:rPr lang="en-US" altLang="ko-KR" dirty="0" err="1"/>
+                        <a:t>regTable</a:t>
+                      </a:r>
+                      <a:r>
+                        <a:rPr lang="en-US" altLang="ko-KR" dirty="0"/>
+                        <a:t> : Table</a:t>
+                      </a:r>
+                    </a:p>
+                    <a:p>
+                      <a:pPr latinLnBrk="1"/>
+                      <a:r>
+                        <a:rPr lang="en-US" altLang="ko-KR" dirty="0"/>
+                        <a:t>-</a:t>
+                      </a:r>
+                      <a:r>
+                        <a:rPr lang="en-US" altLang="ko-KR" dirty="0" err="1"/>
+                        <a:t>loginSystem</a:t>
+                      </a:r>
+                      <a:r>
+                        <a:rPr lang="en-US" altLang="ko-KR" dirty="0"/>
+                        <a:t> : </a:t>
+                      </a:r>
+                      <a:r>
+                        <a:rPr lang="en-US" altLang="ko-KR" dirty="0" err="1"/>
+                        <a:t>LoginSystem</a:t>
+                      </a:r>
+                      <a:endParaRPr lang="en-US" altLang="ko-KR" dirty="0"/>
+                    </a:p>
+                    <a:p>
+                      <a:pPr latinLnBrk="1"/>
+                      <a:r>
+                        <a:rPr lang="en-US" altLang="ko-KR" dirty="0"/>
+                        <a:t>-</a:t>
+                      </a:r>
+                      <a:r>
+                        <a:rPr lang="en-US" altLang="ko-KR" dirty="0" err="1"/>
+                        <a:t>courseContents</a:t>
+                      </a:r>
+                      <a:r>
+                        <a:rPr lang="en-US" altLang="ko-KR" dirty="0"/>
+                        <a:t> : </a:t>
+                      </a:r>
+                      <a:r>
+                        <a:rPr lang="en-US" altLang="ko-KR" dirty="0" err="1"/>
+                        <a:t>ShowCourseSystem</a:t>
+                      </a:r>
+                      <a:endParaRPr lang="ko-KR" altLang="en-US" dirty="0"/>
+                    </a:p>
+                  </a:txBody>
+                  <a:tcPr/>
+                </a:tc>
+                <a:extLst>
+                  <a:ext uri="{0D108BD9-81ED-4DB2-BD59-A6C34878D82A}">
+                    <a16:rowId xmlns:a16="http://schemas.microsoft.com/office/drawing/2014/main" val="1087690364"/>
+                  </a:ext>
+                </a:extLst>
+              </a:tr>
+              <a:tr h="1767647">
+                <a:tc>
+                  <a:txBody>
+                    <a:bodyPr/>
+                    <a:lstStyle/>
+                    <a:p>
+                      <a:pPr latinLnBrk="1"/>
+                      <a:r>
+                        <a:rPr lang="en-US" altLang="ko-KR" dirty="0"/>
+                        <a:t>+</a:t>
+                      </a:r>
+                      <a:r>
+                        <a:rPr lang="en-US" altLang="ko-KR" dirty="0" err="1"/>
+                        <a:t>MainUI</a:t>
+                      </a:r>
+                      <a:r>
+                        <a:rPr lang="en-US" altLang="ko-KR" dirty="0"/>
+                        <a:t>(</a:t>
+                      </a:r>
+                      <a:r>
+                        <a:rPr lang="en-US" altLang="ko-KR" dirty="0" err="1"/>
+                        <a:t>loginSystem</a:t>
+                      </a:r>
+                      <a:r>
+                        <a:rPr lang="en-US" altLang="ko-KR" dirty="0"/>
+                        <a:t> : </a:t>
+                      </a:r>
+                      <a:r>
+                        <a:rPr lang="en-US" altLang="ko-KR" dirty="0" err="1"/>
+                        <a:t>LoginSystem</a:t>
+                      </a:r>
+                      <a:r>
+                        <a:rPr lang="en-US" altLang="ko-KR" dirty="0"/>
+                        <a:t>)</a:t>
+                      </a:r>
+                    </a:p>
+                    <a:p>
+                      <a:pPr latinLnBrk="1"/>
+                      <a:r>
+                        <a:rPr lang="en-US" altLang="ko-KR" dirty="0"/>
+                        <a:t>+</a:t>
+                      </a:r>
+                      <a:r>
+                        <a:rPr lang="en-US" altLang="ko-KR" dirty="0" err="1"/>
+                        <a:t>showMainUI</a:t>
+                      </a:r>
+                      <a:r>
+                        <a:rPr lang="en-US" altLang="ko-KR" dirty="0"/>
+                        <a:t>(</a:t>
+                      </a:r>
+                      <a:r>
+                        <a:rPr lang="en-US" altLang="ko-KR" dirty="0" err="1"/>
+                        <a:t>studentName</a:t>
+                      </a:r>
+                      <a:r>
+                        <a:rPr lang="en-US" altLang="ko-KR" dirty="0"/>
+                        <a:t> : String)</a:t>
+                      </a:r>
+                    </a:p>
+                    <a:p>
+                      <a:pPr latinLnBrk="1"/>
+                      <a:r>
+                        <a:rPr lang="en-US" altLang="ko-KR" dirty="0"/>
+                        <a:t>+</a:t>
+                      </a:r>
+                      <a:r>
+                        <a:rPr lang="en-US" altLang="ko-KR" dirty="0" err="1"/>
+                        <a:t>showTimeUI</a:t>
+                      </a:r>
+                      <a:r>
+                        <a:rPr lang="en-US" altLang="ko-KR" dirty="0"/>
+                        <a:t>()</a:t>
+                      </a:r>
+                    </a:p>
+                    <a:p>
+                      <a:pPr latinLnBrk="1"/>
+                      <a:r>
+                        <a:rPr lang="en-US" altLang="ko-KR" dirty="0"/>
+                        <a:t>+</a:t>
+                      </a:r>
+                      <a:r>
+                        <a:rPr lang="en-US" altLang="ko-KR" dirty="0" err="1"/>
+                        <a:t>actionPerformed</a:t>
+                      </a:r>
+                      <a:r>
+                        <a:rPr lang="en-US" altLang="ko-KR" dirty="0"/>
+                        <a:t>(e : </a:t>
+                      </a:r>
+                      <a:r>
+                        <a:rPr lang="en-US" altLang="ko-KR" dirty="0" err="1"/>
+                        <a:t>ActionEvent</a:t>
+                      </a:r>
+                      <a:r>
+                        <a:rPr lang="en-US" altLang="ko-KR" dirty="0"/>
+                        <a:t>)</a:t>
+                      </a:r>
+                    </a:p>
+                    <a:p>
+                      <a:pPr latinLnBrk="1"/>
+                      <a:endParaRPr lang="ko-KR" altLang="en-US" dirty="0"/>
+                    </a:p>
+                  </a:txBody>
+                  <a:tcPr/>
+                </a:tc>
+                <a:extLst>
+                  <a:ext uri="{0D108BD9-81ED-4DB2-BD59-A6C34878D82A}">
+                    <a16:rowId xmlns:a16="http://schemas.microsoft.com/office/drawing/2014/main" val="1597738046"/>
+                  </a:ext>
+                </a:extLst>
+              </a:tr>
+            </a:tbl>
+          </a:graphicData>
+        </a:graphic>
+      </p:graphicFrame>
+      <p:graphicFrame>
+        <p:nvGraphicFramePr>
+          <p:cNvPr id="7" name="표 6"/>
+          <p:cNvGraphicFramePr>
+            <a:graphicFrameLocks noGrp="1"/>
+          </p:cNvGraphicFramePr>
+          <p:nvPr>
+            <p:extLst/>
+          </p:nvPr>
+        </p:nvGraphicFramePr>
+        <p:xfrm>
+          <a:off x="4754101" y="1229360"/>
+          <a:ext cx="3749040" cy="4698912"/>
+        </p:xfrm>
+        <a:graphic>
+          <a:graphicData uri="http://schemas.openxmlformats.org/drawingml/2006/table">
+            <a:tbl>
+              <a:tblPr firstRow="1" bandRow="1">
+                <a:tableStyleId>{7E9639D4-E3E2-4D34-9284-5A2195B3D0D7}</a:tableStyleId>
+              </a:tblPr>
+              <a:tblGrid>
+                <a:gridCol w="3749040">
+                  <a:extLst>
+                    <a:ext uri="{9D8B030D-6E8A-4147-A177-3AD203B41FA5}">
+                      <a16:colId xmlns:a16="http://schemas.microsoft.com/office/drawing/2014/main" val="3774239926"/>
+                    </a:ext>
+                  </a:extLst>
+                </a:gridCol>
+              </a:tblGrid>
+              <a:tr h="388296">
+                <a:tc>
+                  <a:txBody>
+                    <a:bodyPr/>
+                    <a:lstStyle/>
+                    <a:p>
+                      <a:pPr latinLnBrk="1"/>
+                      <a:r>
+                        <a:rPr lang="en-US" altLang="ko-KR" dirty="0"/>
+                        <a:t>login UI</a:t>
+                      </a:r>
+                      <a:endParaRPr lang="ko-KR" altLang="en-US" dirty="0"/>
+                    </a:p>
+                  </a:txBody>
+                  <a:tcPr/>
+                </a:tc>
+                <a:extLst>
+                  <a:ext uri="{0D108BD9-81ED-4DB2-BD59-A6C34878D82A}">
+                    <a16:rowId xmlns:a16="http://schemas.microsoft.com/office/drawing/2014/main" val="302007300"/>
+                  </a:ext>
+                </a:extLst>
+              </a:tr>
+              <a:tr h="2486938">
+                <a:tc>
+                  <a:txBody>
+                    <a:bodyPr/>
+                    <a:lstStyle/>
+                    <a:p>
+                      <a:pPr latinLnBrk="1"/>
+                      <a:r>
+                        <a:rPr lang="en-US" altLang="ko-KR" dirty="0"/>
+                        <a:t>-</a:t>
+                      </a:r>
+                      <a:r>
+                        <a:rPr lang="en-US" altLang="ko-KR" dirty="0" err="1"/>
+                        <a:t>loginButton</a:t>
+                      </a:r>
+                      <a:r>
+                        <a:rPr lang="en-US" altLang="ko-KR" dirty="0"/>
+                        <a:t> : Button</a:t>
+                      </a:r>
+                    </a:p>
+                    <a:p>
+                      <a:pPr latinLnBrk="1"/>
+                      <a:r>
+                        <a:rPr lang="en-US" altLang="ko-KR" dirty="0"/>
+                        <a:t>-</a:t>
+                      </a:r>
+                      <a:r>
+                        <a:rPr lang="en-US" altLang="ko-KR" dirty="0" err="1"/>
+                        <a:t>idTextField</a:t>
+                      </a:r>
+                      <a:r>
+                        <a:rPr lang="en-US" altLang="ko-KR" dirty="0"/>
+                        <a:t> : </a:t>
+                      </a:r>
+                      <a:r>
+                        <a:rPr lang="en-US" altLang="ko-KR" dirty="0" err="1"/>
+                        <a:t>TextField</a:t>
+                      </a:r>
+                      <a:endParaRPr lang="en-US" altLang="ko-KR" dirty="0"/>
+                    </a:p>
+                    <a:p>
+                      <a:pPr latinLnBrk="1"/>
+                      <a:r>
+                        <a:rPr lang="en-US" altLang="ko-KR" dirty="0"/>
+                        <a:t>-</a:t>
+                      </a:r>
+                      <a:r>
+                        <a:rPr lang="en-US" altLang="ko-KR" dirty="0" err="1"/>
+                        <a:t>passwordTextField</a:t>
+                      </a:r>
+                      <a:r>
+                        <a:rPr lang="en-US" altLang="ko-KR" dirty="0"/>
+                        <a:t> : </a:t>
+                      </a:r>
+                      <a:r>
+                        <a:rPr lang="en-US" altLang="ko-KR" dirty="0" err="1"/>
+                        <a:t>TextField</a:t>
+                      </a:r>
+                      <a:endParaRPr lang="en-US" altLang="ko-KR" dirty="0"/>
+                    </a:p>
+                    <a:p>
+                      <a:pPr latinLnBrk="1"/>
+                      <a:r>
+                        <a:rPr lang="en-US" altLang="ko-KR" dirty="0"/>
+                        <a:t>-</a:t>
+                      </a:r>
+                      <a:r>
+                        <a:rPr lang="en-US" altLang="ko-KR" dirty="0" err="1"/>
+                        <a:t>loginSystem</a:t>
+                      </a:r>
+                      <a:r>
+                        <a:rPr lang="en-US" altLang="ko-KR" dirty="0"/>
+                        <a:t> : </a:t>
+                      </a:r>
+                      <a:r>
+                        <a:rPr lang="en-US" altLang="ko-KR" dirty="0" err="1"/>
+                        <a:t>LoginSystem</a:t>
+                      </a:r>
+                      <a:endParaRPr lang="ko-KR" altLang="en-US" dirty="0"/>
+                    </a:p>
+                  </a:txBody>
+                  <a:tcPr/>
+                </a:tc>
+                <a:extLst>
+                  <a:ext uri="{0D108BD9-81ED-4DB2-BD59-A6C34878D82A}">
+                    <a16:rowId xmlns:a16="http://schemas.microsoft.com/office/drawing/2014/main" val="1087690364"/>
+                  </a:ext>
+                </a:extLst>
+              </a:tr>
+              <a:tr h="1823678">
+                <a:tc>
+                  <a:txBody>
+                    <a:bodyPr/>
+                    <a:lstStyle/>
+                    <a:p>
+                      <a:pPr latinLnBrk="1"/>
+                      <a:r>
+                        <a:rPr lang="en-US" altLang="ko-KR" dirty="0"/>
+                        <a:t>+</a:t>
+                      </a:r>
+                      <a:r>
+                        <a:rPr lang="en-US" altLang="ko-KR" dirty="0" err="1"/>
+                        <a:t>LoginUI</a:t>
+                      </a:r>
+                      <a:endParaRPr lang="en-US" altLang="ko-KR" dirty="0"/>
+                    </a:p>
+                    <a:p>
+                      <a:pPr latinLnBrk="1"/>
+                      <a:r>
+                        <a:rPr lang="en-US" altLang="ko-KR" dirty="0"/>
+                        <a:t>+</a:t>
+                      </a:r>
+                      <a:r>
+                        <a:rPr lang="en-US" altLang="ko-KR" dirty="0" err="1"/>
+                        <a:t>showLoginUI</a:t>
+                      </a:r>
+                      <a:r>
+                        <a:rPr lang="en-US" altLang="ko-KR" dirty="0"/>
+                        <a:t>()</a:t>
+                      </a:r>
+                    </a:p>
+                    <a:p>
+                      <a:pPr latinLnBrk="1"/>
+                      <a:r>
+                        <a:rPr lang="en-US" altLang="ko-KR" dirty="0"/>
+                        <a:t>+</a:t>
+                      </a:r>
+                      <a:r>
+                        <a:rPr lang="en-US" altLang="ko-KR" dirty="0" err="1"/>
+                        <a:t>failLogin</a:t>
+                      </a:r>
+                      <a:r>
+                        <a:rPr lang="en-US" altLang="ko-KR" dirty="0"/>
+                        <a:t>()</a:t>
+                      </a:r>
+                    </a:p>
+                    <a:p>
+                      <a:pPr latinLnBrk="1"/>
+                      <a:r>
+                        <a:rPr lang="en-US" altLang="ko-KR" dirty="0"/>
+                        <a:t>+</a:t>
+                      </a:r>
+                      <a:r>
+                        <a:rPr lang="en-US" altLang="ko-KR" dirty="0" err="1"/>
+                        <a:t>setLoginSystem</a:t>
+                      </a:r>
+                      <a:r>
+                        <a:rPr lang="en-US" altLang="ko-KR" dirty="0"/>
+                        <a:t>(s : </a:t>
+                      </a:r>
+                      <a:r>
+                        <a:rPr lang="en-US" altLang="ko-KR" dirty="0" err="1"/>
+                        <a:t>LoginSystem</a:t>
+                      </a:r>
+                      <a:r>
+                        <a:rPr lang="en-US" altLang="ko-KR" dirty="0"/>
+                        <a:t>)</a:t>
+                      </a:r>
+                    </a:p>
+                    <a:p>
+                      <a:pPr latinLnBrk="1"/>
+                      <a:r>
+                        <a:rPr lang="en-US" altLang="ko-KR" dirty="0"/>
+                        <a:t>+</a:t>
+                      </a:r>
+                      <a:r>
+                        <a:rPr lang="en-US" altLang="ko-KR" dirty="0" err="1"/>
+                        <a:t>getLoginSystem</a:t>
+                      </a:r>
+                      <a:r>
+                        <a:rPr lang="en-US" altLang="ko-KR" dirty="0"/>
+                        <a:t> : </a:t>
+                      </a:r>
+                      <a:r>
+                        <a:rPr lang="en-US" altLang="ko-KR" dirty="0" err="1"/>
+                        <a:t>LoginSystem</a:t>
+                      </a:r>
+                      <a:endParaRPr lang="en-US" altLang="ko-KR" dirty="0"/>
+                    </a:p>
+                    <a:p>
+                      <a:pPr latinLnBrk="1"/>
+                      <a:r>
+                        <a:rPr lang="en-US" altLang="ko-KR" dirty="0"/>
+                        <a:t>+</a:t>
+                      </a:r>
+                      <a:r>
+                        <a:rPr lang="en-US" altLang="ko-KR" dirty="0" err="1"/>
+                        <a:t>actionPerformed</a:t>
+                      </a:r>
+                      <a:r>
+                        <a:rPr lang="en-US" altLang="ko-KR" dirty="0"/>
+                        <a:t>(e : </a:t>
+                      </a:r>
+                      <a:r>
+                        <a:rPr lang="en-US" altLang="ko-KR" dirty="0" err="1"/>
+                        <a:t>ActionEvent</a:t>
+                      </a:r>
+                      <a:r>
+                        <a:rPr lang="en-US" altLang="ko-KR" dirty="0"/>
+                        <a:t>)</a:t>
+                      </a:r>
+                    </a:p>
+                  </a:txBody>
+                  <a:tcPr/>
+                </a:tc>
+                <a:extLst>
+                  <a:ext uri="{0D108BD9-81ED-4DB2-BD59-A6C34878D82A}">
+                    <a16:rowId xmlns:a16="http://schemas.microsoft.com/office/drawing/2014/main" val="1597738046"/>
+                  </a:ext>
+                </a:extLst>
+              </a:tr>
+            </a:tbl>
+          </a:graphicData>
+        </a:graphic>
+      </p:graphicFrame>
+    </p:spTree>
+    <p:extLst>
+      <p:ext uri="{BB962C8B-B14F-4D97-AF65-F5344CB8AC3E}">
+        <p14:creationId xmlns:p14="http://schemas.microsoft.com/office/powerpoint/2010/main" val="3282364"/>
+      </p:ext>
+    </p:extLst>
   </p:cSld>
   <p:clrMapOvr>
     <a:masterClrMapping/>

--- a/doc/3_ 설계서/Class Design.pptx
+++ b/doc/3_ 설계서/Class Design.pptx
@@ -4421,7 +4421,7 @@
             <p:ph idx="1"/>
             <p:extLst>
               <p:ext uri="{D42A27DB-BD31-4B8C-83A1-F6EECF244321}">
-                <p14:modId xmlns:p14="http://schemas.microsoft.com/office/powerpoint/2010/main" val="1427293545"/>
+                <p14:modId xmlns:p14="http://schemas.microsoft.com/office/powerpoint/2010/main" val="1702487040"/>
               </p:ext>
             </p:extLst>
           </p:nvPr>
@@ -4755,7 +4755,7 @@
                           <a:latin typeface="맑은 고딕" pitchFamily="50" charset="-127"/>
                           <a:ea typeface="맑은 고딕" pitchFamily="50" charset="-127"/>
                         </a:rPr>
-                        <a:t>2017.0519</a:t>
+                        <a:t>2017.05.19</a:t>
                       </a:r>
                       <a:endParaRPr lang="ko-KR" altLang="en-US" sz="1200" b="0" dirty="0">
                         <a:solidFill>
@@ -4779,14 +4779,14 @@
                     <a:p>
                       <a:pPr algn="ctr" latinLnBrk="1"/>
                       <a:r>
-                        <a:rPr lang="en-US" altLang="ko-KR" sz="1200" b="0" dirty="0">
+                        <a:rPr lang="en-US" altLang="ko-KR" sz="1200" b="0">
                           <a:solidFill>
                             <a:schemeClr val="tx1"/>
                           </a:solidFill>
                           <a:latin typeface="맑은 고딕" pitchFamily="50" charset="-127"/>
                           <a:ea typeface="맑은 고딕" pitchFamily="50" charset="-127"/>
                         </a:rPr>
-                        <a:t>V1.0.0</a:t>
+                        <a:t>V1.0.1</a:t>
                       </a:r>
                       <a:endParaRPr lang="ko-KR" altLang="en-US" sz="1200" b="0" dirty="0">
                         <a:solidFill>

--- a/doc/3_ 설계서/Class Design.pptx
+++ b/doc/3_ 설계서/Class Design.pptx
@@ -5,10 +5,10 @@
     <p:sldMasterId id="2147483655" r:id="rId1"/>
   </p:sldMasterIdLst>
   <p:notesMasterIdLst>
-    <p:notesMasterId r:id="rId16"/>
+    <p:notesMasterId r:id="rId17"/>
   </p:notesMasterIdLst>
   <p:handoutMasterIdLst>
-    <p:handoutMasterId r:id="rId17"/>
+    <p:handoutMasterId r:id="rId18"/>
   </p:handoutMasterIdLst>
   <p:sldIdLst>
     <p:sldId id="256" r:id="rId2"/>
@@ -22,9 +22,10 @@
     <p:sldId id="264" r:id="rId10"/>
     <p:sldId id="265" r:id="rId11"/>
     <p:sldId id="266" r:id="rId12"/>
-    <p:sldId id="267" r:id="rId13"/>
-    <p:sldId id="268" r:id="rId14"/>
-    <p:sldId id="269" r:id="rId15"/>
+    <p:sldId id="268" r:id="rId13"/>
+    <p:sldId id="269" r:id="rId14"/>
+    <p:sldId id="267" r:id="rId15"/>
+    <p:sldId id="270" r:id="rId16"/>
   </p:sldIdLst>
   <p:sldSz cx="9144000" cy="6858000" type="screen4x3"/>
   <p:notesSz cx="6797675" cy="9928225"/>
@@ -3532,7 +3533,13 @@
           <p:cNvGraphicFramePr>
             <a:graphicFrameLocks noGrp="1"/>
           </p:cNvGraphicFramePr>
-          <p:nvPr/>
+          <p:nvPr>
+            <p:extLst>
+              <p:ext uri="{D42A27DB-BD31-4B8C-83A1-F6EECF244321}">
+                <p14:modId xmlns:p14="http://schemas.microsoft.com/office/powerpoint/2010/main" val="1688253516"/>
+              </p:ext>
+            </p:extLst>
+          </p:nvPr>
         </p:nvGraphicFramePr>
         <p:xfrm>
           <a:off x="352425" y="1228296"/>
@@ -3561,11 +3568,7 @@
                     <a:p>
                       <a:r>
                         <a:rPr lang="en-US" altLang="ko-KR" sz="4000" dirty="0" err="1"/>
-                        <a:t>Show</a:t>
-                      </a:r>
-                      <a:r>
-                        <a:rPr lang="en-US" altLang="ko-KR" sz="4000" baseline="0" dirty="0" err="1"/>
-                        <a:t>CourseSystem</a:t>
+                        <a:t>CourseManageSystem</a:t>
                       </a:r>
                       <a:endParaRPr lang="ko-KR" altLang="en-US" sz="4000" dirty="0"/>
                     </a:p>
@@ -3617,13 +3620,146 @@
                     <a:bodyPr/>
                     <a:lstStyle/>
                     <a:p>
+                      <a:pPr marL="0" marR="0" indent="0" algn="l" defTabSz="914400" rtl="0" eaLnBrk="1" fontAlgn="auto" latinLnBrk="1" hangingPunct="1">
+                        <a:lnSpc>
+                          <a:spcPct val="100000"/>
+                        </a:lnSpc>
+                        <a:spcBef>
+                          <a:spcPts val="0"/>
+                        </a:spcBef>
+                        <a:spcAft>
+                          <a:spcPts val="0"/>
+                        </a:spcAft>
+                        <a:buClrTx/>
+                        <a:buSzTx/>
+                        <a:buFontTx/>
+                        <a:buNone/>
+                        <a:tabLst/>
+                        <a:defRPr/>
+                      </a:pPr>
                       <a:r>
                         <a:rPr lang="en-US" altLang="ko-KR" baseline="0" dirty="0"/>
                         <a:t>+</a:t>
                       </a:r>
                       <a:r>
+                        <a:rPr lang="en-US" altLang="ko-KR" sz="1800" dirty="0" err="1"/>
+                        <a:t>CourseManageSystem</a:t>
+                      </a:r>
+                      <a:r>
+                        <a:rPr lang="en-US" altLang="ko-KR" sz="1800" dirty="0"/>
+                        <a:t>()</a:t>
+                      </a:r>
+                      <a:endParaRPr lang="ko-KR" altLang="en-US" sz="1800" dirty="0"/>
+                    </a:p>
+                    <a:p>
+                      <a:r>
+                        <a:rPr lang="en-US" altLang="ko-KR" baseline="0" dirty="0"/>
+                        <a:t>+</a:t>
+                      </a:r>
+                      <a:r>
                         <a:rPr lang="en-US" altLang="ko-KR" baseline="0" dirty="0" err="1"/>
-                        <a:t>ShowCourseSystem</a:t>
+                        <a:t>AddCourseSystem</a:t>
+                      </a:r>
+                      <a:r>
+                        <a:rPr lang="en-US" altLang="ko-KR" baseline="0" dirty="0"/>
+                        <a:t>()</a:t>
+                      </a:r>
+                    </a:p>
+                    <a:p>
+                      <a:pPr marL="0" marR="0" indent="0" algn="l" defTabSz="914400" rtl="0" eaLnBrk="1" fontAlgn="auto" latinLnBrk="1" hangingPunct="1">
+                        <a:lnSpc>
+                          <a:spcPct val="100000"/>
+                        </a:lnSpc>
+                        <a:spcBef>
+                          <a:spcPts val="0"/>
+                        </a:spcBef>
+                        <a:spcAft>
+                          <a:spcPts val="0"/>
+                        </a:spcAft>
+                        <a:buClrTx/>
+                        <a:buSzTx/>
+                        <a:buFontTx/>
+                        <a:buNone/>
+                        <a:tabLst/>
+                        <a:defRPr/>
+                      </a:pPr>
+                      <a:r>
+                        <a:rPr lang="en-US" altLang="ko-KR" baseline="0" dirty="0"/>
+                        <a:t>+</a:t>
+                      </a:r>
+                      <a:r>
+                        <a:rPr lang="en-US" altLang="ko-KR" sz="1800" dirty="0" err="1"/>
+                        <a:t>Edit</a:t>
+                      </a:r>
+                      <a:r>
+                        <a:rPr lang="en-US" altLang="ko-KR" baseline="0" dirty="0" err="1"/>
+                        <a:t>CourseSystem</a:t>
+                      </a:r>
+                      <a:r>
+                        <a:rPr lang="en-US" altLang="ko-KR" baseline="0" dirty="0"/>
+                        <a:t>()</a:t>
+                      </a:r>
+                    </a:p>
+                    <a:p>
+                      <a:pPr marL="0" marR="0" indent="0" algn="l" defTabSz="914400" rtl="0" eaLnBrk="1" fontAlgn="auto" latinLnBrk="1" hangingPunct="1">
+                        <a:lnSpc>
+                          <a:spcPct val="100000"/>
+                        </a:lnSpc>
+                        <a:spcBef>
+                          <a:spcPts val="0"/>
+                        </a:spcBef>
+                        <a:spcAft>
+                          <a:spcPts val="0"/>
+                        </a:spcAft>
+                        <a:buClrTx/>
+                        <a:buSzTx/>
+                        <a:buFontTx/>
+                        <a:buNone/>
+                        <a:tabLst/>
+                        <a:defRPr/>
+                      </a:pPr>
+                      <a:r>
+                        <a:rPr lang="en-US" altLang="ko-KR" baseline="0" dirty="0"/>
+                        <a:t>+</a:t>
+                      </a:r>
+                      <a:r>
+                        <a:rPr lang="en-US" altLang="ko-KR" sz="1800" baseline="0" dirty="0" err="1"/>
+                        <a:t>Delete</a:t>
+                      </a:r>
+                      <a:r>
+                        <a:rPr lang="en-US" altLang="ko-KR" baseline="0" dirty="0" err="1"/>
+                        <a:t>CourseSystem</a:t>
+                      </a:r>
+                      <a:r>
+                        <a:rPr lang="en-US" altLang="ko-KR" baseline="0" dirty="0"/>
+                        <a:t>()</a:t>
+                      </a:r>
+                    </a:p>
+                    <a:p>
+                      <a:pPr marL="0" marR="0" indent="0" algn="l" defTabSz="914400" rtl="0" eaLnBrk="1" fontAlgn="auto" latinLnBrk="1" hangingPunct="1">
+                        <a:lnSpc>
+                          <a:spcPct val="100000"/>
+                        </a:lnSpc>
+                        <a:spcBef>
+                          <a:spcPts val="0"/>
+                        </a:spcBef>
+                        <a:spcAft>
+                          <a:spcPts val="0"/>
+                        </a:spcAft>
+                        <a:buClrTx/>
+                        <a:buSzTx/>
+                        <a:buFontTx/>
+                        <a:buNone/>
+                        <a:tabLst/>
+                        <a:defRPr/>
+                      </a:pPr>
+                      <a:r>
+                        <a:rPr lang="en-US" altLang="ko-KR" baseline="0" dirty="0"/>
+                        <a:t>+</a:t>
+                      </a:r>
+                      <a:r>
+                        <a:rPr lang="en-US" altLang="ko-KR" baseline="0" dirty="0" err="1"/>
+                        <a:t>SortCourseSystem</a:t>
                       </a:r>
                       <a:r>
                         <a:rPr lang="en-US" altLang="ko-KR" baseline="0" dirty="0"/>
@@ -3679,7 +3815,7 @@
     </p:spTree>
     <p:extLst>
       <p:ext uri="{BB962C8B-B14F-4D97-AF65-F5344CB8AC3E}">
-        <p14:creationId xmlns:p14="http://schemas.microsoft.com/office/powerpoint/2010/main" val="1712016017"/>
+        <p14:creationId xmlns:p14="http://schemas.microsoft.com/office/powerpoint/2010/main" val="4113967170"/>
       </p:ext>
     </p:extLst>
   </p:cSld>
@@ -3764,7 +3900,13 @@
           <p:cNvGraphicFramePr>
             <a:graphicFrameLocks noGrp="1"/>
           </p:cNvGraphicFramePr>
-          <p:nvPr/>
+          <p:nvPr>
+            <p:extLst>
+              <p:ext uri="{D42A27DB-BD31-4B8C-83A1-F6EECF244321}">
+                <p14:modId xmlns:p14="http://schemas.microsoft.com/office/powerpoint/2010/main" val="238988370"/>
+              </p:ext>
+            </p:extLst>
+          </p:nvPr>
         </p:nvGraphicFramePr>
         <p:xfrm>
           <a:off x="352425" y="1228296"/>
@@ -3793,7 +3935,7 @@
                     <a:p>
                       <a:r>
                         <a:rPr lang="en-US" altLang="ko-KR" sz="4000" dirty="0" err="1"/>
-                        <a:t>CourseManageSystem</a:t>
+                        <a:t>TodoManageSystem</a:t>
                       </a:r>
                       <a:endParaRPr lang="ko-KR" altLang="en-US" sz="4000" dirty="0"/>
                     </a:p>
@@ -3818,7 +3960,7 @@
                       </a:r>
                       <a:r>
                         <a:rPr lang="en-US" altLang="ko-KR" dirty="0" err="1"/>
-                        <a:t>CourseList</a:t>
+                        <a:t>TodoList</a:t>
                       </a:r>
                       <a:r>
                         <a:rPr lang="en-US" altLang="ko-KR" baseline="0" dirty="0"/>
@@ -3826,7 +3968,7 @@
                       </a:r>
                       <a:r>
                         <a:rPr lang="en-US" altLang="ko-KR" baseline="0" dirty="0" err="1"/>
-                        <a:t>CourseList</a:t>
+                        <a:t>TodoList</a:t>
                       </a:r>
                       <a:endParaRPr lang="ko-KR" altLang="en-US" dirty="0"/>
                     </a:p>
@@ -3867,14 +4009,17 @@
                         <a:t>+</a:t>
                       </a:r>
                       <a:r>
+                        <a:rPr lang="en-US" altLang="ko-KR" sz="1800" baseline="0" dirty="0" err="1"/>
+                        <a:t>Todo</a:t>
+                      </a:r>
+                      <a:r>
                         <a:rPr lang="en-US" altLang="ko-KR" sz="1800" dirty="0" err="1"/>
-                        <a:t>CourseManageSystem</a:t>
-                      </a:r>
-                      <a:r>
-                        <a:rPr lang="en-US" altLang="ko-KR" sz="1800" dirty="0"/>
+                        <a:t>ManageSystem</a:t>
+                      </a:r>
+                      <a:r>
+                        <a:rPr lang="en-US" altLang="ko-KR" baseline="0" dirty="0"/>
                         <a:t>()</a:t>
                       </a:r>
-                      <a:endParaRPr lang="ko-KR" altLang="en-US" sz="1800" dirty="0"/>
                     </a:p>
                     <a:p>
                       <a:r>
@@ -3883,7 +4028,7 @@
                       </a:r>
                       <a:r>
                         <a:rPr lang="en-US" altLang="ko-KR" baseline="0" dirty="0" err="1"/>
-                        <a:t>AddCourseSystem</a:t>
+                        <a:t>AddTodoSystem</a:t>
                       </a:r>
                       <a:r>
                         <a:rPr lang="en-US" altLang="ko-KR" baseline="0" dirty="0"/>
@@ -3917,8 +4062,12 @@
                         <a:t>Edit</a:t>
                       </a:r>
                       <a:r>
+                        <a:rPr lang="en-US" altLang="ko-KR" sz="1800" baseline="0" dirty="0" err="1"/>
+                        <a:t>Todo</a:t>
+                      </a:r>
+                      <a:r>
                         <a:rPr lang="en-US" altLang="ko-KR" baseline="0" dirty="0" err="1"/>
-                        <a:t>CourseSystem</a:t>
+                        <a:t>System</a:t>
                       </a:r>
                       <a:r>
                         <a:rPr lang="en-US" altLang="ko-KR" baseline="0" dirty="0"/>
@@ -3953,7 +4102,7 @@
                       </a:r>
                       <a:r>
                         <a:rPr lang="en-US" altLang="ko-KR" baseline="0" dirty="0" err="1"/>
-                        <a:t>CourseSystem</a:t>
+                        <a:t>TodoSystem</a:t>
                       </a:r>
                       <a:r>
                         <a:rPr lang="en-US" altLang="ko-KR" baseline="0" dirty="0"/>
@@ -3961,13 +4110,44 @@
                       </a:r>
                     </a:p>
                     <a:p>
+                      <a:pPr marL="0" marR="0" indent="0" algn="l" defTabSz="914400" rtl="0" eaLnBrk="1" fontAlgn="auto" latinLnBrk="1" hangingPunct="1">
+                        <a:lnSpc>
+                          <a:spcPct val="100000"/>
+                        </a:lnSpc>
+                        <a:spcBef>
+                          <a:spcPts val="0"/>
+                        </a:spcBef>
+                        <a:spcAft>
+                          <a:spcPts val="0"/>
+                        </a:spcAft>
+                        <a:buClrTx/>
+                        <a:buSzTx/>
+                        <a:buFontTx/>
+                        <a:buNone/>
+                        <a:tabLst/>
+                        <a:defRPr/>
+                      </a:pPr>
+                      <a:r>
+                        <a:rPr lang="en-US" altLang="ko-KR" baseline="0" dirty="0"/>
+                        <a:t>+</a:t>
+                      </a:r>
+                      <a:r>
+                        <a:rPr lang="en-US" altLang="ko-KR" baseline="0" dirty="0" err="1"/>
+                        <a:t>SortTodoSystem</a:t>
+                      </a:r>
+                      <a:r>
+                        <a:rPr lang="en-US" altLang="ko-KR" baseline="0" dirty="0"/>
+                        <a:t>()</a:t>
+                      </a:r>
+                    </a:p>
+                    <a:p>
                       <a:r>
                         <a:rPr lang="en-US" altLang="ko-KR" baseline="0" dirty="0"/>
                         <a:t>+ </a:t>
                       </a:r>
                       <a:r>
                         <a:rPr lang="en-US" altLang="ko-KR" baseline="0" dirty="0" err="1"/>
-                        <a:t>getCourseContesnts</a:t>
+                        <a:t>getTodoContesnts</a:t>
                       </a:r>
                       <a:r>
                         <a:rPr lang="en-US" altLang="ko-KR" baseline="0" dirty="0"/>
@@ -3981,7 +4161,7 @@
                       </a:r>
                       <a:r>
                         <a:rPr lang="en-US" altLang="ko-KR" baseline="0" dirty="0" err="1"/>
-                        <a:t>getCourseList</a:t>
+                        <a:t>getTodoList</a:t>
                       </a:r>
                       <a:r>
                         <a:rPr lang="en-US" altLang="ko-KR" baseline="0" dirty="0"/>
@@ -3989,7 +4169,7 @@
                       </a:r>
                       <a:r>
                         <a:rPr lang="en-US" altLang="ko-KR" baseline="0" dirty="0" err="1"/>
-                        <a:t>CourseList</a:t>
+                        <a:t>TodoList</a:t>
                       </a:r>
                       <a:endParaRPr lang="en-US" altLang="ko-KR" baseline="0" dirty="0"/>
                     </a:p>
@@ -4009,7 +4189,7 @@
     </p:spTree>
     <p:extLst>
       <p:ext uri="{BB962C8B-B14F-4D97-AF65-F5344CB8AC3E}">
-        <p14:creationId xmlns:p14="http://schemas.microsoft.com/office/powerpoint/2010/main" val="4113967170"/>
+        <p14:creationId xmlns:p14="http://schemas.microsoft.com/office/powerpoint/2010/main" val="3856391460"/>
       </p:ext>
     </p:extLst>
   </p:cSld>
@@ -4094,7 +4274,13 @@
           <p:cNvGraphicFramePr>
             <a:graphicFrameLocks noGrp="1"/>
           </p:cNvGraphicFramePr>
-          <p:nvPr/>
+          <p:nvPr>
+            <p:extLst>
+              <p:ext uri="{D42A27DB-BD31-4B8C-83A1-F6EECF244321}">
+                <p14:modId xmlns:p14="http://schemas.microsoft.com/office/powerpoint/2010/main" val="3035344715"/>
+              </p:ext>
+            </p:extLst>
+          </p:nvPr>
         </p:nvGraphicFramePr>
         <p:xfrm>
           <a:off x="352425" y="1228296"/>
@@ -4123,7 +4309,11 @@
                     <a:p>
                       <a:r>
                         <a:rPr lang="en-US" altLang="ko-KR" sz="4000" dirty="0" err="1"/>
-                        <a:t>TaskManageSystem</a:t>
+                        <a:t>Show</a:t>
+                      </a:r>
+                      <a:r>
+                        <a:rPr lang="en-US" altLang="ko-KR" sz="4000" baseline="0" dirty="0" err="1"/>
+                        <a:t>TodoSystem</a:t>
                       </a:r>
                       <a:endParaRPr lang="ko-KR" altLang="en-US" sz="4000" dirty="0"/>
                     </a:p>
@@ -4148,7 +4338,7 @@
                       </a:r>
                       <a:r>
                         <a:rPr lang="en-US" altLang="ko-KR" dirty="0" err="1"/>
-                        <a:t>CourseList</a:t>
+                        <a:t>TodoList</a:t>
                       </a:r>
                       <a:r>
                         <a:rPr lang="en-US" altLang="ko-KR" baseline="0" dirty="0"/>
@@ -4156,7 +4346,7 @@
                       </a:r>
                       <a:r>
                         <a:rPr lang="en-US" altLang="ko-KR" baseline="0" dirty="0" err="1"/>
-                        <a:t>CourseList</a:t>
+                        <a:t>TodoList</a:t>
                       </a:r>
                       <a:endParaRPr lang="ko-KR" altLang="en-US" dirty="0"/>
                     </a:p>
@@ -4175,30 +4365,13 @@
                     <a:bodyPr/>
                     <a:lstStyle/>
                     <a:p>
-                      <a:pPr marL="0" marR="0" indent="0" algn="l" defTabSz="914400" rtl="0" eaLnBrk="1" fontAlgn="auto" latinLnBrk="1" hangingPunct="1">
-                        <a:lnSpc>
-                          <a:spcPct val="100000"/>
-                        </a:lnSpc>
-                        <a:spcBef>
-                          <a:spcPts val="0"/>
-                        </a:spcBef>
-                        <a:spcAft>
-                          <a:spcPts val="0"/>
-                        </a:spcAft>
-                        <a:buClrTx/>
-                        <a:buSzTx/>
-                        <a:buFontTx/>
-                        <a:buNone/>
-                        <a:tabLst/>
-                        <a:defRPr/>
-                      </a:pPr>
                       <a:r>
                         <a:rPr lang="en-US" altLang="ko-KR" baseline="0" dirty="0"/>
                         <a:t>+</a:t>
                       </a:r>
                       <a:r>
-                        <a:rPr lang="en-US" altLang="ko-KR" sz="1800" dirty="0" err="1"/>
-                        <a:t>TaskManageSystem</a:t>
+                        <a:rPr lang="en-US" altLang="ko-KR" baseline="0" dirty="0" err="1"/>
+                        <a:t>ShowTodoSystem</a:t>
                       </a:r>
                       <a:r>
                         <a:rPr lang="en-US" altLang="ko-KR" baseline="0" dirty="0"/>
@@ -4212,105 +4385,21 @@
                       </a:r>
                       <a:r>
                         <a:rPr lang="en-US" altLang="ko-KR" baseline="0" dirty="0" err="1"/>
-                        <a:t>AddTaskSystem</a:t>
+                        <a:t>getTodoContesnts</a:t>
                       </a:r>
                       <a:r>
                         <a:rPr lang="en-US" altLang="ko-KR" baseline="0" dirty="0"/>
-                        <a:t>()</a:t>
-                      </a:r>
-                    </a:p>
-                    <a:p>
-                      <a:pPr marL="0" marR="0" indent="0" algn="l" defTabSz="914400" rtl="0" eaLnBrk="1" fontAlgn="auto" latinLnBrk="1" hangingPunct="1">
-                        <a:lnSpc>
-                          <a:spcPct val="100000"/>
-                        </a:lnSpc>
-                        <a:spcBef>
-                          <a:spcPts val="0"/>
-                        </a:spcBef>
-                        <a:spcAft>
-                          <a:spcPts val="0"/>
-                        </a:spcAft>
-                        <a:buClrTx/>
-                        <a:buSzTx/>
-                        <a:buFontTx/>
-                        <a:buNone/>
-                        <a:tabLst/>
-                        <a:defRPr/>
-                      </a:pPr>
+                        <a:t>() : String[][]</a:t>
+                      </a:r>
+                    </a:p>
+                    <a:p>
                       <a:r>
                         <a:rPr lang="en-US" altLang="ko-KR" baseline="0" dirty="0"/>
                         <a:t>+</a:t>
                       </a:r>
                       <a:r>
-                        <a:rPr lang="en-US" altLang="ko-KR" sz="1800" dirty="0" err="1"/>
-                        <a:t>Edit</a:t>
-                      </a:r>
-                      <a:r>
                         <a:rPr lang="en-US" altLang="ko-KR" baseline="0" dirty="0" err="1"/>
-                        <a:t>TaskSystem</a:t>
-                      </a:r>
-                      <a:r>
-                        <a:rPr lang="en-US" altLang="ko-KR" baseline="0" dirty="0"/>
-                        <a:t>()</a:t>
-                      </a:r>
-                    </a:p>
-                    <a:p>
-                      <a:pPr marL="0" marR="0" indent="0" algn="l" defTabSz="914400" rtl="0" eaLnBrk="1" fontAlgn="auto" latinLnBrk="1" hangingPunct="1">
-                        <a:lnSpc>
-                          <a:spcPct val="100000"/>
-                        </a:lnSpc>
-                        <a:spcBef>
-                          <a:spcPts val="0"/>
-                        </a:spcBef>
-                        <a:spcAft>
-                          <a:spcPts val="0"/>
-                        </a:spcAft>
-                        <a:buClrTx/>
-                        <a:buSzTx/>
-                        <a:buFontTx/>
-                        <a:buNone/>
-                        <a:tabLst/>
-                        <a:defRPr/>
-                      </a:pPr>
-                      <a:r>
-                        <a:rPr lang="en-US" altLang="ko-KR" baseline="0" dirty="0"/>
-                        <a:t>+</a:t>
-                      </a:r>
-                      <a:r>
-                        <a:rPr lang="en-US" altLang="ko-KR" sz="1800" baseline="0" dirty="0" err="1"/>
-                        <a:t>Delete</a:t>
-                      </a:r>
-                      <a:r>
-                        <a:rPr lang="en-US" altLang="ko-KR" baseline="0" dirty="0" err="1"/>
-                        <a:t>TaskSystem</a:t>
-                      </a:r>
-                      <a:r>
-                        <a:rPr lang="en-US" altLang="ko-KR" baseline="0" dirty="0"/>
-                        <a:t>()</a:t>
-                      </a:r>
-                    </a:p>
-                    <a:p>
-                      <a:r>
-                        <a:rPr lang="en-US" altLang="ko-KR" baseline="0" dirty="0"/>
-                        <a:t>+ </a:t>
-                      </a:r>
-                      <a:r>
-                        <a:rPr lang="en-US" altLang="ko-KR" baseline="0" dirty="0" err="1"/>
-                        <a:t>getTaskContesnts</a:t>
-                      </a:r>
-                      <a:r>
-                        <a:rPr lang="en-US" altLang="ko-KR" baseline="0" dirty="0"/>
-                        <a:t>() : String[][]</a:t>
-                      </a:r>
-                    </a:p>
-                    <a:p>
-                      <a:r>
-                        <a:rPr lang="en-US" altLang="ko-KR" baseline="0" dirty="0"/>
-                        <a:t>+ </a:t>
-                      </a:r>
-                      <a:r>
-                        <a:rPr lang="en-US" altLang="ko-KR" baseline="0" dirty="0" err="1"/>
-                        <a:t>getTaskList</a:t>
+                        <a:t>getTodoList</a:t>
                       </a:r>
                       <a:r>
                         <a:rPr lang="en-US" altLang="ko-KR" baseline="0" dirty="0"/>
@@ -4318,7 +4407,7 @@
                       </a:r>
                       <a:r>
                         <a:rPr lang="en-US" altLang="ko-KR" baseline="0" dirty="0" err="1"/>
-                        <a:t>TaskList</a:t>
+                        <a:t>TodoList</a:t>
                       </a:r>
                       <a:endParaRPr lang="en-US" altLang="ko-KR" baseline="0" dirty="0"/>
                     </a:p>
@@ -4338,7 +4427,244 @@
     </p:spTree>
     <p:extLst>
       <p:ext uri="{BB962C8B-B14F-4D97-AF65-F5344CB8AC3E}">
-        <p14:creationId xmlns:p14="http://schemas.microsoft.com/office/powerpoint/2010/main" val="3856391460"/>
+        <p14:creationId xmlns:p14="http://schemas.microsoft.com/office/powerpoint/2010/main" val="1712016017"/>
+      </p:ext>
+    </p:extLst>
+  </p:cSld>
+  <p:clrMapOvr>
+    <a:masterClrMapping/>
+  </p:clrMapOvr>
+</p:sld>
+</file>
+
+<file path=ppt/slides/slide15.xml><?xml version="1.0" encoding="utf-8"?>
+<p:sld xmlns:a="http://schemas.openxmlformats.org/drawingml/2006/main" xmlns:r="http://schemas.openxmlformats.org/officeDocument/2006/relationships" xmlns:p="http://schemas.openxmlformats.org/presentationml/2006/main">
+  <p:cSld>
+    <p:spTree>
+      <p:nvGrpSpPr>
+        <p:cNvPr id="1" name=""/>
+        <p:cNvGrpSpPr/>
+        <p:nvPr/>
+      </p:nvGrpSpPr>
+      <p:grpSpPr>
+        <a:xfrm>
+          <a:off x="0" y="0"/>
+          <a:ext cx="0" cy="0"/>
+          <a:chOff x="0" y="0"/>
+          <a:chExt cx="0" cy="0"/>
+        </a:xfrm>
+      </p:grpSpPr>
+      <p:sp>
+        <p:nvSpPr>
+          <p:cNvPr id="2" name="제목 1"/>
+          <p:cNvSpPr>
+            <a:spLocks noGrp="1"/>
+          </p:cNvSpPr>
+          <p:nvPr>
+            <p:ph type="title"/>
+          </p:nvPr>
+        </p:nvSpPr>
+        <p:spPr>
+          <a:xfrm>
+            <a:off x="352425" y="220211"/>
+            <a:ext cx="8327552" cy="625950"/>
+          </a:xfrm>
+        </p:spPr>
+        <p:txBody>
+          <a:bodyPr/>
+          <a:lstStyle/>
+          <a:p>
+            <a:r>
+              <a:rPr lang="en-US" altLang="ko-KR" sz="2500" dirty="0"/>
+              <a:t>Control Class</a:t>
+            </a:r>
+            <a:endParaRPr lang="ko-KR" altLang="en-US" sz="2500" dirty="0"/>
+          </a:p>
+        </p:txBody>
+      </p:sp>
+      <p:sp>
+        <p:nvSpPr>
+          <p:cNvPr id="4" name="바닥글 개체 틀 3"/>
+          <p:cNvSpPr>
+            <a:spLocks noGrp="1"/>
+          </p:cNvSpPr>
+          <p:nvPr>
+            <p:ph type="ftr" sz="quarter" idx="3"/>
+          </p:nvPr>
+        </p:nvSpPr>
+        <p:spPr/>
+        <p:txBody>
+          <a:bodyPr/>
+          <a:lstStyle/>
+          <a:p>
+            <a:pPr algn="r"/>
+            <a:r>
+              <a:rPr lang="ko-KR" altLang="en-US"/>
+              <a:t>팀 명</a:t>
+            </a:r>
+            <a:endParaRPr lang="en-US" altLang="ko-KR" dirty="0"/>
+          </a:p>
+        </p:txBody>
+      </p:sp>
+      <p:graphicFrame>
+        <p:nvGraphicFramePr>
+          <p:cNvPr id="5" name="표 4"/>
+          <p:cNvGraphicFramePr>
+            <a:graphicFrameLocks noGrp="1"/>
+          </p:cNvGraphicFramePr>
+          <p:nvPr>
+            <p:extLst>
+              <p:ext uri="{D42A27DB-BD31-4B8C-83A1-F6EECF244321}">
+                <p14:modId xmlns:p14="http://schemas.microsoft.com/office/powerpoint/2010/main" val="2843696219"/>
+              </p:ext>
+            </p:extLst>
+          </p:nvPr>
+        </p:nvGraphicFramePr>
+        <p:xfrm>
+          <a:off x="352425" y="1228296"/>
+          <a:ext cx="8327551" cy="4967787"/>
+        </p:xfrm>
+        <a:graphic>
+          <a:graphicData uri="http://schemas.openxmlformats.org/drawingml/2006/table">
+            <a:tbl>
+              <a:tblPr firstRow="1" bandRow="1">
+                <a:tableStyleId>{17292A2E-F333-43FB-9621-5CBBE7FDCDCB}</a:tableStyleId>
+              </a:tblPr>
+              <a:tblGrid>
+                <a:gridCol w="8327551">
+                  <a:extLst>
+                    <a:ext uri="{9D8B030D-6E8A-4147-A177-3AD203B41FA5}">
+                      <a16:colId xmlns:a16="http://schemas.microsoft.com/office/drawing/2014/main" val="20000"/>
+                    </a:ext>
+                  </a:extLst>
+                </a:gridCol>
+              </a:tblGrid>
+              <a:tr h="875279">
+                <a:tc>
+                  <a:txBody>
+                    <a:bodyPr/>
+                    <a:lstStyle/>
+                    <a:p>
+                      <a:r>
+                        <a:rPr lang="en-US" altLang="ko-KR" sz="4000" baseline="0" dirty="0" err="1"/>
+                        <a:t>SearchTodoSystem</a:t>
+                      </a:r>
+                      <a:endParaRPr lang="ko-KR" altLang="en-US" sz="4000" dirty="0"/>
+                    </a:p>
+                  </a:txBody>
+                  <a:tcPr/>
+                </a:tc>
+                <a:extLst>
+                  <a:ext uri="{0D108BD9-81ED-4DB2-BD59-A6C34878D82A}">
+                    <a16:rowId xmlns:a16="http://schemas.microsoft.com/office/drawing/2014/main" val="10000"/>
+                  </a:ext>
+                </a:extLst>
+              </a:tr>
+              <a:tr h="2046254">
+                <a:tc>
+                  <a:txBody>
+                    <a:bodyPr/>
+                    <a:lstStyle/>
+                    <a:p>
+                      <a:r>
+                        <a:rPr lang="en-US" altLang="ko-KR" dirty="0"/>
+                        <a:t>- </a:t>
+                      </a:r>
+                      <a:r>
+                        <a:rPr lang="en-US" altLang="ko-KR" dirty="0" err="1"/>
+                        <a:t>TodoList</a:t>
+                      </a:r>
+                      <a:r>
+                        <a:rPr lang="en-US" altLang="ko-KR" baseline="0" dirty="0"/>
+                        <a:t> : </a:t>
+                      </a:r>
+                      <a:r>
+                        <a:rPr lang="en-US" altLang="ko-KR" baseline="0" dirty="0" err="1"/>
+                        <a:t>TodoList</a:t>
+                      </a:r>
+                      <a:endParaRPr lang="ko-KR" altLang="en-US" dirty="0"/>
+                    </a:p>
+                  </a:txBody>
+                  <a:tcPr/>
+                </a:tc>
+                <a:extLst>
+                  <a:ext uri="{0D108BD9-81ED-4DB2-BD59-A6C34878D82A}">
+                    <a16:rowId xmlns:a16="http://schemas.microsoft.com/office/drawing/2014/main" val="10001"/>
+                  </a:ext>
+                </a:extLst>
+              </a:tr>
+              <a:tr h="2046254">
+                <a:tc>
+                  <a:txBody>
+                    <a:bodyPr/>
+                    <a:lstStyle/>
+                    <a:p>
+                      <a:r>
+                        <a:rPr lang="en-US" altLang="ko-KR" baseline="0" dirty="0"/>
+                        <a:t>+</a:t>
+                      </a:r>
+                      <a:r>
+                        <a:rPr lang="en-US" altLang="ko-KR" baseline="0" dirty="0" err="1"/>
+                        <a:t>SearchTodoSystem</a:t>
+                      </a:r>
+                      <a:r>
+                        <a:rPr lang="en-US" altLang="ko-KR" baseline="0" dirty="0"/>
+                        <a:t>()</a:t>
+                      </a:r>
+                    </a:p>
+                    <a:p>
+                      <a:r>
+                        <a:rPr lang="en-US" altLang="ko-KR" baseline="0" dirty="0"/>
+                        <a:t>+</a:t>
+                      </a:r>
+                      <a:r>
+                        <a:rPr lang="en-US" altLang="ko-KR" baseline="0" dirty="0" err="1"/>
+                        <a:t>getTodoContesnts</a:t>
+                      </a:r>
+                      <a:r>
+                        <a:rPr lang="en-US" altLang="ko-KR" baseline="0" dirty="0"/>
+                        <a:t>() : String[][]</a:t>
+                      </a:r>
+                    </a:p>
+                    <a:p>
+                      <a:r>
+                        <a:rPr lang="en-US" altLang="ko-KR" baseline="0" dirty="0"/>
+                        <a:t>+</a:t>
+                      </a:r>
+                      <a:r>
+                        <a:rPr lang="en-US" altLang="ko-KR" baseline="0" dirty="0" err="1"/>
+                        <a:t>getTodoList</a:t>
+                      </a:r>
+                      <a:r>
+                        <a:rPr lang="en-US" altLang="ko-KR" baseline="0" dirty="0"/>
+                        <a:t>() : </a:t>
+                      </a:r>
+                      <a:r>
+                        <a:rPr lang="en-US" altLang="ko-KR" baseline="0" dirty="0" err="1"/>
+                        <a:t>TodoList</a:t>
+                      </a:r>
+                      <a:endParaRPr lang="en-US" altLang="ko-KR" baseline="0" dirty="0"/>
+                    </a:p>
+                    <a:p>
+                      <a:endParaRPr lang="en-US" altLang="ko-KR" baseline="0" dirty="0"/>
+                    </a:p>
+                  </a:txBody>
+                  <a:tcPr/>
+                </a:tc>
+                <a:extLst>
+                  <a:ext uri="{0D108BD9-81ED-4DB2-BD59-A6C34878D82A}">
+                    <a16:rowId xmlns:a16="http://schemas.microsoft.com/office/drawing/2014/main" val="10002"/>
+                  </a:ext>
+                </a:extLst>
+              </a:tr>
+            </a:tbl>
+          </a:graphicData>
+        </a:graphic>
+      </p:graphicFrame>
+    </p:spTree>
+    <p:extLst>
+      <p:ext uri="{BB962C8B-B14F-4D97-AF65-F5344CB8AC3E}">
+        <p14:creationId xmlns:p14="http://schemas.microsoft.com/office/powerpoint/2010/main" val="1121548998"/>
       </p:ext>
     </p:extLst>
   </p:cSld>
@@ -4421,7 +4747,7 @@
             <p:ph idx="1"/>
             <p:extLst>
               <p:ext uri="{D42A27DB-BD31-4B8C-83A1-F6EECF244321}">
-                <p14:modId xmlns:p14="http://schemas.microsoft.com/office/powerpoint/2010/main" val="1702487040"/>
+                <p14:modId xmlns:p14="http://schemas.microsoft.com/office/powerpoint/2010/main" val="1009291166"/>
               </p:ext>
             </p:extLst>
           </p:nvPr>
@@ -4881,6 +5207,16 @@
                     <a:lstStyle/>
                     <a:p>
                       <a:pPr algn="ctr" latinLnBrk="1"/>
+                      <a:r>
+                        <a:rPr lang="en-US" altLang="ko-KR" sz="1200" b="0" dirty="0">
+                          <a:solidFill>
+                            <a:schemeClr val="tx1"/>
+                          </a:solidFill>
+                          <a:latin typeface="맑은 고딕" pitchFamily="50" charset="-127"/>
+                          <a:ea typeface="맑은 고딕" pitchFamily="50" charset="-127"/>
+                        </a:rPr>
+                        <a:t>2017.05.22</a:t>
+                      </a:r>
                       <a:endParaRPr lang="ko-KR" altLang="en-US" sz="1200" b="0" dirty="0">
                         <a:solidFill>
                           <a:schemeClr val="tx1"/>
@@ -4902,6 +5238,16 @@
                     <a:lstStyle/>
                     <a:p>
                       <a:pPr algn="ctr" latinLnBrk="1"/>
+                      <a:r>
+                        <a:rPr lang="en-US" altLang="ko-KR" sz="1200" b="0" dirty="0">
+                          <a:solidFill>
+                            <a:schemeClr val="tx1"/>
+                          </a:solidFill>
+                          <a:latin typeface="맑은 고딕" pitchFamily="50" charset="-127"/>
+                          <a:ea typeface="맑은 고딕" pitchFamily="50" charset="-127"/>
+                        </a:rPr>
+                        <a:t>V1.0.2</a:t>
+                      </a:r>
                       <a:endParaRPr lang="ko-KR" altLang="en-US" sz="1200" b="0" dirty="0">
                         <a:solidFill>
                           <a:schemeClr val="tx1"/>
@@ -4923,13 +5269,26 @@
                     <a:lstStyle/>
                     <a:p>
                       <a:pPr latinLnBrk="1"/>
-                      <a:endParaRPr lang="ko-KR" altLang="en-US" sz="1200" b="0" dirty="0">
-                        <a:solidFill>
-                          <a:schemeClr val="tx1"/>
-                        </a:solidFill>
-                        <a:latin typeface="맑은 고딕" pitchFamily="50" charset="-127"/>
-                        <a:ea typeface="맑은 고딕" pitchFamily="50" charset="-127"/>
-                      </a:endParaRPr>
+                      <a:r>
+                        <a:rPr lang="en-US" altLang="ko-KR" sz="1200" b="0" dirty="0">
+                          <a:solidFill>
+                            <a:schemeClr val="tx1"/>
+                          </a:solidFill>
+                          <a:latin typeface="맑은 고딕" pitchFamily="50" charset="-127"/>
+                          <a:ea typeface="맑은 고딕" pitchFamily="50" charset="-127"/>
+                        </a:rPr>
+                        <a:t>Control Class </a:t>
+                      </a:r>
+                      <a:r>
+                        <a:rPr lang="ko-KR" altLang="en-US" sz="1200" b="0" dirty="0">
+                          <a:solidFill>
+                            <a:schemeClr val="tx1"/>
+                          </a:solidFill>
+                          <a:latin typeface="맑은 고딕" pitchFamily="50" charset="-127"/>
+                          <a:ea typeface="맑은 고딕" pitchFamily="50" charset="-127"/>
+                        </a:rPr>
+                        <a:t>수정</a:t>
+                      </a:r>
                     </a:p>
                   </a:txBody>
                   <a:tcPr anchor="ctr">
@@ -4944,6 +5303,16 @@
                     <a:lstStyle/>
                     <a:p>
                       <a:pPr algn="ctr" latinLnBrk="1"/>
+                      <a:r>
+                        <a:rPr lang="ko-KR" altLang="en-US" sz="1200" b="0" dirty="0" err="1">
+                          <a:solidFill>
+                            <a:schemeClr val="tx1"/>
+                          </a:solidFill>
+                          <a:latin typeface="맑은 고딕" pitchFamily="50" charset="-127"/>
+                          <a:ea typeface="맑은 고딕" pitchFamily="50" charset="-127"/>
+                        </a:rPr>
+                        <a:t>나소영</a:t>
+                      </a:r>
                       <a:endParaRPr lang="ko-KR" altLang="en-US" sz="1200" b="0" dirty="0">
                         <a:solidFill>
                           <a:schemeClr val="tx1"/>

--- a/doc/3_ 설계서/Class Design.pptx
+++ b/doc/3_ 설계서/Class Design.pptx
@@ -13,7 +13,7 @@
   <p:sldIdLst>
     <p:sldId id="256" r:id="rId2"/>
     <p:sldId id="257" r:id="rId3"/>
-    <p:sldId id="258" r:id="rId4"/>
+    <p:sldId id="271" r:id="rId4"/>
     <p:sldId id="259" r:id="rId5"/>
     <p:sldId id="260" r:id="rId6"/>
     <p:sldId id="261" r:id="rId7"/>
@@ -156,7 +156,7 @@
   </p:defaultTextStyle>
   <p:extLst>
     <p:ext uri="{EFAFB233-063F-42B5-8137-9DF3F51BA10A}">
-      <p15:sldGuideLst xmlns:p15="http://schemas.microsoft.com/office/powerpoint/2012/main">
+      <p15:sldGuideLst xmlns:p15="http://schemas.microsoft.com/office/powerpoint/2012/main" xmlns="">
         <p15:guide id="1" orient="horz">
           <p15:clr>
             <a:srgbClr val="A4A3A4"/>
@@ -175,7 +175,7 @@
       </p15:sldGuideLst>
     </p:ext>
     <p:ext uri="{2D200454-40CA-4A62-9FC3-DE9A4176ACB9}">
-      <p15:notesGuideLst xmlns:p15="http://schemas.microsoft.com/office/powerpoint/2012/main">
+      <p15:notesGuideLst xmlns:p15="http://schemas.microsoft.com/office/powerpoint/2012/main" xmlns="">
         <p15:guide id="1" orient="horz" pos="3126">
           <p15:clr>
             <a:srgbClr val="A4A3A4"/>
@@ -1078,6 +1078,10 @@
             </a:lvl1pPr>
           </a:lstStyle>
           <a:p>
+            <a:r>
+              <a:rPr lang="en-US" altLang="ko-KR" dirty="0"/>
+              <a:t/>
+            </a:r>
             <a:br>
               <a:rPr lang="en-US" altLang="ko-KR" dirty="0"/>
             </a:br>
@@ -1139,28 +1143,28 @@
                 <a:gridCol w="1022523">
                   <a:extLst>
                     <a:ext uri="{9D8B030D-6E8A-4147-A177-3AD203B41FA5}">
-                      <a16:colId xmlns:a16="http://schemas.microsoft.com/office/drawing/2014/main" val="20000"/>
+                      <a16:colId xmlns:a16="http://schemas.microsoft.com/office/drawing/2014/main" xmlns="" val="20000"/>
                     </a:ext>
                   </a:extLst>
                 </a:gridCol>
                 <a:gridCol w="3439486">
                   <a:extLst>
                     <a:ext uri="{9D8B030D-6E8A-4147-A177-3AD203B41FA5}">
-                      <a16:colId xmlns:a16="http://schemas.microsoft.com/office/drawing/2014/main" val="20001"/>
+                      <a16:colId xmlns:a16="http://schemas.microsoft.com/office/drawing/2014/main" xmlns="" val="20001"/>
                     </a:ext>
                   </a:extLst>
                 </a:gridCol>
                 <a:gridCol w="947956">
                   <a:extLst>
                     <a:ext uri="{9D8B030D-6E8A-4147-A177-3AD203B41FA5}">
-                      <a16:colId xmlns:a16="http://schemas.microsoft.com/office/drawing/2014/main" val="20002"/>
+                      <a16:colId xmlns:a16="http://schemas.microsoft.com/office/drawing/2014/main" xmlns="" val="20002"/>
                     </a:ext>
                   </a:extLst>
                 </a:gridCol>
                 <a:gridCol w="3523377">
                   <a:extLst>
                     <a:ext uri="{9D8B030D-6E8A-4147-A177-3AD203B41FA5}">
-                      <a16:colId xmlns:a16="http://schemas.microsoft.com/office/drawing/2014/main" val="20003"/>
+                      <a16:colId xmlns:a16="http://schemas.microsoft.com/office/drawing/2014/main" xmlns="" val="20003"/>
                     </a:ext>
                   </a:extLst>
                 </a:gridCol>
@@ -1548,7 +1552,7 @@
                 </a:tc>
                 <a:extLst>
                   <a:ext uri="{0D108BD9-81ED-4DB2-BD59-A6C34878D82A}">
-                    <a16:rowId xmlns:a16="http://schemas.microsoft.com/office/drawing/2014/main" val="10000"/>
+                    <a16:rowId xmlns:a16="http://schemas.microsoft.com/office/drawing/2014/main" xmlns="" val="10000"/>
                   </a:ext>
                 </a:extLst>
               </a:tr>
@@ -1907,7 +1911,7 @@
                 </a:tc>
                 <a:extLst>
                   <a:ext uri="{0D108BD9-81ED-4DB2-BD59-A6C34878D82A}">
-                    <a16:rowId xmlns:a16="http://schemas.microsoft.com/office/drawing/2014/main" val="10001"/>
+                    <a16:rowId xmlns:a16="http://schemas.microsoft.com/office/drawing/2014/main" xmlns="" val="10001"/>
                   </a:ext>
                 </a:extLst>
               </a:tr>
@@ -3041,6 +3045,10 @@
           <a:bodyPr/>
           <a:lstStyle/>
           <a:p>
+            <a:r>
+              <a:rPr lang="en-US" altLang="ko-KR" dirty="0"/>
+              <a:t/>
+            </a:r>
             <a:br>
               <a:rPr lang="en-US" altLang="ko-KR" dirty="0"/>
             </a:br>
@@ -3057,31 +3065,161 @@
       </p:sp>
       <p:sp>
         <p:nvSpPr>
-          <p:cNvPr id="4" name="TextBox 3"/>
-          <p:cNvSpPr txBox="1"/>
+          <p:cNvPr id="5" name="바닥글 개체 틀 3"/>
+          <p:cNvSpPr txBox="1">
+            <a:spLocks/>
+          </p:cNvSpPr>
           <p:nvPr/>
         </p:nvSpPr>
         <p:spPr>
           <a:xfrm>
-            <a:off x="7253605" y="4372844"/>
-            <a:ext cx="1581780" cy="400110"/>
+            <a:off x="5701382" y="5092700"/>
+            <a:ext cx="2798763" cy="300038"/>
           </a:xfrm>
           <a:prstGeom prst="rect">
             <a:avLst/>
           </a:prstGeom>
-          <a:noFill/>
         </p:spPr>
         <p:txBody>
-          <a:bodyPr wrap="none" rtlCol="0">
-            <a:spAutoFit/>
-          </a:bodyPr>
-          <a:lstStyle/>
+          <a:bodyPr/>
+          <a:lstStyle>
+            <a:defPPr>
+              <a:defRPr lang="en-GB"/>
+            </a:defPPr>
+            <a:lvl1pPr algn="l" rtl="0" eaLnBrk="0" fontAlgn="base" hangingPunct="0">
+              <a:spcBef>
+                <a:spcPct val="0"/>
+              </a:spcBef>
+              <a:spcAft>
+                <a:spcPct val="0"/>
+              </a:spcAft>
+              <a:defRPr sz="1400" kern="1200">
+                <a:solidFill>
+                  <a:schemeClr val="tx1"/>
+                </a:solidFill>
+                <a:latin typeface="Arial" charset="0"/>
+                <a:ea typeface="HY울릉도M" pitchFamily="18" charset="-127"/>
+                <a:cs typeface="+mn-cs"/>
+              </a:defRPr>
+            </a:lvl1pPr>
+            <a:lvl2pPr marL="457200" algn="l" rtl="0" eaLnBrk="0" fontAlgn="base" hangingPunct="0">
+              <a:spcBef>
+                <a:spcPct val="0"/>
+              </a:spcBef>
+              <a:spcAft>
+                <a:spcPct val="0"/>
+              </a:spcAft>
+              <a:defRPr sz="1400" kern="1200">
+                <a:solidFill>
+                  <a:schemeClr val="tx1"/>
+                </a:solidFill>
+                <a:latin typeface="Arial" charset="0"/>
+                <a:ea typeface="HY울릉도M" pitchFamily="18" charset="-127"/>
+                <a:cs typeface="+mn-cs"/>
+              </a:defRPr>
+            </a:lvl2pPr>
+            <a:lvl3pPr marL="914400" algn="l" rtl="0" eaLnBrk="0" fontAlgn="base" hangingPunct="0">
+              <a:spcBef>
+                <a:spcPct val="0"/>
+              </a:spcBef>
+              <a:spcAft>
+                <a:spcPct val="0"/>
+              </a:spcAft>
+              <a:defRPr sz="1400" kern="1200">
+                <a:solidFill>
+                  <a:schemeClr val="tx1"/>
+                </a:solidFill>
+                <a:latin typeface="Arial" charset="0"/>
+                <a:ea typeface="HY울릉도M" pitchFamily="18" charset="-127"/>
+                <a:cs typeface="+mn-cs"/>
+              </a:defRPr>
+            </a:lvl3pPr>
+            <a:lvl4pPr marL="1371600" algn="l" rtl="0" eaLnBrk="0" fontAlgn="base" hangingPunct="0">
+              <a:spcBef>
+                <a:spcPct val="0"/>
+              </a:spcBef>
+              <a:spcAft>
+                <a:spcPct val="0"/>
+              </a:spcAft>
+              <a:defRPr sz="1400" kern="1200">
+                <a:solidFill>
+                  <a:schemeClr val="tx1"/>
+                </a:solidFill>
+                <a:latin typeface="Arial" charset="0"/>
+                <a:ea typeface="HY울릉도M" pitchFamily="18" charset="-127"/>
+                <a:cs typeface="+mn-cs"/>
+              </a:defRPr>
+            </a:lvl4pPr>
+            <a:lvl5pPr marL="1828800" algn="l" rtl="0" eaLnBrk="0" fontAlgn="base" hangingPunct="0">
+              <a:spcBef>
+                <a:spcPct val="0"/>
+              </a:spcBef>
+              <a:spcAft>
+                <a:spcPct val="0"/>
+              </a:spcAft>
+              <a:defRPr sz="1400" kern="1200">
+                <a:solidFill>
+                  <a:schemeClr val="tx1"/>
+                </a:solidFill>
+                <a:latin typeface="Arial" charset="0"/>
+                <a:ea typeface="HY울릉도M" pitchFamily="18" charset="-127"/>
+                <a:cs typeface="+mn-cs"/>
+              </a:defRPr>
+            </a:lvl5pPr>
+            <a:lvl6pPr marL="2286000" algn="l" defTabSz="914400" rtl="0" eaLnBrk="1" latinLnBrk="1" hangingPunct="1">
+              <a:defRPr sz="1400" kern="1200">
+                <a:solidFill>
+                  <a:schemeClr val="tx1"/>
+                </a:solidFill>
+                <a:latin typeface="Arial" charset="0"/>
+                <a:ea typeface="HY울릉도M" pitchFamily="18" charset="-127"/>
+                <a:cs typeface="+mn-cs"/>
+              </a:defRPr>
+            </a:lvl6pPr>
+            <a:lvl7pPr marL="2743200" algn="l" defTabSz="914400" rtl="0" eaLnBrk="1" latinLnBrk="1" hangingPunct="1">
+              <a:defRPr sz="1400" kern="1200">
+                <a:solidFill>
+                  <a:schemeClr val="tx1"/>
+                </a:solidFill>
+                <a:latin typeface="Arial" charset="0"/>
+                <a:ea typeface="HY울릉도M" pitchFamily="18" charset="-127"/>
+                <a:cs typeface="+mn-cs"/>
+              </a:defRPr>
+            </a:lvl7pPr>
+            <a:lvl8pPr marL="3200400" algn="l" defTabSz="914400" rtl="0" eaLnBrk="1" latinLnBrk="1" hangingPunct="1">
+              <a:defRPr sz="1400" kern="1200">
+                <a:solidFill>
+                  <a:schemeClr val="tx1"/>
+                </a:solidFill>
+                <a:latin typeface="Arial" charset="0"/>
+                <a:ea typeface="HY울릉도M" pitchFamily="18" charset="-127"/>
+                <a:cs typeface="+mn-cs"/>
+              </a:defRPr>
+            </a:lvl8pPr>
+            <a:lvl9pPr marL="3657600" algn="l" defTabSz="914400" rtl="0" eaLnBrk="1" latinLnBrk="1" hangingPunct="1">
+              <a:defRPr sz="1400" kern="1200">
+                <a:solidFill>
+                  <a:schemeClr val="tx1"/>
+                </a:solidFill>
+                <a:latin typeface="Arial" charset="0"/>
+                <a:ea typeface="HY울릉도M" pitchFamily="18" charset="-127"/>
+                <a:cs typeface="+mn-cs"/>
+              </a:defRPr>
+            </a:lvl9pPr>
+          </a:lstStyle>
           <a:p>
+            <a:pPr algn="r"/>
             <a:r>
-              <a:rPr lang="en-US" altLang="ko-KR" sz="2000" dirty="0" err="1"/>
+              <a:rPr lang="en-US" altLang="ko-KR" sz="3200" b="1" smtClean="0">
+                <a:latin typeface="-윤고딕350" panose="02030504000101010101" pitchFamily="18" charset="-127"/>
+                <a:ea typeface="-윤고딕350" panose="02030504000101010101" pitchFamily="18" charset="-127"/>
+              </a:rPr>
               <a:t>TenoutofTen</a:t>
             </a:r>
-            <a:endParaRPr lang="ko-KR" altLang="en-US" sz="2000" dirty="0"/>
+            <a:endParaRPr lang="en-US" altLang="ko-KR" sz="3200" b="1" dirty="0">
+              <a:latin typeface="-윤고딕350" panose="02030504000101010101" pitchFamily="18" charset="-127"/>
+              <a:ea typeface="-윤고딕350" panose="02030504000101010101" pitchFamily="18" charset="-127"/>
+            </a:endParaRPr>
           </a:p>
         </p:txBody>
       </p:sp>
@@ -3090,6 +3228,13 @@
   <p:clrMapOvr>
     <a:masterClrMapping/>
   </p:clrMapOvr>
+  <p:timing>
+    <p:tnLst>
+      <p:par>
+        <p:cTn id="1" dur="indefinite" restart="never" nodeType="tmRoot"/>
+      </p:par>
+    </p:tnLst>
+  </p:timing>
 </p:sld>
 </file>
 
@@ -3192,41 +3337,23 @@
           </a:p>
         </p:txBody>
       </p:sp>
-      <p:sp>
-        <p:nvSpPr>
-          <p:cNvPr id="4" name="바닥글 개체 틀 3"/>
-          <p:cNvSpPr>
-            <a:spLocks noGrp="1"/>
-          </p:cNvSpPr>
-          <p:nvPr>
-            <p:ph type="ftr" sz="quarter" idx="3"/>
-          </p:nvPr>
-        </p:nvSpPr>
-        <p:spPr/>
-        <p:txBody>
-          <a:bodyPr/>
-          <a:lstStyle/>
-          <a:p>
-            <a:pPr algn="r"/>
-            <a:r>
-              <a:rPr lang="ko-KR" altLang="en-US"/>
-              <a:t>팀 명</a:t>
-            </a:r>
-            <a:endParaRPr lang="en-US" altLang="ko-KR" dirty="0"/>
-          </a:p>
-        </p:txBody>
-      </p:sp>
       <p:graphicFrame>
         <p:nvGraphicFramePr>
           <p:cNvPr id="5" name="표 4"/>
           <p:cNvGraphicFramePr>
             <a:graphicFrameLocks noGrp="1"/>
           </p:cNvGraphicFramePr>
-          <p:nvPr/>
+          <p:nvPr>
+            <p:extLst>
+              <p:ext uri="{D42A27DB-BD31-4B8C-83A1-F6EECF244321}">
+                <p14:modId xmlns:p14="http://schemas.microsoft.com/office/powerpoint/2010/main" val="2596852936"/>
+              </p:ext>
+            </p:extLst>
+          </p:nvPr>
         </p:nvGraphicFramePr>
         <p:xfrm>
-          <a:off x="352425" y="1228296"/>
-          <a:ext cx="8327551" cy="4967787"/>
+          <a:off x="2208657" y="1228296"/>
+          <a:ext cx="5225415" cy="4967787"/>
         </p:xfrm>
         <a:graphic>
           <a:graphicData uri="http://schemas.openxmlformats.org/drawingml/2006/table">
@@ -3235,10 +3362,10 @@
                 <a:tableStyleId>{17292A2E-F333-43FB-9621-5CBBE7FDCDCB}</a:tableStyleId>
               </a:tblPr>
               <a:tblGrid>
-                <a:gridCol w="8327551">
+                <a:gridCol w="5225415">
                   <a:extLst>
                     <a:ext uri="{9D8B030D-6E8A-4147-A177-3AD203B41FA5}">
-                      <a16:colId xmlns:a16="http://schemas.microsoft.com/office/drawing/2014/main" val="20000"/>
+                      <a16:colId xmlns:a16="http://schemas.microsoft.com/office/drawing/2014/main" xmlns="" val="20000"/>
                     </a:ext>
                   </a:extLst>
                 </a:gridCol>
@@ -3250,17 +3377,23 @@
                     <a:lstStyle/>
                     <a:p>
                       <a:r>
-                        <a:rPr lang="en-US" altLang="ko-KR" sz="4000" dirty="0" err="1"/>
+                        <a:rPr lang="en-US" altLang="ko-KR" sz="4000" dirty="0" err="1">
+                          <a:latin typeface="나눔바른고딕" panose="020B0603020101020101" pitchFamily="50" charset="-127"/>
+                          <a:ea typeface="나눔바른고딕" panose="020B0603020101020101" pitchFamily="50" charset="-127"/>
+                        </a:rPr>
                         <a:t>LoginSystem</a:t>
                       </a:r>
-                      <a:endParaRPr lang="ko-KR" altLang="en-US" sz="4000" dirty="0"/>
+                      <a:endParaRPr lang="ko-KR" altLang="en-US" sz="4000" dirty="0">
+                        <a:latin typeface="나눔바른고딕" panose="020B0603020101020101" pitchFamily="50" charset="-127"/>
+                        <a:ea typeface="나눔바른고딕" panose="020B0603020101020101" pitchFamily="50" charset="-127"/>
+                      </a:endParaRPr>
                     </a:p>
                   </a:txBody>
-                  <a:tcPr/>
+                  <a:tcPr anchor="ctr"/>
                 </a:tc>
                 <a:extLst>
                   <a:ext uri="{0D108BD9-81ED-4DB2-BD59-A6C34878D82A}">
-                    <a16:rowId xmlns:a16="http://schemas.microsoft.com/office/drawing/2014/main" val="10000"/>
+                    <a16:rowId xmlns:a16="http://schemas.microsoft.com/office/drawing/2014/main" xmlns="" val="10000"/>
                   </a:ext>
                 </a:extLst>
               </a:tr>
@@ -3271,81 +3404,135 @@
                     <a:lstStyle/>
                     <a:p>
                       <a:r>
-                        <a:rPr lang="en-US" altLang="ko-KR" dirty="0"/>
+                        <a:rPr lang="en-US" altLang="ko-KR" dirty="0">
+                          <a:latin typeface="나눔바른고딕" panose="020B0603020101020101" pitchFamily="50" charset="-127"/>
+                          <a:ea typeface="나눔바른고딕" panose="020B0603020101020101" pitchFamily="50" charset="-127"/>
+                        </a:rPr>
                         <a:t>-</a:t>
                       </a:r>
                       <a:r>
-                        <a:rPr lang="en-US" altLang="ko-KR" dirty="0" err="1"/>
+                        <a:rPr lang="en-US" altLang="ko-KR" dirty="0" err="1">
+                          <a:latin typeface="나눔바른고딕" panose="020B0603020101020101" pitchFamily="50" charset="-127"/>
+                          <a:ea typeface="나눔바른고딕" panose="020B0603020101020101" pitchFamily="50" charset="-127"/>
+                        </a:rPr>
                         <a:t>loginedStudent</a:t>
                       </a:r>
                       <a:r>
-                        <a:rPr lang="en-US" altLang="ko-KR" dirty="0"/>
+                        <a:rPr lang="en-US" altLang="ko-KR" dirty="0">
+                          <a:latin typeface="나눔바른고딕" panose="020B0603020101020101" pitchFamily="50" charset="-127"/>
+                          <a:ea typeface="나눔바른고딕" panose="020B0603020101020101" pitchFamily="50" charset="-127"/>
+                        </a:rPr>
                         <a:t> : Student</a:t>
                       </a:r>
                     </a:p>
                     <a:p>
                       <a:r>
-                        <a:rPr lang="en-US" altLang="ko-KR" dirty="0"/>
+                        <a:rPr lang="en-US" altLang="ko-KR" dirty="0">
+                          <a:latin typeface="나눔바른고딕" panose="020B0603020101020101" pitchFamily="50" charset="-127"/>
+                          <a:ea typeface="나눔바른고딕" panose="020B0603020101020101" pitchFamily="50" charset="-127"/>
+                        </a:rPr>
                         <a:t>-</a:t>
                       </a:r>
                       <a:r>
-                        <a:rPr lang="en-US" altLang="ko-KR" dirty="0" err="1"/>
+                        <a:rPr lang="en-US" altLang="ko-KR" dirty="0" err="1">
+                          <a:latin typeface="나눔바른고딕" panose="020B0603020101020101" pitchFamily="50" charset="-127"/>
+                          <a:ea typeface="나눔바른고딕" panose="020B0603020101020101" pitchFamily="50" charset="-127"/>
+                        </a:rPr>
                         <a:t>loginUI</a:t>
                       </a:r>
                       <a:r>
-                        <a:rPr lang="en-US" altLang="ko-KR" baseline="0" dirty="0"/>
+                        <a:rPr lang="en-US" altLang="ko-KR" baseline="0" dirty="0">
+                          <a:latin typeface="나눔바른고딕" panose="020B0603020101020101" pitchFamily="50" charset="-127"/>
+                          <a:ea typeface="나눔바른고딕" panose="020B0603020101020101" pitchFamily="50" charset="-127"/>
+                        </a:rPr>
                         <a:t> :</a:t>
                       </a:r>
                       <a:r>
-                        <a:rPr lang="en-US" altLang="ko-KR" baseline="0" dirty="0" err="1"/>
+                        <a:rPr lang="en-US" altLang="ko-KR" baseline="0" dirty="0" err="1">
+                          <a:latin typeface="나눔바른고딕" panose="020B0603020101020101" pitchFamily="50" charset="-127"/>
+                          <a:ea typeface="나눔바른고딕" panose="020B0603020101020101" pitchFamily="50" charset="-127"/>
+                        </a:rPr>
                         <a:t>LoginUI</a:t>
                       </a:r>
-                      <a:endParaRPr lang="en-US" altLang="ko-KR" baseline="0" dirty="0"/>
-                    </a:p>
-                    <a:p>
-                      <a:r>
-                        <a:rPr lang="en-US" altLang="ko-KR" baseline="0" dirty="0"/>
+                      <a:endParaRPr lang="en-US" altLang="ko-KR" baseline="0" dirty="0">
+                        <a:latin typeface="나눔바른고딕" panose="020B0603020101020101" pitchFamily="50" charset="-127"/>
+                        <a:ea typeface="나눔바른고딕" panose="020B0603020101020101" pitchFamily="50" charset="-127"/>
+                      </a:endParaRPr>
+                    </a:p>
+                    <a:p>
+                      <a:r>
+                        <a:rPr lang="en-US" altLang="ko-KR" baseline="0" dirty="0">
+                          <a:latin typeface="나눔바른고딕" panose="020B0603020101020101" pitchFamily="50" charset="-127"/>
+                          <a:ea typeface="나눔바른고딕" panose="020B0603020101020101" pitchFamily="50" charset="-127"/>
+                        </a:rPr>
                         <a:t>-</a:t>
                       </a:r>
                       <a:r>
-                        <a:rPr lang="en-US" altLang="ko-KR" baseline="0" dirty="0" err="1"/>
+                        <a:rPr lang="en-US" altLang="ko-KR" baseline="0" dirty="0" err="1">
+                          <a:latin typeface="나눔바른고딕" panose="020B0603020101020101" pitchFamily="50" charset="-127"/>
+                          <a:ea typeface="나눔바른고딕" panose="020B0603020101020101" pitchFamily="50" charset="-127"/>
+                        </a:rPr>
                         <a:t>mainUI</a:t>
                       </a:r>
                       <a:r>
-                        <a:rPr lang="en-US" altLang="ko-KR" baseline="0" dirty="0"/>
+                        <a:rPr lang="en-US" altLang="ko-KR" baseline="0" dirty="0">
+                          <a:latin typeface="나눔바른고딕" panose="020B0603020101020101" pitchFamily="50" charset="-127"/>
+                          <a:ea typeface="나눔바른고딕" panose="020B0603020101020101" pitchFamily="50" charset="-127"/>
+                        </a:rPr>
                         <a:t> : </a:t>
                       </a:r>
                       <a:r>
-                        <a:rPr lang="en-US" altLang="ko-KR" baseline="0" dirty="0" err="1"/>
+                        <a:rPr lang="en-US" altLang="ko-KR" baseline="0" dirty="0" err="1">
+                          <a:latin typeface="나눔바른고딕" panose="020B0603020101020101" pitchFamily="50" charset="-127"/>
+                          <a:ea typeface="나눔바른고딕" panose="020B0603020101020101" pitchFamily="50" charset="-127"/>
+                        </a:rPr>
                         <a:t>MainUI</a:t>
                       </a:r>
-                      <a:endParaRPr lang="en-US" altLang="ko-KR" baseline="0" dirty="0"/>
-                    </a:p>
-                    <a:p>
-                      <a:r>
-                        <a:rPr lang="en-US" altLang="ko-KR" baseline="0" dirty="0"/>
+                      <a:endParaRPr lang="en-US" altLang="ko-KR" baseline="0" dirty="0">
+                        <a:latin typeface="나눔바른고딕" panose="020B0603020101020101" pitchFamily="50" charset="-127"/>
+                        <a:ea typeface="나눔바른고딕" panose="020B0603020101020101" pitchFamily="50" charset="-127"/>
+                      </a:endParaRPr>
+                    </a:p>
+                    <a:p>
+                      <a:r>
+                        <a:rPr lang="en-US" altLang="ko-KR" baseline="0" dirty="0">
+                          <a:latin typeface="나눔바른고딕" panose="020B0603020101020101" pitchFamily="50" charset="-127"/>
+                          <a:ea typeface="나눔바른고딕" panose="020B0603020101020101" pitchFamily="50" charset="-127"/>
+                        </a:rPr>
                         <a:t>-</a:t>
                       </a:r>
                       <a:r>
-                        <a:rPr lang="en-US" altLang="ko-KR" baseline="0" dirty="0" err="1"/>
+                        <a:rPr lang="en-US" altLang="ko-KR" baseline="0" dirty="0" err="1">
+                          <a:latin typeface="나눔바른고딕" panose="020B0603020101020101" pitchFamily="50" charset="-127"/>
+                          <a:ea typeface="나눔바른고딕" panose="020B0603020101020101" pitchFamily="50" charset="-127"/>
+                        </a:rPr>
                         <a:t>registeredStudent</a:t>
                       </a:r>
                       <a:r>
-                        <a:rPr lang="en-US" altLang="ko-KR" baseline="0" dirty="0"/>
+                        <a:rPr lang="en-US" altLang="ko-KR" baseline="0" dirty="0">
+                          <a:latin typeface="나눔바른고딕" panose="020B0603020101020101" pitchFamily="50" charset="-127"/>
+                          <a:ea typeface="나눔바른고딕" panose="020B0603020101020101" pitchFamily="50" charset="-127"/>
+                        </a:rPr>
                         <a:t> : </a:t>
                       </a:r>
                       <a:r>
-                        <a:rPr lang="en-US" altLang="ko-KR" baseline="0" dirty="0" err="1"/>
+                        <a:rPr lang="en-US" altLang="ko-KR" baseline="0" dirty="0" err="1">
+                          <a:latin typeface="나눔바른고딕" panose="020B0603020101020101" pitchFamily="50" charset="-127"/>
+                          <a:ea typeface="나눔바른고딕" panose="020B0603020101020101" pitchFamily="50" charset="-127"/>
+                        </a:rPr>
                         <a:t>StudentList</a:t>
                       </a:r>
-                      <a:endParaRPr lang="ko-KR" altLang="en-US" dirty="0"/>
+                      <a:endParaRPr lang="ko-KR" altLang="en-US" dirty="0">
+                        <a:latin typeface="나눔바른고딕" panose="020B0603020101020101" pitchFamily="50" charset="-127"/>
+                        <a:ea typeface="나눔바른고딕" panose="020B0603020101020101" pitchFamily="50" charset="-127"/>
+                      </a:endParaRPr>
                     </a:p>
                   </a:txBody>
-                  <a:tcPr/>
+                  <a:tcPr anchor="ctr"/>
                 </a:tc>
                 <a:extLst>
                   <a:ext uri="{0D108BD9-81ED-4DB2-BD59-A6C34878D82A}">
-                    <a16:rowId xmlns:a16="http://schemas.microsoft.com/office/drawing/2014/main" val="10001"/>
+                    <a16:rowId xmlns:a16="http://schemas.microsoft.com/office/drawing/2014/main" xmlns="" val="10001"/>
                   </a:ext>
                 </a:extLst>
               </a:tr>
@@ -3356,88 +3543,139 @@
                     <a:lstStyle/>
                     <a:p>
                       <a:r>
-                        <a:rPr lang="en-US" altLang="ko-KR" dirty="0"/>
+                        <a:rPr lang="en-US" altLang="ko-KR" dirty="0">
+                          <a:latin typeface="나눔바른고딕" panose="020B0603020101020101" pitchFamily="50" charset="-127"/>
+                          <a:ea typeface="나눔바른고딕" panose="020B0603020101020101" pitchFamily="50" charset="-127"/>
+                        </a:rPr>
                         <a:t>+</a:t>
                       </a:r>
                       <a:r>
-                        <a:rPr lang="en-US" altLang="ko-KR" dirty="0" err="1"/>
+                        <a:rPr lang="en-US" altLang="ko-KR" dirty="0" err="1">
+                          <a:latin typeface="나눔바른고딕" panose="020B0603020101020101" pitchFamily="50" charset="-127"/>
+                          <a:ea typeface="나눔바른고딕" panose="020B0603020101020101" pitchFamily="50" charset="-127"/>
+                        </a:rPr>
                         <a:t>LoginSystem</a:t>
                       </a:r>
                       <a:r>
-                        <a:rPr lang="en-US" altLang="ko-KR" baseline="0" dirty="0"/>
+                        <a:rPr lang="en-US" altLang="ko-KR" baseline="0" dirty="0">
+                          <a:latin typeface="나눔바른고딕" panose="020B0603020101020101" pitchFamily="50" charset="-127"/>
+                          <a:ea typeface="나눔바른고딕" panose="020B0603020101020101" pitchFamily="50" charset="-127"/>
+                        </a:rPr>
                         <a:t> ( login UI : Login UI )</a:t>
                       </a:r>
                     </a:p>
                     <a:p>
                       <a:r>
-                        <a:rPr lang="en-US" altLang="ko-KR" baseline="0" dirty="0"/>
+                        <a:rPr lang="en-US" altLang="ko-KR" baseline="0" dirty="0">
+                          <a:latin typeface="나눔바른고딕" panose="020B0603020101020101" pitchFamily="50" charset="-127"/>
+                          <a:ea typeface="나눔바른고딕" panose="020B0603020101020101" pitchFamily="50" charset="-127"/>
+                        </a:rPr>
                         <a:t>+</a:t>
                       </a:r>
                       <a:r>
-                        <a:rPr lang="en-US" altLang="ko-KR" baseline="0" dirty="0" err="1"/>
+                        <a:rPr lang="en-US" altLang="ko-KR" baseline="0" dirty="0" err="1">
+                          <a:latin typeface="나눔바른고딕" panose="020B0603020101020101" pitchFamily="50" charset="-127"/>
+                          <a:ea typeface="나눔바른고딕" panose="020B0603020101020101" pitchFamily="50" charset="-127"/>
+                        </a:rPr>
                         <a:t>isLogin</a:t>
                       </a:r>
                       <a:r>
-                        <a:rPr lang="en-US" altLang="ko-KR" baseline="0" dirty="0"/>
+                        <a:rPr lang="en-US" altLang="ko-KR" baseline="0" dirty="0">
+                          <a:latin typeface="나눔바른고딕" panose="020B0603020101020101" pitchFamily="50" charset="-127"/>
+                          <a:ea typeface="나눔바른고딕" panose="020B0603020101020101" pitchFamily="50" charset="-127"/>
+                        </a:rPr>
                         <a:t> ( id : String , </a:t>
                       </a:r>
                       <a:r>
-                        <a:rPr lang="en-US" altLang="ko-KR" baseline="0" dirty="0" err="1"/>
+                        <a:rPr lang="en-US" altLang="ko-KR" baseline="0" dirty="0" err="1">
+                          <a:latin typeface="나눔바른고딕" panose="020B0603020101020101" pitchFamily="50" charset="-127"/>
+                          <a:ea typeface="나눔바른고딕" panose="020B0603020101020101" pitchFamily="50" charset="-127"/>
+                        </a:rPr>
                         <a:t>pwd</a:t>
                       </a:r>
                       <a:r>
-                        <a:rPr lang="en-US" altLang="ko-KR" baseline="0" dirty="0"/>
+                        <a:rPr lang="en-US" altLang="ko-KR" baseline="0" dirty="0">
+                          <a:latin typeface="나눔바른고딕" panose="020B0603020101020101" pitchFamily="50" charset="-127"/>
+                          <a:ea typeface="나눔바른고딕" panose="020B0603020101020101" pitchFamily="50" charset="-127"/>
+                        </a:rPr>
                         <a:t> : String )</a:t>
                       </a:r>
                     </a:p>
                     <a:p>
                       <a:r>
-                        <a:rPr lang="en-US" altLang="ko-KR" baseline="0" dirty="0"/>
+                        <a:rPr lang="en-US" altLang="ko-KR" baseline="0" dirty="0">
+                          <a:latin typeface="나눔바른고딕" panose="020B0603020101020101" pitchFamily="50" charset="-127"/>
+                          <a:ea typeface="나눔바른고딕" panose="020B0603020101020101" pitchFamily="50" charset="-127"/>
+                        </a:rPr>
                         <a:t>+login ( </a:t>
                       </a:r>
                       <a:r>
-                        <a:rPr lang="en-US" altLang="ko-KR" baseline="0" dirty="0" err="1"/>
+                        <a:rPr lang="en-US" altLang="ko-KR" baseline="0" dirty="0" err="1">
+                          <a:latin typeface="나눔바른고딕" panose="020B0603020101020101" pitchFamily="50" charset="-127"/>
+                          <a:ea typeface="나눔바른고딕" panose="020B0603020101020101" pitchFamily="50" charset="-127"/>
+                        </a:rPr>
                         <a:t>loginedStudent</a:t>
                       </a:r>
                       <a:r>
-                        <a:rPr lang="en-US" altLang="ko-KR" baseline="0" dirty="0"/>
+                        <a:rPr lang="en-US" altLang="ko-KR" baseline="0" dirty="0">
+                          <a:latin typeface="나눔바른고딕" panose="020B0603020101020101" pitchFamily="50" charset="-127"/>
+                          <a:ea typeface="나눔바른고딕" panose="020B0603020101020101" pitchFamily="50" charset="-127"/>
+                        </a:rPr>
                         <a:t> : </a:t>
                       </a:r>
                       <a:r>
-                        <a:rPr lang="en-US" altLang="ko-KR" baseline="0" dirty="0" err="1"/>
+                        <a:rPr lang="en-US" altLang="ko-KR" baseline="0" dirty="0" err="1">
+                          <a:latin typeface="나눔바른고딕" panose="020B0603020101020101" pitchFamily="50" charset="-127"/>
+                          <a:ea typeface="나눔바른고딕" panose="020B0603020101020101" pitchFamily="50" charset="-127"/>
+                        </a:rPr>
                         <a:t>Strudent</a:t>
                       </a:r>
                       <a:r>
-                        <a:rPr lang="en-US" altLang="ko-KR" baseline="0" dirty="0"/>
+                        <a:rPr lang="en-US" altLang="ko-KR" baseline="0" dirty="0">
+                          <a:latin typeface="나눔바른고딕" panose="020B0603020101020101" pitchFamily="50" charset="-127"/>
+                          <a:ea typeface="나눔바른고딕" panose="020B0603020101020101" pitchFamily="50" charset="-127"/>
+                        </a:rPr>
                         <a:t> )</a:t>
                       </a:r>
                     </a:p>
                     <a:p>
                       <a:r>
-                        <a:rPr lang="en-US" altLang="ko-KR" baseline="0" dirty="0"/>
+                        <a:rPr lang="en-US" altLang="ko-KR" baseline="0" dirty="0">
+                          <a:latin typeface="나눔바른고딕" panose="020B0603020101020101" pitchFamily="50" charset="-127"/>
+                          <a:ea typeface="나눔바른고딕" panose="020B0603020101020101" pitchFamily="50" charset="-127"/>
+                        </a:rPr>
                         <a:t>+logout()</a:t>
                       </a:r>
                     </a:p>
                     <a:p>
                       <a:r>
-                        <a:rPr lang="en-US" altLang="ko-KR" baseline="0" dirty="0"/>
+                        <a:rPr lang="en-US" altLang="ko-KR" baseline="0" dirty="0">
+                          <a:latin typeface="나눔바른고딕" panose="020B0603020101020101" pitchFamily="50" charset="-127"/>
+                          <a:ea typeface="나눔바른고딕" panose="020B0603020101020101" pitchFamily="50" charset="-127"/>
+                        </a:rPr>
                         <a:t>+</a:t>
                       </a:r>
                       <a:r>
-                        <a:rPr lang="en-US" altLang="ko-KR" baseline="0" dirty="0" err="1"/>
+                        <a:rPr lang="en-US" altLang="ko-KR" baseline="0" dirty="0" err="1">
+                          <a:latin typeface="나눔바른고딕" panose="020B0603020101020101" pitchFamily="50" charset="-127"/>
+                          <a:ea typeface="나눔바른고딕" panose="020B0603020101020101" pitchFamily="50" charset="-127"/>
+                        </a:rPr>
                         <a:t>getLoginedStudent</a:t>
                       </a:r>
                       <a:r>
-                        <a:rPr lang="en-US" altLang="ko-KR" baseline="0" dirty="0"/>
+                        <a:rPr lang="en-US" altLang="ko-KR" baseline="0" dirty="0">
+                          <a:latin typeface="나눔바른고딕" panose="020B0603020101020101" pitchFamily="50" charset="-127"/>
+                          <a:ea typeface="나눔바른고딕" panose="020B0603020101020101" pitchFamily="50" charset="-127"/>
+                        </a:rPr>
                         <a:t> : Student</a:t>
                       </a:r>
                     </a:p>
                   </a:txBody>
-                  <a:tcPr/>
+                  <a:tcPr anchor="ctr"/>
                 </a:tc>
                 <a:extLst>
                   <a:ext uri="{0D108BD9-81ED-4DB2-BD59-A6C34878D82A}">
-                    <a16:rowId xmlns:a16="http://schemas.microsoft.com/office/drawing/2014/main" val="10002"/>
+                    <a16:rowId xmlns:a16="http://schemas.microsoft.com/office/drawing/2014/main" xmlns="" val="10002"/>
                   </a:ext>
                 </a:extLst>
               </a:tr>
@@ -3445,6 +3683,41 @@
           </a:graphicData>
         </a:graphic>
       </p:graphicFrame>
+      <p:sp>
+        <p:nvSpPr>
+          <p:cNvPr id="7" name="바닥글 개체 틀 3"/>
+          <p:cNvSpPr>
+            <a:spLocks noGrp="1"/>
+          </p:cNvSpPr>
+          <p:nvPr>
+            <p:ph type="ftr" sz="quarter" idx="3"/>
+          </p:nvPr>
+        </p:nvSpPr>
+        <p:spPr>
+          <a:xfrm>
+            <a:off x="6061745" y="6464300"/>
+            <a:ext cx="2798763" cy="300038"/>
+          </a:xfrm>
+        </p:spPr>
+        <p:txBody>
+          <a:bodyPr/>
+          <a:lstStyle/>
+          <a:p>
+            <a:pPr algn="r"/>
+            <a:r>
+              <a:rPr lang="en-US" altLang="ko-KR" sz="1600" b="1" i="0" dirty="0" err="1" smtClean="0">
+                <a:latin typeface="-윤고딕350" panose="02030504000101010101" pitchFamily="18" charset="-127"/>
+                <a:ea typeface="-윤고딕350" panose="02030504000101010101" pitchFamily="18" charset="-127"/>
+              </a:rPr>
+              <a:t>TenoutofTen</a:t>
+            </a:r>
+            <a:endParaRPr lang="en-US" altLang="ko-KR" sz="1600" b="1" i="0" dirty="0">
+              <a:latin typeface="-윤고딕350" panose="02030504000101010101" pitchFamily="18" charset="-127"/>
+              <a:ea typeface="-윤고딕350" panose="02030504000101010101" pitchFamily="18" charset="-127"/>
+            </a:endParaRPr>
+          </a:p>
+        </p:txBody>
+      </p:sp>
     </p:spTree>
     <p:extLst>
       <p:ext uri="{BB962C8B-B14F-4D97-AF65-F5344CB8AC3E}">
@@ -3503,30 +3776,6 @@
           </a:p>
         </p:txBody>
       </p:sp>
-      <p:sp>
-        <p:nvSpPr>
-          <p:cNvPr id="4" name="바닥글 개체 틀 3"/>
-          <p:cNvSpPr>
-            <a:spLocks noGrp="1"/>
-          </p:cNvSpPr>
-          <p:nvPr>
-            <p:ph type="ftr" sz="quarter" idx="3"/>
-          </p:nvPr>
-        </p:nvSpPr>
-        <p:spPr/>
-        <p:txBody>
-          <a:bodyPr/>
-          <a:lstStyle/>
-          <a:p>
-            <a:pPr algn="r"/>
-            <a:r>
-              <a:rPr lang="ko-KR" altLang="en-US"/>
-              <a:t>팀 명</a:t>
-            </a:r>
-            <a:endParaRPr lang="en-US" altLang="ko-KR" dirty="0"/>
-          </a:p>
-        </p:txBody>
-      </p:sp>
       <p:graphicFrame>
         <p:nvGraphicFramePr>
           <p:cNvPr id="5" name="표 4"/>
@@ -3536,14 +3785,14 @@
           <p:nvPr>
             <p:extLst>
               <p:ext uri="{D42A27DB-BD31-4B8C-83A1-F6EECF244321}">
-                <p14:modId xmlns:p14="http://schemas.microsoft.com/office/powerpoint/2010/main" val="1688253516"/>
+                <p14:modId xmlns:p14="http://schemas.microsoft.com/office/powerpoint/2010/main" val="2376812083"/>
               </p:ext>
             </p:extLst>
           </p:nvPr>
         </p:nvGraphicFramePr>
         <p:xfrm>
-          <a:off x="352425" y="1228296"/>
-          <a:ext cx="8327551" cy="4967787"/>
+          <a:off x="1714882" y="1185576"/>
+          <a:ext cx="5709320" cy="4967787"/>
         </p:xfrm>
         <a:graphic>
           <a:graphicData uri="http://schemas.openxmlformats.org/drawingml/2006/table">
@@ -3552,10 +3801,10 @@
                 <a:tableStyleId>{17292A2E-F333-43FB-9621-5CBBE7FDCDCB}</a:tableStyleId>
               </a:tblPr>
               <a:tblGrid>
-                <a:gridCol w="8327551">
+                <a:gridCol w="5709320">
                   <a:extLst>
                     <a:ext uri="{9D8B030D-6E8A-4147-A177-3AD203B41FA5}">
-                      <a16:colId xmlns:a16="http://schemas.microsoft.com/office/drawing/2014/main" val="20000"/>
+                      <a16:colId xmlns:a16="http://schemas.microsoft.com/office/drawing/2014/main" xmlns="" val="20000"/>
                     </a:ext>
                   </a:extLst>
                 </a:gridCol>
@@ -3567,17 +3816,23 @@
                     <a:lstStyle/>
                     <a:p>
                       <a:r>
-                        <a:rPr lang="en-US" altLang="ko-KR" sz="4000" dirty="0" err="1"/>
+                        <a:rPr lang="en-US" altLang="ko-KR" sz="4000" dirty="0" err="1">
+                          <a:latin typeface="나눔바른고딕" panose="020B0603020101020101" pitchFamily="50" charset="-127"/>
+                          <a:ea typeface="나눔바른고딕" panose="020B0603020101020101" pitchFamily="50" charset="-127"/>
+                        </a:rPr>
                         <a:t>CourseManageSystem</a:t>
                       </a:r>
-                      <a:endParaRPr lang="ko-KR" altLang="en-US" sz="4000" dirty="0"/>
+                      <a:endParaRPr lang="ko-KR" altLang="en-US" sz="4000" dirty="0">
+                        <a:latin typeface="나눔바른고딕" panose="020B0603020101020101" pitchFamily="50" charset="-127"/>
+                        <a:ea typeface="나눔바른고딕" panose="020B0603020101020101" pitchFamily="50" charset="-127"/>
+                      </a:endParaRPr>
                     </a:p>
                   </a:txBody>
-                  <a:tcPr/>
+                  <a:tcPr anchor="ctr"/>
                 </a:tc>
                 <a:extLst>
                   <a:ext uri="{0D108BD9-81ED-4DB2-BD59-A6C34878D82A}">
-                    <a16:rowId xmlns:a16="http://schemas.microsoft.com/office/drawing/2014/main" val="10000"/>
+                    <a16:rowId xmlns:a16="http://schemas.microsoft.com/office/drawing/2014/main" xmlns="" val="10000"/>
                   </a:ext>
                 </a:extLst>
               </a:tr>
@@ -3588,29 +3843,44 @@
                     <a:lstStyle/>
                     <a:p>
                       <a:r>
-                        <a:rPr lang="en-US" altLang="ko-KR" dirty="0"/>
+                        <a:rPr lang="en-US" altLang="ko-KR" dirty="0">
+                          <a:latin typeface="나눔바른고딕" panose="020B0603020101020101" pitchFamily="50" charset="-127"/>
+                          <a:ea typeface="나눔바른고딕" panose="020B0603020101020101" pitchFamily="50" charset="-127"/>
+                        </a:rPr>
                         <a:t>- </a:t>
                       </a:r>
                       <a:r>
-                        <a:rPr lang="en-US" altLang="ko-KR" dirty="0" err="1"/>
+                        <a:rPr lang="en-US" altLang="ko-KR" dirty="0" err="1">
+                          <a:latin typeface="나눔바른고딕" panose="020B0603020101020101" pitchFamily="50" charset="-127"/>
+                          <a:ea typeface="나눔바른고딕" panose="020B0603020101020101" pitchFamily="50" charset="-127"/>
+                        </a:rPr>
                         <a:t>CourseList</a:t>
                       </a:r>
                       <a:r>
-                        <a:rPr lang="en-US" altLang="ko-KR" baseline="0" dirty="0"/>
+                        <a:rPr lang="en-US" altLang="ko-KR" baseline="0" dirty="0">
+                          <a:latin typeface="나눔바른고딕" panose="020B0603020101020101" pitchFamily="50" charset="-127"/>
+                          <a:ea typeface="나눔바른고딕" panose="020B0603020101020101" pitchFamily="50" charset="-127"/>
+                        </a:rPr>
                         <a:t> : </a:t>
                       </a:r>
                       <a:r>
-                        <a:rPr lang="en-US" altLang="ko-KR" baseline="0" dirty="0" err="1"/>
+                        <a:rPr lang="en-US" altLang="ko-KR" baseline="0" dirty="0" err="1">
+                          <a:latin typeface="나눔바른고딕" panose="020B0603020101020101" pitchFamily="50" charset="-127"/>
+                          <a:ea typeface="나눔바른고딕" panose="020B0603020101020101" pitchFamily="50" charset="-127"/>
+                        </a:rPr>
                         <a:t>CourseList</a:t>
                       </a:r>
-                      <a:endParaRPr lang="ko-KR" altLang="en-US" dirty="0"/>
+                      <a:endParaRPr lang="ko-KR" altLang="en-US" dirty="0">
+                        <a:latin typeface="나눔바른고딕" panose="020B0603020101020101" pitchFamily="50" charset="-127"/>
+                        <a:ea typeface="나눔바른고딕" panose="020B0603020101020101" pitchFamily="50" charset="-127"/>
+                      </a:endParaRPr>
                     </a:p>
                   </a:txBody>
-                  <a:tcPr/>
+                  <a:tcPr anchor="ctr"/>
                 </a:tc>
                 <a:extLst>
                   <a:ext uri="{0D108BD9-81ED-4DB2-BD59-A6C34878D82A}">
-                    <a16:rowId xmlns:a16="http://schemas.microsoft.com/office/drawing/2014/main" val="10001"/>
+                    <a16:rowId xmlns:a16="http://schemas.microsoft.com/office/drawing/2014/main" xmlns="" val="10001"/>
                   </a:ext>
                 </a:extLst>
               </a:tr>
@@ -3638,30 +3908,51 @@
                         <a:defRPr/>
                       </a:pPr>
                       <a:r>
-                        <a:rPr lang="en-US" altLang="ko-KR" baseline="0" dirty="0"/>
+                        <a:rPr lang="en-US" altLang="ko-KR" baseline="0" dirty="0">
+                          <a:latin typeface="나눔바른고딕" panose="020B0603020101020101" pitchFamily="50" charset="-127"/>
+                          <a:ea typeface="나눔바른고딕" panose="020B0603020101020101" pitchFamily="50" charset="-127"/>
+                        </a:rPr>
                         <a:t>+</a:t>
                       </a:r>
                       <a:r>
-                        <a:rPr lang="en-US" altLang="ko-KR" sz="1800" dirty="0" err="1"/>
+                        <a:rPr lang="en-US" altLang="ko-KR" sz="1800" dirty="0" err="1">
+                          <a:latin typeface="나눔바른고딕" panose="020B0603020101020101" pitchFamily="50" charset="-127"/>
+                          <a:ea typeface="나눔바른고딕" panose="020B0603020101020101" pitchFamily="50" charset="-127"/>
+                        </a:rPr>
                         <a:t>CourseManageSystem</a:t>
                       </a:r>
                       <a:r>
-                        <a:rPr lang="en-US" altLang="ko-KR" sz="1800" dirty="0"/>
+                        <a:rPr lang="en-US" altLang="ko-KR" sz="1800" dirty="0">
+                          <a:latin typeface="나눔바른고딕" panose="020B0603020101020101" pitchFamily="50" charset="-127"/>
+                          <a:ea typeface="나눔바른고딕" panose="020B0603020101020101" pitchFamily="50" charset="-127"/>
+                        </a:rPr>
                         <a:t>()</a:t>
                       </a:r>
-                      <a:endParaRPr lang="ko-KR" altLang="en-US" sz="1800" dirty="0"/>
-                    </a:p>
-                    <a:p>
-                      <a:r>
-                        <a:rPr lang="en-US" altLang="ko-KR" baseline="0" dirty="0"/>
+                      <a:endParaRPr lang="ko-KR" altLang="en-US" sz="1800" dirty="0">
+                        <a:latin typeface="나눔바른고딕" panose="020B0603020101020101" pitchFamily="50" charset="-127"/>
+                        <a:ea typeface="나눔바른고딕" panose="020B0603020101020101" pitchFamily="50" charset="-127"/>
+                      </a:endParaRPr>
+                    </a:p>
+                    <a:p>
+                      <a:r>
+                        <a:rPr lang="en-US" altLang="ko-KR" baseline="0" dirty="0">
+                          <a:latin typeface="나눔바른고딕" panose="020B0603020101020101" pitchFamily="50" charset="-127"/>
+                          <a:ea typeface="나눔바른고딕" panose="020B0603020101020101" pitchFamily="50" charset="-127"/>
+                        </a:rPr>
                         <a:t>+</a:t>
                       </a:r>
                       <a:r>
-                        <a:rPr lang="en-US" altLang="ko-KR" baseline="0" dirty="0" err="1"/>
+                        <a:rPr lang="en-US" altLang="ko-KR" baseline="0" dirty="0" err="1">
+                          <a:latin typeface="나눔바른고딕" panose="020B0603020101020101" pitchFamily="50" charset="-127"/>
+                          <a:ea typeface="나눔바른고딕" panose="020B0603020101020101" pitchFamily="50" charset="-127"/>
+                        </a:rPr>
                         <a:t>AddCourseSystem</a:t>
                       </a:r>
                       <a:r>
-                        <a:rPr lang="en-US" altLang="ko-KR" baseline="0" dirty="0"/>
+                        <a:rPr lang="en-US" altLang="ko-KR" baseline="0" dirty="0">
+                          <a:latin typeface="나눔바른고딕" panose="020B0603020101020101" pitchFamily="50" charset="-127"/>
+                          <a:ea typeface="나눔바른고딕" panose="020B0603020101020101" pitchFamily="50" charset="-127"/>
+                        </a:rPr>
                         <a:t>()</a:t>
                       </a:r>
                     </a:p>
@@ -3684,19 +3975,31 @@
                         <a:defRPr/>
                       </a:pPr>
                       <a:r>
-                        <a:rPr lang="en-US" altLang="ko-KR" baseline="0" dirty="0"/>
+                        <a:rPr lang="en-US" altLang="ko-KR" baseline="0" dirty="0">
+                          <a:latin typeface="나눔바른고딕" panose="020B0603020101020101" pitchFamily="50" charset="-127"/>
+                          <a:ea typeface="나눔바른고딕" panose="020B0603020101020101" pitchFamily="50" charset="-127"/>
+                        </a:rPr>
                         <a:t>+</a:t>
                       </a:r>
                       <a:r>
-                        <a:rPr lang="en-US" altLang="ko-KR" sz="1800" dirty="0" err="1"/>
+                        <a:rPr lang="en-US" altLang="ko-KR" sz="1800" dirty="0" err="1">
+                          <a:latin typeface="나눔바른고딕" panose="020B0603020101020101" pitchFamily="50" charset="-127"/>
+                          <a:ea typeface="나눔바른고딕" panose="020B0603020101020101" pitchFamily="50" charset="-127"/>
+                        </a:rPr>
                         <a:t>Edit</a:t>
                       </a:r>
                       <a:r>
-                        <a:rPr lang="en-US" altLang="ko-KR" baseline="0" dirty="0" err="1"/>
+                        <a:rPr lang="en-US" altLang="ko-KR" baseline="0" dirty="0" err="1">
+                          <a:latin typeface="나눔바른고딕" panose="020B0603020101020101" pitchFamily="50" charset="-127"/>
+                          <a:ea typeface="나눔바른고딕" panose="020B0603020101020101" pitchFamily="50" charset="-127"/>
+                        </a:rPr>
                         <a:t>CourseSystem</a:t>
                       </a:r>
                       <a:r>
-                        <a:rPr lang="en-US" altLang="ko-KR" baseline="0" dirty="0"/>
+                        <a:rPr lang="en-US" altLang="ko-KR" baseline="0" dirty="0">
+                          <a:latin typeface="나눔바른고딕" panose="020B0603020101020101" pitchFamily="50" charset="-127"/>
+                          <a:ea typeface="나눔바른고딕" panose="020B0603020101020101" pitchFamily="50" charset="-127"/>
+                        </a:rPr>
                         <a:t>()</a:t>
                       </a:r>
                     </a:p>
@@ -3719,19 +4022,31 @@
                         <a:defRPr/>
                       </a:pPr>
                       <a:r>
-                        <a:rPr lang="en-US" altLang="ko-KR" baseline="0" dirty="0"/>
+                        <a:rPr lang="en-US" altLang="ko-KR" baseline="0" dirty="0">
+                          <a:latin typeface="나눔바른고딕" panose="020B0603020101020101" pitchFamily="50" charset="-127"/>
+                          <a:ea typeface="나눔바른고딕" panose="020B0603020101020101" pitchFamily="50" charset="-127"/>
+                        </a:rPr>
                         <a:t>+</a:t>
                       </a:r>
                       <a:r>
-                        <a:rPr lang="en-US" altLang="ko-KR" sz="1800" baseline="0" dirty="0" err="1"/>
+                        <a:rPr lang="en-US" altLang="ko-KR" sz="1800" baseline="0" dirty="0" err="1">
+                          <a:latin typeface="나눔바른고딕" panose="020B0603020101020101" pitchFamily="50" charset="-127"/>
+                          <a:ea typeface="나눔바른고딕" panose="020B0603020101020101" pitchFamily="50" charset="-127"/>
+                        </a:rPr>
                         <a:t>Delete</a:t>
                       </a:r>
                       <a:r>
-                        <a:rPr lang="en-US" altLang="ko-KR" baseline="0" dirty="0" err="1"/>
+                        <a:rPr lang="en-US" altLang="ko-KR" baseline="0" dirty="0" err="1">
+                          <a:latin typeface="나눔바른고딕" panose="020B0603020101020101" pitchFamily="50" charset="-127"/>
+                          <a:ea typeface="나눔바른고딕" panose="020B0603020101020101" pitchFamily="50" charset="-127"/>
+                        </a:rPr>
                         <a:t>CourseSystem</a:t>
                       </a:r>
                       <a:r>
-                        <a:rPr lang="en-US" altLang="ko-KR" baseline="0" dirty="0"/>
+                        <a:rPr lang="en-US" altLang="ko-KR" baseline="0" dirty="0">
+                          <a:latin typeface="나눔바른고딕" panose="020B0603020101020101" pitchFamily="50" charset="-127"/>
+                          <a:ea typeface="나눔바른고딕" panose="020B0603020101020101" pitchFamily="50" charset="-127"/>
+                        </a:rPr>
                         <a:t>()</a:t>
                       </a:r>
                     </a:p>
@@ -3754,57 +4069,90 @@
                         <a:defRPr/>
                       </a:pPr>
                       <a:r>
-                        <a:rPr lang="en-US" altLang="ko-KR" baseline="0" dirty="0"/>
+                        <a:rPr lang="en-US" altLang="ko-KR" baseline="0" dirty="0">
+                          <a:latin typeface="나눔바른고딕" panose="020B0603020101020101" pitchFamily="50" charset="-127"/>
+                          <a:ea typeface="나눔바른고딕" panose="020B0603020101020101" pitchFamily="50" charset="-127"/>
+                        </a:rPr>
                         <a:t>+</a:t>
                       </a:r>
                       <a:r>
-                        <a:rPr lang="en-US" altLang="ko-KR" baseline="0" dirty="0" err="1"/>
+                        <a:rPr lang="en-US" altLang="ko-KR" baseline="0" dirty="0" err="1">
+                          <a:latin typeface="나눔바른고딕" panose="020B0603020101020101" pitchFamily="50" charset="-127"/>
+                          <a:ea typeface="나눔바른고딕" panose="020B0603020101020101" pitchFamily="50" charset="-127"/>
+                        </a:rPr>
                         <a:t>SortCourseSystem</a:t>
                       </a:r>
                       <a:r>
-                        <a:rPr lang="en-US" altLang="ko-KR" baseline="0" dirty="0"/>
+                        <a:rPr lang="en-US" altLang="ko-KR" baseline="0" dirty="0">
+                          <a:latin typeface="나눔바른고딕" panose="020B0603020101020101" pitchFamily="50" charset="-127"/>
+                          <a:ea typeface="나눔바른고딕" panose="020B0603020101020101" pitchFamily="50" charset="-127"/>
+                        </a:rPr>
                         <a:t>()</a:t>
                       </a:r>
                     </a:p>
                     <a:p>
                       <a:r>
-                        <a:rPr lang="en-US" altLang="ko-KR" baseline="0" dirty="0"/>
+                        <a:rPr lang="en-US" altLang="ko-KR" baseline="0" dirty="0">
+                          <a:latin typeface="나눔바른고딕" panose="020B0603020101020101" pitchFamily="50" charset="-127"/>
+                          <a:ea typeface="나눔바른고딕" panose="020B0603020101020101" pitchFamily="50" charset="-127"/>
+                        </a:rPr>
                         <a:t>+ </a:t>
                       </a:r>
                       <a:r>
-                        <a:rPr lang="en-US" altLang="ko-KR" baseline="0" dirty="0" err="1"/>
+                        <a:rPr lang="en-US" altLang="ko-KR" baseline="0" dirty="0" err="1">
+                          <a:latin typeface="나눔바른고딕" panose="020B0603020101020101" pitchFamily="50" charset="-127"/>
+                          <a:ea typeface="나눔바른고딕" panose="020B0603020101020101" pitchFamily="50" charset="-127"/>
+                        </a:rPr>
                         <a:t>getCourseContesnts</a:t>
                       </a:r>
                       <a:r>
-                        <a:rPr lang="en-US" altLang="ko-KR" baseline="0" dirty="0"/>
+                        <a:rPr lang="en-US" altLang="ko-KR" baseline="0" dirty="0">
+                          <a:latin typeface="나눔바른고딕" panose="020B0603020101020101" pitchFamily="50" charset="-127"/>
+                          <a:ea typeface="나눔바른고딕" panose="020B0603020101020101" pitchFamily="50" charset="-127"/>
+                        </a:rPr>
                         <a:t>() : String[][]</a:t>
                       </a:r>
                     </a:p>
                     <a:p>
                       <a:r>
-                        <a:rPr lang="en-US" altLang="ko-KR" baseline="0" dirty="0"/>
+                        <a:rPr lang="en-US" altLang="ko-KR" baseline="0" dirty="0">
+                          <a:latin typeface="나눔바른고딕" panose="020B0603020101020101" pitchFamily="50" charset="-127"/>
+                          <a:ea typeface="나눔바른고딕" panose="020B0603020101020101" pitchFamily="50" charset="-127"/>
+                        </a:rPr>
                         <a:t>+ </a:t>
                       </a:r>
                       <a:r>
-                        <a:rPr lang="en-US" altLang="ko-KR" baseline="0" dirty="0" err="1"/>
+                        <a:rPr lang="en-US" altLang="ko-KR" baseline="0" dirty="0" err="1">
+                          <a:latin typeface="나눔바른고딕" panose="020B0603020101020101" pitchFamily="50" charset="-127"/>
+                          <a:ea typeface="나눔바른고딕" panose="020B0603020101020101" pitchFamily="50" charset="-127"/>
+                        </a:rPr>
                         <a:t>getCourseList</a:t>
                       </a:r>
                       <a:r>
-                        <a:rPr lang="en-US" altLang="ko-KR" baseline="0" dirty="0"/>
+                        <a:rPr lang="en-US" altLang="ko-KR" baseline="0" dirty="0">
+                          <a:latin typeface="나눔바른고딕" panose="020B0603020101020101" pitchFamily="50" charset="-127"/>
+                          <a:ea typeface="나눔바른고딕" panose="020B0603020101020101" pitchFamily="50" charset="-127"/>
+                        </a:rPr>
                         <a:t>() : </a:t>
                       </a:r>
                       <a:r>
-                        <a:rPr lang="en-US" altLang="ko-KR" baseline="0" dirty="0" err="1"/>
+                        <a:rPr lang="en-US" altLang="ko-KR" baseline="0" dirty="0" err="1">
+                          <a:latin typeface="나눔바른고딕" panose="020B0603020101020101" pitchFamily="50" charset="-127"/>
+                          <a:ea typeface="나눔바른고딕" panose="020B0603020101020101" pitchFamily="50" charset="-127"/>
+                        </a:rPr>
                         <a:t>CourseList</a:t>
                       </a:r>
-                      <a:endParaRPr lang="en-US" altLang="ko-KR" baseline="0" dirty="0"/>
+                      <a:endParaRPr lang="en-US" altLang="ko-KR" baseline="0" dirty="0">
+                        <a:latin typeface="나눔바른고딕" panose="020B0603020101020101" pitchFamily="50" charset="-127"/>
+                        <a:ea typeface="나눔바른고딕" panose="020B0603020101020101" pitchFamily="50" charset="-127"/>
+                      </a:endParaRPr>
                     </a:p>
                   </a:txBody>
-                  <a:tcPr/>
+                  <a:tcPr anchor="ctr"/>
                 </a:tc>
                 <a:extLst>
                   <a:ext uri="{0D108BD9-81ED-4DB2-BD59-A6C34878D82A}">
-                    <a16:rowId xmlns:a16="http://schemas.microsoft.com/office/drawing/2014/main" val="10002"/>
+                    <a16:rowId xmlns:a16="http://schemas.microsoft.com/office/drawing/2014/main" xmlns="" val="10002"/>
                   </a:ext>
                 </a:extLst>
               </a:tr>
@@ -3812,6 +4160,41 @@
           </a:graphicData>
         </a:graphic>
       </p:graphicFrame>
+      <p:sp>
+        <p:nvSpPr>
+          <p:cNvPr id="6" name="바닥글 개체 틀 3"/>
+          <p:cNvSpPr>
+            <a:spLocks noGrp="1"/>
+          </p:cNvSpPr>
+          <p:nvPr>
+            <p:ph type="ftr" sz="quarter" idx="3"/>
+          </p:nvPr>
+        </p:nvSpPr>
+        <p:spPr>
+          <a:xfrm>
+            <a:off x="6061745" y="6464300"/>
+            <a:ext cx="2798763" cy="300038"/>
+          </a:xfrm>
+        </p:spPr>
+        <p:txBody>
+          <a:bodyPr/>
+          <a:lstStyle/>
+          <a:p>
+            <a:pPr algn="r"/>
+            <a:r>
+              <a:rPr lang="en-US" altLang="ko-KR" sz="1600" b="1" i="0" dirty="0" err="1" smtClean="0">
+                <a:latin typeface="-윤고딕350" panose="02030504000101010101" pitchFamily="18" charset="-127"/>
+                <a:ea typeface="-윤고딕350" panose="02030504000101010101" pitchFamily="18" charset="-127"/>
+              </a:rPr>
+              <a:t>TenoutofTen</a:t>
+            </a:r>
+            <a:endParaRPr lang="en-US" altLang="ko-KR" sz="1600" b="1" i="0" dirty="0">
+              <a:latin typeface="-윤고딕350" panose="02030504000101010101" pitchFamily="18" charset="-127"/>
+              <a:ea typeface="-윤고딕350" panose="02030504000101010101" pitchFamily="18" charset="-127"/>
+            </a:endParaRPr>
+          </a:p>
+        </p:txBody>
+      </p:sp>
     </p:spTree>
     <p:extLst>
       <p:ext uri="{BB962C8B-B14F-4D97-AF65-F5344CB8AC3E}">
@@ -3870,30 +4253,6 @@
           </a:p>
         </p:txBody>
       </p:sp>
-      <p:sp>
-        <p:nvSpPr>
-          <p:cNvPr id="4" name="바닥글 개체 틀 3"/>
-          <p:cNvSpPr>
-            <a:spLocks noGrp="1"/>
-          </p:cNvSpPr>
-          <p:nvPr>
-            <p:ph type="ftr" sz="quarter" idx="3"/>
-          </p:nvPr>
-        </p:nvSpPr>
-        <p:spPr/>
-        <p:txBody>
-          <a:bodyPr/>
-          <a:lstStyle/>
-          <a:p>
-            <a:pPr algn="r"/>
-            <a:r>
-              <a:rPr lang="ko-KR" altLang="en-US"/>
-              <a:t>팀 명</a:t>
-            </a:r>
-            <a:endParaRPr lang="en-US" altLang="ko-KR" dirty="0"/>
-          </a:p>
-        </p:txBody>
-      </p:sp>
       <p:graphicFrame>
         <p:nvGraphicFramePr>
           <p:cNvPr id="5" name="표 4"/>
@@ -3903,14 +4262,14 @@
           <p:nvPr>
             <p:extLst>
               <p:ext uri="{D42A27DB-BD31-4B8C-83A1-F6EECF244321}">
-                <p14:modId xmlns:p14="http://schemas.microsoft.com/office/powerpoint/2010/main" val="238988370"/>
+                <p14:modId xmlns:p14="http://schemas.microsoft.com/office/powerpoint/2010/main" val="4277822773"/>
               </p:ext>
             </p:extLst>
           </p:nvPr>
         </p:nvGraphicFramePr>
         <p:xfrm>
-          <a:off x="352425" y="1228296"/>
-          <a:ext cx="8327551" cy="4967787"/>
+          <a:off x="2044065" y="1228296"/>
+          <a:ext cx="5115687" cy="4967787"/>
         </p:xfrm>
         <a:graphic>
           <a:graphicData uri="http://schemas.openxmlformats.org/drawingml/2006/table">
@@ -3919,10 +4278,10 @@
                 <a:tableStyleId>{17292A2E-F333-43FB-9621-5CBBE7FDCDCB}</a:tableStyleId>
               </a:tblPr>
               <a:tblGrid>
-                <a:gridCol w="8327551">
+                <a:gridCol w="5115687">
                   <a:extLst>
                     <a:ext uri="{9D8B030D-6E8A-4147-A177-3AD203B41FA5}">
-                      <a16:colId xmlns:a16="http://schemas.microsoft.com/office/drawing/2014/main" val="20000"/>
+                      <a16:colId xmlns:a16="http://schemas.microsoft.com/office/drawing/2014/main" xmlns="" val="20000"/>
                     </a:ext>
                   </a:extLst>
                 </a:gridCol>
@@ -3934,17 +4293,23 @@
                     <a:lstStyle/>
                     <a:p>
                       <a:r>
-                        <a:rPr lang="en-US" altLang="ko-KR" sz="4000" dirty="0" err="1"/>
+                        <a:rPr lang="en-US" altLang="ko-KR" sz="4000" dirty="0" err="1">
+                          <a:latin typeface="나눔바른고딕" panose="020B0603020101020101" pitchFamily="50" charset="-127"/>
+                          <a:ea typeface="나눔바른고딕" panose="020B0603020101020101" pitchFamily="50" charset="-127"/>
+                        </a:rPr>
                         <a:t>TodoManageSystem</a:t>
                       </a:r>
-                      <a:endParaRPr lang="ko-KR" altLang="en-US" sz="4000" dirty="0"/>
+                      <a:endParaRPr lang="ko-KR" altLang="en-US" sz="4000" dirty="0">
+                        <a:latin typeface="나눔바른고딕" panose="020B0603020101020101" pitchFamily="50" charset="-127"/>
+                        <a:ea typeface="나눔바른고딕" panose="020B0603020101020101" pitchFamily="50" charset="-127"/>
+                      </a:endParaRPr>
                     </a:p>
                   </a:txBody>
-                  <a:tcPr/>
+                  <a:tcPr anchor="ctr"/>
                 </a:tc>
                 <a:extLst>
                   <a:ext uri="{0D108BD9-81ED-4DB2-BD59-A6C34878D82A}">
-                    <a16:rowId xmlns:a16="http://schemas.microsoft.com/office/drawing/2014/main" val="10000"/>
+                    <a16:rowId xmlns:a16="http://schemas.microsoft.com/office/drawing/2014/main" xmlns="" val="10000"/>
                   </a:ext>
                 </a:extLst>
               </a:tr>
@@ -3955,29 +4320,44 @@
                     <a:lstStyle/>
                     <a:p>
                       <a:r>
-                        <a:rPr lang="en-US" altLang="ko-KR" dirty="0"/>
+                        <a:rPr lang="en-US" altLang="ko-KR" dirty="0">
+                          <a:latin typeface="나눔바른고딕" panose="020B0603020101020101" pitchFamily="50" charset="-127"/>
+                          <a:ea typeface="나눔바른고딕" panose="020B0603020101020101" pitchFamily="50" charset="-127"/>
+                        </a:rPr>
                         <a:t>- </a:t>
                       </a:r>
                       <a:r>
-                        <a:rPr lang="en-US" altLang="ko-KR" dirty="0" err="1"/>
+                        <a:rPr lang="en-US" altLang="ko-KR" dirty="0" err="1">
+                          <a:latin typeface="나눔바른고딕" panose="020B0603020101020101" pitchFamily="50" charset="-127"/>
+                          <a:ea typeface="나눔바른고딕" panose="020B0603020101020101" pitchFamily="50" charset="-127"/>
+                        </a:rPr>
                         <a:t>TodoList</a:t>
                       </a:r>
                       <a:r>
-                        <a:rPr lang="en-US" altLang="ko-KR" baseline="0" dirty="0"/>
+                        <a:rPr lang="en-US" altLang="ko-KR" baseline="0" dirty="0">
+                          <a:latin typeface="나눔바른고딕" panose="020B0603020101020101" pitchFamily="50" charset="-127"/>
+                          <a:ea typeface="나눔바른고딕" panose="020B0603020101020101" pitchFamily="50" charset="-127"/>
+                        </a:rPr>
                         <a:t> : </a:t>
                       </a:r>
                       <a:r>
-                        <a:rPr lang="en-US" altLang="ko-KR" baseline="0" dirty="0" err="1"/>
+                        <a:rPr lang="en-US" altLang="ko-KR" baseline="0" dirty="0" err="1">
+                          <a:latin typeface="나눔바른고딕" panose="020B0603020101020101" pitchFamily="50" charset="-127"/>
+                          <a:ea typeface="나눔바른고딕" panose="020B0603020101020101" pitchFamily="50" charset="-127"/>
+                        </a:rPr>
                         <a:t>TodoList</a:t>
                       </a:r>
-                      <a:endParaRPr lang="ko-KR" altLang="en-US" dirty="0"/>
+                      <a:endParaRPr lang="ko-KR" altLang="en-US" dirty="0">
+                        <a:latin typeface="나눔바른고딕" panose="020B0603020101020101" pitchFamily="50" charset="-127"/>
+                        <a:ea typeface="나눔바른고딕" panose="020B0603020101020101" pitchFamily="50" charset="-127"/>
+                      </a:endParaRPr>
                     </a:p>
                   </a:txBody>
-                  <a:tcPr/>
+                  <a:tcPr anchor="ctr"/>
                 </a:tc>
                 <a:extLst>
                   <a:ext uri="{0D108BD9-81ED-4DB2-BD59-A6C34878D82A}">
-                    <a16:rowId xmlns:a16="http://schemas.microsoft.com/office/drawing/2014/main" val="10001"/>
+                    <a16:rowId xmlns:a16="http://schemas.microsoft.com/office/drawing/2014/main" xmlns="" val="10001"/>
                   </a:ext>
                 </a:extLst>
               </a:tr>
@@ -4005,33 +4385,54 @@
                         <a:defRPr/>
                       </a:pPr>
                       <a:r>
-                        <a:rPr lang="en-US" altLang="ko-KR" baseline="0" dirty="0"/>
+                        <a:rPr lang="en-US" altLang="ko-KR" baseline="0" dirty="0">
+                          <a:latin typeface="나눔바른고딕" panose="020B0603020101020101" pitchFamily="50" charset="-127"/>
+                          <a:ea typeface="나눔바른고딕" panose="020B0603020101020101" pitchFamily="50" charset="-127"/>
+                        </a:rPr>
                         <a:t>+</a:t>
                       </a:r>
                       <a:r>
-                        <a:rPr lang="en-US" altLang="ko-KR" sz="1800" baseline="0" dirty="0" err="1"/>
+                        <a:rPr lang="en-US" altLang="ko-KR" sz="1800" baseline="0" dirty="0" err="1">
+                          <a:latin typeface="나눔바른고딕" panose="020B0603020101020101" pitchFamily="50" charset="-127"/>
+                          <a:ea typeface="나눔바른고딕" panose="020B0603020101020101" pitchFamily="50" charset="-127"/>
+                        </a:rPr>
                         <a:t>Todo</a:t>
                       </a:r>
                       <a:r>
-                        <a:rPr lang="en-US" altLang="ko-KR" sz="1800" dirty="0" err="1"/>
+                        <a:rPr lang="en-US" altLang="ko-KR" sz="1800" dirty="0" err="1">
+                          <a:latin typeface="나눔바른고딕" panose="020B0603020101020101" pitchFamily="50" charset="-127"/>
+                          <a:ea typeface="나눔바른고딕" panose="020B0603020101020101" pitchFamily="50" charset="-127"/>
+                        </a:rPr>
                         <a:t>ManageSystem</a:t>
                       </a:r>
                       <a:r>
-                        <a:rPr lang="en-US" altLang="ko-KR" baseline="0" dirty="0"/>
+                        <a:rPr lang="en-US" altLang="ko-KR" baseline="0" dirty="0">
+                          <a:latin typeface="나눔바른고딕" panose="020B0603020101020101" pitchFamily="50" charset="-127"/>
+                          <a:ea typeface="나눔바른고딕" panose="020B0603020101020101" pitchFamily="50" charset="-127"/>
+                        </a:rPr>
                         <a:t>()</a:t>
                       </a:r>
                     </a:p>
                     <a:p>
                       <a:r>
-                        <a:rPr lang="en-US" altLang="ko-KR" baseline="0" dirty="0"/>
+                        <a:rPr lang="en-US" altLang="ko-KR" baseline="0" dirty="0">
+                          <a:latin typeface="나눔바른고딕" panose="020B0603020101020101" pitchFamily="50" charset="-127"/>
+                          <a:ea typeface="나눔바른고딕" panose="020B0603020101020101" pitchFamily="50" charset="-127"/>
+                        </a:rPr>
                         <a:t>+</a:t>
                       </a:r>
                       <a:r>
-                        <a:rPr lang="en-US" altLang="ko-KR" baseline="0" dirty="0" err="1"/>
+                        <a:rPr lang="en-US" altLang="ko-KR" baseline="0" dirty="0" err="1">
+                          <a:latin typeface="나눔바른고딕" panose="020B0603020101020101" pitchFamily="50" charset="-127"/>
+                          <a:ea typeface="나눔바른고딕" panose="020B0603020101020101" pitchFamily="50" charset="-127"/>
+                        </a:rPr>
                         <a:t>AddTodoSystem</a:t>
                       </a:r>
                       <a:r>
-                        <a:rPr lang="en-US" altLang="ko-KR" baseline="0" dirty="0"/>
+                        <a:rPr lang="en-US" altLang="ko-KR" baseline="0" dirty="0">
+                          <a:latin typeface="나눔바른고딕" panose="020B0603020101020101" pitchFamily="50" charset="-127"/>
+                          <a:ea typeface="나눔바른고딕" panose="020B0603020101020101" pitchFamily="50" charset="-127"/>
+                        </a:rPr>
                         <a:t>()</a:t>
                       </a:r>
                     </a:p>
@@ -4054,23 +4455,38 @@
                         <a:defRPr/>
                       </a:pPr>
                       <a:r>
-                        <a:rPr lang="en-US" altLang="ko-KR" baseline="0" dirty="0"/>
+                        <a:rPr lang="en-US" altLang="ko-KR" baseline="0" dirty="0">
+                          <a:latin typeface="나눔바른고딕" panose="020B0603020101020101" pitchFamily="50" charset="-127"/>
+                          <a:ea typeface="나눔바른고딕" panose="020B0603020101020101" pitchFamily="50" charset="-127"/>
+                        </a:rPr>
                         <a:t>+</a:t>
                       </a:r>
                       <a:r>
-                        <a:rPr lang="en-US" altLang="ko-KR" sz="1800" dirty="0" err="1"/>
+                        <a:rPr lang="en-US" altLang="ko-KR" sz="1800" dirty="0" err="1">
+                          <a:latin typeface="나눔바른고딕" panose="020B0603020101020101" pitchFamily="50" charset="-127"/>
+                          <a:ea typeface="나눔바른고딕" panose="020B0603020101020101" pitchFamily="50" charset="-127"/>
+                        </a:rPr>
                         <a:t>Edit</a:t>
                       </a:r>
                       <a:r>
-                        <a:rPr lang="en-US" altLang="ko-KR" sz="1800" baseline="0" dirty="0" err="1"/>
+                        <a:rPr lang="en-US" altLang="ko-KR" sz="1800" baseline="0" dirty="0" err="1">
+                          <a:latin typeface="나눔바른고딕" panose="020B0603020101020101" pitchFamily="50" charset="-127"/>
+                          <a:ea typeface="나눔바른고딕" panose="020B0603020101020101" pitchFamily="50" charset="-127"/>
+                        </a:rPr>
                         <a:t>Todo</a:t>
                       </a:r>
                       <a:r>
-                        <a:rPr lang="en-US" altLang="ko-KR" baseline="0" dirty="0" err="1"/>
+                        <a:rPr lang="en-US" altLang="ko-KR" baseline="0" dirty="0" err="1">
+                          <a:latin typeface="나눔바른고딕" panose="020B0603020101020101" pitchFamily="50" charset="-127"/>
+                          <a:ea typeface="나눔바른고딕" panose="020B0603020101020101" pitchFamily="50" charset="-127"/>
+                        </a:rPr>
                         <a:t>System</a:t>
                       </a:r>
                       <a:r>
-                        <a:rPr lang="en-US" altLang="ko-KR" baseline="0" dirty="0"/>
+                        <a:rPr lang="en-US" altLang="ko-KR" baseline="0" dirty="0">
+                          <a:latin typeface="나눔바른고딕" panose="020B0603020101020101" pitchFamily="50" charset="-127"/>
+                          <a:ea typeface="나눔바른고딕" panose="020B0603020101020101" pitchFamily="50" charset="-127"/>
+                        </a:rPr>
                         <a:t>()</a:t>
                       </a:r>
                     </a:p>
@@ -4093,19 +4509,31 @@
                         <a:defRPr/>
                       </a:pPr>
                       <a:r>
-                        <a:rPr lang="en-US" altLang="ko-KR" baseline="0" dirty="0"/>
+                        <a:rPr lang="en-US" altLang="ko-KR" baseline="0" dirty="0">
+                          <a:latin typeface="나눔바른고딕" panose="020B0603020101020101" pitchFamily="50" charset="-127"/>
+                          <a:ea typeface="나눔바른고딕" panose="020B0603020101020101" pitchFamily="50" charset="-127"/>
+                        </a:rPr>
                         <a:t>+</a:t>
                       </a:r>
                       <a:r>
-                        <a:rPr lang="en-US" altLang="ko-KR" sz="1800" baseline="0" dirty="0" err="1"/>
+                        <a:rPr lang="en-US" altLang="ko-KR" sz="1800" baseline="0" dirty="0" err="1">
+                          <a:latin typeface="나눔바른고딕" panose="020B0603020101020101" pitchFamily="50" charset="-127"/>
+                          <a:ea typeface="나눔바른고딕" panose="020B0603020101020101" pitchFamily="50" charset="-127"/>
+                        </a:rPr>
                         <a:t>Delete</a:t>
                       </a:r>
                       <a:r>
-                        <a:rPr lang="en-US" altLang="ko-KR" baseline="0" dirty="0" err="1"/>
+                        <a:rPr lang="en-US" altLang="ko-KR" baseline="0" dirty="0" err="1">
+                          <a:latin typeface="나눔바른고딕" panose="020B0603020101020101" pitchFamily="50" charset="-127"/>
+                          <a:ea typeface="나눔바른고딕" panose="020B0603020101020101" pitchFamily="50" charset="-127"/>
+                        </a:rPr>
                         <a:t>TodoSystem</a:t>
                       </a:r>
                       <a:r>
-                        <a:rPr lang="en-US" altLang="ko-KR" baseline="0" dirty="0"/>
+                        <a:rPr lang="en-US" altLang="ko-KR" baseline="0" dirty="0">
+                          <a:latin typeface="나눔바른고딕" panose="020B0603020101020101" pitchFamily="50" charset="-127"/>
+                          <a:ea typeface="나눔바른고딕" panose="020B0603020101020101" pitchFamily="50" charset="-127"/>
+                        </a:rPr>
                         <a:t>()</a:t>
                       </a:r>
                     </a:p>
@@ -4128,57 +4556,90 @@
                         <a:defRPr/>
                       </a:pPr>
                       <a:r>
-                        <a:rPr lang="en-US" altLang="ko-KR" baseline="0" dirty="0"/>
+                        <a:rPr lang="en-US" altLang="ko-KR" baseline="0" dirty="0">
+                          <a:latin typeface="나눔바른고딕" panose="020B0603020101020101" pitchFamily="50" charset="-127"/>
+                          <a:ea typeface="나눔바른고딕" panose="020B0603020101020101" pitchFamily="50" charset="-127"/>
+                        </a:rPr>
                         <a:t>+</a:t>
                       </a:r>
                       <a:r>
-                        <a:rPr lang="en-US" altLang="ko-KR" baseline="0" dirty="0" err="1"/>
+                        <a:rPr lang="en-US" altLang="ko-KR" baseline="0" dirty="0" err="1">
+                          <a:latin typeface="나눔바른고딕" panose="020B0603020101020101" pitchFamily="50" charset="-127"/>
+                          <a:ea typeface="나눔바른고딕" panose="020B0603020101020101" pitchFamily="50" charset="-127"/>
+                        </a:rPr>
                         <a:t>SortTodoSystem</a:t>
                       </a:r>
                       <a:r>
-                        <a:rPr lang="en-US" altLang="ko-KR" baseline="0" dirty="0"/>
+                        <a:rPr lang="en-US" altLang="ko-KR" baseline="0" dirty="0">
+                          <a:latin typeface="나눔바른고딕" panose="020B0603020101020101" pitchFamily="50" charset="-127"/>
+                          <a:ea typeface="나눔바른고딕" panose="020B0603020101020101" pitchFamily="50" charset="-127"/>
+                        </a:rPr>
                         <a:t>()</a:t>
                       </a:r>
                     </a:p>
                     <a:p>
                       <a:r>
-                        <a:rPr lang="en-US" altLang="ko-KR" baseline="0" dirty="0"/>
+                        <a:rPr lang="en-US" altLang="ko-KR" baseline="0" dirty="0">
+                          <a:latin typeface="나눔바른고딕" panose="020B0603020101020101" pitchFamily="50" charset="-127"/>
+                          <a:ea typeface="나눔바른고딕" panose="020B0603020101020101" pitchFamily="50" charset="-127"/>
+                        </a:rPr>
                         <a:t>+ </a:t>
                       </a:r>
                       <a:r>
-                        <a:rPr lang="en-US" altLang="ko-KR" baseline="0" dirty="0" err="1"/>
+                        <a:rPr lang="en-US" altLang="ko-KR" baseline="0" dirty="0" err="1">
+                          <a:latin typeface="나눔바른고딕" panose="020B0603020101020101" pitchFamily="50" charset="-127"/>
+                          <a:ea typeface="나눔바른고딕" panose="020B0603020101020101" pitchFamily="50" charset="-127"/>
+                        </a:rPr>
                         <a:t>getTodoContesnts</a:t>
                       </a:r>
                       <a:r>
-                        <a:rPr lang="en-US" altLang="ko-KR" baseline="0" dirty="0"/>
+                        <a:rPr lang="en-US" altLang="ko-KR" baseline="0" dirty="0">
+                          <a:latin typeface="나눔바른고딕" panose="020B0603020101020101" pitchFamily="50" charset="-127"/>
+                          <a:ea typeface="나눔바른고딕" panose="020B0603020101020101" pitchFamily="50" charset="-127"/>
+                        </a:rPr>
                         <a:t>() : String[][]</a:t>
                       </a:r>
                     </a:p>
                     <a:p>
                       <a:r>
-                        <a:rPr lang="en-US" altLang="ko-KR" baseline="0" dirty="0"/>
+                        <a:rPr lang="en-US" altLang="ko-KR" baseline="0" dirty="0">
+                          <a:latin typeface="나눔바른고딕" panose="020B0603020101020101" pitchFamily="50" charset="-127"/>
+                          <a:ea typeface="나눔바른고딕" panose="020B0603020101020101" pitchFamily="50" charset="-127"/>
+                        </a:rPr>
                         <a:t>+ </a:t>
                       </a:r>
                       <a:r>
-                        <a:rPr lang="en-US" altLang="ko-KR" baseline="0" dirty="0" err="1"/>
+                        <a:rPr lang="en-US" altLang="ko-KR" baseline="0" dirty="0" err="1">
+                          <a:latin typeface="나눔바른고딕" panose="020B0603020101020101" pitchFamily="50" charset="-127"/>
+                          <a:ea typeface="나눔바른고딕" panose="020B0603020101020101" pitchFamily="50" charset="-127"/>
+                        </a:rPr>
                         <a:t>getTodoList</a:t>
                       </a:r>
                       <a:r>
-                        <a:rPr lang="en-US" altLang="ko-KR" baseline="0" dirty="0"/>
+                        <a:rPr lang="en-US" altLang="ko-KR" baseline="0" dirty="0">
+                          <a:latin typeface="나눔바른고딕" panose="020B0603020101020101" pitchFamily="50" charset="-127"/>
+                          <a:ea typeface="나눔바른고딕" panose="020B0603020101020101" pitchFamily="50" charset="-127"/>
+                        </a:rPr>
                         <a:t>() : </a:t>
                       </a:r>
                       <a:r>
-                        <a:rPr lang="en-US" altLang="ko-KR" baseline="0" dirty="0" err="1"/>
+                        <a:rPr lang="en-US" altLang="ko-KR" baseline="0" dirty="0" err="1">
+                          <a:latin typeface="나눔바른고딕" panose="020B0603020101020101" pitchFamily="50" charset="-127"/>
+                          <a:ea typeface="나눔바른고딕" panose="020B0603020101020101" pitchFamily="50" charset="-127"/>
+                        </a:rPr>
                         <a:t>TodoList</a:t>
                       </a:r>
-                      <a:endParaRPr lang="en-US" altLang="ko-KR" baseline="0" dirty="0"/>
+                      <a:endParaRPr lang="en-US" altLang="ko-KR" baseline="0" dirty="0">
+                        <a:latin typeface="나눔바른고딕" panose="020B0603020101020101" pitchFamily="50" charset="-127"/>
+                        <a:ea typeface="나눔바른고딕" panose="020B0603020101020101" pitchFamily="50" charset="-127"/>
+                      </a:endParaRPr>
                     </a:p>
                   </a:txBody>
-                  <a:tcPr/>
+                  <a:tcPr anchor="ctr"/>
                 </a:tc>
                 <a:extLst>
                   <a:ext uri="{0D108BD9-81ED-4DB2-BD59-A6C34878D82A}">
-                    <a16:rowId xmlns:a16="http://schemas.microsoft.com/office/drawing/2014/main" val="10002"/>
+                    <a16:rowId xmlns:a16="http://schemas.microsoft.com/office/drawing/2014/main" xmlns="" val="10002"/>
                   </a:ext>
                 </a:extLst>
               </a:tr>
@@ -4186,6 +4647,41 @@
           </a:graphicData>
         </a:graphic>
       </p:graphicFrame>
+      <p:sp>
+        <p:nvSpPr>
+          <p:cNvPr id="6" name="바닥글 개체 틀 3"/>
+          <p:cNvSpPr>
+            <a:spLocks noGrp="1"/>
+          </p:cNvSpPr>
+          <p:nvPr>
+            <p:ph type="ftr" sz="quarter" idx="3"/>
+          </p:nvPr>
+        </p:nvSpPr>
+        <p:spPr>
+          <a:xfrm>
+            <a:off x="6061745" y="6464300"/>
+            <a:ext cx="2798763" cy="300038"/>
+          </a:xfrm>
+        </p:spPr>
+        <p:txBody>
+          <a:bodyPr/>
+          <a:lstStyle/>
+          <a:p>
+            <a:pPr algn="r"/>
+            <a:r>
+              <a:rPr lang="en-US" altLang="ko-KR" sz="1600" b="1" i="0" dirty="0" err="1" smtClean="0">
+                <a:latin typeface="-윤고딕350" panose="02030504000101010101" pitchFamily="18" charset="-127"/>
+                <a:ea typeface="-윤고딕350" panose="02030504000101010101" pitchFamily="18" charset="-127"/>
+              </a:rPr>
+              <a:t>TenoutofTen</a:t>
+            </a:r>
+            <a:endParaRPr lang="en-US" altLang="ko-KR" sz="1600" b="1" i="0" dirty="0">
+              <a:latin typeface="-윤고딕350" panose="02030504000101010101" pitchFamily="18" charset="-127"/>
+              <a:ea typeface="-윤고딕350" panose="02030504000101010101" pitchFamily="18" charset="-127"/>
+            </a:endParaRPr>
+          </a:p>
+        </p:txBody>
+      </p:sp>
     </p:spTree>
     <p:extLst>
       <p:ext uri="{BB962C8B-B14F-4D97-AF65-F5344CB8AC3E}">
@@ -4244,30 +4740,6 @@
           </a:p>
         </p:txBody>
       </p:sp>
-      <p:sp>
-        <p:nvSpPr>
-          <p:cNvPr id="4" name="바닥글 개체 틀 3"/>
-          <p:cNvSpPr>
-            <a:spLocks noGrp="1"/>
-          </p:cNvSpPr>
-          <p:nvPr>
-            <p:ph type="ftr" sz="quarter" idx="3"/>
-          </p:nvPr>
-        </p:nvSpPr>
-        <p:spPr/>
-        <p:txBody>
-          <a:bodyPr/>
-          <a:lstStyle/>
-          <a:p>
-            <a:pPr algn="r"/>
-            <a:r>
-              <a:rPr lang="ko-KR" altLang="en-US"/>
-              <a:t>팀 명</a:t>
-            </a:r>
-            <a:endParaRPr lang="en-US" altLang="ko-KR" dirty="0"/>
-          </a:p>
-        </p:txBody>
-      </p:sp>
       <p:graphicFrame>
         <p:nvGraphicFramePr>
           <p:cNvPr id="5" name="표 4"/>
@@ -4277,14 +4749,14 @@
           <p:nvPr>
             <p:extLst>
               <p:ext uri="{D42A27DB-BD31-4B8C-83A1-F6EECF244321}">
-                <p14:modId xmlns:p14="http://schemas.microsoft.com/office/powerpoint/2010/main" val="3035344715"/>
+                <p14:modId xmlns:p14="http://schemas.microsoft.com/office/powerpoint/2010/main" val="482742544"/>
               </p:ext>
             </p:extLst>
           </p:nvPr>
         </p:nvGraphicFramePr>
         <p:xfrm>
-          <a:off x="352425" y="1228296"/>
-          <a:ext cx="8327551" cy="4967787"/>
+          <a:off x="2062353" y="1164288"/>
+          <a:ext cx="4704207" cy="4967787"/>
         </p:xfrm>
         <a:graphic>
           <a:graphicData uri="http://schemas.openxmlformats.org/drawingml/2006/table">
@@ -4293,10 +4765,10 @@
                 <a:tableStyleId>{17292A2E-F333-43FB-9621-5CBBE7FDCDCB}</a:tableStyleId>
               </a:tblPr>
               <a:tblGrid>
-                <a:gridCol w="8327551">
+                <a:gridCol w="4704207">
                   <a:extLst>
                     <a:ext uri="{9D8B030D-6E8A-4147-A177-3AD203B41FA5}">
-                      <a16:colId xmlns:a16="http://schemas.microsoft.com/office/drawing/2014/main" val="20000"/>
+                      <a16:colId xmlns:a16="http://schemas.microsoft.com/office/drawing/2014/main" xmlns="" val="20000"/>
                     </a:ext>
                   </a:extLst>
                 </a:gridCol>
@@ -4308,21 +4780,30 @@
                     <a:lstStyle/>
                     <a:p>
                       <a:r>
-                        <a:rPr lang="en-US" altLang="ko-KR" sz="4000" dirty="0" err="1"/>
+                        <a:rPr lang="en-US" altLang="ko-KR" sz="4000" dirty="0" err="1">
+                          <a:latin typeface="나눔바른고딕" panose="020B0603020101020101" pitchFamily="50" charset="-127"/>
+                          <a:ea typeface="나눔바른고딕" panose="020B0603020101020101" pitchFamily="50" charset="-127"/>
+                        </a:rPr>
                         <a:t>Show</a:t>
                       </a:r>
                       <a:r>
-                        <a:rPr lang="en-US" altLang="ko-KR" sz="4000" baseline="0" dirty="0" err="1"/>
+                        <a:rPr lang="en-US" altLang="ko-KR" sz="4000" baseline="0" dirty="0" err="1">
+                          <a:latin typeface="나눔바른고딕" panose="020B0603020101020101" pitchFamily="50" charset="-127"/>
+                          <a:ea typeface="나눔바른고딕" panose="020B0603020101020101" pitchFamily="50" charset="-127"/>
+                        </a:rPr>
                         <a:t>TodoSystem</a:t>
                       </a:r>
-                      <a:endParaRPr lang="ko-KR" altLang="en-US" sz="4000" dirty="0"/>
+                      <a:endParaRPr lang="ko-KR" altLang="en-US" sz="4000" dirty="0">
+                        <a:latin typeface="나눔바른고딕" panose="020B0603020101020101" pitchFamily="50" charset="-127"/>
+                        <a:ea typeface="나눔바른고딕" panose="020B0603020101020101" pitchFamily="50" charset="-127"/>
+                      </a:endParaRPr>
                     </a:p>
                   </a:txBody>
-                  <a:tcPr/>
+                  <a:tcPr anchor="ctr"/>
                 </a:tc>
                 <a:extLst>
                   <a:ext uri="{0D108BD9-81ED-4DB2-BD59-A6C34878D82A}">
-                    <a16:rowId xmlns:a16="http://schemas.microsoft.com/office/drawing/2014/main" val="10000"/>
+                    <a16:rowId xmlns:a16="http://schemas.microsoft.com/office/drawing/2014/main" xmlns="" val="10000"/>
                   </a:ext>
                 </a:extLst>
               </a:tr>
@@ -4333,29 +4814,44 @@
                     <a:lstStyle/>
                     <a:p>
                       <a:r>
-                        <a:rPr lang="en-US" altLang="ko-KR" dirty="0"/>
+                        <a:rPr lang="en-US" altLang="ko-KR" dirty="0">
+                          <a:latin typeface="나눔바른고딕" panose="020B0603020101020101" pitchFamily="50" charset="-127"/>
+                          <a:ea typeface="나눔바른고딕" panose="020B0603020101020101" pitchFamily="50" charset="-127"/>
+                        </a:rPr>
                         <a:t>- </a:t>
                       </a:r>
                       <a:r>
-                        <a:rPr lang="en-US" altLang="ko-KR" dirty="0" err="1"/>
+                        <a:rPr lang="en-US" altLang="ko-KR" dirty="0" err="1">
+                          <a:latin typeface="나눔바른고딕" panose="020B0603020101020101" pitchFamily="50" charset="-127"/>
+                          <a:ea typeface="나눔바른고딕" panose="020B0603020101020101" pitchFamily="50" charset="-127"/>
+                        </a:rPr>
                         <a:t>TodoList</a:t>
                       </a:r>
                       <a:r>
-                        <a:rPr lang="en-US" altLang="ko-KR" baseline="0" dirty="0"/>
+                        <a:rPr lang="en-US" altLang="ko-KR" baseline="0" dirty="0">
+                          <a:latin typeface="나눔바른고딕" panose="020B0603020101020101" pitchFamily="50" charset="-127"/>
+                          <a:ea typeface="나눔바른고딕" panose="020B0603020101020101" pitchFamily="50" charset="-127"/>
+                        </a:rPr>
                         <a:t> : </a:t>
                       </a:r>
                       <a:r>
-                        <a:rPr lang="en-US" altLang="ko-KR" baseline="0" dirty="0" err="1"/>
+                        <a:rPr lang="en-US" altLang="ko-KR" baseline="0" dirty="0" err="1">
+                          <a:latin typeface="나눔바른고딕" panose="020B0603020101020101" pitchFamily="50" charset="-127"/>
+                          <a:ea typeface="나눔바른고딕" panose="020B0603020101020101" pitchFamily="50" charset="-127"/>
+                        </a:rPr>
                         <a:t>TodoList</a:t>
                       </a:r>
-                      <a:endParaRPr lang="ko-KR" altLang="en-US" dirty="0"/>
+                      <a:endParaRPr lang="ko-KR" altLang="en-US" dirty="0">
+                        <a:latin typeface="나눔바른고딕" panose="020B0603020101020101" pitchFamily="50" charset="-127"/>
+                        <a:ea typeface="나눔바른고딕" panose="020B0603020101020101" pitchFamily="50" charset="-127"/>
+                      </a:endParaRPr>
                     </a:p>
                   </a:txBody>
-                  <a:tcPr/>
+                  <a:tcPr anchor="ctr"/>
                 </a:tc>
                 <a:extLst>
                   <a:ext uri="{0D108BD9-81ED-4DB2-BD59-A6C34878D82A}">
-                    <a16:rowId xmlns:a16="http://schemas.microsoft.com/office/drawing/2014/main" val="10001"/>
+                    <a16:rowId xmlns:a16="http://schemas.microsoft.com/office/drawing/2014/main" xmlns="" val="10001"/>
                   </a:ext>
                 </a:extLst>
               </a:tr>
@@ -4366,57 +4862,90 @@
                     <a:lstStyle/>
                     <a:p>
                       <a:r>
-                        <a:rPr lang="en-US" altLang="ko-KR" baseline="0" dirty="0"/>
+                        <a:rPr lang="en-US" altLang="ko-KR" baseline="0" dirty="0">
+                          <a:latin typeface="나눔바른고딕" panose="020B0603020101020101" pitchFamily="50" charset="-127"/>
+                          <a:ea typeface="나눔바른고딕" panose="020B0603020101020101" pitchFamily="50" charset="-127"/>
+                        </a:rPr>
                         <a:t>+</a:t>
                       </a:r>
                       <a:r>
-                        <a:rPr lang="en-US" altLang="ko-KR" baseline="0" dirty="0" err="1"/>
+                        <a:rPr lang="en-US" altLang="ko-KR" baseline="0" dirty="0" err="1">
+                          <a:latin typeface="나눔바른고딕" panose="020B0603020101020101" pitchFamily="50" charset="-127"/>
+                          <a:ea typeface="나눔바른고딕" panose="020B0603020101020101" pitchFamily="50" charset="-127"/>
+                        </a:rPr>
                         <a:t>ShowTodoSystem</a:t>
                       </a:r>
                       <a:r>
-                        <a:rPr lang="en-US" altLang="ko-KR" baseline="0" dirty="0"/>
+                        <a:rPr lang="en-US" altLang="ko-KR" baseline="0" dirty="0">
+                          <a:latin typeface="나눔바른고딕" panose="020B0603020101020101" pitchFamily="50" charset="-127"/>
+                          <a:ea typeface="나눔바른고딕" panose="020B0603020101020101" pitchFamily="50" charset="-127"/>
+                        </a:rPr>
                         <a:t>()</a:t>
                       </a:r>
                     </a:p>
                     <a:p>
                       <a:r>
-                        <a:rPr lang="en-US" altLang="ko-KR" baseline="0" dirty="0"/>
+                        <a:rPr lang="en-US" altLang="ko-KR" baseline="0" dirty="0">
+                          <a:latin typeface="나눔바른고딕" panose="020B0603020101020101" pitchFamily="50" charset="-127"/>
+                          <a:ea typeface="나눔바른고딕" panose="020B0603020101020101" pitchFamily="50" charset="-127"/>
+                        </a:rPr>
                         <a:t>+</a:t>
                       </a:r>
                       <a:r>
-                        <a:rPr lang="en-US" altLang="ko-KR" baseline="0" dirty="0" err="1"/>
+                        <a:rPr lang="en-US" altLang="ko-KR" baseline="0" dirty="0" err="1">
+                          <a:latin typeface="나눔바른고딕" panose="020B0603020101020101" pitchFamily="50" charset="-127"/>
+                          <a:ea typeface="나눔바른고딕" panose="020B0603020101020101" pitchFamily="50" charset="-127"/>
+                        </a:rPr>
                         <a:t>getTodoContesnts</a:t>
                       </a:r>
                       <a:r>
-                        <a:rPr lang="en-US" altLang="ko-KR" baseline="0" dirty="0"/>
+                        <a:rPr lang="en-US" altLang="ko-KR" baseline="0" dirty="0">
+                          <a:latin typeface="나눔바른고딕" panose="020B0603020101020101" pitchFamily="50" charset="-127"/>
+                          <a:ea typeface="나눔바른고딕" panose="020B0603020101020101" pitchFamily="50" charset="-127"/>
+                        </a:rPr>
                         <a:t>() : String[][]</a:t>
                       </a:r>
                     </a:p>
                     <a:p>
                       <a:r>
-                        <a:rPr lang="en-US" altLang="ko-KR" baseline="0" dirty="0"/>
+                        <a:rPr lang="en-US" altLang="ko-KR" baseline="0" dirty="0">
+                          <a:latin typeface="나눔바른고딕" panose="020B0603020101020101" pitchFamily="50" charset="-127"/>
+                          <a:ea typeface="나눔바른고딕" panose="020B0603020101020101" pitchFamily="50" charset="-127"/>
+                        </a:rPr>
                         <a:t>+</a:t>
                       </a:r>
                       <a:r>
-                        <a:rPr lang="en-US" altLang="ko-KR" baseline="0" dirty="0" err="1"/>
+                        <a:rPr lang="en-US" altLang="ko-KR" baseline="0" dirty="0" err="1">
+                          <a:latin typeface="나눔바른고딕" panose="020B0603020101020101" pitchFamily="50" charset="-127"/>
+                          <a:ea typeface="나눔바른고딕" panose="020B0603020101020101" pitchFamily="50" charset="-127"/>
+                        </a:rPr>
                         <a:t>getTodoList</a:t>
                       </a:r>
                       <a:r>
-                        <a:rPr lang="en-US" altLang="ko-KR" baseline="0" dirty="0"/>
+                        <a:rPr lang="en-US" altLang="ko-KR" baseline="0" dirty="0">
+                          <a:latin typeface="나눔바른고딕" panose="020B0603020101020101" pitchFamily="50" charset="-127"/>
+                          <a:ea typeface="나눔바른고딕" panose="020B0603020101020101" pitchFamily="50" charset="-127"/>
+                        </a:rPr>
                         <a:t>() : </a:t>
                       </a:r>
                       <a:r>
-                        <a:rPr lang="en-US" altLang="ko-KR" baseline="0" dirty="0" err="1"/>
+                        <a:rPr lang="en-US" altLang="ko-KR" baseline="0" dirty="0" err="1">
+                          <a:latin typeface="나눔바른고딕" panose="020B0603020101020101" pitchFamily="50" charset="-127"/>
+                          <a:ea typeface="나눔바른고딕" panose="020B0603020101020101" pitchFamily="50" charset="-127"/>
+                        </a:rPr>
                         <a:t>TodoList</a:t>
                       </a:r>
-                      <a:endParaRPr lang="en-US" altLang="ko-KR" baseline="0" dirty="0"/>
+                      <a:endParaRPr lang="en-US" altLang="ko-KR" baseline="0" dirty="0">
+                        <a:latin typeface="나눔바른고딕" panose="020B0603020101020101" pitchFamily="50" charset="-127"/>
+                        <a:ea typeface="나눔바른고딕" panose="020B0603020101020101" pitchFamily="50" charset="-127"/>
+                      </a:endParaRPr>
                     </a:p>
                   </a:txBody>
-                  <a:tcPr/>
+                  <a:tcPr anchor="ctr"/>
                 </a:tc>
                 <a:extLst>
                   <a:ext uri="{0D108BD9-81ED-4DB2-BD59-A6C34878D82A}">
-                    <a16:rowId xmlns:a16="http://schemas.microsoft.com/office/drawing/2014/main" val="10002"/>
+                    <a16:rowId xmlns:a16="http://schemas.microsoft.com/office/drawing/2014/main" xmlns="" val="10002"/>
                   </a:ext>
                 </a:extLst>
               </a:tr>
@@ -4424,6 +4953,41 @@
           </a:graphicData>
         </a:graphic>
       </p:graphicFrame>
+      <p:sp>
+        <p:nvSpPr>
+          <p:cNvPr id="6" name="바닥글 개체 틀 3"/>
+          <p:cNvSpPr>
+            <a:spLocks noGrp="1"/>
+          </p:cNvSpPr>
+          <p:nvPr>
+            <p:ph type="ftr" sz="quarter" idx="3"/>
+          </p:nvPr>
+        </p:nvSpPr>
+        <p:spPr>
+          <a:xfrm>
+            <a:off x="6061745" y="6464300"/>
+            <a:ext cx="2798763" cy="300038"/>
+          </a:xfrm>
+        </p:spPr>
+        <p:txBody>
+          <a:bodyPr/>
+          <a:lstStyle/>
+          <a:p>
+            <a:pPr algn="r"/>
+            <a:r>
+              <a:rPr lang="en-US" altLang="ko-KR" sz="1600" b="1" i="0" dirty="0" err="1" smtClean="0">
+                <a:latin typeface="-윤고딕350" panose="02030504000101010101" pitchFamily="18" charset="-127"/>
+                <a:ea typeface="-윤고딕350" panose="02030504000101010101" pitchFamily="18" charset="-127"/>
+              </a:rPr>
+              <a:t>TenoutofTen</a:t>
+            </a:r>
+            <a:endParaRPr lang="en-US" altLang="ko-KR" sz="1600" b="1" i="0" dirty="0">
+              <a:latin typeface="-윤고딕350" panose="02030504000101010101" pitchFamily="18" charset="-127"/>
+              <a:ea typeface="-윤고딕350" panose="02030504000101010101" pitchFamily="18" charset="-127"/>
+            </a:endParaRPr>
+          </a:p>
+        </p:txBody>
+      </p:sp>
     </p:spTree>
     <p:extLst>
       <p:ext uri="{BB962C8B-B14F-4D97-AF65-F5344CB8AC3E}">
@@ -4482,30 +5046,6 @@
           </a:p>
         </p:txBody>
       </p:sp>
-      <p:sp>
-        <p:nvSpPr>
-          <p:cNvPr id="4" name="바닥글 개체 틀 3"/>
-          <p:cNvSpPr>
-            <a:spLocks noGrp="1"/>
-          </p:cNvSpPr>
-          <p:nvPr>
-            <p:ph type="ftr" sz="quarter" idx="3"/>
-          </p:nvPr>
-        </p:nvSpPr>
-        <p:spPr/>
-        <p:txBody>
-          <a:bodyPr/>
-          <a:lstStyle/>
-          <a:p>
-            <a:pPr algn="r"/>
-            <a:r>
-              <a:rPr lang="ko-KR" altLang="en-US"/>
-              <a:t>팀 명</a:t>
-            </a:r>
-            <a:endParaRPr lang="en-US" altLang="ko-KR" dirty="0"/>
-          </a:p>
-        </p:txBody>
-      </p:sp>
       <p:graphicFrame>
         <p:nvGraphicFramePr>
           <p:cNvPr id="5" name="표 4"/>
@@ -4515,14 +5055,14 @@
           <p:nvPr>
             <p:extLst>
               <p:ext uri="{D42A27DB-BD31-4B8C-83A1-F6EECF244321}">
-                <p14:modId xmlns:p14="http://schemas.microsoft.com/office/powerpoint/2010/main" val="2843696219"/>
+                <p14:modId xmlns:p14="http://schemas.microsoft.com/office/powerpoint/2010/main" val="3592944802"/>
               </p:ext>
             </p:extLst>
           </p:nvPr>
         </p:nvGraphicFramePr>
         <p:xfrm>
-          <a:off x="352425" y="1228296"/>
-          <a:ext cx="8327551" cy="4967787"/>
+          <a:off x="2172081" y="1228296"/>
+          <a:ext cx="4923663" cy="4967787"/>
         </p:xfrm>
         <a:graphic>
           <a:graphicData uri="http://schemas.openxmlformats.org/drawingml/2006/table">
@@ -4531,10 +5071,10 @@
                 <a:tableStyleId>{17292A2E-F333-43FB-9621-5CBBE7FDCDCB}</a:tableStyleId>
               </a:tblPr>
               <a:tblGrid>
-                <a:gridCol w="8327551">
+                <a:gridCol w="4923663">
                   <a:extLst>
                     <a:ext uri="{9D8B030D-6E8A-4147-A177-3AD203B41FA5}">
-                      <a16:colId xmlns:a16="http://schemas.microsoft.com/office/drawing/2014/main" val="20000"/>
+                      <a16:colId xmlns:a16="http://schemas.microsoft.com/office/drawing/2014/main" xmlns="" val="20000"/>
                     </a:ext>
                   </a:extLst>
                 </a:gridCol>
@@ -4546,17 +5086,23 @@
                     <a:lstStyle/>
                     <a:p>
                       <a:r>
-                        <a:rPr lang="en-US" altLang="ko-KR" sz="4000" baseline="0" dirty="0" err="1"/>
+                        <a:rPr lang="en-US" altLang="ko-KR" sz="4000" baseline="0" dirty="0" err="1">
+                          <a:latin typeface="나눔바른고딕" panose="020B0603020101020101" pitchFamily="50" charset="-127"/>
+                          <a:ea typeface="나눔바른고딕" panose="020B0603020101020101" pitchFamily="50" charset="-127"/>
+                        </a:rPr>
                         <a:t>SearchTodoSystem</a:t>
                       </a:r>
-                      <a:endParaRPr lang="ko-KR" altLang="en-US" sz="4000" dirty="0"/>
+                      <a:endParaRPr lang="ko-KR" altLang="en-US" sz="4000" dirty="0">
+                        <a:latin typeface="나눔바른고딕" panose="020B0603020101020101" pitchFamily="50" charset="-127"/>
+                        <a:ea typeface="나눔바른고딕" panose="020B0603020101020101" pitchFamily="50" charset="-127"/>
+                      </a:endParaRPr>
                     </a:p>
                   </a:txBody>
-                  <a:tcPr/>
+                  <a:tcPr anchor="ctr"/>
                 </a:tc>
                 <a:extLst>
                   <a:ext uri="{0D108BD9-81ED-4DB2-BD59-A6C34878D82A}">
-                    <a16:rowId xmlns:a16="http://schemas.microsoft.com/office/drawing/2014/main" val="10000"/>
+                    <a16:rowId xmlns:a16="http://schemas.microsoft.com/office/drawing/2014/main" xmlns="" val="10000"/>
                   </a:ext>
                 </a:extLst>
               </a:tr>
@@ -4567,29 +5113,44 @@
                     <a:lstStyle/>
                     <a:p>
                       <a:r>
-                        <a:rPr lang="en-US" altLang="ko-KR" dirty="0"/>
+                        <a:rPr lang="en-US" altLang="ko-KR" dirty="0">
+                          <a:latin typeface="나눔바른고딕" panose="020B0603020101020101" pitchFamily="50" charset="-127"/>
+                          <a:ea typeface="나눔바른고딕" panose="020B0603020101020101" pitchFamily="50" charset="-127"/>
+                        </a:rPr>
                         <a:t>- </a:t>
                       </a:r>
                       <a:r>
-                        <a:rPr lang="en-US" altLang="ko-KR" dirty="0" err="1"/>
+                        <a:rPr lang="en-US" altLang="ko-KR" dirty="0" err="1">
+                          <a:latin typeface="나눔바른고딕" panose="020B0603020101020101" pitchFamily="50" charset="-127"/>
+                          <a:ea typeface="나눔바른고딕" panose="020B0603020101020101" pitchFamily="50" charset="-127"/>
+                        </a:rPr>
                         <a:t>TodoList</a:t>
                       </a:r>
                       <a:r>
-                        <a:rPr lang="en-US" altLang="ko-KR" baseline="0" dirty="0"/>
+                        <a:rPr lang="en-US" altLang="ko-KR" baseline="0" dirty="0">
+                          <a:latin typeface="나눔바른고딕" panose="020B0603020101020101" pitchFamily="50" charset="-127"/>
+                          <a:ea typeface="나눔바른고딕" panose="020B0603020101020101" pitchFamily="50" charset="-127"/>
+                        </a:rPr>
                         <a:t> : </a:t>
                       </a:r>
                       <a:r>
-                        <a:rPr lang="en-US" altLang="ko-KR" baseline="0" dirty="0" err="1"/>
+                        <a:rPr lang="en-US" altLang="ko-KR" baseline="0" dirty="0" err="1">
+                          <a:latin typeface="나눔바른고딕" panose="020B0603020101020101" pitchFamily="50" charset="-127"/>
+                          <a:ea typeface="나눔바른고딕" panose="020B0603020101020101" pitchFamily="50" charset="-127"/>
+                        </a:rPr>
                         <a:t>TodoList</a:t>
                       </a:r>
-                      <a:endParaRPr lang="ko-KR" altLang="en-US" dirty="0"/>
+                      <a:endParaRPr lang="ko-KR" altLang="en-US" dirty="0">
+                        <a:latin typeface="나눔바른고딕" panose="020B0603020101020101" pitchFamily="50" charset="-127"/>
+                        <a:ea typeface="나눔바른고딕" panose="020B0603020101020101" pitchFamily="50" charset="-127"/>
+                      </a:endParaRPr>
                     </a:p>
                   </a:txBody>
-                  <a:tcPr/>
+                  <a:tcPr anchor="ctr"/>
                 </a:tc>
                 <a:extLst>
                   <a:ext uri="{0D108BD9-81ED-4DB2-BD59-A6C34878D82A}">
-                    <a16:rowId xmlns:a16="http://schemas.microsoft.com/office/drawing/2014/main" val="10001"/>
+                    <a16:rowId xmlns:a16="http://schemas.microsoft.com/office/drawing/2014/main" xmlns="" val="10001"/>
                   </a:ext>
                 </a:extLst>
               </a:tr>
@@ -4600,60 +5161,96 @@
                     <a:lstStyle/>
                     <a:p>
                       <a:r>
-                        <a:rPr lang="en-US" altLang="ko-KR" baseline="0" dirty="0"/>
+                        <a:rPr lang="en-US" altLang="ko-KR" baseline="0" dirty="0">
+                          <a:latin typeface="나눔바른고딕" panose="020B0603020101020101" pitchFamily="50" charset="-127"/>
+                          <a:ea typeface="나눔바른고딕" panose="020B0603020101020101" pitchFamily="50" charset="-127"/>
+                        </a:rPr>
                         <a:t>+</a:t>
                       </a:r>
                       <a:r>
-                        <a:rPr lang="en-US" altLang="ko-KR" baseline="0" dirty="0" err="1"/>
+                        <a:rPr lang="en-US" altLang="ko-KR" baseline="0" dirty="0" err="1">
+                          <a:latin typeface="나눔바른고딕" panose="020B0603020101020101" pitchFamily="50" charset="-127"/>
+                          <a:ea typeface="나눔바른고딕" panose="020B0603020101020101" pitchFamily="50" charset="-127"/>
+                        </a:rPr>
                         <a:t>SearchTodoSystem</a:t>
                       </a:r>
                       <a:r>
-                        <a:rPr lang="en-US" altLang="ko-KR" baseline="0" dirty="0"/>
+                        <a:rPr lang="en-US" altLang="ko-KR" baseline="0" dirty="0">
+                          <a:latin typeface="나눔바른고딕" panose="020B0603020101020101" pitchFamily="50" charset="-127"/>
+                          <a:ea typeface="나눔바른고딕" panose="020B0603020101020101" pitchFamily="50" charset="-127"/>
+                        </a:rPr>
                         <a:t>()</a:t>
                       </a:r>
                     </a:p>
                     <a:p>
                       <a:r>
-                        <a:rPr lang="en-US" altLang="ko-KR" baseline="0" dirty="0"/>
+                        <a:rPr lang="en-US" altLang="ko-KR" baseline="0" dirty="0">
+                          <a:latin typeface="나눔바른고딕" panose="020B0603020101020101" pitchFamily="50" charset="-127"/>
+                          <a:ea typeface="나눔바른고딕" panose="020B0603020101020101" pitchFamily="50" charset="-127"/>
+                        </a:rPr>
                         <a:t>+</a:t>
                       </a:r>
                       <a:r>
-                        <a:rPr lang="en-US" altLang="ko-KR" baseline="0" dirty="0" err="1"/>
-                        <a:t>getTodoContesnts</a:t>
-                      </a:r>
-                      <a:r>
-                        <a:rPr lang="en-US" altLang="ko-KR" baseline="0" dirty="0"/>
+                        <a:rPr lang="en-US" altLang="ko-KR" baseline="0" dirty="0" err="1" smtClean="0">
+                          <a:latin typeface="나눔바른고딕" panose="020B0603020101020101" pitchFamily="50" charset="-127"/>
+                          <a:ea typeface="나눔바른고딕" panose="020B0603020101020101" pitchFamily="50" charset="-127"/>
+                        </a:rPr>
+                        <a:t>getTodoContents</a:t>
+                      </a:r>
+                      <a:r>
+                        <a:rPr lang="en-US" altLang="ko-KR" baseline="0" dirty="0">
+                          <a:latin typeface="나눔바른고딕" panose="020B0603020101020101" pitchFamily="50" charset="-127"/>
+                          <a:ea typeface="나눔바른고딕" panose="020B0603020101020101" pitchFamily="50" charset="-127"/>
+                        </a:rPr>
                         <a:t>() : String[][]</a:t>
                       </a:r>
                     </a:p>
                     <a:p>
                       <a:r>
-                        <a:rPr lang="en-US" altLang="ko-KR" baseline="0" dirty="0"/>
+                        <a:rPr lang="en-US" altLang="ko-KR" baseline="0" dirty="0">
+                          <a:latin typeface="나눔바른고딕" panose="020B0603020101020101" pitchFamily="50" charset="-127"/>
+                          <a:ea typeface="나눔바른고딕" panose="020B0603020101020101" pitchFamily="50" charset="-127"/>
+                        </a:rPr>
                         <a:t>+</a:t>
                       </a:r>
                       <a:r>
-                        <a:rPr lang="en-US" altLang="ko-KR" baseline="0" dirty="0" err="1"/>
+                        <a:rPr lang="en-US" altLang="ko-KR" baseline="0" dirty="0" err="1">
+                          <a:latin typeface="나눔바른고딕" panose="020B0603020101020101" pitchFamily="50" charset="-127"/>
+                          <a:ea typeface="나눔바른고딕" panose="020B0603020101020101" pitchFamily="50" charset="-127"/>
+                        </a:rPr>
                         <a:t>getTodoList</a:t>
                       </a:r>
                       <a:r>
-                        <a:rPr lang="en-US" altLang="ko-KR" baseline="0" dirty="0"/>
+                        <a:rPr lang="en-US" altLang="ko-KR" baseline="0" dirty="0">
+                          <a:latin typeface="나눔바른고딕" panose="020B0603020101020101" pitchFamily="50" charset="-127"/>
+                          <a:ea typeface="나눔바른고딕" panose="020B0603020101020101" pitchFamily="50" charset="-127"/>
+                        </a:rPr>
                         <a:t>() : </a:t>
                       </a:r>
                       <a:r>
-                        <a:rPr lang="en-US" altLang="ko-KR" baseline="0" dirty="0" err="1"/>
+                        <a:rPr lang="en-US" altLang="ko-KR" baseline="0" dirty="0" err="1">
+                          <a:latin typeface="나눔바른고딕" panose="020B0603020101020101" pitchFamily="50" charset="-127"/>
+                          <a:ea typeface="나눔바른고딕" panose="020B0603020101020101" pitchFamily="50" charset="-127"/>
+                        </a:rPr>
                         <a:t>TodoList</a:t>
                       </a:r>
-                      <a:endParaRPr lang="en-US" altLang="ko-KR" baseline="0" dirty="0"/>
-                    </a:p>
-                    <a:p>
-                      <a:endParaRPr lang="en-US" altLang="ko-KR" baseline="0" dirty="0"/>
+                      <a:endParaRPr lang="en-US" altLang="ko-KR" baseline="0" dirty="0">
+                        <a:latin typeface="나눔바른고딕" panose="020B0603020101020101" pitchFamily="50" charset="-127"/>
+                        <a:ea typeface="나눔바른고딕" panose="020B0603020101020101" pitchFamily="50" charset="-127"/>
+                      </a:endParaRPr>
+                    </a:p>
+                    <a:p>
+                      <a:endParaRPr lang="en-US" altLang="ko-KR" baseline="0" dirty="0">
+                        <a:latin typeface="나눔바른고딕" panose="020B0603020101020101" pitchFamily="50" charset="-127"/>
+                        <a:ea typeface="나눔바른고딕" panose="020B0603020101020101" pitchFamily="50" charset="-127"/>
+                      </a:endParaRPr>
                     </a:p>
                   </a:txBody>
-                  <a:tcPr/>
+                  <a:tcPr anchor="ctr"/>
                 </a:tc>
                 <a:extLst>
                   <a:ext uri="{0D108BD9-81ED-4DB2-BD59-A6C34878D82A}">
-                    <a16:rowId xmlns:a16="http://schemas.microsoft.com/office/drawing/2014/main" val="10002"/>
+                    <a16:rowId xmlns:a16="http://schemas.microsoft.com/office/drawing/2014/main" xmlns="" val="10002"/>
                   </a:ext>
                 </a:extLst>
               </a:tr>
@@ -4661,6 +5258,41 @@
           </a:graphicData>
         </a:graphic>
       </p:graphicFrame>
+      <p:sp>
+        <p:nvSpPr>
+          <p:cNvPr id="6" name="바닥글 개체 틀 3"/>
+          <p:cNvSpPr>
+            <a:spLocks noGrp="1"/>
+          </p:cNvSpPr>
+          <p:nvPr>
+            <p:ph type="ftr" sz="quarter" idx="3"/>
+          </p:nvPr>
+        </p:nvSpPr>
+        <p:spPr>
+          <a:xfrm>
+            <a:off x="6061745" y="6464300"/>
+            <a:ext cx="2798763" cy="300038"/>
+          </a:xfrm>
+        </p:spPr>
+        <p:txBody>
+          <a:bodyPr/>
+          <a:lstStyle/>
+          <a:p>
+            <a:pPr algn="r"/>
+            <a:r>
+              <a:rPr lang="en-US" altLang="ko-KR" sz="1600" b="1" i="0" dirty="0" err="1" smtClean="0">
+                <a:latin typeface="-윤고딕350" panose="02030504000101010101" pitchFamily="18" charset="-127"/>
+                <a:ea typeface="-윤고딕350" panose="02030504000101010101" pitchFamily="18" charset="-127"/>
+              </a:rPr>
+              <a:t>TenoutofTen</a:t>
+            </a:r>
+            <a:endParaRPr lang="en-US" altLang="ko-KR" sz="1600" b="1" i="0" dirty="0">
+              <a:latin typeface="-윤고딕350" panose="02030504000101010101" pitchFamily="18" charset="-127"/>
+              <a:ea typeface="-윤고딕350" panose="02030504000101010101" pitchFamily="18" charset="-127"/>
+            </a:endParaRPr>
+          </a:p>
+        </p:txBody>
+      </p:sp>
     </p:spTree>
     <p:extLst>
       <p:ext uri="{BB962C8B-B14F-4D97-AF65-F5344CB8AC3E}">
@@ -4730,10 +5362,16 @@
           <a:p>
             <a:pPr algn="r"/>
             <a:r>
-              <a:rPr lang="ko-KR" altLang="en-US" dirty="0"/>
-              <a:t>팀 명</a:t>
+              <a:rPr lang="en-US" altLang="ko-KR" sz="1600" b="1" i="0" dirty="0" err="1" smtClean="0">
+                <a:latin typeface="-윤고딕350" panose="02030504000101010101" pitchFamily="18" charset="-127"/>
+                <a:ea typeface="-윤고딕350" panose="02030504000101010101" pitchFamily="18" charset="-127"/>
+              </a:rPr>
+              <a:t>TenoutofTen</a:t>
             </a:r>
-            <a:endParaRPr lang="en-US" altLang="ko-KR" dirty="0"/>
+            <a:endParaRPr lang="en-US" altLang="ko-KR" sz="1600" b="1" i="0" dirty="0">
+              <a:latin typeface="-윤고딕350" panose="02030504000101010101" pitchFamily="18" charset="-127"/>
+              <a:ea typeface="-윤고딕350" panose="02030504000101010101" pitchFamily="18" charset="-127"/>
+            </a:endParaRPr>
           </a:p>
         </p:txBody>
       </p:sp>
@@ -4747,7 +5385,7 @@
             <p:ph idx="1"/>
             <p:extLst>
               <p:ext uri="{D42A27DB-BD31-4B8C-83A1-F6EECF244321}">
-                <p14:modId xmlns:p14="http://schemas.microsoft.com/office/powerpoint/2010/main" val="1009291166"/>
+                <p14:modId xmlns:p14="http://schemas.microsoft.com/office/powerpoint/2010/main" val="900035308"/>
               </p:ext>
             </p:extLst>
           </p:nvPr>
@@ -4766,28 +5404,28 @@
                 <a:gridCol w="2145506">
                   <a:extLst>
                     <a:ext uri="{9D8B030D-6E8A-4147-A177-3AD203B41FA5}">
-                      <a16:colId xmlns:a16="http://schemas.microsoft.com/office/drawing/2014/main" val="20000"/>
+                      <a16:colId xmlns:a16="http://schemas.microsoft.com/office/drawing/2014/main" xmlns="" val="20000"/>
                     </a:ext>
                   </a:extLst>
                 </a:gridCol>
                 <a:gridCol w="2145506">
                   <a:extLst>
                     <a:ext uri="{9D8B030D-6E8A-4147-A177-3AD203B41FA5}">
-                      <a16:colId xmlns:a16="http://schemas.microsoft.com/office/drawing/2014/main" val="20001"/>
+                      <a16:colId xmlns:a16="http://schemas.microsoft.com/office/drawing/2014/main" xmlns="" val="20001"/>
                     </a:ext>
                   </a:extLst>
                 </a:gridCol>
                 <a:gridCol w="2145506">
                   <a:extLst>
                     <a:ext uri="{9D8B030D-6E8A-4147-A177-3AD203B41FA5}">
-                      <a16:colId xmlns:a16="http://schemas.microsoft.com/office/drawing/2014/main" val="20002"/>
+                      <a16:colId xmlns:a16="http://schemas.microsoft.com/office/drawing/2014/main" xmlns="" val="20002"/>
                     </a:ext>
                   </a:extLst>
                 </a:gridCol>
                 <a:gridCol w="2145506">
                   <a:extLst>
                     <a:ext uri="{9D8B030D-6E8A-4147-A177-3AD203B41FA5}">
-                      <a16:colId xmlns:a16="http://schemas.microsoft.com/office/drawing/2014/main" val="20003"/>
+                      <a16:colId xmlns:a16="http://schemas.microsoft.com/office/drawing/2014/main" xmlns="" val="20003"/>
                     </a:ext>
                   </a:extLst>
                 </a:gridCol>
@@ -4915,7 +5553,7 @@
                 </a:tc>
                 <a:extLst>
                   <a:ext uri="{0D108BD9-81ED-4DB2-BD59-A6C34878D82A}">
-                    <a16:rowId xmlns:a16="http://schemas.microsoft.com/office/drawing/2014/main" val="10000"/>
+                    <a16:rowId xmlns:a16="http://schemas.microsoft.com/office/drawing/2014/main" xmlns="" val="10000"/>
                   </a:ext>
                 </a:extLst>
               </a:tr>
@@ -4987,7 +5625,7 @@
                     <a:bodyPr/>
                     <a:lstStyle/>
                     <a:p>
-                      <a:pPr latinLnBrk="1"/>
+                      <a:pPr algn="ctr" latinLnBrk="1"/>
                       <a:r>
                         <a:rPr lang="en-US" altLang="ko-KR" sz="1200" b="0" dirty="0">
                           <a:solidFill>
@@ -5062,7 +5700,7 @@
                 </a:tc>
                 <a:extLst>
                   <a:ext uri="{0D108BD9-81ED-4DB2-BD59-A6C34878D82A}">
-                    <a16:rowId xmlns:a16="http://schemas.microsoft.com/office/drawing/2014/main" val="10001"/>
+                    <a16:rowId xmlns:a16="http://schemas.microsoft.com/office/drawing/2014/main" xmlns="" val="10001"/>
                   </a:ext>
                 </a:extLst>
               </a:tr>
@@ -5134,7 +5772,7 @@
                     <a:bodyPr/>
                     <a:lstStyle/>
                     <a:p>
-                      <a:pPr latinLnBrk="1"/>
+                      <a:pPr algn="ctr" latinLnBrk="1"/>
                       <a:r>
                         <a:rPr lang="en-US" altLang="ko-KR" sz="1200" b="0" dirty="0">
                           <a:solidFill>
@@ -5196,7 +5834,7 @@
                 </a:tc>
                 <a:extLst>
                   <a:ext uri="{0D108BD9-81ED-4DB2-BD59-A6C34878D82A}">
-                    <a16:rowId xmlns:a16="http://schemas.microsoft.com/office/drawing/2014/main" val="10002"/>
+                    <a16:rowId xmlns:a16="http://schemas.microsoft.com/office/drawing/2014/main" xmlns="" val="10002"/>
                   </a:ext>
                 </a:extLst>
               </a:tr>
@@ -5268,7 +5906,7 @@
                     <a:bodyPr/>
                     <a:lstStyle/>
                     <a:p>
-                      <a:pPr latinLnBrk="1"/>
+                      <a:pPr algn="ctr" latinLnBrk="1"/>
                       <a:r>
                         <a:rPr lang="en-US" altLang="ko-KR" sz="1200" b="0" dirty="0">
                           <a:solidFill>
@@ -5330,7 +5968,7 @@
                 </a:tc>
                 <a:extLst>
                   <a:ext uri="{0D108BD9-81ED-4DB2-BD59-A6C34878D82A}">
-                    <a16:rowId xmlns:a16="http://schemas.microsoft.com/office/drawing/2014/main" val="10003"/>
+                    <a16:rowId xmlns:a16="http://schemas.microsoft.com/office/drawing/2014/main" xmlns="" val="10003"/>
                   </a:ext>
                 </a:extLst>
               </a:tr>
@@ -5341,7 +5979,17 @@
                     <a:lstStyle/>
                     <a:p>
                       <a:pPr algn="ctr" latinLnBrk="1"/>
-                      <a:endParaRPr lang="ko-KR" altLang="en-US" sz="1200" b="0">
+                      <a:r>
+                        <a:rPr lang="en-US" altLang="ko-KR" sz="1200" b="0" dirty="0" smtClean="0">
+                          <a:solidFill>
+                            <a:schemeClr val="tx1"/>
+                          </a:solidFill>
+                          <a:latin typeface="맑은 고딕" pitchFamily="50" charset="-127"/>
+                          <a:ea typeface="맑은 고딕" pitchFamily="50" charset="-127"/>
+                        </a:rPr>
+                        <a:t>2017.05.26</a:t>
+                      </a:r>
+                      <a:endParaRPr lang="ko-KR" altLang="en-US" sz="1200" b="0" dirty="0">
                         <a:solidFill>
                           <a:schemeClr val="tx1"/>
                         </a:solidFill>
@@ -5362,6 +6010,16 @@
                     <a:lstStyle/>
                     <a:p>
                       <a:pPr algn="ctr" latinLnBrk="1"/>
+                      <a:r>
+                        <a:rPr lang="en-US" altLang="ko-KR" sz="1200" b="0" dirty="0" err="1" smtClean="0">
+                          <a:solidFill>
+                            <a:schemeClr val="tx1"/>
+                          </a:solidFill>
+                          <a:latin typeface="맑은 고딕" pitchFamily="50" charset="-127"/>
+                          <a:ea typeface="맑은 고딕" pitchFamily="50" charset="-127"/>
+                        </a:rPr>
+                        <a:t>V1.1.0</a:t>
+                      </a:r>
                       <a:endParaRPr lang="ko-KR" altLang="en-US" sz="1200" b="0" dirty="0">
                         <a:solidFill>
                           <a:schemeClr val="tx1"/>
@@ -5382,7 +6040,37 @@
                     <a:bodyPr/>
                     <a:lstStyle/>
                     <a:p>
-                      <a:pPr latinLnBrk="1"/>
+                      <a:pPr algn="ctr" latinLnBrk="1"/>
+                      <a:r>
+                        <a:rPr lang="ko-KR" altLang="en-US" sz="1200" b="0" dirty="0" smtClean="0">
+                          <a:solidFill>
+                            <a:schemeClr val="tx1"/>
+                          </a:solidFill>
+                          <a:latin typeface="맑은 고딕" pitchFamily="50" charset="-127"/>
+                          <a:ea typeface="맑은 고딕" pitchFamily="50" charset="-127"/>
+                        </a:rPr>
+                        <a:t>정리 </a:t>
+                      </a:r>
+                      <a:r>
+                        <a:rPr lang="en-US" altLang="ko-KR" sz="1200" b="0" dirty="0" smtClean="0">
+                          <a:solidFill>
+                            <a:schemeClr val="tx1"/>
+                          </a:solidFill>
+                          <a:latin typeface="맑은 고딕" pitchFamily="50" charset="-127"/>
+                          <a:ea typeface="맑은 고딕" pitchFamily="50" charset="-127"/>
+                        </a:rPr>
+                        <a:t>+ </a:t>
+                      </a:r>
+                      <a:r>
+                        <a:rPr lang="ko-KR" altLang="en-US" sz="1200" b="0" dirty="0" err="1" smtClean="0">
+                          <a:solidFill>
+                            <a:schemeClr val="tx1"/>
+                          </a:solidFill>
+                          <a:latin typeface="맑은 고딕" pitchFamily="50" charset="-127"/>
+                          <a:ea typeface="맑은 고딕" pitchFamily="50" charset="-127"/>
+                        </a:rPr>
+                        <a:t>최종본</a:t>
+                      </a:r>
                       <a:endParaRPr lang="ko-KR" altLang="en-US" sz="1200" b="0" dirty="0">
                         <a:solidFill>
                           <a:schemeClr val="tx1"/>
@@ -5404,6 +6092,16 @@
                     <a:lstStyle/>
                     <a:p>
                       <a:pPr algn="ctr" latinLnBrk="1"/>
+                      <a:r>
+                        <a:rPr lang="ko-KR" altLang="en-US" sz="1200" b="0" dirty="0" smtClean="0">
+                          <a:solidFill>
+                            <a:schemeClr val="tx1"/>
+                          </a:solidFill>
+                          <a:latin typeface="맑은 고딕" pitchFamily="50" charset="-127"/>
+                          <a:ea typeface="맑은 고딕" pitchFamily="50" charset="-127"/>
+                        </a:rPr>
+                        <a:t>최훈아</a:t>
+                      </a:r>
                       <a:endParaRPr lang="ko-KR" altLang="en-US" sz="1200" b="0" dirty="0">
                         <a:solidFill>
                           <a:schemeClr val="tx1"/>
@@ -5421,7 +6119,7 @@
                 </a:tc>
                 <a:extLst>
                   <a:ext uri="{0D108BD9-81ED-4DB2-BD59-A6C34878D82A}">
-                    <a16:rowId xmlns:a16="http://schemas.microsoft.com/office/drawing/2014/main" val="10004"/>
+                    <a16:rowId xmlns:a16="http://schemas.microsoft.com/office/drawing/2014/main" xmlns="" val="10004"/>
                   </a:ext>
                 </a:extLst>
               </a:tr>
@@ -5473,7 +6171,7 @@
                     <a:bodyPr/>
                     <a:lstStyle/>
                     <a:p>
-                      <a:pPr latinLnBrk="1"/>
+                      <a:pPr algn="ctr" latinLnBrk="1"/>
                       <a:endParaRPr lang="ko-KR" altLang="en-US" sz="1200" b="0" dirty="0">
                         <a:solidFill>
                           <a:schemeClr val="tx1"/>
@@ -5512,7 +6210,7 @@
                 </a:tc>
                 <a:extLst>
                   <a:ext uri="{0D108BD9-81ED-4DB2-BD59-A6C34878D82A}">
-                    <a16:rowId xmlns:a16="http://schemas.microsoft.com/office/drawing/2014/main" val="10005"/>
+                    <a16:rowId xmlns:a16="http://schemas.microsoft.com/office/drawing/2014/main" xmlns="" val="10005"/>
                   </a:ext>
                 </a:extLst>
               </a:tr>
@@ -5564,7 +6262,7 @@
                     <a:bodyPr/>
                     <a:lstStyle/>
                     <a:p>
-                      <a:pPr latinLnBrk="1"/>
+                      <a:pPr algn="ctr" latinLnBrk="1"/>
                       <a:endParaRPr lang="ko-KR" altLang="en-US" sz="1200" b="0" dirty="0">
                         <a:solidFill>
                           <a:schemeClr val="tx1"/>
@@ -5603,7 +6301,7 @@
                 </a:tc>
                 <a:extLst>
                   <a:ext uri="{0D108BD9-81ED-4DB2-BD59-A6C34878D82A}">
-                    <a16:rowId xmlns:a16="http://schemas.microsoft.com/office/drawing/2014/main" val="10006"/>
+                    <a16:rowId xmlns:a16="http://schemas.microsoft.com/office/drawing/2014/main" xmlns="" val="10006"/>
                   </a:ext>
                 </a:extLst>
               </a:tr>
@@ -5655,7 +6353,7 @@
                     <a:bodyPr/>
                     <a:lstStyle/>
                     <a:p>
-                      <a:pPr latinLnBrk="1"/>
+                      <a:pPr algn="ctr" latinLnBrk="1"/>
                       <a:endParaRPr lang="ko-KR" altLang="en-US" sz="1200" b="0" dirty="0">
                         <a:solidFill>
                           <a:schemeClr val="tx1"/>
@@ -5694,7 +6392,7 @@
                 </a:tc>
                 <a:extLst>
                   <a:ext uri="{0D108BD9-81ED-4DB2-BD59-A6C34878D82A}">
-                    <a16:rowId xmlns:a16="http://schemas.microsoft.com/office/drawing/2014/main" val="10007"/>
+                    <a16:rowId xmlns:a16="http://schemas.microsoft.com/office/drawing/2014/main" xmlns="" val="10007"/>
                   </a:ext>
                 </a:extLst>
               </a:tr>
@@ -5707,11 +6405,18 @@
   <p:clrMapOvr>
     <a:masterClrMapping/>
   </p:clrMapOvr>
+  <p:timing>
+    <p:tnLst>
+      <p:par>
+        <p:cTn id="1" dur="indefinite" restart="never" nodeType="tmRoot"/>
+      </p:par>
+    </p:tnLst>
+  </p:timing>
 </p:sld>
 </file>
 
 <file path=ppt/slides/slide3.xml><?xml version="1.0" encoding="utf-8"?>
-<p:sld xmlns:a="http://schemas.openxmlformats.org/drawingml/2006/main" xmlns:r="http://schemas.openxmlformats.org/officeDocument/2006/relationships" xmlns:p="http://schemas.openxmlformats.org/presentationml/2006/main">
+<p:sld xmlns:a="http://schemas.openxmlformats.org/drawingml/2006/main" xmlns:r="http://schemas.openxmlformats.org/officeDocument/2006/relationships" xmlns:p="http://schemas.openxmlformats.org/presentationml/2006/main" showMasterSp="0">
   <p:cSld>
     <p:spTree>
       <p:nvGrpSpPr>
@@ -5727,9 +6432,1348 @@
           <a:chExt cx="0" cy="0"/>
         </a:xfrm>
       </p:grpSpPr>
+      <p:graphicFrame>
+        <p:nvGraphicFramePr>
+          <p:cNvPr id="7" name="표 6"/>
+          <p:cNvGraphicFramePr>
+            <a:graphicFrameLocks noGrp="1"/>
+          </p:cNvGraphicFramePr>
+          <p:nvPr>
+            <p:extLst>
+              <p:ext uri="{D42A27DB-BD31-4B8C-83A1-F6EECF244321}">
+                <p14:modId xmlns:p14="http://schemas.microsoft.com/office/powerpoint/2010/main" val="621309310"/>
+              </p:ext>
+            </p:extLst>
+          </p:nvPr>
+        </p:nvGraphicFramePr>
+        <p:xfrm>
+          <a:off x="746760" y="555752"/>
+          <a:ext cx="935736" cy="741680"/>
+        </p:xfrm>
+        <a:graphic>
+          <a:graphicData uri="http://schemas.openxmlformats.org/drawingml/2006/table">
+            <a:tbl>
+              <a:tblPr firstRow="1" bandRow="1">
+                <a:tableStyleId>{5940675A-B579-460E-94D1-54222C63F5DA}</a:tableStyleId>
+              </a:tblPr>
+              <a:tblGrid>
+                <a:gridCol w="935736"/>
+              </a:tblGrid>
+              <a:tr h="370840">
+                <a:tc>
+                  <a:txBody>
+                    <a:bodyPr/>
+                    <a:lstStyle/>
+                    <a:p>
+                      <a:pPr algn="ctr" latinLnBrk="1"/>
+                      <a:r>
+                        <a:rPr lang="en-US" altLang="ko-KR" sz="1400" b="1" dirty="0" smtClean="0">
+                          <a:latin typeface="나눔바른고딕" panose="020B0603020101020101" pitchFamily="50" charset="-127"/>
+                          <a:ea typeface="나눔바른고딕" panose="020B0603020101020101" pitchFamily="50" charset="-127"/>
+                        </a:rPr>
+                        <a:t>Login UI</a:t>
+                      </a:r>
+                      <a:endParaRPr lang="ko-KR" altLang="en-US" sz="1400" b="1" dirty="0">
+                        <a:latin typeface="나눔바른고딕" panose="020B0603020101020101" pitchFamily="50" charset="-127"/>
+                        <a:ea typeface="나눔바른고딕" panose="020B0603020101020101" pitchFamily="50" charset="-127"/>
+                      </a:endParaRPr>
+                    </a:p>
+                  </a:txBody>
+                  <a:tcPr anchor="ctr">
+                    <a:solidFill>
+                      <a:srgbClr val="FFA3A3"/>
+                    </a:solidFill>
+                  </a:tcPr>
+                </a:tc>
+              </a:tr>
+              <a:tr h="370840">
+                <a:tc>
+                  <a:txBody>
+                    <a:bodyPr/>
+                    <a:lstStyle/>
+                    <a:p>
+                      <a:pPr algn="ctr" latinLnBrk="1"/>
+                      <a:endParaRPr lang="ko-KR" altLang="en-US" dirty="0">
+                        <a:latin typeface="나눔바른고딕" panose="020B0603020101020101" pitchFamily="50" charset="-127"/>
+                        <a:ea typeface="나눔바른고딕" panose="020B0603020101020101" pitchFamily="50" charset="-127"/>
+                      </a:endParaRPr>
+                    </a:p>
+                  </a:txBody>
+                  <a:tcPr/>
+                </a:tc>
+              </a:tr>
+            </a:tbl>
+          </a:graphicData>
+        </a:graphic>
+      </p:graphicFrame>
+      <p:graphicFrame>
+        <p:nvGraphicFramePr>
+          <p:cNvPr id="8" name="표 7"/>
+          <p:cNvGraphicFramePr>
+            <a:graphicFrameLocks noGrp="1"/>
+          </p:cNvGraphicFramePr>
+          <p:nvPr>
+            <p:extLst>
+              <p:ext uri="{D42A27DB-BD31-4B8C-83A1-F6EECF244321}">
+                <p14:modId xmlns:p14="http://schemas.microsoft.com/office/powerpoint/2010/main" val="3067014260"/>
+              </p:ext>
+            </p:extLst>
+          </p:nvPr>
+        </p:nvGraphicFramePr>
+        <p:xfrm>
+          <a:off x="746760" y="3232672"/>
+          <a:ext cx="935736" cy="679346"/>
+        </p:xfrm>
+        <a:graphic>
+          <a:graphicData uri="http://schemas.openxmlformats.org/drawingml/2006/table">
+            <a:tbl>
+              <a:tblPr firstRow="1" bandRow="1">
+                <a:tableStyleId>{5940675A-B579-460E-94D1-54222C63F5DA}</a:tableStyleId>
+              </a:tblPr>
+              <a:tblGrid>
+                <a:gridCol w="935736"/>
+              </a:tblGrid>
+              <a:tr h="313586">
+                <a:tc>
+                  <a:txBody>
+                    <a:bodyPr/>
+                    <a:lstStyle/>
+                    <a:p>
+                      <a:pPr algn="ctr" latinLnBrk="1"/>
+                      <a:r>
+                        <a:rPr lang="en-US" altLang="ko-KR" sz="1400" b="1" dirty="0" smtClean="0">
+                          <a:latin typeface="나눔바른고딕" panose="020B0603020101020101" pitchFamily="50" charset="-127"/>
+                          <a:ea typeface="나눔바른고딕" panose="020B0603020101020101" pitchFamily="50" charset="-127"/>
+                        </a:rPr>
+                        <a:t>Min UI</a:t>
+                      </a:r>
+                      <a:endParaRPr lang="ko-KR" altLang="en-US" sz="1400" b="1" dirty="0">
+                        <a:latin typeface="나눔바른고딕" panose="020B0603020101020101" pitchFamily="50" charset="-127"/>
+                        <a:ea typeface="나눔바른고딕" panose="020B0603020101020101" pitchFamily="50" charset="-127"/>
+                      </a:endParaRPr>
+                    </a:p>
+                  </a:txBody>
+                  <a:tcPr anchor="ctr">
+                    <a:solidFill>
+                      <a:srgbClr val="FFA3A3"/>
+                    </a:solidFill>
+                  </a:tcPr>
+                </a:tc>
+              </a:tr>
+              <a:tr h="313586">
+                <a:tc>
+                  <a:txBody>
+                    <a:bodyPr/>
+                    <a:lstStyle/>
+                    <a:p>
+                      <a:pPr algn="ctr" latinLnBrk="1"/>
+                      <a:endParaRPr lang="ko-KR" altLang="en-US" dirty="0">
+                        <a:latin typeface="나눔바른고딕" panose="020B0603020101020101" pitchFamily="50" charset="-127"/>
+                        <a:ea typeface="나눔바른고딕" panose="020B0603020101020101" pitchFamily="50" charset="-127"/>
+                      </a:endParaRPr>
+                    </a:p>
+                  </a:txBody>
+                  <a:tcPr/>
+                </a:tc>
+              </a:tr>
+            </a:tbl>
+          </a:graphicData>
+        </a:graphic>
+      </p:graphicFrame>
+      <p:graphicFrame>
+        <p:nvGraphicFramePr>
+          <p:cNvPr id="9" name="표 8"/>
+          <p:cNvGraphicFramePr>
+            <a:graphicFrameLocks noGrp="1"/>
+          </p:cNvGraphicFramePr>
+          <p:nvPr>
+            <p:extLst>
+              <p:ext uri="{D42A27DB-BD31-4B8C-83A1-F6EECF244321}">
+                <p14:modId xmlns:p14="http://schemas.microsoft.com/office/powerpoint/2010/main" val="639683927"/>
+              </p:ext>
+            </p:extLst>
+          </p:nvPr>
+        </p:nvGraphicFramePr>
+        <p:xfrm>
+          <a:off x="3794760" y="555752"/>
+          <a:ext cx="1554480" cy="741680"/>
+        </p:xfrm>
+        <a:graphic>
+          <a:graphicData uri="http://schemas.openxmlformats.org/drawingml/2006/table">
+            <a:tbl>
+              <a:tblPr firstRow="1" bandRow="1">
+                <a:tableStyleId>{5940675A-B579-460E-94D1-54222C63F5DA}</a:tableStyleId>
+              </a:tblPr>
+              <a:tblGrid>
+                <a:gridCol w="1554480"/>
+              </a:tblGrid>
+              <a:tr h="370840">
+                <a:tc>
+                  <a:txBody>
+                    <a:bodyPr/>
+                    <a:lstStyle/>
+                    <a:p>
+                      <a:pPr algn="ctr" latinLnBrk="1"/>
+                      <a:r>
+                        <a:rPr lang="en-US" altLang="ko-KR" sz="1400" b="1" dirty="0" smtClean="0">
+                          <a:latin typeface="나눔바른고딕" panose="020B0603020101020101" pitchFamily="50" charset="-127"/>
+                          <a:ea typeface="나눔바른고딕" panose="020B0603020101020101" pitchFamily="50" charset="-127"/>
+                        </a:rPr>
+                        <a:t>Login System</a:t>
+                      </a:r>
+                      <a:endParaRPr lang="ko-KR" altLang="en-US" sz="1400" b="1" dirty="0">
+                        <a:latin typeface="나눔바른고딕" panose="020B0603020101020101" pitchFamily="50" charset="-127"/>
+                        <a:ea typeface="나눔바른고딕" panose="020B0603020101020101" pitchFamily="50" charset="-127"/>
+                      </a:endParaRPr>
+                    </a:p>
+                  </a:txBody>
+                  <a:tcPr anchor="ctr">
+                    <a:solidFill>
+                      <a:srgbClr val="FDFFD5"/>
+                    </a:solidFill>
+                  </a:tcPr>
+                </a:tc>
+              </a:tr>
+              <a:tr h="370840">
+                <a:tc>
+                  <a:txBody>
+                    <a:bodyPr/>
+                    <a:lstStyle/>
+                    <a:p>
+                      <a:pPr algn="ctr" latinLnBrk="1"/>
+                      <a:endParaRPr lang="ko-KR" altLang="en-US" dirty="0">
+                        <a:latin typeface="나눔바른고딕" panose="020B0603020101020101" pitchFamily="50" charset="-127"/>
+                        <a:ea typeface="나눔바른고딕" panose="020B0603020101020101" pitchFamily="50" charset="-127"/>
+                      </a:endParaRPr>
+                    </a:p>
+                  </a:txBody>
+                  <a:tcPr/>
+                </a:tc>
+              </a:tr>
+            </a:tbl>
+          </a:graphicData>
+        </a:graphic>
+      </p:graphicFrame>
+      <p:graphicFrame>
+        <p:nvGraphicFramePr>
+          <p:cNvPr id="10" name="표 9"/>
+          <p:cNvGraphicFramePr>
+            <a:graphicFrameLocks noGrp="1"/>
+          </p:cNvGraphicFramePr>
+          <p:nvPr>
+            <p:extLst>
+              <p:ext uri="{D42A27DB-BD31-4B8C-83A1-F6EECF244321}">
+                <p14:modId xmlns:p14="http://schemas.microsoft.com/office/powerpoint/2010/main" val="2200755280"/>
+              </p:ext>
+            </p:extLst>
+          </p:nvPr>
+        </p:nvGraphicFramePr>
+        <p:xfrm>
+          <a:off x="7449312" y="553720"/>
+          <a:ext cx="935736" cy="741680"/>
+        </p:xfrm>
+        <a:graphic>
+          <a:graphicData uri="http://schemas.openxmlformats.org/drawingml/2006/table">
+            <a:tbl>
+              <a:tblPr firstRow="1" bandRow="1">
+                <a:tableStyleId>{5940675A-B579-460E-94D1-54222C63F5DA}</a:tableStyleId>
+              </a:tblPr>
+              <a:tblGrid>
+                <a:gridCol w="935736"/>
+              </a:tblGrid>
+              <a:tr h="370840">
+                <a:tc>
+                  <a:txBody>
+                    <a:bodyPr/>
+                    <a:lstStyle/>
+                    <a:p>
+                      <a:pPr algn="ctr" latinLnBrk="1"/>
+                      <a:r>
+                        <a:rPr lang="en-US" altLang="ko-KR" sz="1400" b="1" dirty="0" smtClean="0">
+                          <a:latin typeface="나눔바른고딕" panose="020B0603020101020101" pitchFamily="50" charset="-127"/>
+                          <a:ea typeface="나눔바른고딕" panose="020B0603020101020101" pitchFamily="50" charset="-127"/>
+                        </a:rPr>
+                        <a:t>Student</a:t>
+                      </a:r>
+                      <a:endParaRPr lang="ko-KR" altLang="en-US" sz="1400" b="1" dirty="0">
+                        <a:latin typeface="나눔바른고딕" panose="020B0603020101020101" pitchFamily="50" charset="-127"/>
+                        <a:ea typeface="나눔바른고딕" panose="020B0603020101020101" pitchFamily="50" charset="-127"/>
+                      </a:endParaRPr>
+                    </a:p>
+                  </a:txBody>
+                  <a:tcPr anchor="ctr">
+                    <a:solidFill>
+                      <a:srgbClr val="93D3FF"/>
+                    </a:solidFill>
+                  </a:tcPr>
+                </a:tc>
+              </a:tr>
+              <a:tr h="370840">
+                <a:tc>
+                  <a:txBody>
+                    <a:bodyPr/>
+                    <a:lstStyle/>
+                    <a:p>
+                      <a:pPr algn="ctr" latinLnBrk="1"/>
+                      <a:endParaRPr lang="ko-KR" altLang="en-US" dirty="0">
+                        <a:latin typeface="나눔바른고딕" panose="020B0603020101020101" pitchFamily="50" charset="-127"/>
+                        <a:ea typeface="나눔바른고딕" panose="020B0603020101020101" pitchFamily="50" charset="-127"/>
+                      </a:endParaRPr>
+                    </a:p>
+                  </a:txBody>
+                  <a:tcPr/>
+                </a:tc>
+              </a:tr>
+            </a:tbl>
+          </a:graphicData>
+        </a:graphic>
+      </p:graphicFrame>
+      <p:graphicFrame>
+        <p:nvGraphicFramePr>
+          <p:cNvPr id="11" name="표 10"/>
+          <p:cNvGraphicFramePr>
+            <a:graphicFrameLocks noGrp="1"/>
+          </p:cNvGraphicFramePr>
+          <p:nvPr>
+            <p:extLst>
+              <p:ext uri="{D42A27DB-BD31-4B8C-83A1-F6EECF244321}">
+                <p14:modId xmlns:p14="http://schemas.microsoft.com/office/powerpoint/2010/main" val="2421092421"/>
+              </p:ext>
+            </p:extLst>
+          </p:nvPr>
+        </p:nvGraphicFramePr>
+        <p:xfrm>
+          <a:off x="7449312" y="2006600"/>
+          <a:ext cx="935736" cy="741680"/>
+        </p:xfrm>
+        <a:graphic>
+          <a:graphicData uri="http://schemas.openxmlformats.org/drawingml/2006/table">
+            <a:tbl>
+              <a:tblPr firstRow="1" bandRow="1">
+                <a:tableStyleId>{5940675A-B579-460E-94D1-54222C63F5DA}</a:tableStyleId>
+              </a:tblPr>
+              <a:tblGrid>
+                <a:gridCol w="935736"/>
+              </a:tblGrid>
+              <a:tr h="370840">
+                <a:tc>
+                  <a:txBody>
+                    <a:bodyPr/>
+                    <a:lstStyle/>
+                    <a:p>
+                      <a:pPr algn="ctr" latinLnBrk="1"/>
+                      <a:r>
+                        <a:rPr lang="en-US" altLang="ko-KR" sz="1400" b="1" dirty="0" smtClean="0">
+                          <a:latin typeface="나눔바른고딕" panose="020B0603020101020101" pitchFamily="50" charset="-127"/>
+                          <a:ea typeface="나눔바른고딕" panose="020B0603020101020101" pitchFamily="50" charset="-127"/>
+                        </a:rPr>
+                        <a:t>Course</a:t>
+                      </a:r>
+                      <a:endParaRPr lang="ko-KR" altLang="en-US" sz="1400" b="1" dirty="0">
+                        <a:latin typeface="나눔바른고딕" panose="020B0603020101020101" pitchFamily="50" charset="-127"/>
+                        <a:ea typeface="나눔바른고딕" panose="020B0603020101020101" pitchFamily="50" charset="-127"/>
+                      </a:endParaRPr>
+                    </a:p>
+                  </a:txBody>
+                  <a:tcPr anchor="ctr">
+                    <a:solidFill>
+                      <a:srgbClr val="93D3FF"/>
+                    </a:solidFill>
+                  </a:tcPr>
+                </a:tc>
+              </a:tr>
+              <a:tr h="370840">
+                <a:tc>
+                  <a:txBody>
+                    <a:bodyPr/>
+                    <a:lstStyle/>
+                    <a:p>
+                      <a:pPr algn="ctr" latinLnBrk="1"/>
+                      <a:endParaRPr lang="ko-KR" altLang="en-US" dirty="0">
+                        <a:latin typeface="나눔바른고딕" panose="020B0603020101020101" pitchFamily="50" charset="-127"/>
+                        <a:ea typeface="나눔바른고딕" panose="020B0603020101020101" pitchFamily="50" charset="-127"/>
+                      </a:endParaRPr>
+                    </a:p>
+                  </a:txBody>
+                  <a:tcPr/>
+                </a:tc>
+              </a:tr>
+            </a:tbl>
+          </a:graphicData>
+        </a:graphic>
+      </p:graphicFrame>
+      <p:graphicFrame>
+        <p:nvGraphicFramePr>
+          <p:cNvPr id="12" name="표 11"/>
+          <p:cNvGraphicFramePr>
+            <a:graphicFrameLocks noGrp="1"/>
+          </p:cNvGraphicFramePr>
+          <p:nvPr>
+            <p:extLst>
+              <p:ext uri="{D42A27DB-BD31-4B8C-83A1-F6EECF244321}">
+                <p14:modId xmlns:p14="http://schemas.microsoft.com/office/powerpoint/2010/main" val="3671541580"/>
+              </p:ext>
+            </p:extLst>
+          </p:nvPr>
+        </p:nvGraphicFramePr>
+        <p:xfrm>
+          <a:off x="7261053" y="2972336"/>
+          <a:ext cx="1278128" cy="741680"/>
+        </p:xfrm>
+        <a:graphic>
+          <a:graphicData uri="http://schemas.openxmlformats.org/drawingml/2006/table">
+            <a:tbl>
+              <a:tblPr firstRow="1" bandRow="1">
+                <a:tableStyleId>{5940675A-B579-460E-94D1-54222C63F5DA}</a:tableStyleId>
+              </a:tblPr>
+              <a:tblGrid>
+                <a:gridCol w="1278128"/>
+              </a:tblGrid>
+              <a:tr h="370840">
+                <a:tc>
+                  <a:txBody>
+                    <a:bodyPr/>
+                    <a:lstStyle/>
+                    <a:p>
+                      <a:pPr algn="ctr" latinLnBrk="1"/>
+                      <a:r>
+                        <a:rPr lang="en-US" altLang="ko-KR" sz="1400" b="1" dirty="0" smtClean="0">
+                          <a:latin typeface="나눔바른고딕" panose="020B0603020101020101" pitchFamily="50" charset="-127"/>
+                          <a:ea typeface="나눔바른고딕" panose="020B0603020101020101" pitchFamily="50" charset="-127"/>
+                        </a:rPr>
+                        <a:t>Course List</a:t>
+                      </a:r>
+                      <a:endParaRPr lang="ko-KR" altLang="en-US" sz="1400" b="1" dirty="0">
+                        <a:latin typeface="나눔바른고딕" panose="020B0603020101020101" pitchFamily="50" charset="-127"/>
+                        <a:ea typeface="나눔바른고딕" panose="020B0603020101020101" pitchFamily="50" charset="-127"/>
+                      </a:endParaRPr>
+                    </a:p>
+                  </a:txBody>
+                  <a:tcPr anchor="ctr">
+                    <a:solidFill>
+                      <a:srgbClr val="93D3FF"/>
+                    </a:solidFill>
+                  </a:tcPr>
+                </a:tc>
+              </a:tr>
+              <a:tr h="370840">
+                <a:tc>
+                  <a:txBody>
+                    <a:bodyPr/>
+                    <a:lstStyle/>
+                    <a:p>
+                      <a:pPr algn="ctr" latinLnBrk="1"/>
+                      <a:endParaRPr lang="ko-KR" altLang="en-US" dirty="0">
+                        <a:latin typeface="나눔바른고딕" panose="020B0603020101020101" pitchFamily="50" charset="-127"/>
+                        <a:ea typeface="나눔바른고딕" panose="020B0603020101020101" pitchFamily="50" charset="-127"/>
+                      </a:endParaRPr>
+                    </a:p>
+                  </a:txBody>
+                  <a:tcPr/>
+                </a:tc>
+              </a:tr>
+            </a:tbl>
+          </a:graphicData>
+        </a:graphic>
+      </p:graphicFrame>
+      <p:graphicFrame>
+        <p:nvGraphicFramePr>
+          <p:cNvPr id="13" name="표 12"/>
+          <p:cNvGraphicFramePr>
+            <a:graphicFrameLocks noGrp="1"/>
+          </p:cNvGraphicFramePr>
+          <p:nvPr>
+            <p:extLst>
+              <p:ext uri="{D42A27DB-BD31-4B8C-83A1-F6EECF244321}">
+                <p14:modId xmlns:p14="http://schemas.microsoft.com/office/powerpoint/2010/main" val="1116145484"/>
+              </p:ext>
+            </p:extLst>
+          </p:nvPr>
+        </p:nvGraphicFramePr>
+        <p:xfrm>
+          <a:off x="7261053" y="5221762"/>
+          <a:ext cx="1278128" cy="741680"/>
+        </p:xfrm>
+        <a:graphic>
+          <a:graphicData uri="http://schemas.openxmlformats.org/drawingml/2006/table">
+            <a:tbl>
+              <a:tblPr firstRow="1" bandRow="1">
+                <a:tableStyleId>{5940675A-B579-460E-94D1-54222C63F5DA}</a:tableStyleId>
+              </a:tblPr>
+              <a:tblGrid>
+                <a:gridCol w="1278128"/>
+              </a:tblGrid>
+              <a:tr h="370840">
+                <a:tc>
+                  <a:txBody>
+                    <a:bodyPr/>
+                    <a:lstStyle/>
+                    <a:p>
+                      <a:pPr algn="ctr" latinLnBrk="1"/>
+                      <a:r>
+                        <a:rPr lang="en-US" altLang="ko-KR" sz="1400" b="1" dirty="0" err="1" smtClean="0">
+                          <a:latin typeface="나눔바른고딕" panose="020B0603020101020101" pitchFamily="50" charset="-127"/>
+                          <a:ea typeface="나눔바른고딕" panose="020B0603020101020101" pitchFamily="50" charset="-127"/>
+                        </a:rPr>
+                        <a:t>Todo</a:t>
+                      </a:r>
+                      <a:r>
+                        <a:rPr lang="en-US" altLang="ko-KR" sz="1400" b="1" dirty="0" smtClean="0">
+                          <a:latin typeface="나눔바른고딕" panose="020B0603020101020101" pitchFamily="50" charset="-127"/>
+                          <a:ea typeface="나눔바른고딕" panose="020B0603020101020101" pitchFamily="50" charset="-127"/>
+                        </a:rPr>
+                        <a:t> List</a:t>
+                      </a:r>
+                      <a:endParaRPr lang="ko-KR" altLang="en-US" sz="1400" b="1" dirty="0">
+                        <a:latin typeface="나눔바른고딕" panose="020B0603020101020101" pitchFamily="50" charset="-127"/>
+                        <a:ea typeface="나눔바른고딕" panose="020B0603020101020101" pitchFamily="50" charset="-127"/>
+                      </a:endParaRPr>
+                    </a:p>
+                  </a:txBody>
+                  <a:tcPr anchor="ctr">
+                    <a:solidFill>
+                      <a:srgbClr val="93D3FF"/>
+                    </a:solidFill>
+                  </a:tcPr>
+                </a:tc>
+              </a:tr>
+              <a:tr h="370840">
+                <a:tc>
+                  <a:txBody>
+                    <a:bodyPr/>
+                    <a:lstStyle/>
+                    <a:p>
+                      <a:pPr algn="ctr" latinLnBrk="1"/>
+                      <a:endParaRPr lang="ko-KR" altLang="en-US" dirty="0">
+                        <a:latin typeface="나눔바른고딕" panose="020B0603020101020101" pitchFamily="50" charset="-127"/>
+                        <a:ea typeface="나눔바른고딕" panose="020B0603020101020101" pitchFamily="50" charset="-127"/>
+                      </a:endParaRPr>
+                    </a:p>
+                  </a:txBody>
+                  <a:tcPr/>
+                </a:tc>
+              </a:tr>
+            </a:tbl>
+          </a:graphicData>
+        </a:graphic>
+      </p:graphicFrame>
+      <p:graphicFrame>
+        <p:nvGraphicFramePr>
+          <p:cNvPr id="14" name="표 13"/>
+          <p:cNvGraphicFramePr>
+            <a:graphicFrameLocks noGrp="1"/>
+          </p:cNvGraphicFramePr>
+          <p:nvPr>
+            <p:extLst>
+              <p:ext uri="{D42A27DB-BD31-4B8C-83A1-F6EECF244321}">
+                <p14:modId xmlns:p14="http://schemas.microsoft.com/office/powerpoint/2010/main" val="3771167201"/>
+              </p:ext>
+            </p:extLst>
+          </p:nvPr>
+        </p:nvGraphicFramePr>
+        <p:xfrm>
+          <a:off x="7449312" y="4252468"/>
+          <a:ext cx="935736" cy="741680"/>
+        </p:xfrm>
+        <a:graphic>
+          <a:graphicData uri="http://schemas.openxmlformats.org/drawingml/2006/table">
+            <a:tbl>
+              <a:tblPr firstRow="1" bandRow="1">
+                <a:tableStyleId>{5940675A-B579-460E-94D1-54222C63F5DA}</a:tableStyleId>
+              </a:tblPr>
+              <a:tblGrid>
+                <a:gridCol w="935736"/>
+              </a:tblGrid>
+              <a:tr h="370840">
+                <a:tc>
+                  <a:txBody>
+                    <a:bodyPr/>
+                    <a:lstStyle/>
+                    <a:p>
+                      <a:pPr algn="ctr" latinLnBrk="1"/>
+                      <a:r>
+                        <a:rPr lang="en-US" altLang="ko-KR" sz="1400" b="1" dirty="0" err="1" smtClean="0">
+                          <a:latin typeface="나눔바른고딕" panose="020B0603020101020101" pitchFamily="50" charset="-127"/>
+                          <a:ea typeface="나눔바른고딕" panose="020B0603020101020101" pitchFamily="50" charset="-127"/>
+                        </a:rPr>
+                        <a:t>Todo</a:t>
+                      </a:r>
+                      <a:endParaRPr lang="ko-KR" altLang="en-US" sz="1400" b="1" dirty="0">
+                        <a:latin typeface="나눔바른고딕" panose="020B0603020101020101" pitchFamily="50" charset="-127"/>
+                        <a:ea typeface="나눔바른고딕" panose="020B0603020101020101" pitchFamily="50" charset="-127"/>
+                      </a:endParaRPr>
+                    </a:p>
+                  </a:txBody>
+                  <a:tcPr anchor="ctr">
+                    <a:solidFill>
+                      <a:srgbClr val="93D3FF"/>
+                    </a:solidFill>
+                  </a:tcPr>
+                </a:tc>
+              </a:tr>
+              <a:tr h="370840">
+                <a:tc>
+                  <a:txBody>
+                    <a:bodyPr/>
+                    <a:lstStyle/>
+                    <a:p>
+                      <a:pPr algn="ctr" latinLnBrk="1"/>
+                      <a:endParaRPr lang="ko-KR" altLang="en-US" dirty="0">
+                        <a:latin typeface="나눔바른고딕" panose="020B0603020101020101" pitchFamily="50" charset="-127"/>
+                        <a:ea typeface="나눔바른고딕" panose="020B0603020101020101" pitchFamily="50" charset="-127"/>
+                      </a:endParaRPr>
+                    </a:p>
+                  </a:txBody>
+                  <a:tcPr/>
+                </a:tc>
+              </a:tr>
+            </a:tbl>
+          </a:graphicData>
+        </a:graphic>
+      </p:graphicFrame>
+      <p:graphicFrame>
+        <p:nvGraphicFramePr>
+          <p:cNvPr id="15" name="표 14"/>
+          <p:cNvGraphicFramePr>
+            <a:graphicFrameLocks noGrp="1"/>
+          </p:cNvGraphicFramePr>
+          <p:nvPr>
+            <p:extLst>
+              <p:ext uri="{D42A27DB-BD31-4B8C-83A1-F6EECF244321}">
+                <p14:modId xmlns:p14="http://schemas.microsoft.com/office/powerpoint/2010/main" val="3469893020"/>
+              </p:ext>
+            </p:extLst>
+          </p:nvPr>
+        </p:nvGraphicFramePr>
+        <p:xfrm>
+          <a:off x="3794760" y="1648011"/>
+          <a:ext cx="1554480" cy="889000"/>
+        </p:xfrm>
+        <a:graphic>
+          <a:graphicData uri="http://schemas.openxmlformats.org/drawingml/2006/table">
+            <a:tbl>
+              <a:tblPr firstRow="1" bandRow="1">
+                <a:tableStyleId>{5940675A-B579-460E-94D1-54222C63F5DA}</a:tableStyleId>
+              </a:tblPr>
+              <a:tblGrid>
+                <a:gridCol w="1554480"/>
+              </a:tblGrid>
+              <a:tr h="370840">
+                <a:tc>
+                  <a:txBody>
+                    <a:bodyPr/>
+                    <a:lstStyle/>
+                    <a:p>
+                      <a:pPr algn="ctr" latinLnBrk="1"/>
+                      <a:r>
+                        <a:rPr lang="en-US" altLang="ko-KR" sz="1400" b="1" dirty="0" smtClean="0">
+                          <a:latin typeface="나눔바른고딕" panose="020B0603020101020101" pitchFamily="50" charset="-127"/>
+                          <a:ea typeface="나눔바른고딕" panose="020B0603020101020101" pitchFamily="50" charset="-127"/>
+                        </a:rPr>
+                        <a:t>Course Manage</a:t>
+                      </a:r>
+                    </a:p>
+                    <a:p>
+                      <a:pPr algn="ctr" latinLnBrk="1"/>
+                      <a:r>
+                        <a:rPr lang="en-US" altLang="ko-KR" sz="1400" b="1" dirty="0" smtClean="0">
+                          <a:latin typeface="나눔바른고딕" panose="020B0603020101020101" pitchFamily="50" charset="-127"/>
+                          <a:ea typeface="나눔바른고딕" panose="020B0603020101020101" pitchFamily="50" charset="-127"/>
+                        </a:rPr>
+                        <a:t>System</a:t>
+                      </a:r>
+                      <a:endParaRPr lang="ko-KR" altLang="en-US" sz="1400" b="1" dirty="0">
+                        <a:latin typeface="나눔바른고딕" panose="020B0603020101020101" pitchFamily="50" charset="-127"/>
+                        <a:ea typeface="나눔바른고딕" panose="020B0603020101020101" pitchFamily="50" charset="-127"/>
+                      </a:endParaRPr>
+                    </a:p>
+                  </a:txBody>
+                  <a:tcPr anchor="ctr">
+                    <a:solidFill>
+                      <a:srgbClr val="FDFFD5"/>
+                    </a:solidFill>
+                  </a:tcPr>
+                </a:tc>
+              </a:tr>
+              <a:tr h="370840">
+                <a:tc>
+                  <a:txBody>
+                    <a:bodyPr/>
+                    <a:lstStyle/>
+                    <a:p>
+                      <a:pPr algn="ctr" latinLnBrk="1"/>
+                      <a:endParaRPr lang="ko-KR" altLang="en-US" dirty="0">
+                        <a:latin typeface="나눔바른고딕" panose="020B0603020101020101" pitchFamily="50" charset="-127"/>
+                        <a:ea typeface="나눔바른고딕" panose="020B0603020101020101" pitchFamily="50" charset="-127"/>
+                      </a:endParaRPr>
+                    </a:p>
+                  </a:txBody>
+                  <a:tcPr/>
+                </a:tc>
+              </a:tr>
+            </a:tbl>
+          </a:graphicData>
+        </a:graphic>
+      </p:graphicFrame>
+      <p:graphicFrame>
+        <p:nvGraphicFramePr>
+          <p:cNvPr id="16" name="표 15"/>
+          <p:cNvGraphicFramePr>
+            <a:graphicFrameLocks noGrp="1"/>
+          </p:cNvGraphicFramePr>
+          <p:nvPr>
+            <p:extLst>
+              <p:ext uri="{D42A27DB-BD31-4B8C-83A1-F6EECF244321}">
+                <p14:modId xmlns:p14="http://schemas.microsoft.com/office/powerpoint/2010/main" val="3315816291"/>
+              </p:ext>
+            </p:extLst>
+          </p:nvPr>
+        </p:nvGraphicFramePr>
+        <p:xfrm>
+          <a:off x="3803725" y="4007224"/>
+          <a:ext cx="1554480" cy="986924"/>
+        </p:xfrm>
+        <a:graphic>
+          <a:graphicData uri="http://schemas.openxmlformats.org/drawingml/2006/table">
+            <a:tbl>
+              <a:tblPr firstRow="1" bandRow="1">
+                <a:tableStyleId>{5940675A-B579-460E-94D1-54222C63F5DA}</a:tableStyleId>
+              </a:tblPr>
+              <a:tblGrid>
+                <a:gridCol w="1554480"/>
+              </a:tblGrid>
+              <a:tr h="575236">
+                <a:tc>
+                  <a:txBody>
+                    <a:bodyPr/>
+                    <a:lstStyle/>
+                    <a:p>
+                      <a:pPr algn="ctr" latinLnBrk="1"/>
+                      <a:r>
+                        <a:rPr lang="en-US" altLang="ko-KR" sz="1400" b="1" dirty="0" err="1" smtClean="0">
+                          <a:latin typeface="나눔바른고딕" panose="020B0603020101020101" pitchFamily="50" charset="-127"/>
+                          <a:ea typeface="나눔바른고딕" panose="020B0603020101020101" pitchFamily="50" charset="-127"/>
+                        </a:rPr>
+                        <a:t>Todo</a:t>
+                      </a:r>
+                      <a:r>
+                        <a:rPr lang="en-US" altLang="ko-KR" sz="1400" b="1" dirty="0" smtClean="0">
+                          <a:latin typeface="나눔바른고딕" panose="020B0603020101020101" pitchFamily="50" charset="-127"/>
+                          <a:ea typeface="나눔바른고딕" panose="020B0603020101020101" pitchFamily="50" charset="-127"/>
+                        </a:rPr>
+                        <a:t> Manage</a:t>
+                      </a:r>
+                    </a:p>
+                    <a:p>
+                      <a:pPr algn="ctr" latinLnBrk="1"/>
+                      <a:r>
+                        <a:rPr lang="en-US" altLang="ko-KR" sz="1400" b="1" dirty="0" smtClean="0">
+                          <a:latin typeface="나눔바른고딕" panose="020B0603020101020101" pitchFamily="50" charset="-127"/>
+                          <a:ea typeface="나눔바른고딕" panose="020B0603020101020101" pitchFamily="50" charset="-127"/>
+                        </a:rPr>
+                        <a:t>System</a:t>
+                      </a:r>
+                      <a:endParaRPr lang="ko-KR" altLang="en-US" sz="1400" b="1" dirty="0">
+                        <a:latin typeface="나눔바른고딕" panose="020B0603020101020101" pitchFamily="50" charset="-127"/>
+                        <a:ea typeface="나눔바른고딕" panose="020B0603020101020101" pitchFamily="50" charset="-127"/>
+                      </a:endParaRPr>
+                    </a:p>
+                  </a:txBody>
+                  <a:tcPr anchor="ctr">
+                    <a:solidFill>
+                      <a:srgbClr val="FDFFD5"/>
+                    </a:solidFill>
+                  </a:tcPr>
+                </a:tc>
+              </a:tr>
+              <a:tr h="411688">
+                <a:tc>
+                  <a:txBody>
+                    <a:bodyPr/>
+                    <a:lstStyle/>
+                    <a:p>
+                      <a:pPr algn="ctr" latinLnBrk="1"/>
+                      <a:endParaRPr lang="ko-KR" altLang="en-US" dirty="0">
+                        <a:latin typeface="나눔바른고딕" panose="020B0603020101020101" pitchFamily="50" charset="-127"/>
+                        <a:ea typeface="나눔바른고딕" panose="020B0603020101020101" pitchFamily="50" charset="-127"/>
+                      </a:endParaRPr>
+                    </a:p>
+                  </a:txBody>
+                  <a:tcPr/>
+                </a:tc>
+              </a:tr>
+            </a:tbl>
+          </a:graphicData>
+        </a:graphic>
+      </p:graphicFrame>
+      <p:graphicFrame>
+        <p:nvGraphicFramePr>
+          <p:cNvPr id="17" name="표 16"/>
+          <p:cNvGraphicFramePr>
+            <a:graphicFrameLocks noGrp="1"/>
+          </p:cNvGraphicFramePr>
+          <p:nvPr>
+            <p:extLst>
+              <p:ext uri="{D42A27DB-BD31-4B8C-83A1-F6EECF244321}">
+                <p14:modId xmlns:p14="http://schemas.microsoft.com/office/powerpoint/2010/main" val="515183221"/>
+              </p:ext>
+            </p:extLst>
+          </p:nvPr>
+        </p:nvGraphicFramePr>
+        <p:xfrm>
+          <a:off x="3794760" y="5221762"/>
+          <a:ext cx="1554480" cy="889000"/>
+        </p:xfrm>
+        <a:graphic>
+          <a:graphicData uri="http://schemas.openxmlformats.org/drawingml/2006/table">
+            <a:tbl>
+              <a:tblPr firstRow="1" bandRow="1">
+                <a:tableStyleId>{5940675A-B579-460E-94D1-54222C63F5DA}</a:tableStyleId>
+              </a:tblPr>
+              <a:tblGrid>
+                <a:gridCol w="1554480"/>
+              </a:tblGrid>
+              <a:tr h="370840">
+                <a:tc>
+                  <a:txBody>
+                    <a:bodyPr/>
+                    <a:lstStyle/>
+                    <a:p>
+                      <a:pPr algn="ctr" latinLnBrk="1"/>
+                      <a:r>
+                        <a:rPr lang="en-US" altLang="ko-KR" sz="1400" b="1" dirty="0" smtClean="0">
+                          <a:latin typeface="나눔바른고딕" panose="020B0603020101020101" pitchFamily="50" charset="-127"/>
+                          <a:ea typeface="나눔바른고딕" panose="020B0603020101020101" pitchFamily="50" charset="-127"/>
+                        </a:rPr>
+                        <a:t>Show </a:t>
+                      </a:r>
+                      <a:r>
+                        <a:rPr lang="en-US" altLang="ko-KR" sz="1400" b="1" dirty="0" err="1" smtClean="0">
+                          <a:latin typeface="나눔바른고딕" panose="020B0603020101020101" pitchFamily="50" charset="-127"/>
+                          <a:ea typeface="나눔바른고딕" panose="020B0603020101020101" pitchFamily="50" charset="-127"/>
+                        </a:rPr>
+                        <a:t>Todo</a:t>
+                      </a:r>
+                      <a:r>
+                        <a:rPr lang="en-US" altLang="ko-KR" sz="1400" b="1" dirty="0" smtClean="0">
+                          <a:latin typeface="나눔바른고딕" panose="020B0603020101020101" pitchFamily="50" charset="-127"/>
+                          <a:ea typeface="나눔바른고딕" panose="020B0603020101020101" pitchFamily="50" charset="-127"/>
+                        </a:rPr>
+                        <a:t> System</a:t>
+                      </a:r>
+                      <a:endParaRPr lang="ko-KR" altLang="en-US" sz="1400" b="1" dirty="0">
+                        <a:latin typeface="나눔바른고딕" panose="020B0603020101020101" pitchFamily="50" charset="-127"/>
+                        <a:ea typeface="나눔바른고딕" panose="020B0603020101020101" pitchFamily="50" charset="-127"/>
+                      </a:endParaRPr>
+                    </a:p>
+                  </a:txBody>
+                  <a:tcPr anchor="ctr">
+                    <a:solidFill>
+                      <a:srgbClr val="FDFFD5"/>
+                    </a:solidFill>
+                  </a:tcPr>
+                </a:tc>
+              </a:tr>
+              <a:tr h="370840">
+                <a:tc>
+                  <a:txBody>
+                    <a:bodyPr/>
+                    <a:lstStyle/>
+                    <a:p>
+                      <a:pPr algn="ctr" latinLnBrk="1"/>
+                      <a:endParaRPr lang="ko-KR" altLang="en-US" dirty="0">
+                        <a:latin typeface="나눔바른고딕" panose="020B0603020101020101" pitchFamily="50" charset="-127"/>
+                        <a:ea typeface="나눔바른고딕" panose="020B0603020101020101" pitchFamily="50" charset="-127"/>
+                      </a:endParaRPr>
+                    </a:p>
+                  </a:txBody>
+                  <a:tcPr/>
+                </a:tc>
+              </a:tr>
+            </a:tbl>
+          </a:graphicData>
+        </a:graphic>
+      </p:graphicFrame>
+      <p:graphicFrame>
+        <p:nvGraphicFramePr>
+          <p:cNvPr id="18" name="표 17"/>
+          <p:cNvGraphicFramePr>
+            <a:graphicFrameLocks noGrp="1"/>
+          </p:cNvGraphicFramePr>
+          <p:nvPr>
+            <p:extLst>
+              <p:ext uri="{D42A27DB-BD31-4B8C-83A1-F6EECF244321}">
+                <p14:modId xmlns:p14="http://schemas.microsoft.com/office/powerpoint/2010/main" val="2950969535"/>
+              </p:ext>
+            </p:extLst>
+          </p:nvPr>
+        </p:nvGraphicFramePr>
+        <p:xfrm>
+          <a:off x="3803725" y="2799737"/>
+          <a:ext cx="1554480" cy="889000"/>
+        </p:xfrm>
+        <a:graphic>
+          <a:graphicData uri="http://schemas.openxmlformats.org/drawingml/2006/table">
+            <a:tbl>
+              <a:tblPr firstRow="1" bandRow="1">
+                <a:tableStyleId>{5940675A-B579-460E-94D1-54222C63F5DA}</a:tableStyleId>
+              </a:tblPr>
+              <a:tblGrid>
+                <a:gridCol w="1554480"/>
+              </a:tblGrid>
+              <a:tr h="370840">
+                <a:tc>
+                  <a:txBody>
+                    <a:bodyPr/>
+                    <a:lstStyle/>
+                    <a:p>
+                      <a:pPr algn="ctr" latinLnBrk="1"/>
+                      <a:r>
+                        <a:rPr lang="en-US" altLang="ko-KR" sz="1400" b="1" dirty="0" smtClean="0">
+                          <a:latin typeface="나눔바른고딕" panose="020B0603020101020101" pitchFamily="50" charset="-127"/>
+                          <a:ea typeface="나눔바른고딕" panose="020B0603020101020101" pitchFamily="50" charset="-127"/>
+                        </a:rPr>
+                        <a:t>Show Course System</a:t>
+                      </a:r>
+                      <a:endParaRPr lang="ko-KR" altLang="en-US" sz="1400" b="1" dirty="0">
+                        <a:latin typeface="나눔바른고딕" panose="020B0603020101020101" pitchFamily="50" charset="-127"/>
+                        <a:ea typeface="나눔바른고딕" panose="020B0603020101020101" pitchFamily="50" charset="-127"/>
+                      </a:endParaRPr>
+                    </a:p>
+                  </a:txBody>
+                  <a:tcPr anchor="ctr">
+                    <a:solidFill>
+                      <a:srgbClr val="FDFFD5"/>
+                    </a:solidFill>
+                  </a:tcPr>
+                </a:tc>
+              </a:tr>
+              <a:tr h="370840">
+                <a:tc>
+                  <a:txBody>
+                    <a:bodyPr/>
+                    <a:lstStyle/>
+                    <a:p>
+                      <a:pPr algn="ctr" latinLnBrk="1"/>
+                      <a:endParaRPr lang="ko-KR" altLang="en-US" dirty="0">
+                        <a:latin typeface="나눔바른고딕" panose="020B0603020101020101" pitchFamily="50" charset="-127"/>
+                        <a:ea typeface="나눔바른고딕" panose="020B0603020101020101" pitchFamily="50" charset="-127"/>
+                      </a:endParaRPr>
+                    </a:p>
+                  </a:txBody>
+                  <a:tcPr/>
+                </a:tc>
+              </a:tr>
+            </a:tbl>
+          </a:graphicData>
+        </a:graphic>
+      </p:graphicFrame>
+      <p:cxnSp>
+        <p:nvCxnSpPr>
+          <p:cNvPr id="20" name="직선 연결선 19"/>
+          <p:cNvCxnSpPr>
+            <a:endCxn id="9" idx="1"/>
+          </p:cNvCxnSpPr>
+          <p:nvPr/>
+        </p:nvCxnSpPr>
+        <p:spPr bwMode="auto">
+          <a:xfrm>
+            <a:off x="1682496" y="923365"/>
+            <a:ext cx="2112264" cy="3227"/>
+          </a:xfrm>
+          <a:prstGeom prst="line">
+            <a:avLst/>
+          </a:prstGeom>
+          <a:solidFill>
+            <a:schemeClr val="accent1"/>
+          </a:solidFill>
+          <a:ln w="12700" cap="flat" cmpd="sng" algn="ctr">
+            <a:solidFill>
+              <a:schemeClr val="tx1"/>
+            </a:solidFill>
+            <a:prstDash val="solid"/>
+            <a:round/>
+            <a:headEnd type="none" w="med" len="med"/>
+            <a:tailEnd type="none" w="med" len="med"/>
+          </a:ln>
+          <a:effectLst/>
+        </p:spPr>
+      </p:cxnSp>
+      <p:cxnSp>
+        <p:nvCxnSpPr>
+          <p:cNvPr id="22" name="직선 연결선 21"/>
+          <p:cNvCxnSpPr>
+            <a:endCxn id="15" idx="1"/>
+          </p:cNvCxnSpPr>
+          <p:nvPr/>
+        </p:nvCxnSpPr>
+        <p:spPr bwMode="auto">
+          <a:xfrm flipV="1">
+            <a:off x="1682496" y="2092511"/>
+            <a:ext cx="2112264" cy="1448548"/>
+          </a:xfrm>
+          <a:prstGeom prst="line">
+            <a:avLst/>
+          </a:prstGeom>
+          <a:solidFill>
+            <a:schemeClr val="accent1"/>
+          </a:solidFill>
+          <a:ln w="12700" cap="flat" cmpd="sng" algn="ctr">
+            <a:solidFill>
+              <a:schemeClr val="tx1"/>
+            </a:solidFill>
+            <a:prstDash val="solid"/>
+            <a:round/>
+            <a:headEnd type="none" w="med" len="med"/>
+            <a:tailEnd type="none" w="med" len="med"/>
+          </a:ln>
+          <a:effectLst/>
+        </p:spPr>
+      </p:cxnSp>
+      <p:cxnSp>
+        <p:nvCxnSpPr>
+          <p:cNvPr id="24" name="직선 연결선 23"/>
+          <p:cNvCxnSpPr>
+            <a:endCxn id="18" idx="1"/>
+          </p:cNvCxnSpPr>
+          <p:nvPr/>
+        </p:nvCxnSpPr>
+        <p:spPr bwMode="auto">
+          <a:xfrm flipV="1">
+            <a:off x="1682496" y="3244237"/>
+            <a:ext cx="2121229" cy="296822"/>
+          </a:xfrm>
+          <a:prstGeom prst="line">
+            <a:avLst/>
+          </a:prstGeom>
+          <a:solidFill>
+            <a:schemeClr val="accent1"/>
+          </a:solidFill>
+          <a:ln w="12700" cap="flat" cmpd="sng" algn="ctr">
+            <a:solidFill>
+              <a:schemeClr val="tx1"/>
+            </a:solidFill>
+            <a:prstDash val="solid"/>
+            <a:round/>
+            <a:headEnd type="none" w="med" len="med"/>
+            <a:tailEnd type="none" w="med" len="med"/>
+          </a:ln>
+          <a:effectLst/>
+        </p:spPr>
+      </p:cxnSp>
+      <p:cxnSp>
+        <p:nvCxnSpPr>
+          <p:cNvPr id="26" name="직선 연결선 25"/>
+          <p:cNvCxnSpPr>
+            <a:endCxn id="16" idx="1"/>
+          </p:cNvCxnSpPr>
+          <p:nvPr/>
+        </p:nvCxnSpPr>
+        <p:spPr bwMode="auto">
+          <a:xfrm>
+            <a:off x="1682496" y="3541059"/>
+            <a:ext cx="2121229" cy="959627"/>
+          </a:xfrm>
+          <a:prstGeom prst="line">
+            <a:avLst/>
+          </a:prstGeom>
+          <a:solidFill>
+            <a:schemeClr val="accent1"/>
+          </a:solidFill>
+          <a:ln w="12700" cap="flat" cmpd="sng" algn="ctr">
+            <a:solidFill>
+              <a:schemeClr val="tx1"/>
+            </a:solidFill>
+            <a:prstDash val="solid"/>
+            <a:round/>
+            <a:headEnd type="none" w="med" len="med"/>
+            <a:tailEnd type="none" w="med" len="med"/>
+          </a:ln>
+          <a:effectLst/>
+        </p:spPr>
+      </p:cxnSp>
+      <p:cxnSp>
+        <p:nvCxnSpPr>
+          <p:cNvPr id="28" name="직선 연결선 27"/>
+          <p:cNvCxnSpPr>
+            <a:endCxn id="17" idx="1"/>
+          </p:cNvCxnSpPr>
+          <p:nvPr/>
+        </p:nvCxnSpPr>
+        <p:spPr bwMode="auto">
+          <a:xfrm>
+            <a:off x="1682496" y="3541059"/>
+            <a:ext cx="2112264" cy="2125203"/>
+          </a:xfrm>
+          <a:prstGeom prst="line">
+            <a:avLst/>
+          </a:prstGeom>
+          <a:solidFill>
+            <a:schemeClr val="accent1"/>
+          </a:solidFill>
+          <a:ln w="12700" cap="flat" cmpd="sng" algn="ctr">
+            <a:solidFill>
+              <a:schemeClr val="tx1"/>
+            </a:solidFill>
+            <a:prstDash val="solid"/>
+            <a:round/>
+            <a:headEnd type="none" w="med" len="med"/>
+            <a:tailEnd type="none" w="med" len="med"/>
+          </a:ln>
+          <a:effectLst/>
+        </p:spPr>
+      </p:cxnSp>
+      <p:cxnSp>
+        <p:nvCxnSpPr>
+          <p:cNvPr id="32" name="직선 화살표 연결선 31"/>
+          <p:cNvCxnSpPr>
+            <a:endCxn id="8" idx="0"/>
+          </p:cNvCxnSpPr>
+          <p:nvPr/>
+        </p:nvCxnSpPr>
+        <p:spPr bwMode="auto">
+          <a:xfrm>
+            <a:off x="1210235" y="1295400"/>
+            <a:ext cx="4393" cy="1937272"/>
+          </a:xfrm>
+          <a:prstGeom prst="straightConnector1">
+            <a:avLst/>
+          </a:prstGeom>
+          <a:solidFill>
+            <a:schemeClr val="accent1"/>
+          </a:solidFill>
+          <a:ln w="12700" cap="flat" cmpd="sng" algn="ctr">
+            <a:solidFill>
+              <a:schemeClr val="tx1"/>
+            </a:solidFill>
+            <a:prstDash val="solid"/>
+            <a:round/>
+            <a:headEnd type="none" w="med" len="med"/>
+            <a:tailEnd type="arrow"/>
+          </a:ln>
+          <a:effectLst/>
+        </p:spPr>
+      </p:cxnSp>
+      <p:cxnSp>
+        <p:nvCxnSpPr>
+          <p:cNvPr id="34" name="직선 화살표 연결선 33"/>
+          <p:cNvCxnSpPr>
+            <a:endCxn id="10" idx="1"/>
+          </p:cNvCxnSpPr>
+          <p:nvPr/>
+        </p:nvCxnSpPr>
+        <p:spPr bwMode="auto">
+          <a:xfrm>
+            <a:off x="5349240" y="923365"/>
+            <a:ext cx="2100072" cy="1195"/>
+          </a:xfrm>
+          <a:prstGeom prst="straightConnector1">
+            <a:avLst/>
+          </a:prstGeom>
+          <a:solidFill>
+            <a:schemeClr val="accent1"/>
+          </a:solidFill>
+          <a:ln w="12700" cap="flat" cmpd="sng" algn="ctr">
+            <a:solidFill>
+              <a:schemeClr val="tx1"/>
+            </a:solidFill>
+            <a:prstDash val="solid"/>
+            <a:round/>
+            <a:headEnd type="none" w="med" len="med"/>
+            <a:tailEnd type="arrow"/>
+          </a:ln>
+          <a:effectLst/>
+        </p:spPr>
+      </p:cxnSp>
+      <p:cxnSp>
+        <p:nvCxnSpPr>
+          <p:cNvPr id="36" name="직선 화살표 연결선 35"/>
+          <p:cNvCxnSpPr>
+            <a:endCxn id="11" idx="1"/>
+          </p:cNvCxnSpPr>
+          <p:nvPr/>
+        </p:nvCxnSpPr>
+        <p:spPr bwMode="auto">
+          <a:xfrm>
+            <a:off x="5349240" y="2092511"/>
+            <a:ext cx="2100072" cy="284929"/>
+          </a:xfrm>
+          <a:prstGeom prst="straightConnector1">
+            <a:avLst/>
+          </a:prstGeom>
+          <a:solidFill>
+            <a:schemeClr val="accent1"/>
+          </a:solidFill>
+          <a:ln w="12700" cap="flat" cmpd="sng" algn="ctr">
+            <a:solidFill>
+              <a:schemeClr val="tx1"/>
+            </a:solidFill>
+            <a:prstDash val="solid"/>
+            <a:round/>
+            <a:headEnd type="none" w="med" len="med"/>
+            <a:tailEnd type="arrow"/>
+          </a:ln>
+          <a:effectLst/>
+        </p:spPr>
+      </p:cxnSp>
+      <p:cxnSp>
+        <p:nvCxnSpPr>
+          <p:cNvPr id="38" name="직선 화살표 연결선 37"/>
+          <p:cNvCxnSpPr>
+            <a:endCxn id="14" idx="1"/>
+          </p:cNvCxnSpPr>
+          <p:nvPr/>
+        </p:nvCxnSpPr>
+        <p:spPr bwMode="auto">
+          <a:xfrm>
+            <a:off x="5349240" y="4500686"/>
+            <a:ext cx="2100072" cy="122622"/>
+          </a:xfrm>
+          <a:prstGeom prst="straightConnector1">
+            <a:avLst/>
+          </a:prstGeom>
+          <a:solidFill>
+            <a:schemeClr val="accent1"/>
+          </a:solidFill>
+          <a:ln w="12700" cap="flat" cmpd="sng" algn="ctr">
+            <a:solidFill>
+              <a:schemeClr val="tx1"/>
+            </a:solidFill>
+            <a:prstDash val="solid"/>
+            <a:round/>
+            <a:headEnd type="none" w="med" len="med"/>
+            <a:tailEnd type="arrow"/>
+          </a:ln>
+          <a:effectLst/>
+        </p:spPr>
+      </p:cxnSp>
+      <p:cxnSp>
+        <p:nvCxnSpPr>
+          <p:cNvPr id="40" name="직선 화살표 연결선 39"/>
+          <p:cNvCxnSpPr>
+            <a:endCxn id="13" idx="1"/>
+          </p:cNvCxnSpPr>
+          <p:nvPr/>
+        </p:nvCxnSpPr>
+        <p:spPr bwMode="auto">
+          <a:xfrm flipV="1">
+            <a:off x="5349240" y="5592602"/>
+            <a:ext cx="1911813" cy="73660"/>
+          </a:xfrm>
+          <a:prstGeom prst="straightConnector1">
+            <a:avLst/>
+          </a:prstGeom>
+          <a:solidFill>
+            <a:schemeClr val="accent1"/>
+          </a:solidFill>
+          <a:ln w="12700" cap="flat" cmpd="sng" algn="ctr">
+            <a:solidFill>
+              <a:schemeClr val="tx1"/>
+            </a:solidFill>
+            <a:prstDash val="solid"/>
+            <a:round/>
+            <a:headEnd type="none" w="med" len="med"/>
+            <a:tailEnd type="arrow"/>
+          </a:ln>
+          <a:effectLst/>
+        </p:spPr>
+      </p:cxnSp>
+      <p:cxnSp>
+        <p:nvCxnSpPr>
+          <p:cNvPr id="42" name="직선 화살표 연결선 41"/>
+          <p:cNvCxnSpPr>
+            <a:endCxn id="12" idx="1"/>
+          </p:cNvCxnSpPr>
+          <p:nvPr/>
+        </p:nvCxnSpPr>
+        <p:spPr bwMode="auto">
+          <a:xfrm>
+            <a:off x="5349240" y="3232672"/>
+            <a:ext cx="1911813" cy="110504"/>
+          </a:xfrm>
+          <a:prstGeom prst="straightConnector1">
+            <a:avLst/>
+          </a:prstGeom>
+          <a:solidFill>
+            <a:schemeClr val="accent1"/>
+          </a:solidFill>
+          <a:ln w="12700" cap="flat" cmpd="sng" algn="ctr">
+            <a:solidFill>
+              <a:schemeClr val="tx1"/>
+            </a:solidFill>
+            <a:prstDash val="solid"/>
+            <a:round/>
+            <a:headEnd type="none" w="med" len="med"/>
+            <a:tailEnd type="arrow"/>
+          </a:ln>
+          <a:effectLst/>
+        </p:spPr>
+      </p:cxnSp>
+      <p:cxnSp>
+        <p:nvCxnSpPr>
+          <p:cNvPr id="46" name="직선 화살표 연결선 45"/>
+          <p:cNvCxnSpPr>
+            <a:endCxn id="12" idx="0"/>
+          </p:cNvCxnSpPr>
+          <p:nvPr/>
+        </p:nvCxnSpPr>
+        <p:spPr bwMode="auto">
+          <a:xfrm flipH="1">
+            <a:off x="7900117" y="2748280"/>
+            <a:ext cx="6754" cy="224056"/>
+          </a:xfrm>
+          <a:prstGeom prst="straightConnector1">
+            <a:avLst/>
+          </a:prstGeom>
+          <a:solidFill>
+            <a:schemeClr val="accent1"/>
+          </a:solidFill>
+          <a:ln w="12700" cap="flat" cmpd="sng" algn="ctr">
+            <a:solidFill>
+              <a:schemeClr val="tx1"/>
+            </a:solidFill>
+            <a:prstDash val="solid"/>
+            <a:round/>
+            <a:headEnd type="none" w="med" len="med"/>
+            <a:tailEnd type="triangle" w="med" len="med"/>
+          </a:ln>
+          <a:effectLst/>
+        </p:spPr>
+      </p:cxnSp>
+      <p:cxnSp>
+        <p:nvCxnSpPr>
+          <p:cNvPr id="48" name="직선 화살표 연결선 47"/>
+          <p:cNvCxnSpPr>
+            <a:endCxn id="13" idx="0"/>
+          </p:cNvCxnSpPr>
+          <p:nvPr/>
+        </p:nvCxnSpPr>
+        <p:spPr bwMode="auto">
+          <a:xfrm flipH="1">
+            <a:off x="7900117" y="4994148"/>
+            <a:ext cx="6754" cy="227614"/>
+          </a:xfrm>
+          <a:prstGeom prst="straightConnector1">
+            <a:avLst/>
+          </a:prstGeom>
+          <a:solidFill>
+            <a:schemeClr val="accent1"/>
+          </a:solidFill>
+          <a:ln w="12700" cap="flat" cmpd="sng" algn="ctr">
+            <a:solidFill>
+              <a:schemeClr val="tx1"/>
+            </a:solidFill>
+            <a:prstDash val="solid"/>
+            <a:round/>
+            <a:headEnd type="none" w="med" len="med"/>
+            <a:tailEnd type="triangle" w="med" len="med"/>
+          </a:ln>
+          <a:effectLst/>
+        </p:spPr>
+      </p:cxnSp>
       <p:sp>
         <p:nvSpPr>
-          <p:cNvPr id="2" name="바닥글 개체 틀 1"/>
+          <p:cNvPr id="50" name="바닥글 개체 틀 3"/>
           <p:cNvSpPr>
             <a:spLocks noGrp="1"/>
           </p:cNvSpPr>
@@ -5737,96 +7781,48 @@
             <p:ph type="ftr" sz="quarter" idx="3"/>
           </p:nvPr>
         </p:nvSpPr>
-        <p:spPr/>
+        <p:spPr>
+          <a:xfrm>
+            <a:off x="6061745" y="6464300"/>
+            <a:ext cx="2798763" cy="300038"/>
+          </a:xfrm>
+        </p:spPr>
         <p:txBody>
           <a:bodyPr/>
           <a:lstStyle/>
           <a:p>
             <a:pPr algn="r"/>
             <a:r>
-              <a:rPr lang="ko-KR" altLang="en-US" dirty="0"/>
-              <a:t>팀 명</a:t>
+              <a:rPr lang="en-US" altLang="ko-KR" sz="1600" b="1" i="0" dirty="0" err="1" smtClean="0">
+                <a:latin typeface="-윤고딕350" panose="02030504000101010101" pitchFamily="18" charset="-127"/>
+                <a:ea typeface="-윤고딕350" panose="02030504000101010101" pitchFamily="18" charset="-127"/>
+              </a:rPr>
+              <a:t>TenoutofTen</a:t>
             </a:r>
-            <a:endParaRPr lang="en-US" altLang="ko-KR" dirty="0"/>
+            <a:endParaRPr lang="en-US" altLang="ko-KR" sz="1600" b="1" i="0" dirty="0">
+              <a:latin typeface="-윤고딕350" panose="02030504000101010101" pitchFamily="18" charset="-127"/>
+              <a:ea typeface="-윤고딕350" panose="02030504000101010101" pitchFamily="18" charset="-127"/>
+            </a:endParaRPr>
           </a:p>
         </p:txBody>
       </p:sp>
-      <p:sp>
-        <p:nvSpPr>
-          <p:cNvPr id="24" name="TextBox 23"/>
-          <p:cNvSpPr txBox="1"/>
-          <p:nvPr/>
-        </p:nvSpPr>
-        <p:spPr>
-          <a:xfrm>
-            <a:off x="914400" y="931659"/>
-            <a:ext cx="752129" cy="307777"/>
-          </a:xfrm>
-          <a:prstGeom prst="rect">
-            <a:avLst/>
-          </a:prstGeom>
-          <a:noFill/>
-        </p:spPr>
-        <p:txBody>
-          <a:bodyPr wrap="none" rtlCol="0">
-            <a:spAutoFit/>
-          </a:bodyPr>
-          <a:lstStyle/>
-          <a:p>
-            <a:r>
-              <a:rPr lang="en-US" altLang="ko-KR" dirty="0"/>
-              <a:t>&lt;</a:t>
-            </a:r>
-            <a:r>
-              <a:rPr lang="ko-KR" altLang="en-US" dirty="0"/>
-              <a:t>예시</a:t>
-            </a:r>
-            <a:r>
-              <a:rPr lang="en-US" altLang="ko-KR" dirty="0"/>
-              <a:t>&gt;</a:t>
-            </a:r>
-            <a:endParaRPr lang="ko-KR" altLang="en-US" dirty="0"/>
-          </a:p>
-        </p:txBody>
-      </p:sp>
-      <p:pic>
-        <p:nvPicPr>
-          <p:cNvPr id="25" name="Picture 3"/>
-          <p:cNvPicPr>
-            <a:picLocks noChangeAspect="1" noChangeArrowheads="1"/>
-          </p:cNvPicPr>
-          <p:nvPr/>
-        </p:nvPicPr>
-        <p:blipFill>
-          <a:blip r:embed="rId2" cstate="print"/>
-          <a:srcRect/>
-          <a:stretch>
-            <a:fillRect/>
-          </a:stretch>
-        </p:blipFill>
-        <p:spPr bwMode="auto">
-          <a:xfrm>
-            <a:off x="1146106" y="1806652"/>
-            <a:ext cx="7058326" cy="1290231"/>
-          </a:xfrm>
-          <a:prstGeom prst="rect">
-            <a:avLst/>
-          </a:prstGeom>
-          <a:noFill/>
-          <a:ln w="9525">
-            <a:noFill/>
-            <a:miter lim="800000"/>
-            <a:headEnd/>
-            <a:tailEnd/>
-          </a:ln>
-          <a:effectLst/>
-        </p:spPr>
-      </p:pic>
     </p:spTree>
+    <p:extLst>
+      <p:ext uri="{BB962C8B-B14F-4D97-AF65-F5344CB8AC3E}">
+        <p14:creationId xmlns:p14="http://schemas.microsoft.com/office/powerpoint/2010/main" val="659211867"/>
+      </p:ext>
+    </p:extLst>
   </p:cSld>
   <p:clrMapOvr>
     <a:masterClrMapping/>
   </p:clrMapOvr>
+  <p:timing>
+    <p:tnLst>
+      <p:par>
+        <p:cTn id="1" dur="indefinite" restart="never" nodeType="tmRoot"/>
+      </p:par>
+    </p:tnLst>
+  </p:timing>
 </p:sld>
 </file>
 
@@ -5881,6 +7877,13 @@
   <p:clrMapOvr>
     <a:masterClrMapping/>
   </p:clrMapOvr>
+  <p:timing>
+    <p:tnLst>
+      <p:par>
+        <p:cTn id="1" dur="indefinite" restart="never" nodeType="tmRoot"/>
+      </p:par>
+    </p:tnLst>
+  </p:timing>
 </p:sld>
 </file>
 
@@ -5929,41 +7932,23 @@
           </a:p>
         </p:txBody>
       </p:sp>
-      <p:sp>
-        <p:nvSpPr>
-          <p:cNvPr id="4" name="바닥글 개체 틀 3"/>
-          <p:cNvSpPr>
-            <a:spLocks noGrp="1"/>
-          </p:cNvSpPr>
-          <p:nvPr>
-            <p:ph type="ftr" sz="quarter" idx="3"/>
-          </p:nvPr>
-        </p:nvSpPr>
-        <p:spPr/>
-        <p:txBody>
-          <a:bodyPr/>
-          <a:lstStyle/>
-          <a:p>
-            <a:pPr algn="r"/>
-            <a:r>
-              <a:rPr lang="ko-KR" altLang="en-US"/>
-              <a:t>팀 명</a:t>
-            </a:r>
-            <a:endParaRPr lang="en-US" altLang="ko-KR" dirty="0"/>
-          </a:p>
-        </p:txBody>
-      </p:sp>
       <p:graphicFrame>
         <p:nvGraphicFramePr>
           <p:cNvPr id="5" name="표 4"/>
           <p:cNvGraphicFramePr>
             <a:graphicFrameLocks noGrp="1"/>
           </p:cNvGraphicFramePr>
-          <p:nvPr/>
+          <p:nvPr>
+            <p:extLst>
+              <p:ext uri="{D42A27DB-BD31-4B8C-83A1-F6EECF244321}">
+                <p14:modId xmlns:p14="http://schemas.microsoft.com/office/powerpoint/2010/main" val="135057108"/>
+              </p:ext>
+            </p:extLst>
+          </p:nvPr>
         </p:nvGraphicFramePr>
         <p:xfrm>
-          <a:off x="352426" y="1228296"/>
-          <a:ext cx="3960268" cy="4967787"/>
+          <a:off x="2488008" y="1228296"/>
+          <a:ext cx="3960268" cy="4967332"/>
         </p:xfrm>
         <a:graphic>
           <a:graphicData uri="http://schemas.openxmlformats.org/drawingml/2006/table">
@@ -5975,12 +7960,12 @@
                 <a:gridCol w="3960268">
                   <a:extLst>
                     <a:ext uri="{9D8B030D-6E8A-4147-A177-3AD203B41FA5}">
-                      <a16:colId xmlns:a16="http://schemas.microsoft.com/office/drawing/2014/main" val="20000"/>
+                      <a16:colId xmlns:a16="http://schemas.microsoft.com/office/drawing/2014/main" xmlns="" val="20000"/>
                     </a:ext>
                   </a:extLst>
                 </a:gridCol>
               </a:tblGrid>
-              <a:tr h="875279">
+              <a:tr h="874824">
                 <a:tc>
                   <a:txBody>
                     <a:bodyPr/>
@@ -5988,17 +7973,23 @@
                     <a:p>
                       <a:pPr algn="l" latinLnBrk="1"/>
                       <a:r>
-                        <a:rPr lang="en-US" altLang="ko-KR" sz="4000" dirty="0"/>
+                        <a:rPr lang="en-US" altLang="ko-KR" sz="4000" dirty="0">
+                          <a:latin typeface="나눔바른고딕" panose="020B0603020101020101" pitchFamily="50" charset="-127"/>
+                          <a:ea typeface="나눔바른고딕" panose="020B0603020101020101" pitchFamily="50" charset="-127"/>
+                        </a:rPr>
                         <a:t>Student</a:t>
                       </a:r>
-                      <a:endParaRPr lang="ko-KR" altLang="en-US" sz="4000" dirty="0"/>
+                      <a:endParaRPr lang="ko-KR" altLang="en-US" sz="4000" dirty="0">
+                        <a:latin typeface="나눔바른고딕" panose="020B0603020101020101" pitchFamily="50" charset="-127"/>
+                        <a:ea typeface="나눔바른고딕" panose="020B0603020101020101" pitchFamily="50" charset="-127"/>
+                      </a:endParaRPr>
                     </a:p>
                   </a:txBody>
-                  <a:tcPr/>
+                  <a:tcPr anchor="ctr"/>
                 </a:tc>
                 <a:extLst>
                   <a:ext uri="{0D108BD9-81ED-4DB2-BD59-A6C34878D82A}">
-                    <a16:rowId xmlns:a16="http://schemas.microsoft.com/office/drawing/2014/main" val="10000"/>
+                    <a16:rowId xmlns:a16="http://schemas.microsoft.com/office/drawing/2014/main" xmlns="" val="10000"/>
                   </a:ext>
                 </a:extLst>
               </a:tr>
@@ -6010,52 +8001,82 @@
                     <a:p>
                       <a:pPr algn="l" latinLnBrk="1"/>
                       <a:r>
-                        <a:rPr lang="en-US" altLang="ko-KR" sz="2500" dirty="0"/>
+                        <a:rPr lang="en-US" altLang="ko-KR" sz="2500" dirty="0">
+                          <a:latin typeface="나눔바른고딕" panose="020B0603020101020101" pitchFamily="50" charset="-127"/>
+                          <a:ea typeface="나눔바른고딕" panose="020B0603020101020101" pitchFamily="50" charset="-127"/>
+                        </a:rPr>
                         <a:t>-</a:t>
                       </a:r>
                       <a:r>
-                        <a:rPr lang="en-US" altLang="ko-KR" sz="2500" dirty="0" err="1"/>
+                        <a:rPr lang="en-US" altLang="ko-KR" sz="2500" dirty="0" err="1">
+                          <a:latin typeface="나눔바른고딕" panose="020B0603020101020101" pitchFamily="50" charset="-127"/>
+                          <a:ea typeface="나눔바른고딕" panose="020B0603020101020101" pitchFamily="50" charset="-127"/>
+                        </a:rPr>
                         <a:t>studentNum</a:t>
                       </a:r>
                       <a:r>
-                        <a:rPr lang="en-US" altLang="ko-KR" sz="2500" baseline="0" dirty="0"/>
+                        <a:rPr lang="en-US" altLang="ko-KR" sz="2500" baseline="0" dirty="0">
+                          <a:latin typeface="나눔바른고딕" panose="020B0603020101020101" pitchFamily="50" charset="-127"/>
+                          <a:ea typeface="나눔바른고딕" panose="020B0603020101020101" pitchFamily="50" charset="-127"/>
+                        </a:rPr>
                         <a:t> : </a:t>
                       </a:r>
                       <a:r>
-                        <a:rPr lang="en-US" altLang="ko-KR" sz="2500" baseline="0" dirty="0" err="1"/>
+                        <a:rPr lang="en-US" altLang="ko-KR" sz="2500" baseline="0" dirty="0" err="1">
+                          <a:latin typeface="나눔바른고딕" panose="020B0603020101020101" pitchFamily="50" charset="-127"/>
+                          <a:ea typeface="나눔바른고딕" panose="020B0603020101020101" pitchFamily="50" charset="-127"/>
+                        </a:rPr>
                         <a:t>int</a:t>
                       </a:r>
-                      <a:endParaRPr lang="en-US" altLang="ko-KR" sz="2500" baseline="0" dirty="0"/>
+                      <a:endParaRPr lang="en-US" altLang="ko-KR" sz="2500" baseline="0" dirty="0">
+                        <a:latin typeface="나눔바른고딕" panose="020B0603020101020101" pitchFamily="50" charset="-127"/>
+                        <a:ea typeface="나눔바른고딕" panose="020B0603020101020101" pitchFamily="50" charset="-127"/>
+                      </a:endParaRPr>
                     </a:p>
                     <a:p>
                       <a:pPr latinLnBrk="1"/>
                       <a:r>
-                        <a:rPr lang="en-US" altLang="ko-KR" sz="2500" baseline="0" dirty="0"/>
+                        <a:rPr lang="en-US" altLang="ko-KR" sz="2500" baseline="0" dirty="0">
+                          <a:latin typeface="나눔바른고딕" panose="020B0603020101020101" pitchFamily="50" charset="-127"/>
+                          <a:ea typeface="나눔바른고딕" panose="020B0603020101020101" pitchFamily="50" charset="-127"/>
+                        </a:rPr>
                         <a:t>-</a:t>
                       </a:r>
                       <a:r>
-                        <a:rPr lang="en-US" altLang="ko-KR" sz="2500" baseline="0" dirty="0" err="1"/>
+                        <a:rPr lang="en-US" altLang="ko-KR" sz="2500" baseline="0" dirty="0" err="1">
+                          <a:latin typeface="나눔바른고딕" panose="020B0603020101020101" pitchFamily="50" charset="-127"/>
+                          <a:ea typeface="나눔바른고딕" panose="020B0603020101020101" pitchFamily="50" charset="-127"/>
+                        </a:rPr>
                         <a:t>studentName</a:t>
                       </a:r>
                       <a:r>
-                        <a:rPr lang="en-US" altLang="ko-KR" sz="2500" baseline="0" dirty="0"/>
+                        <a:rPr lang="en-US" altLang="ko-KR" sz="2500" baseline="0" dirty="0">
+                          <a:latin typeface="나눔바른고딕" panose="020B0603020101020101" pitchFamily="50" charset="-127"/>
+                          <a:ea typeface="나눔바른고딕" panose="020B0603020101020101" pitchFamily="50" charset="-127"/>
+                        </a:rPr>
                         <a:t> : String</a:t>
                       </a:r>
                     </a:p>
                     <a:p>
                       <a:pPr latinLnBrk="1"/>
                       <a:r>
-                        <a:rPr lang="en-US" altLang="ko-KR" sz="2500" baseline="0" dirty="0"/>
+                        <a:rPr lang="en-US" altLang="ko-KR" sz="2500" baseline="0" dirty="0">
+                          <a:latin typeface="나눔바른고딕" panose="020B0603020101020101" pitchFamily="50" charset="-127"/>
+                          <a:ea typeface="나눔바른고딕" panose="020B0603020101020101" pitchFamily="50" charset="-127"/>
+                        </a:rPr>
                         <a:t>-password : String</a:t>
                       </a:r>
-                      <a:endParaRPr lang="ko-KR" altLang="en-US" sz="2500" dirty="0"/>
+                      <a:endParaRPr lang="ko-KR" altLang="en-US" sz="2500" dirty="0">
+                        <a:latin typeface="나눔바른고딕" panose="020B0603020101020101" pitchFamily="50" charset="-127"/>
+                        <a:ea typeface="나눔바른고딕" panose="020B0603020101020101" pitchFamily="50" charset="-127"/>
+                      </a:endParaRPr>
                     </a:p>
                   </a:txBody>
-                  <a:tcPr/>
+                  <a:tcPr anchor="ctr"/>
                 </a:tc>
                 <a:extLst>
                   <a:ext uri="{0D108BD9-81ED-4DB2-BD59-A6C34878D82A}">
-                    <a16:rowId xmlns:a16="http://schemas.microsoft.com/office/drawing/2014/main" val="10001"/>
+                    <a16:rowId xmlns:a16="http://schemas.microsoft.com/office/drawing/2014/main" xmlns="" val="10001"/>
                   </a:ext>
                 </a:extLst>
               </a:tr>
@@ -6063,175 +8084,41 @@
           </a:graphicData>
         </a:graphic>
       </p:graphicFrame>
-      <p:graphicFrame>
-        <p:nvGraphicFramePr>
-          <p:cNvPr id="8" name="표 7"/>
-          <p:cNvGraphicFramePr>
-            <a:graphicFrameLocks noGrp="1"/>
-          </p:cNvGraphicFramePr>
-          <p:nvPr/>
-        </p:nvGraphicFramePr>
-        <p:xfrm>
-          <a:off x="4749421" y="1228297"/>
-          <a:ext cx="3930556" cy="4967786"/>
-        </p:xfrm>
-        <a:graphic>
-          <a:graphicData uri="http://schemas.openxmlformats.org/drawingml/2006/table">
-            <a:tbl>
-              <a:tblPr firstRow="1" bandRow="1">
-                <a:tableStyleId>{17292A2E-F333-43FB-9621-5CBBE7FDCDCB}</a:tableStyleId>
-              </a:tblPr>
-              <a:tblGrid>
-                <a:gridCol w="3930556">
-                  <a:extLst>
-                    <a:ext uri="{9D8B030D-6E8A-4147-A177-3AD203B41FA5}">
-                      <a16:colId xmlns:a16="http://schemas.microsoft.com/office/drawing/2014/main" val="20000"/>
-                    </a:ext>
-                  </a:extLst>
-                </a:gridCol>
-              </a:tblGrid>
-              <a:tr h="875279">
-                <a:tc>
-                  <a:txBody>
-                    <a:bodyPr/>
-                    <a:lstStyle/>
-                    <a:p>
-                      <a:pPr algn="l" latinLnBrk="1"/>
-                      <a:r>
-                        <a:rPr lang="en-US" altLang="ko-KR" sz="4000" dirty="0"/>
-                        <a:t>Course</a:t>
-                      </a:r>
-                      <a:endParaRPr lang="ko-KR" altLang="en-US" sz="4000" dirty="0"/>
-                    </a:p>
-                  </a:txBody>
-                  <a:tcPr/>
-                </a:tc>
-                <a:extLst>
-                  <a:ext uri="{0D108BD9-81ED-4DB2-BD59-A6C34878D82A}">
-                    <a16:rowId xmlns:a16="http://schemas.microsoft.com/office/drawing/2014/main" val="10000"/>
-                  </a:ext>
-                </a:extLst>
-              </a:tr>
-              <a:tr h="4092507">
-                <a:tc>
-                  <a:txBody>
-                    <a:bodyPr/>
-                    <a:lstStyle/>
-                    <a:p>
-                      <a:pPr algn="l" latinLnBrk="1"/>
-                      <a:r>
-                        <a:rPr lang="en-US" altLang="ko-KR" sz="2500" dirty="0"/>
-                        <a:t>-</a:t>
-                      </a:r>
-                      <a:r>
-                        <a:rPr lang="en-US" altLang="ko-KR" sz="2500" dirty="0" err="1"/>
-                        <a:t>courseName</a:t>
-                      </a:r>
-                      <a:r>
-                        <a:rPr lang="en-US" altLang="ko-KR" sz="2500" dirty="0"/>
-                        <a:t> : String</a:t>
-                      </a:r>
-                    </a:p>
-                    <a:p>
-                      <a:pPr algn="l" latinLnBrk="1"/>
-                      <a:r>
-                        <a:rPr lang="en-US" altLang="ko-KR" sz="2500" dirty="0"/>
-                        <a:t>-professor : String</a:t>
-                      </a:r>
-                    </a:p>
-                    <a:p>
-                      <a:pPr algn="l" latinLnBrk="1"/>
-                      <a:r>
-                        <a:rPr lang="en-US" altLang="ko-KR" sz="2500" dirty="0"/>
-                        <a:t>-</a:t>
-                      </a:r>
-                      <a:r>
-                        <a:rPr lang="en-US" altLang="ko-KR" sz="2500" dirty="0" err="1"/>
-                        <a:t>courseDay</a:t>
-                      </a:r>
-                      <a:r>
-                        <a:rPr lang="en-US" altLang="ko-KR" sz="2500" dirty="0"/>
-                        <a:t> : </a:t>
-                      </a:r>
-                      <a:r>
-                        <a:rPr lang="en-US" altLang="ko-KR" sz="2500" dirty="0" err="1"/>
-                        <a:t>int</a:t>
-                      </a:r>
-                      <a:endParaRPr lang="en-US" altLang="ko-KR" sz="2500" dirty="0"/>
-                    </a:p>
-                    <a:p>
-                      <a:pPr algn="l" latinLnBrk="1"/>
-                      <a:r>
-                        <a:rPr lang="en-US" altLang="ko-KR" sz="2500" dirty="0"/>
-                        <a:t>-</a:t>
-                      </a:r>
-                      <a:r>
-                        <a:rPr lang="en-US" altLang="ko-KR" sz="2500" dirty="0" err="1"/>
-                        <a:t>courseTime</a:t>
-                      </a:r>
-                      <a:r>
-                        <a:rPr lang="en-US" altLang="ko-KR" sz="2500" dirty="0"/>
-                        <a:t> : </a:t>
-                      </a:r>
-                      <a:r>
-                        <a:rPr lang="en-US" altLang="ko-KR" sz="2500" dirty="0" err="1"/>
-                        <a:t>int</a:t>
-                      </a:r>
-                      <a:endParaRPr lang="en-US" altLang="ko-KR" sz="2500" dirty="0"/>
-                    </a:p>
-                    <a:p>
-                      <a:pPr algn="l" latinLnBrk="1"/>
-                      <a:r>
-                        <a:rPr lang="en-US" altLang="ko-KR" sz="2500" dirty="0"/>
-                        <a:t>-</a:t>
-                      </a:r>
-                      <a:r>
-                        <a:rPr lang="en-US" altLang="ko-KR" sz="2500" dirty="0" err="1"/>
-                        <a:t>courseYear</a:t>
-                      </a:r>
-                      <a:r>
-                        <a:rPr lang="en-US" altLang="ko-KR" sz="2500" dirty="0"/>
-                        <a:t> : </a:t>
-                      </a:r>
-                      <a:r>
-                        <a:rPr lang="en-US" altLang="ko-KR" sz="2500" dirty="0" err="1"/>
-                        <a:t>int</a:t>
-                      </a:r>
-                      <a:endParaRPr lang="en-US" altLang="ko-KR" sz="2500" dirty="0"/>
-                    </a:p>
-                    <a:p>
-                      <a:pPr algn="l" latinLnBrk="1"/>
-                      <a:r>
-                        <a:rPr lang="en-US" altLang="ko-KR" sz="2500" dirty="0"/>
-                        <a:t>-</a:t>
-                      </a:r>
-                      <a:r>
-                        <a:rPr lang="en-US" altLang="ko-KR" sz="2500" dirty="0" err="1"/>
-                        <a:t>courseSemester</a:t>
-                      </a:r>
-                      <a:r>
-                        <a:rPr lang="en-US" altLang="ko-KR" sz="2500" dirty="0"/>
-                        <a:t> : </a:t>
-                      </a:r>
-                      <a:r>
-                        <a:rPr lang="en-US" altLang="ko-KR" sz="2500" dirty="0" err="1"/>
-                        <a:t>int</a:t>
-                      </a:r>
-                      <a:endParaRPr lang="ko-KR" altLang="en-US" sz="2500" dirty="0"/>
-                    </a:p>
-                  </a:txBody>
-                  <a:tcPr/>
-                </a:tc>
-                <a:extLst>
-                  <a:ext uri="{0D108BD9-81ED-4DB2-BD59-A6C34878D82A}">
-                    <a16:rowId xmlns:a16="http://schemas.microsoft.com/office/drawing/2014/main" val="10001"/>
-                  </a:ext>
-                </a:extLst>
-              </a:tr>
-            </a:tbl>
-          </a:graphicData>
-        </a:graphic>
-      </p:graphicFrame>
+      <p:sp>
+        <p:nvSpPr>
+          <p:cNvPr id="6" name="바닥글 개체 틀 3"/>
+          <p:cNvSpPr>
+            <a:spLocks noGrp="1"/>
+          </p:cNvSpPr>
+          <p:nvPr>
+            <p:ph type="ftr" sz="quarter" idx="3"/>
+          </p:nvPr>
+        </p:nvSpPr>
+        <p:spPr>
+          <a:xfrm>
+            <a:off x="6061745" y="6464300"/>
+            <a:ext cx="2798763" cy="300038"/>
+          </a:xfrm>
+        </p:spPr>
+        <p:txBody>
+          <a:bodyPr/>
+          <a:lstStyle/>
+          <a:p>
+            <a:pPr algn="r"/>
+            <a:r>
+              <a:rPr lang="en-US" altLang="ko-KR" sz="1600" b="1" i="0" dirty="0" err="1" smtClean="0">
+                <a:latin typeface="-윤고딕350" panose="02030504000101010101" pitchFamily="18" charset="-127"/>
+                <a:ea typeface="-윤고딕350" panose="02030504000101010101" pitchFamily="18" charset="-127"/>
+              </a:rPr>
+              <a:t>TenoutofTen</a:t>
+            </a:r>
+            <a:endParaRPr lang="en-US" altLang="ko-KR" sz="1600" b="1" i="0" dirty="0">
+              <a:latin typeface="-윤고딕350" panose="02030504000101010101" pitchFamily="18" charset="-127"/>
+              <a:ea typeface="-윤고딕350" panose="02030504000101010101" pitchFamily="18" charset="-127"/>
+            </a:endParaRPr>
+          </a:p>
+        </p:txBody>
+      </p:sp>
     </p:spTree>
     <p:extLst>
       <p:ext uri="{BB962C8B-B14F-4D97-AF65-F5344CB8AC3E}">
@@ -6242,6 +8129,13 @@
   <p:clrMapOvr>
     <a:masterClrMapping/>
   </p:clrMapOvr>
+  <p:timing>
+    <p:tnLst>
+      <p:par>
+        <p:cTn id="1" dur="indefinite" restart="never" nodeType="tmRoot"/>
+      </p:par>
+    </p:tnLst>
+  </p:timing>
 </p:sld>
 </file>
 
@@ -6262,40 +8156,22 @@
           <a:chExt cx="0" cy="0"/>
         </a:xfrm>
       </p:grpSpPr>
-      <p:sp>
-        <p:nvSpPr>
-          <p:cNvPr id="4" name="바닥글 개체 틀 3"/>
-          <p:cNvSpPr>
-            <a:spLocks noGrp="1"/>
-          </p:cNvSpPr>
-          <p:nvPr>
-            <p:ph type="ftr" sz="quarter" idx="3"/>
-          </p:nvPr>
-        </p:nvSpPr>
-        <p:spPr/>
-        <p:txBody>
-          <a:bodyPr/>
-          <a:lstStyle/>
-          <a:p>
-            <a:pPr algn="r"/>
-            <a:r>
-              <a:rPr lang="ko-KR" altLang="en-US"/>
-              <a:t>팀 명</a:t>
-            </a:r>
-            <a:endParaRPr lang="en-US" altLang="ko-KR" dirty="0"/>
-          </a:p>
-        </p:txBody>
-      </p:sp>
       <p:graphicFrame>
         <p:nvGraphicFramePr>
           <p:cNvPr id="5" name="표 4"/>
           <p:cNvGraphicFramePr>
             <a:graphicFrameLocks noGrp="1"/>
           </p:cNvGraphicFramePr>
-          <p:nvPr/>
+          <p:nvPr>
+            <p:extLst>
+              <p:ext uri="{D42A27DB-BD31-4B8C-83A1-F6EECF244321}">
+                <p14:modId xmlns:p14="http://schemas.microsoft.com/office/powerpoint/2010/main" val="2694418134"/>
+              </p:ext>
+            </p:extLst>
+          </p:nvPr>
         </p:nvGraphicFramePr>
         <p:xfrm>
-          <a:off x="352426" y="1228296"/>
+          <a:off x="4790512" y="1255585"/>
           <a:ext cx="3960268" cy="4967787"/>
         </p:xfrm>
         <a:graphic>
@@ -6308,7 +8184,7 @@
                 <a:gridCol w="3960268">
                   <a:extLst>
                     <a:ext uri="{9D8B030D-6E8A-4147-A177-3AD203B41FA5}">
-                      <a16:colId xmlns:a16="http://schemas.microsoft.com/office/drawing/2014/main" val="20000"/>
+                      <a16:colId xmlns:a16="http://schemas.microsoft.com/office/drawing/2014/main" xmlns="" val="20000"/>
                     </a:ext>
                   </a:extLst>
                 </a:gridCol>
@@ -6321,17 +8197,23 @@
                     <a:p>
                       <a:pPr algn="l" latinLnBrk="1"/>
                       <a:r>
-                        <a:rPr lang="en-US" altLang="ko-KR" sz="4000" dirty="0" err="1"/>
+                        <a:rPr lang="en-US" altLang="ko-KR" sz="4000" dirty="0" err="1">
+                          <a:latin typeface="나눔바른고딕" panose="020B0603020101020101" pitchFamily="50" charset="-127"/>
+                          <a:ea typeface="나눔바른고딕" panose="020B0603020101020101" pitchFamily="50" charset="-127"/>
+                        </a:rPr>
                         <a:t>CourseList</a:t>
                       </a:r>
-                      <a:endParaRPr lang="ko-KR" altLang="en-US" sz="4000" dirty="0"/>
+                      <a:endParaRPr lang="ko-KR" altLang="en-US" sz="4000" dirty="0">
+                        <a:latin typeface="나눔바른고딕" panose="020B0603020101020101" pitchFamily="50" charset="-127"/>
+                        <a:ea typeface="나눔바른고딕" panose="020B0603020101020101" pitchFamily="50" charset="-127"/>
+                      </a:endParaRPr>
                     </a:p>
                   </a:txBody>
-                  <a:tcPr/>
+                  <a:tcPr anchor="ctr"/>
                 </a:tc>
                 <a:extLst>
                   <a:ext uri="{0D108BD9-81ED-4DB2-BD59-A6C34878D82A}">
-                    <a16:rowId xmlns:a16="http://schemas.microsoft.com/office/drawing/2014/main" val="10000"/>
+                    <a16:rowId xmlns:a16="http://schemas.microsoft.com/office/drawing/2014/main" xmlns="" val="10000"/>
                   </a:ext>
                 </a:extLst>
               </a:tr>
@@ -6343,153 +8225,30 @@
                     <a:p>
                       <a:pPr algn="l" latinLnBrk="1"/>
                       <a:r>
-                        <a:rPr lang="en-US" altLang="ko-KR" sz="2500" dirty="0" err="1"/>
+                        <a:rPr lang="en-US" altLang="ko-KR" sz="2500" dirty="0" err="1">
+                          <a:latin typeface="나눔바른고딕" panose="020B0603020101020101" pitchFamily="50" charset="-127"/>
+                          <a:ea typeface="나눔바른고딕" panose="020B0603020101020101" pitchFamily="50" charset="-127"/>
+                        </a:rPr>
                         <a:t>courseArray</a:t>
                       </a:r>
                       <a:r>
-                        <a:rPr lang="en-US" altLang="ko-KR" sz="2500" baseline="0" dirty="0"/>
+                        <a:rPr lang="en-US" altLang="ko-KR" sz="2500" baseline="0" dirty="0">
+                          <a:latin typeface="나눔바른고딕" panose="020B0603020101020101" pitchFamily="50" charset="-127"/>
+                          <a:ea typeface="나눔바른고딕" panose="020B0603020101020101" pitchFamily="50" charset="-127"/>
+                        </a:rPr>
                         <a:t> : Course[]</a:t>
                       </a:r>
-                      <a:endParaRPr lang="ko-KR" altLang="en-US" sz="2500" dirty="0"/>
+                      <a:endParaRPr lang="ko-KR" altLang="en-US" sz="2500" dirty="0">
+                        <a:latin typeface="나눔바른고딕" panose="020B0603020101020101" pitchFamily="50" charset="-127"/>
+                        <a:ea typeface="나눔바른고딕" panose="020B0603020101020101" pitchFamily="50" charset="-127"/>
+                      </a:endParaRPr>
                     </a:p>
                   </a:txBody>
-                  <a:tcPr/>
+                  <a:tcPr anchor="ctr"/>
                 </a:tc>
                 <a:extLst>
                   <a:ext uri="{0D108BD9-81ED-4DB2-BD59-A6C34878D82A}">
-                    <a16:rowId xmlns:a16="http://schemas.microsoft.com/office/drawing/2014/main" val="10001"/>
-                  </a:ext>
-                </a:extLst>
-              </a:tr>
-            </a:tbl>
-          </a:graphicData>
-        </a:graphic>
-      </p:graphicFrame>
-      <p:graphicFrame>
-        <p:nvGraphicFramePr>
-          <p:cNvPr id="8" name="표 7"/>
-          <p:cNvGraphicFramePr>
-            <a:graphicFrameLocks noGrp="1"/>
-          </p:cNvGraphicFramePr>
-          <p:nvPr/>
-        </p:nvGraphicFramePr>
-        <p:xfrm>
-          <a:off x="4749421" y="1228297"/>
-          <a:ext cx="3930556" cy="4967786"/>
-        </p:xfrm>
-        <a:graphic>
-          <a:graphicData uri="http://schemas.openxmlformats.org/drawingml/2006/table">
-            <a:tbl>
-              <a:tblPr firstRow="1" bandRow="1">
-                <a:tableStyleId>{17292A2E-F333-43FB-9621-5CBBE7FDCDCB}</a:tableStyleId>
-              </a:tblPr>
-              <a:tblGrid>
-                <a:gridCol w="3930556">
-                  <a:extLst>
-                    <a:ext uri="{9D8B030D-6E8A-4147-A177-3AD203B41FA5}">
-                      <a16:colId xmlns:a16="http://schemas.microsoft.com/office/drawing/2014/main" val="20000"/>
-                    </a:ext>
-                  </a:extLst>
-                </a:gridCol>
-              </a:tblGrid>
-              <a:tr h="875279">
-                <a:tc>
-                  <a:txBody>
-                    <a:bodyPr/>
-                    <a:lstStyle/>
-                    <a:p>
-                      <a:pPr algn="l" latinLnBrk="1"/>
-                      <a:r>
-                        <a:rPr lang="en-US" altLang="ko-KR" sz="4000" dirty="0" err="1"/>
-                        <a:t>Todo</a:t>
-                      </a:r>
-                      <a:endParaRPr lang="ko-KR" altLang="en-US" sz="4000" dirty="0"/>
-                    </a:p>
-                  </a:txBody>
-                  <a:tcPr/>
-                </a:tc>
-                <a:extLst>
-                  <a:ext uri="{0D108BD9-81ED-4DB2-BD59-A6C34878D82A}">
-                    <a16:rowId xmlns:a16="http://schemas.microsoft.com/office/drawing/2014/main" val="10000"/>
-                  </a:ext>
-                </a:extLst>
-              </a:tr>
-              <a:tr h="4092507">
-                <a:tc>
-                  <a:txBody>
-                    <a:bodyPr/>
-                    <a:lstStyle/>
-                    <a:p>
-                      <a:pPr algn="l" latinLnBrk="1"/>
-                      <a:r>
-                        <a:rPr lang="en-US" altLang="ko-KR" sz="2500" dirty="0"/>
-                        <a:t>task</a:t>
-                      </a:r>
-                      <a:r>
-                        <a:rPr lang="en-US" altLang="ko-KR" sz="2500" baseline="0" dirty="0"/>
-                        <a:t> : String</a:t>
-                      </a:r>
-                    </a:p>
-                    <a:p>
-                      <a:pPr algn="l" latinLnBrk="1"/>
-                      <a:r>
-                        <a:rPr lang="en-US" altLang="ko-KR" sz="2500" baseline="0" dirty="0" err="1"/>
-                        <a:t>endtime</a:t>
-                      </a:r>
-                      <a:r>
-                        <a:rPr lang="en-US" altLang="ko-KR" sz="2500" baseline="0" dirty="0"/>
-                        <a:t> : </a:t>
-                      </a:r>
-                      <a:r>
-                        <a:rPr lang="en-US" altLang="ko-KR" sz="2500" baseline="0" dirty="0" err="1"/>
-                        <a:t>int</a:t>
-                      </a:r>
-                      <a:endParaRPr lang="en-US" altLang="ko-KR" sz="2500" baseline="0" dirty="0"/>
-                    </a:p>
-                    <a:p>
-                      <a:pPr algn="l" latinLnBrk="1"/>
-                      <a:r>
-                        <a:rPr lang="en-US" altLang="ko-KR" sz="2500" baseline="0" dirty="0" err="1"/>
-                        <a:t>readEndTime</a:t>
-                      </a:r>
-                      <a:r>
-                        <a:rPr lang="en-US" altLang="ko-KR" sz="2500" baseline="0" dirty="0"/>
-                        <a:t> : </a:t>
-                      </a:r>
-                      <a:r>
-                        <a:rPr lang="en-US" altLang="ko-KR" sz="2500" baseline="0" dirty="0" err="1"/>
-                        <a:t>int</a:t>
-                      </a:r>
-                      <a:endParaRPr lang="en-US" altLang="ko-KR" sz="2500" baseline="0" dirty="0"/>
-                    </a:p>
-                    <a:p>
-                      <a:pPr algn="l" latinLnBrk="1"/>
-                      <a:r>
-                        <a:rPr lang="en-US" altLang="ko-KR" sz="2500" baseline="0" dirty="0"/>
-                        <a:t>Important : String</a:t>
-                      </a:r>
-                    </a:p>
-                    <a:p>
-                      <a:pPr algn="l" latinLnBrk="1"/>
-                      <a:r>
-                        <a:rPr lang="en-US" altLang="ko-KR" sz="2500" baseline="0" dirty="0"/>
-                        <a:t>complete : String</a:t>
-                      </a:r>
-                    </a:p>
-                    <a:p>
-                      <a:pPr algn="l" latinLnBrk="1"/>
-                      <a:r>
-                        <a:rPr lang="en-US" altLang="ko-KR" sz="2500" baseline="0" dirty="0"/>
-                        <a:t>alarm : String</a:t>
-                      </a:r>
-                      <a:endParaRPr lang="ko-KR" altLang="en-US" sz="2500" dirty="0"/>
-                    </a:p>
-                  </a:txBody>
-                  <a:tcPr/>
-                </a:tc>
-                <a:extLst>
-                  <a:ext uri="{0D108BD9-81ED-4DB2-BD59-A6C34878D82A}">
-                    <a16:rowId xmlns:a16="http://schemas.microsoft.com/office/drawing/2014/main" val="10001"/>
+                    <a16:rowId xmlns:a16="http://schemas.microsoft.com/office/drawing/2014/main" xmlns="" val="10001"/>
                   </a:ext>
                 </a:extLst>
               </a:tr>
@@ -6525,6 +8284,294 @@
           </a:p>
         </p:txBody>
       </p:sp>
+      <p:graphicFrame>
+        <p:nvGraphicFramePr>
+          <p:cNvPr id="6" name="표 5"/>
+          <p:cNvGraphicFramePr>
+            <a:graphicFrameLocks noGrp="1"/>
+          </p:cNvGraphicFramePr>
+          <p:nvPr>
+            <p:extLst>
+              <p:ext uri="{D42A27DB-BD31-4B8C-83A1-F6EECF244321}">
+                <p14:modId xmlns:p14="http://schemas.microsoft.com/office/powerpoint/2010/main" val="2566735071"/>
+              </p:ext>
+            </p:extLst>
+          </p:nvPr>
+        </p:nvGraphicFramePr>
+        <p:xfrm>
+          <a:off x="352425" y="1255586"/>
+          <a:ext cx="3930556" cy="4967786"/>
+        </p:xfrm>
+        <a:graphic>
+          <a:graphicData uri="http://schemas.openxmlformats.org/drawingml/2006/table">
+            <a:tbl>
+              <a:tblPr firstRow="1" bandRow="1">
+                <a:tableStyleId>{17292A2E-F333-43FB-9621-5CBBE7FDCDCB}</a:tableStyleId>
+              </a:tblPr>
+              <a:tblGrid>
+                <a:gridCol w="3930556">
+                  <a:extLst>
+                    <a:ext uri="{9D8B030D-6E8A-4147-A177-3AD203B41FA5}">
+                      <a16:colId xmlns:a16="http://schemas.microsoft.com/office/drawing/2014/main" xmlns="" val="20000"/>
+                    </a:ext>
+                  </a:extLst>
+                </a:gridCol>
+              </a:tblGrid>
+              <a:tr h="875279">
+                <a:tc>
+                  <a:txBody>
+                    <a:bodyPr/>
+                    <a:lstStyle/>
+                    <a:p>
+                      <a:pPr algn="l" latinLnBrk="1"/>
+                      <a:r>
+                        <a:rPr lang="en-US" altLang="ko-KR" sz="4000" dirty="0">
+                          <a:latin typeface="나눔바른고딕" panose="020B0603020101020101" pitchFamily="50" charset="-127"/>
+                          <a:ea typeface="나눔바른고딕" panose="020B0603020101020101" pitchFamily="50" charset="-127"/>
+                        </a:rPr>
+                        <a:t>Course</a:t>
+                      </a:r>
+                      <a:endParaRPr lang="ko-KR" altLang="en-US" sz="4000" dirty="0">
+                        <a:latin typeface="나눔바른고딕" panose="020B0603020101020101" pitchFamily="50" charset="-127"/>
+                        <a:ea typeface="나눔바른고딕" panose="020B0603020101020101" pitchFamily="50" charset="-127"/>
+                      </a:endParaRPr>
+                    </a:p>
+                  </a:txBody>
+                  <a:tcPr anchor="ctr"/>
+                </a:tc>
+                <a:extLst>
+                  <a:ext uri="{0D108BD9-81ED-4DB2-BD59-A6C34878D82A}">
+                    <a16:rowId xmlns:a16="http://schemas.microsoft.com/office/drawing/2014/main" xmlns="" val="10000"/>
+                  </a:ext>
+                </a:extLst>
+              </a:tr>
+              <a:tr h="4092507">
+                <a:tc>
+                  <a:txBody>
+                    <a:bodyPr/>
+                    <a:lstStyle/>
+                    <a:p>
+                      <a:pPr algn="l" latinLnBrk="1"/>
+                      <a:r>
+                        <a:rPr lang="en-US" altLang="ko-KR" sz="2500" dirty="0">
+                          <a:latin typeface="나눔바른고딕" panose="020B0603020101020101" pitchFamily="50" charset="-127"/>
+                          <a:ea typeface="나눔바른고딕" panose="020B0603020101020101" pitchFamily="50" charset="-127"/>
+                        </a:rPr>
+                        <a:t>-</a:t>
+                      </a:r>
+                      <a:r>
+                        <a:rPr lang="en-US" altLang="ko-KR" sz="2500" dirty="0" err="1">
+                          <a:latin typeface="나눔바른고딕" panose="020B0603020101020101" pitchFamily="50" charset="-127"/>
+                          <a:ea typeface="나눔바른고딕" panose="020B0603020101020101" pitchFamily="50" charset="-127"/>
+                        </a:rPr>
+                        <a:t>courseName</a:t>
+                      </a:r>
+                      <a:r>
+                        <a:rPr lang="en-US" altLang="ko-KR" sz="2500" dirty="0">
+                          <a:latin typeface="나눔바른고딕" panose="020B0603020101020101" pitchFamily="50" charset="-127"/>
+                          <a:ea typeface="나눔바른고딕" panose="020B0603020101020101" pitchFamily="50" charset="-127"/>
+                        </a:rPr>
+                        <a:t> : String</a:t>
+                      </a:r>
+                    </a:p>
+                    <a:p>
+                      <a:pPr algn="l" latinLnBrk="1"/>
+                      <a:r>
+                        <a:rPr lang="en-US" altLang="ko-KR" sz="2500" dirty="0">
+                          <a:latin typeface="나눔바른고딕" panose="020B0603020101020101" pitchFamily="50" charset="-127"/>
+                          <a:ea typeface="나눔바른고딕" panose="020B0603020101020101" pitchFamily="50" charset="-127"/>
+                        </a:rPr>
+                        <a:t>-professor : String</a:t>
+                      </a:r>
+                    </a:p>
+                    <a:p>
+                      <a:pPr algn="l" latinLnBrk="1"/>
+                      <a:r>
+                        <a:rPr lang="en-US" altLang="ko-KR" sz="2500" dirty="0">
+                          <a:latin typeface="나눔바른고딕" panose="020B0603020101020101" pitchFamily="50" charset="-127"/>
+                          <a:ea typeface="나눔바른고딕" panose="020B0603020101020101" pitchFamily="50" charset="-127"/>
+                        </a:rPr>
+                        <a:t>-</a:t>
+                      </a:r>
+                      <a:r>
+                        <a:rPr lang="en-US" altLang="ko-KR" sz="2500" dirty="0" err="1">
+                          <a:latin typeface="나눔바른고딕" panose="020B0603020101020101" pitchFamily="50" charset="-127"/>
+                          <a:ea typeface="나눔바른고딕" panose="020B0603020101020101" pitchFamily="50" charset="-127"/>
+                        </a:rPr>
+                        <a:t>courseDay</a:t>
+                      </a:r>
+                      <a:r>
+                        <a:rPr lang="en-US" altLang="ko-KR" sz="2500" dirty="0">
+                          <a:latin typeface="나눔바른고딕" panose="020B0603020101020101" pitchFamily="50" charset="-127"/>
+                          <a:ea typeface="나눔바른고딕" panose="020B0603020101020101" pitchFamily="50" charset="-127"/>
+                        </a:rPr>
+                        <a:t> : </a:t>
+                      </a:r>
+                      <a:r>
+                        <a:rPr lang="en-US" altLang="ko-KR" sz="2500" dirty="0" err="1">
+                          <a:latin typeface="나눔바른고딕" panose="020B0603020101020101" pitchFamily="50" charset="-127"/>
+                          <a:ea typeface="나눔바른고딕" panose="020B0603020101020101" pitchFamily="50" charset="-127"/>
+                        </a:rPr>
+                        <a:t>int</a:t>
+                      </a:r>
+                      <a:endParaRPr lang="en-US" altLang="ko-KR" sz="2500" dirty="0">
+                        <a:latin typeface="나눔바른고딕" panose="020B0603020101020101" pitchFamily="50" charset="-127"/>
+                        <a:ea typeface="나눔바른고딕" panose="020B0603020101020101" pitchFamily="50" charset="-127"/>
+                      </a:endParaRPr>
+                    </a:p>
+                    <a:p>
+                      <a:pPr algn="l" latinLnBrk="1"/>
+                      <a:r>
+                        <a:rPr lang="en-US" altLang="ko-KR" sz="2500" dirty="0">
+                          <a:latin typeface="나눔바른고딕" panose="020B0603020101020101" pitchFamily="50" charset="-127"/>
+                          <a:ea typeface="나눔바른고딕" panose="020B0603020101020101" pitchFamily="50" charset="-127"/>
+                        </a:rPr>
+                        <a:t>-</a:t>
+                      </a:r>
+                      <a:r>
+                        <a:rPr lang="en-US" altLang="ko-KR" sz="2500" dirty="0" err="1">
+                          <a:latin typeface="나눔바른고딕" panose="020B0603020101020101" pitchFamily="50" charset="-127"/>
+                          <a:ea typeface="나눔바른고딕" panose="020B0603020101020101" pitchFamily="50" charset="-127"/>
+                        </a:rPr>
+                        <a:t>courseTime</a:t>
+                      </a:r>
+                      <a:r>
+                        <a:rPr lang="en-US" altLang="ko-KR" sz="2500" dirty="0">
+                          <a:latin typeface="나눔바른고딕" panose="020B0603020101020101" pitchFamily="50" charset="-127"/>
+                          <a:ea typeface="나눔바른고딕" panose="020B0603020101020101" pitchFamily="50" charset="-127"/>
+                        </a:rPr>
+                        <a:t> : </a:t>
+                      </a:r>
+                      <a:r>
+                        <a:rPr lang="en-US" altLang="ko-KR" sz="2500" dirty="0" err="1">
+                          <a:latin typeface="나눔바른고딕" panose="020B0603020101020101" pitchFamily="50" charset="-127"/>
+                          <a:ea typeface="나눔바른고딕" panose="020B0603020101020101" pitchFamily="50" charset="-127"/>
+                        </a:rPr>
+                        <a:t>int</a:t>
+                      </a:r>
+                      <a:endParaRPr lang="en-US" altLang="ko-KR" sz="2500" dirty="0">
+                        <a:latin typeface="나눔바른고딕" panose="020B0603020101020101" pitchFamily="50" charset="-127"/>
+                        <a:ea typeface="나눔바른고딕" panose="020B0603020101020101" pitchFamily="50" charset="-127"/>
+                      </a:endParaRPr>
+                    </a:p>
+                    <a:p>
+                      <a:pPr algn="l" latinLnBrk="1"/>
+                      <a:r>
+                        <a:rPr lang="en-US" altLang="ko-KR" sz="2500" dirty="0">
+                          <a:latin typeface="나눔바른고딕" panose="020B0603020101020101" pitchFamily="50" charset="-127"/>
+                          <a:ea typeface="나눔바른고딕" panose="020B0603020101020101" pitchFamily="50" charset="-127"/>
+                        </a:rPr>
+                        <a:t>-</a:t>
+                      </a:r>
+                      <a:r>
+                        <a:rPr lang="en-US" altLang="ko-KR" sz="2500" dirty="0" err="1">
+                          <a:latin typeface="나눔바른고딕" panose="020B0603020101020101" pitchFamily="50" charset="-127"/>
+                          <a:ea typeface="나눔바른고딕" panose="020B0603020101020101" pitchFamily="50" charset="-127"/>
+                        </a:rPr>
+                        <a:t>courseYear</a:t>
+                      </a:r>
+                      <a:r>
+                        <a:rPr lang="en-US" altLang="ko-KR" sz="2500" dirty="0">
+                          <a:latin typeface="나눔바른고딕" panose="020B0603020101020101" pitchFamily="50" charset="-127"/>
+                          <a:ea typeface="나눔바른고딕" panose="020B0603020101020101" pitchFamily="50" charset="-127"/>
+                        </a:rPr>
+                        <a:t> : </a:t>
+                      </a:r>
+                      <a:r>
+                        <a:rPr lang="en-US" altLang="ko-KR" sz="2500" dirty="0" err="1">
+                          <a:latin typeface="나눔바른고딕" panose="020B0603020101020101" pitchFamily="50" charset="-127"/>
+                          <a:ea typeface="나눔바른고딕" panose="020B0603020101020101" pitchFamily="50" charset="-127"/>
+                        </a:rPr>
+                        <a:t>int</a:t>
+                      </a:r>
+                      <a:endParaRPr lang="en-US" altLang="ko-KR" sz="2500" dirty="0">
+                        <a:latin typeface="나눔바른고딕" panose="020B0603020101020101" pitchFamily="50" charset="-127"/>
+                        <a:ea typeface="나눔바른고딕" panose="020B0603020101020101" pitchFamily="50" charset="-127"/>
+                      </a:endParaRPr>
+                    </a:p>
+                    <a:p>
+                      <a:pPr algn="l" latinLnBrk="1"/>
+                      <a:r>
+                        <a:rPr lang="en-US" altLang="ko-KR" sz="2500" dirty="0">
+                          <a:latin typeface="나눔바른고딕" panose="020B0603020101020101" pitchFamily="50" charset="-127"/>
+                          <a:ea typeface="나눔바른고딕" panose="020B0603020101020101" pitchFamily="50" charset="-127"/>
+                        </a:rPr>
+                        <a:t>-</a:t>
+                      </a:r>
+                      <a:r>
+                        <a:rPr lang="en-US" altLang="ko-KR" sz="2500" dirty="0" err="1">
+                          <a:latin typeface="나눔바른고딕" panose="020B0603020101020101" pitchFamily="50" charset="-127"/>
+                          <a:ea typeface="나눔바른고딕" panose="020B0603020101020101" pitchFamily="50" charset="-127"/>
+                        </a:rPr>
+                        <a:t>courseSemester</a:t>
+                      </a:r>
+                      <a:r>
+                        <a:rPr lang="en-US" altLang="ko-KR" sz="2500" dirty="0">
+                          <a:latin typeface="나눔바른고딕" panose="020B0603020101020101" pitchFamily="50" charset="-127"/>
+                          <a:ea typeface="나눔바른고딕" panose="020B0603020101020101" pitchFamily="50" charset="-127"/>
+                        </a:rPr>
+                        <a:t> : </a:t>
+                      </a:r>
+                      <a:r>
+                        <a:rPr lang="en-US" altLang="ko-KR" sz="2500" dirty="0" err="1">
+                          <a:latin typeface="나눔바른고딕" panose="020B0603020101020101" pitchFamily="50" charset="-127"/>
+                          <a:ea typeface="나눔바른고딕" panose="020B0603020101020101" pitchFamily="50" charset="-127"/>
+                        </a:rPr>
+                        <a:t>int</a:t>
+                      </a:r>
+                      <a:endParaRPr lang="ko-KR" altLang="en-US" sz="2500" dirty="0">
+                        <a:latin typeface="나눔바른고딕" panose="020B0603020101020101" pitchFamily="50" charset="-127"/>
+                        <a:ea typeface="나눔바른고딕" panose="020B0603020101020101" pitchFamily="50" charset="-127"/>
+                      </a:endParaRPr>
+                    </a:p>
+                  </a:txBody>
+                  <a:tcPr anchor="ctr"/>
+                </a:tc>
+                <a:extLst>
+                  <a:ext uri="{0D108BD9-81ED-4DB2-BD59-A6C34878D82A}">
+                    <a16:rowId xmlns:a16="http://schemas.microsoft.com/office/drawing/2014/main" xmlns="" val="10001"/>
+                  </a:ext>
+                </a:extLst>
+              </a:tr>
+            </a:tbl>
+          </a:graphicData>
+        </a:graphic>
+      </p:graphicFrame>
+      <p:sp>
+        <p:nvSpPr>
+          <p:cNvPr id="9" name="바닥글 개체 틀 3"/>
+          <p:cNvSpPr>
+            <a:spLocks noGrp="1"/>
+          </p:cNvSpPr>
+          <p:nvPr>
+            <p:ph type="ftr" sz="quarter" idx="3"/>
+          </p:nvPr>
+        </p:nvSpPr>
+        <p:spPr>
+          <a:xfrm>
+            <a:off x="6061745" y="6464300"/>
+            <a:ext cx="2798763" cy="300038"/>
+          </a:xfrm>
+        </p:spPr>
+        <p:txBody>
+          <a:bodyPr/>
+          <a:lstStyle/>
+          <a:p>
+            <a:pPr algn="r"/>
+            <a:r>
+              <a:rPr lang="en-US" altLang="ko-KR" sz="1600" b="1" i="0" dirty="0" err="1" smtClean="0">
+                <a:latin typeface="-윤고딕350" panose="02030504000101010101" pitchFamily="18" charset="-127"/>
+                <a:ea typeface="-윤고딕350" panose="02030504000101010101" pitchFamily="18" charset="-127"/>
+              </a:rPr>
+              <a:t>TenoutofTen</a:t>
+            </a:r>
+            <a:endParaRPr lang="en-US" altLang="ko-KR" sz="1600" b="1" i="0" dirty="0">
+              <a:latin typeface="-윤고딕350" panose="02030504000101010101" pitchFamily="18" charset="-127"/>
+              <a:ea typeface="-윤고딕350" panose="02030504000101010101" pitchFamily="18" charset="-127"/>
+            </a:endParaRPr>
+          </a:p>
+        </p:txBody>
+      </p:sp>
     </p:spTree>
     <p:extLst>
       <p:ext uri="{BB962C8B-B14F-4D97-AF65-F5344CB8AC3E}">
@@ -6555,40 +8602,22 @@
           <a:chExt cx="0" cy="0"/>
         </a:xfrm>
       </p:grpSpPr>
-      <p:sp>
-        <p:nvSpPr>
-          <p:cNvPr id="4" name="바닥글 개체 틀 3"/>
-          <p:cNvSpPr>
-            <a:spLocks noGrp="1"/>
-          </p:cNvSpPr>
-          <p:nvPr>
-            <p:ph type="ftr" sz="quarter" idx="3"/>
-          </p:nvPr>
-        </p:nvSpPr>
-        <p:spPr/>
-        <p:txBody>
-          <a:bodyPr/>
-          <a:lstStyle/>
-          <a:p>
-            <a:pPr algn="r"/>
-            <a:r>
-              <a:rPr lang="ko-KR" altLang="en-US"/>
-              <a:t>팀 명</a:t>
-            </a:r>
-            <a:endParaRPr lang="en-US" altLang="ko-KR" dirty="0"/>
-          </a:p>
-        </p:txBody>
-      </p:sp>
       <p:graphicFrame>
         <p:nvGraphicFramePr>
           <p:cNvPr id="5" name="표 4"/>
           <p:cNvGraphicFramePr>
             <a:graphicFrameLocks noGrp="1"/>
           </p:cNvGraphicFramePr>
-          <p:nvPr/>
+          <p:nvPr>
+            <p:extLst>
+              <p:ext uri="{D42A27DB-BD31-4B8C-83A1-F6EECF244321}">
+                <p14:modId xmlns:p14="http://schemas.microsoft.com/office/powerpoint/2010/main" val="3490345424"/>
+              </p:ext>
+            </p:extLst>
+          </p:nvPr>
         </p:nvGraphicFramePr>
         <p:xfrm>
-          <a:off x="352426" y="1228296"/>
+          <a:off x="4719709" y="1228296"/>
           <a:ext cx="3960268" cy="4967787"/>
         </p:xfrm>
         <a:graphic>
@@ -6601,7 +8630,7 @@
                 <a:gridCol w="3960268">
                   <a:extLst>
                     <a:ext uri="{9D8B030D-6E8A-4147-A177-3AD203B41FA5}">
-                      <a16:colId xmlns:a16="http://schemas.microsoft.com/office/drawing/2014/main" val="20000"/>
+                      <a16:colId xmlns:a16="http://schemas.microsoft.com/office/drawing/2014/main" xmlns="" val="20000"/>
                     </a:ext>
                   </a:extLst>
                 </a:gridCol>
@@ -6614,17 +8643,23 @@
                     <a:p>
                       <a:pPr algn="l" latinLnBrk="1"/>
                       <a:r>
-                        <a:rPr lang="en-US" altLang="ko-KR" sz="4000" dirty="0" err="1"/>
+                        <a:rPr lang="en-US" altLang="ko-KR" sz="4000" dirty="0" err="1">
+                          <a:latin typeface="나눔바른고딕" panose="020B0603020101020101" pitchFamily="50" charset="-127"/>
+                          <a:ea typeface="나눔바른고딕" panose="020B0603020101020101" pitchFamily="50" charset="-127"/>
+                        </a:rPr>
                         <a:t>TodoList</a:t>
                       </a:r>
-                      <a:endParaRPr lang="ko-KR" altLang="en-US" sz="4000" dirty="0"/>
+                      <a:endParaRPr lang="ko-KR" altLang="en-US" sz="4000" dirty="0">
+                        <a:latin typeface="나눔바른고딕" panose="020B0603020101020101" pitchFamily="50" charset="-127"/>
+                        <a:ea typeface="나눔바른고딕" panose="020B0603020101020101" pitchFamily="50" charset="-127"/>
+                      </a:endParaRPr>
                     </a:p>
                   </a:txBody>
-                  <a:tcPr/>
+                  <a:tcPr anchor="ctr"/>
                 </a:tc>
                 <a:extLst>
                   <a:ext uri="{0D108BD9-81ED-4DB2-BD59-A6C34878D82A}">
-                    <a16:rowId xmlns:a16="http://schemas.microsoft.com/office/drawing/2014/main" val="10000"/>
+                    <a16:rowId xmlns:a16="http://schemas.microsoft.com/office/drawing/2014/main" xmlns="" val="10000"/>
                   </a:ext>
                 </a:extLst>
               </a:tr>
@@ -6636,29 +8671,44 @@
                     <a:p>
                       <a:pPr algn="l" latinLnBrk="1"/>
                       <a:r>
-                        <a:rPr lang="en-US" altLang="ko-KR" sz="2500" dirty="0" err="1"/>
+                        <a:rPr lang="en-US" altLang="ko-KR" sz="2500" dirty="0" err="1">
+                          <a:latin typeface="나눔바른고딕" panose="020B0603020101020101" pitchFamily="50" charset="-127"/>
+                          <a:ea typeface="나눔바른고딕" panose="020B0603020101020101" pitchFamily="50" charset="-127"/>
+                        </a:rPr>
                         <a:t>todoArray</a:t>
                       </a:r>
                       <a:r>
-                        <a:rPr lang="en-US" altLang="ko-KR" sz="2500" baseline="0" dirty="0"/>
+                        <a:rPr lang="en-US" altLang="ko-KR" sz="2500" baseline="0" dirty="0">
+                          <a:latin typeface="나눔바른고딕" panose="020B0603020101020101" pitchFamily="50" charset="-127"/>
+                          <a:ea typeface="나눔바른고딕" panose="020B0603020101020101" pitchFamily="50" charset="-127"/>
+                        </a:rPr>
                         <a:t> : </a:t>
                       </a:r>
                       <a:r>
-                        <a:rPr lang="en-US" altLang="ko-KR" sz="2500" baseline="0" dirty="0" err="1"/>
+                        <a:rPr lang="en-US" altLang="ko-KR" sz="2500" baseline="0" dirty="0" err="1">
+                          <a:latin typeface="나눔바른고딕" panose="020B0603020101020101" pitchFamily="50" charset="-127"/>
+                          <a:ea typeface="나눔바른고딕" panose="020B0603020101020101" pitchFamily="50" charset="-127"/>
+                        </a:rPr>
                         <a:t>Todo</a:t>
                       </a:r>
                       <a:r>
-                        <a:rPr lang="en-US" altLang="ko-KR" sz="2500" baseline="0" dirty="0"/>
+                        <a:rPr lang="en-US" altLang="ko-KR" sz="2500" baseline="0" dirty="0">
+                          <a:latin typeface="나눔바른고딕" panose="020B0603020101020101" pitchFamily="50" charset="-127"/>
+                          <a:ea typeface="나눔바른고딕" panose="020B0603020101020101" pitchFamily="50" charset="-127"/>
+                        </a:rPr>
                         <a:t>[]</a:t>
                       </a:r>
-                      <a:endParaRPr lang="ko-KR" altLang="en-US" sz="2500" dirty="0"/>
+                      <a:endParaRPr lang="ko-KR" altLang="en-US" sz="2500" dirty="0">
+                        <a:latin typeface="나눔바른고딕" panose="020B0603020101020101" pitchFamily="50" charset="-127"/>
+                        <a:ea typeface="나눔바른고딕" panose="020B0603020101020101" pitchFamily="50" charset="-127"/>
+                      </a:endParaRPr>
                     </a:p>
                   </a:txBody>
-                  <a:tcPr/>
+                  <a:tcPr anchor="ctr"/>
                 </a:tc>
                 <a:extLst>
                   <a:ext uri="{0D108BD9-81ED-4DB2-BD59-A6C34878D82A}">
-                    <a16:rowId xmlns:a16="http://schemas.microsoft.com/office/drawing/2014/main" val="10001"/>
+                    <a16:rowId xmlns:a16="http://schemas.microsoft.com/office/drawing/2014/main" xmlns="" val="10001"/>
                   </a:ext>
                 </a:extLst>
               </a:tr>
@@ -6691,6 +8741,227 @@
               <a:t>Entity Class</a:t>
             </a:r>
             <a:endParaRPr lang="ko-KR" altLang="en-US" sz="2500" dirty="0"/>
+          </a:p>
+        </p:txBody>
+      </p:sp>
+      <p:graphicFrame>
+        <p:nvGraphicFramePr>
+          <p:cNvPr id="6" name="표 5"/>
+          <p:cNvGraphicFramePr>
+            <a:graphicFrameLocks noGrp="1"/>
+          </p:cNvGraphicFramePr>
+          <p:nvPr>
+            <p:extLst>
+              <p:ext uri="{D42A27DB-BD31-4B8C-83A1-F6EECF244321}">
+                <p14:modId xmlns:p14="http://schemas.microsoft.com/office/powerpoint/2010/main" val="1610000091"/>
+              </p:ext>
+            </p:extLst>
+          </p:nvPr>
+        </p:nvGraphicFramePr>
+        <p:xfrm>
+          <a:off x="433453" y="1228296"/>
+          <a:ext cx="3930556" cy="4967786"/>
+        </p:xfrm>
+        <a:graphic>
+          <a:graphicData uri="http://schemas.openxmlformats.org/drawingml/2006/table">
+            <a:tbl>
+              <a:tblPr firstRow="1" bandRow="1">
+                <a:tableStyleId>{17292A2E-F333-43FB-9621-5CBBE7FDCDCB}</a:tableStyleId>
+              </a:tblPr>
+              <a:tblGrid>
+                <a:gridCol w="3930556">
+                  <a:extLst>
+                    <a:ext uri="{9D8B030D-6E8A-4147-A177-3AD203B41FA5}">
+                      <a16:colId xmlns:a16="http://schemas.microsoft.com/office/drawing/2014/main" xmlns="" val="20000"/>
+                    </a:ext>
+                  </a:extLst>
+                </a:gridCol>
+              </a:tblGrid>
+              <a:tr h="875279">
+                <a:tc>
+                  <a:txBody>
+                    <a:bodyPr/>
+                    <a:lstStyle/>
+                    <a:p>
+                      <a:pPr algn="l" latinLnBrk="1"/>
+                      <a:r>
+                        <a:rPr lang="en-US" altLang="ko-KR" sz="4000" dirty="0" err="1">
+                          <a:latin typeface="나눔바른고딕" panose="020B0603020101020101" pitchFamily="50" charset="-127"/>
+                          <a:ea typeface="나눔바른고딕" panose="020B0603020101020101" pitchFamily="50" charset="-127"/>
+                        </a:rPr>
+                        <a:t>Todo</a:t>
+                      </a:r>
+                      <a:endParaRPr lang="ko-KR" altLang="en-US" sz="4000" dirty="0">
+                        <a:latin typeface="나눔바른고딕" panose="020B0603020101020101" pitchFamily="50" charset="-127"/>
+                        <a:ea typeface="나눔바른고딕" panose="020B0603020101020101" pitchFamily="50" charset="-127"/>
+                      </a:endParaRPr>
+                    </a:p>
+                  </a:txBody>
+                  <a:tcPr anchor="ctr"/>
+                </a:tc>
+                <a:extLst>
+                  <a:ext uri="{0D108BD9-81ED-4DB2-BD59-A6C34878D82A}">
+                    <a16:rowId xmlns:a16="http://schemas.microsoft.com/office/drawing/2014/main" xmlns="" val="10000"/>
+                  </a:ext>
+                </a:extLst>
+              </a:tr>
+              <a:tr h="4092507">
+                <a:tc>
+                  <a:txBody>
+                    <a:bodyPr/>
+                    <a:lstStyle/>
+                    <a:p>
+                      <a:pPr algn="l" latinLnBrk="1"/>
+                      <a:r>
+                        <a:rPr lang="en-US" altLang="ko-KR" sz="2500" dirty="0">
+                          <a:latin typeface="나눔바른고딕" panose="020B0603020101020101" pitchFamily="50" charset="-127"/>
+                          <a:ea typeface="나눔바른고딕" panose="020B0603020101020101" pitchFamily="50" charset="-127"/>
+                        </a:rPr>
+                        <a:t>task</a:t>
+                      </a:r>
+                      <a:r>
+                        <a:rPr lang="en-US" altLang="ko-KR" sz="2500" baseline="0" dirty="0">
+                          <a:latin typeface="나눔바른고딕" panose="020B0603020101020101" pitchFamily="50" charset="-127"/>
+                          <a:ea typeface="나눔바른고딕" panose="020B0603020101020101" pitchFamily="50" charset="-127"/>
+                        </a:rPr>
+                        <a:t> : String</a:t>
+                      </a:r>
+                    </a:p>
+                    <a:p>
+                      <a:pPr algn="l" latinLnBrk="1"/>
+                      <a:r>
+                        <a:rPr lang="en-US" altLang="ko-KR" sz="2500" baseline="0" dirty="0" err="1">
+                          <a:latin typeface="나눔바른고딕" panose="020B0603020101020101" pitchFamily="50" charset="-127"/>
+                          <a:ea typeface="나눔바른고딕" panose="020B0603020101020101" pitchFamily="50" charset="-127"/>
+                        </a:rPr>
+                        <a:t>endtime</a:t>
+                      </a:r>
+                      <a:r>
+                        <a:rPr lang="en-US" altLang="ko-KR" sz="2500" baseline="0" dirty="0">
+                          <a:latin typeface="나눔바른고딕" panose="020B0603020101020101" pitchFamily="50" charset="-127"/>
+                          <a:ea typeface="나눔바른고딕" panose="020B0603020101020101" pitchFamily="50" charset="-127"/>
+                        </a:rPr>
+                        <a:t> : </a:t>
+                      </a:r>
+                      <a:r>
+                        <a:rPr lang="en-US" altLang="ko-KR" sz="2500" baseline="0" dirty="0" err="1">
+                          <a:latin typeface="나눔바른고딕" panose="020B0603020101020101" pitchFamily="50" charset="-127"/>
+                          <a:ea typeface="나눔바른고딕" panose="020B0603020101020101" pitchFamily="50" charset="-127"/>
+                        </a:rPr>
+                        <a:t>int</a:t>
+                      </a:r>
+                      <a:endParaRPr lang="en-US" altLang="ko-KR" sz="2500" baseline="0" dirty="0">
+                        <a:latin typeface="나눔바른고딕" panose="020B0603020101020101" pitchFamily="50" charset="-127"/>
+                        <a:ea typeface="나눔바른고딕" panose="020B0603020101020101" pitchFamily="50" charset="-127"/>
+                      </a:endParaRPr>
+                    </a:p>
+                    <a:p>
+                      <a:pPr algn="l" latinLnBrk="1"/>
+                      <a:r>
+                        <a:rPr lang="en-US" altLang="ko-KR" sz="2500" baseline="0" dirty="0" err="1">
+                          <a:latin typeface="나눔바른고딕" panose="020B0603020101020101" pitchFamily="50" charset="-127"/>
+                          <a:ea typeface="나눔바른고딕" panose="020B0603020101020101" pitchFamily="50" charset="-127"/>
+                        </a:rPr>
+                        <a:t>readEndTime</a:t>
+                      </a:r>
+                      <a:r>
+                        <a:rPr lang="en-US" altLang="ko-KR" sz="2500" baseline="0" dirty="0">
+                          <a:latin typeface="나눔바른고딕" panose="020B0603020101020101" pitchFamily="50" charset="-127"/>
+                          <a:ea typeface="나눔바른고딕" panose="020B0603020101020101" pitchFamily="50" charset="-127"/>
+                        </a:rPr>
+                        <a:t> : </a:t>
+                      </a:r>
+                      <a:r>
+                        <a:rPr lang="en-US" altLang="ko-KR" sz="2500" baseline="0" dirty="0" err="1">
+                          <a:latin typeface="나눔바른고딕" panose="020B0603020101020101" pitchFamily="50" charset="-127"/>
+                          <a:ea typeface="나눔바른고딕" panose="020B0603020101020101" pitchFamily="50" charset="-127"/>
+                        </a:rPr>
+                        <a:t>int</a:t>
+                      </a:r>
+                      <a:endParaRPr lang="en-US" altLang="ko-KR" sz="2500" baseline="0" dirty="0">
+                        <a:latin typeface="나눔바른고딕" panose="020B0603020101020101" pitchFamily="50" charset="-127"/>
+                        <a:ea typeface="나눔바른고딕" panose="020B0603020101020101" pitchFamily="50" charset="-127"/>
+                      </a:endParaRPr>
+                    </a:p>
+                    <a:p>
+                      <a:pPr algn="l" latinLnBrk="1"/>
+                      <a:r>
+                        <a:rPr lang="en-US" altLang="ko-KR" sz="2500" baseline="0" dirty="0">
+                          <a:latin typeface="나눔바른고딕" panose="020B0603020101020101" pitchFamily="50" charset="-127"/>
+                          <a:ea typeface="나눔바른고딕" panose="020B0603020101020101" pitchFamily="50" charset="-127"/>
+                        </a:rPr>
+                        <a:t>Important : String</a:t>
+                      </a:r>
+                    </a:p>
+                    <a:p>
+                      <a:pPr algn="l" latinLnBrk="1"/>
+                      <a:r>
+                        <a:rPr lang="en-US" altLang="ko-KR" sz="2500" baseline="0" dirty="0">
+                          <a:latin typeface="나눔바른고딕" panose="020B0603020101020101" pitchFamily="50" charset="-127"/>
+                          <a:ea typeface="나눔바른고딕" panose="020B0603020101020101" pitchFamily="50" charset="-127"/>
+                        </a:rPr>
+                        <a:t>complete : String</a:t>
+                      </a:r>
+                    </a:p>
+                    <a:p>
+                      <a:pPr algn="l" latinLnBrk="1"/>
+                      <a:r>
+                        <a:rPr lang="en-US" altLang="ko-KR" sz="2500" baseline="0" dirty="0">
+                          <a:latin typeface="나눔바른고딕" panose="020B0603020101020101" pitchFamily="50" charset="-127"/>
+                          <a:ea typeface="나눔바른고딕" panose="020B0603020101020101" pitchFamily="50" charset="-127"/>
+                        </a:rPr>
+                        <a:t>alarm : String</a:t>
+                      </a:r>
+                      <a:endParaRPr lang="ko-KR" altLang="en-US" sz="2500" dirty="0">
+                        <a:latin typeface="나눔바른고딕" panose="020B0603020101020101" pitchFamily="50" charset="-127"/>
+                        <a:ea typeface="나눔바른고딕" panose="020B0603020101020101" pitchFamily="50" charset="-127"/>
+                      </a:endParaRPr>
+                    </a:p>
+                  </a:txBody>
+                  <a:tcPr anchor="ctr"/>
+                </a:tc>
+                <a:extLst>
+                  <a:ext uri="{0D108BD9-81ED-4DB2-BD59-A6C34878D82A}">
+                    <a16:rowId xmlns:a16="http://schemas.microsoft.com/office/drawing/2014/main" xmlns="" val="10001"/>
+                  </a:ext>
+                </a:extLst>
+              </a:tr>
+            </a:tbl>
+          </a:graphicData>
+        </a:graphic>
+      </p:graphicFrame>
+      <p:sp>
+        <p:nvSpPr>
+          <p:cNvPr id="8" name="바닥글 개체 틀 3"/>
+          <p:cNvSpPr>
+            <a:spLocks noGrp="1"/>
+          </p:cNvSpPr>
+          <p:nvPr>
+            <p:ph type="ftr" sz="quarter" idx="3"/>
+          </p:nvPr>
+        </p:nvSpPr>
+        <p:spPr>
+          <a:xfrm>
+            <a:off x="6061745" y="6464300"/>
+            <a:ext cx="2798763" cy="300038"/>
+          </a:xfrm>
+        </p:spPr>
+        <p:txBody>
+          <a:bodyPr/>
+          <a:lstStyle/>
+          <a:p>
+            <a:pPr algn="r"/>
+            <a:r>
+              <a:rPr lang="en-US" altLang="ko-KR" sz="1600" b="1" i="0" dirty="0" err="1" smtClean="0">
+                <a:latin typeface="-윤고딕350" panose="02030504000101010101" pitchFamily="18" charset="-127"/>
+                <a:ea typeface="-윤고딕350" panose="02030504000101010101" pitchFamily="18" charset="-127"/>
+              </a:rPr>
+              <a:t>TenoutofTen</a:t>
+            </a:r>
+            <a:endParaRPr lang="en-US" altLang="ko-KR" sz="1600" b="1" i="0" dirty="0">
+              <a:latin typeface="-윤고딕350" panose="02030504000101010101" pitchFamily="18" charset="-127"/>
+              <a:ea typeface="-윤고딕350" panose="02030504000101010101" pitchFamily="18" charset="-127"/>
+            </a:endParaRPr>
           </a:p>
         </p:txBody>
       </p:sp>
@@ -6806,30 +9077,6 @@
           </a:p>
         </p:txBody>
       </p:sp>
-      <p:sp>
-        <p:nvSpPr>
-          <p:cNvPr id="4" name="바닥글 개체 틀 3"/>
-          <p:cNvSpPr>
-            <a:spLocks noGrp="1"/>
-          </p:cNvSpPr>
-          <p:nvPr>
-            <p:ph type="ftr" sz="quarter" idx="3"/>
-          </p:nvPr>
-        </p:nvSpPr>
-        <p:spPr/>
-        <p:txBody>
-          <a:bodyPr/>
-          <a:lstStyle/>
-          <a:p>
-            <a:pPr algn="r"/>
-            <a:r>
-              <a:rPr lang="ko-KR" altLang="en-US"/>
-              <a:t>팀 명</a:t>
-            </a:r>
-            <a:endParaRPr lang="en-US" altLang="ko-KR" dirty="0"/>
-          </a:p>
-        </p:txBody>
-      </p:sp>
       <p:graphicFrame>
         <p:nvGraphicFramePr>
           <p:cNvPr id="6" name="표 5"/>
@@ -6837,12 +9084,16 @@
             <a:graphicFrameLocks noGrp="1"/>
           </p:cNvGraphicFramePr>
           <p:nvPr>
-            <p:extLst/>
+            <p:extLst>
+              <p:ext uri="{D42A27DB-BD31-4B8C-83A1-F6EECF244321}">
+                <p14:modId xmlns:p14="http://schemas.microsoft.com/office/powerpoint/2010/main" val="687089904"/>
+              </p:ext>
+            </p:extLst>
           </p:nvPr>
         </p:nvGraphicFramePr>
         <p:xfrm>
           <a:off x="355600" y="1229360"/>
-          <a:ext cx="4175760" cy="4698913"/>
+          <a:ext cx="4175760" cy="4973233"/>
         </p:xfrm>
         <a:graphic>
           <a:graphicData uri="http://schemas.openxmlformats.org/drawingml/2006/table">
@@ -6854,7 +9105,7 @@
                 <a:gridCol w="4175760">
                   <a:extLst>
                     <a:ext uri="{9D8B030D-6E8A-4147-A177-3AD203B41FA5}">
-                      <a16:colId xmlns:a16="http://schemas.microsoft.com/office/drawing/2014/main" val="3774239926"/>
+                      <a16:colId xmlns:a16="http://schemas.microsoft.com/office/drawing/2014/main" xmlns="" val="3774239926"/>
                     </a:ext>
                   </a:extLst>
                 </a:gridCol>
@@ -6867,17 +9118,23 @@
                     <a:p>
                       <a:pPr latinLnBrk="1"/>
                       <a:r>
-                        <a:rPr lang="en-US" altLang="ko-KR" dirty="0"/>
+                        <a:rPr lang="en-US" altLang="ko-KR" dirty="0">
+                          <a:latin typeface="나눔바른고딕" panose="020B0603020101020101" pitchFamily="50" charset="-127"/>
+                          <a:ea typeface="나눔바른고딕" panose="020B0603020101020101" pitchFamily="50" charset="-127"/>
+                        </a:rPr>
                         <a:t>Main UI</a:t>
                       </a:r>
-                      <a:endParaRPr lang="ko-KR" altLang="en-US" dirty="0"/>
+                      <a:endParaRPr lang="ko-KR" altLang="en-US" dirty="0">
+                        <a:latin typeface="나눔바른고딕" panose="020B0603020101020101" pitchFamily="50" charset="-127"/>
+                        <a:ea typeface="나눔바른고딕" panose="020B0603020101020101" pitchFamily="50" charset="-127"/>
+                      </a:endParaRPr>
                     </a:p>
                   </a:txBody>
-                  <a:tcPr/>
+                  <a:tcPr anchor="ctr"/>
                 </a:tc>
                 <a:extLst>
                   <a:ext uri="{0D108BD9-81ED-4DB2-BD59-A6C34878D82A}">
-                    <a16:rowId xmlns:a16="http://schemas.microsoft.com/office/drawing/2014/main" val="302007300"/>
+                    <a16:rowId xmlns:a16="http://schemas.microsoft.com/office/drawing/2014/main" xmlns="" val="302007300"/>
                   </a:ext>
                 </a:extLst>
               </a:tr>
@@ -6887,156 +9144,249 @@
                     <a:bodyPr/>
                     <a:lstStyle/>
                     <a:p>
-                      <a:pPr latinLnBrk="1"/>
-                      <a:r>
-                        <a:rPr lang="en-US" altLang="ko-KR" dirty="0"/>
+                      <a:pPr algn="l" latinLnBrk="1"/>
+                      <a:r>
+                        <a:rPr lang="en-US" altLang="ko-KR" dirty="0">
+                          <a:latin typeface="나눔바른고딕" panose="020B0603020101020101" pitchFamily="50" charset="-127"/>
+                          <a:ea typeface="나눔바른고딕" panose="020B0603020101020101" pitchFamily="50" charset="-127"/>
+                        </a:rPr>
                         <a:t>-</a:t>
                       </a:r>
                       <a:r>
-                        <a:rPr lang="en-US" altLang="ko-KR" dirty="0" err="1"/>
+                        <a:rPr lang="en-US" altLang="ko-KR" dirty="0" err="1">
+                          <a:latin typeface="나눔바른고딕" panose="020B0603020101020101" pitchFamily="50" charset="-127"/>
+                          <a:ea typeface="나눔바른고딕" panose="020B0603020101020101" pitchFamily="50" charset="-127"/>
+                        </a:rPr>
                         <a:t>logoutButton</a:t>
                       </a:r>
                       <a:r>
-                        <a:rPr lang="en-US" altLang="ko-KR" dirty="0"/>
+                        <a:rPr lang="en-US" altLang="ko-KR" dirty="0">
+                          <a:latin typeface="나눔바른고딕" panose="020B0603020101020101" pitchFamily="50" charset="-127"/>
+                          <a:ea typeface="나눔바른고딕" panose="020B0603020101020101" pitchFamily="50" charset="-127"/>
+                        </a:rPr>
                         <a:t> : Button</a:t>
                       </a:r>
                     </a:p>
                     <a:p>
-                      <a:pPr latinLnBrk="1"/>
-                      <a:r>
-                        <a:rPr lang="en-US" altLang="ko-KR" dirty="0"/>
+                      <a:pPr algn="l" latinLnBrk="1"/>
+                      <a:r>
+                        <a:rPr lang="en-US" altLang="ko-KR" dirty="0">
+                          <a:latin typeface="나눔바른고딕" panose="020B0603020101020101" pitchFamily="50" charset="-127"/>
+                          <a:ea typeface="나눔바른고딕" panose="020B0603020101020101" pitchFamily="50" charset="-127"/>
+                        </a:rPr>
                         <a:t>-</a:t>
                       </a:r>
                       <a:r>
-                        <a:rPr lang="en-US" altLang="ko-KR" dirty="0" err="1"/>
+                        <a:rPr lang="en-US" altLang="ko-KR" dirty="0" err="1">
+                          <a:latin typeface="나눔바른고딕" panose="020B0603020101020101" pitchFamily="50" charset="-127"/>
+                          <a:ea typeface="나눔바른고딕" panose="020B0603020101020101" pitchFamily="50" charset="-127"/>
+                        </a:rPr>
                         <a:t>regButton</a:t>
                       </a:r>
                       <a:r>
-                        <a:rPr lang="en-US" altLang="ko-KR" dirty="0"/>
+                        <a:rPr lang="en-US" altLang="ko-KR" dirty="0">
+                          <a:latin typeface="나눔바른고딕" panose="020B0603020101020101" pitchFamily="50" charset="-127"/>
+                          <a:ea typeface="나눔바른고딕" panose="020B0603020101020101" pitchFamily="50" charset="-127"/>
+                        </a:rPr>
                         <a:t> : Button</a:t>
                       </a:r>
                     </a:p>
                     <a:p>
-                      <a:pPr latinLnBrk="1"/>
-                      <a:r>
-                        <a:rPr lang="en-US" altLang="ko-KR" dirty="0"/>
+                      <a:pPr algn="l" latinLnBrk="1"/>
+                      <a:r>
+                        <a:rPr lang="en-US" altLang="ko-KR" dirty="0">
+                          <a:latin typeface="나눔바른고딕" panose="020B0603020101020101" pitchFamily="50" charset="-127"/>
+                          <a:ea typeface="나눔바른고딕" panose="020B0603020101020101" pitchFamily="50" charset="-127"/>
+                        </a:rPr>
                         <a:t>-</a:t>
                       </a:r>
                       <a:r>
-                        <a:rPr lang="en-US" altLang="ko-KR" dirty="0" err="1"/>
+                        <a:rPr lang="en-US" altLang="ko-KR" dirty="0" err="1">
+                          <a:latin typeface="나눔바른고딕" panose="020B0603020101020101" pitchFamily="50" charset="-127"/>
+                          <a:ea typeface="나눔바른고딕" panose="020B0603020101020101" pitchFamily="50" charset="-127"/>
+                        </a:rPr>
                         <a:t>cancelButton</a:t>
                       </a:r>
                       <a:r>
-                        <a:rPr lang="en-US" altLang="ko-KR" dirty="0"/>
+                        <a:rPr lang="en-US" altLang="ko-KR" dirty="0">
+                          <a:latin typeface="나눔바른고딕" panose="020B0603020101020101" pitchFamily="50" charset="-127"/>
+                          <a:ea typeface="나눔바른고딕" panose="020B0603020101020101" pitchFamily="50" charset="-127"/>
+                        </a:rPr>
                         <a:t> : Button</a:t>
                       </a:r>
                     </a:p>
                     <a:p>
-                      <a:pPr latinLnBrk="1"/>
-                      <a:r>
-                        <a:rPr lang="en-US" altLang="ko-KR" dirty="0"/>
+                      <a:pPr algn="l" latinLnBrk="1"/>
+                      <a:r>
+                        <a:rPr lang="en-US" altLang="ko-KR" dirty="0">
+                          <a:latin typeface="나눔바른고딕" panose="020B0603020101020101" pitchFamily="50" charset="-127"/>
+                          <a:ea typeface="나눔바른고딕" panose="020B0603020101020101" pitchFamily="50" charset="-127"/>
+                        </a:rPr>
                         <a:t>-</a:t>
                       </a:r>
                       <a:r>
-                        <a:rPr lang="en-US" altLang="ko-KR" dirty="0" err="1"/>
+                        <a:rPr lang="en-US" altLang="ko-KR" dirty="0" err="1">
+                          <a:latin typeface="나눔바른고딕" panose="020B0603020101020101" pitchFamily="50" charset="-127"/>
+                          <a:ea typeface="나눔바른고딕" panose="020B0603020101020101" pitchFamily="50" charset="-127"/>
+                        </a:rPr>
                         <a:t>timeButton</a:t>
                       </a:r>
                       <a:r>
-                        <a:rPr lang="en-US" altLang="ko-KR" dirty="0"/>
+                        <a:rPr lang="en-US" altLang="ko-KR" dirty="0">
+                          <a:latin typeface="나눔바른고딕" panose="020B0603020101020101" pitchFamily="50" charset="-127"/>
+                          <a:ea typeface="나눔바른고딕" panose="020B0603020101020101" pitchFamily="50" charset="-127"/>
+                        </a:rPr>
                         <a:t> : Button</a:t>
                       </a:r>
                     </a:p>
                     <a:p>
-                      <a:pPr latinLnBrk="1"/>
-                      <a:r>
-                        <a:rPr lang="en-US" altLang="ko-KR" dirty="0"/>
+                      <a:pPr algn="l" latinLnBrk="1"/>
+                      <a:r>
+                        <a:rPr lang="en-US" altLang="ko-KR" dirty="0">
+                          <a:latin typeface="나눔바른고딕" panose="020B0603020101020101" pitchFamily="50" charset="-127"/>
+                          <a:ea typeface="나눔바른고딕" panose="020B0603020101020101" pitchFamily="50" charset="-127"/>
+                        </a:rPr>
                         <a:t>-</a:t>
                       </a:r>
                       <a:r>
-                        <a:rPr lang="en-US" altLang="ko-KR" dirty="0" err="1"/>
+                        <a:rPr lang="en-US" altLang="ko-KR" dirty="0" err="1">
+                          <a:latin typeface="나눔바른고딕" panose="020B0603020101020101" pitchFamily="50" charset="-127"/>
+                          <a:ea typeface="나눔바른고딕" panose="020B0603020101020101" pitchFamily="50" charset="-127"/>
+                        </a:rPr>
                         <a:t>showCourseButton</a:t>
                       </a:r>
                       <a:r>
-                        <a:rPr lang="en-US" altLang="ko-KR" dirty="0"/>
+                        <a:rPr lang="en-US" altLang="ko-KR" dirty="0">
+                          <a:latin typeface="나눔바른고딕" panose="020B0603020101020101" pitchFamily="50" charset="-127"/>
+                          <a:ea typeface="나눔바른고딕" panose="020B0603020101020101" pitchFamily="50" charset="-127"/>
+                        </a:rPr>
                         <a:t> : Button</a:t>
                       </a:r>
                     </a:p>
                     <a:p>
-                      <a:pPr latinLnBrk="1"/>
-                      <a:r>
-                        <a:rPr lang="en-US" altLang="ko-KR" dirty="0"/>
+                      <a:pPr algn="l" latinLnBrk="1"/>
+                      <a:r>
+                        <a:rPr lang="en-US" altLang="ko-KR" dirty="0">
+                          <a:latin typeface="나눔바른고딕" panose="020B0603020101020101" pitchFamily="50" charset="-127"/>
+                          <a:ea typeface="나눔바른고딕" panose="020B0603020101020101" pitchFamily="50" charset="-127"/>
+                        </a:rPr>
                         <a:t>-</a:t>
                       </a:r>
                       <a:r>
-                        <a:rPr lang="en-US" altLang="ko-KR" dirty="0" err="1"/>
+                        <a:rPr lang="en-US" altLang="ko-KR" dirty="0" err="1">
+                          <a:latin typeface="나눔바른고딕" panose="020B0603020101020101" pitchFamily="50" charset="-127"/>
+                          <a:ea typeface="나눔바른고딕" panose="020B0603020101020101" pitchFamily="50" charset="-127"/>
+                        </a:rPr>
                         <a:t>courseTable</a:t>
                       </a:r>
                       <a:r>
-                        <a:rPr lang="en-US" altLang="ko-KR" dirty="0"/>
+                        <a:rPr lang="en-US" altLang="ko-KR" dirty="0">
+                          <a:latin typeface="나눔바른고딕" panose="020B0603020101020101" pitchFamily="50" charset="-127"/>
+                          <a:ea typeface="나눔바른고딕" panose="020B0603020101020101" pitchFamily="50" charset="-127"/>
+                        </a:rPr>
                         <a:t> : Table</a:t>
                       </a:r>
                     </a:p>
                     <a:p>
-                      <a:pPr latinLnBrk="1"/>
-                      <a:r>
-                        <a:rPr lang="en-US" altLang="ko-KR" dirty="0"/>
+                      <a:pPr algn="l" latinLnBrk="1"/>
+                      <a:r>
+                        <a:rPr lang="en-US" altLang="ko-KR" dirty="0">
+                          <a:latin typeface="나눔바른고딕" panose="020B0603020101020101" pitchFamily="50" charset="-127"/>
+                          <a:ea typeface="나눔바른고딕" panose="020B0603020101020101" pitchFamily="50" charset="-127"/>
+                        </a:rPr>
                         <a:t>-</a:t>
                       </a:r>
                       <a:r>
-                        <a:rPr lang="en-US" altLang="ko-KR" dirty="0" err="1"/>
+                        <a:rPr lang="en-US" altLang="ko-KR" dirty="0" err="1">
+                          <a:latin typeface="나눔바른고딕" panose="020B0603020101020101" pitchFamily="50" charset="-127"/>
+                          <a:ea typeface="나눔바른고딕" panose="020B0603020101020101" pitchFamily="50" charset="-127"/>
+                        </a:rPr>
                         <a:t>regTable</a:t>
                       </a:r>
                       <a:r>
-                        <a:rPr lang="en-US" altLang="ko-KR" dirty="0"/>
+                        <a:rPr lang="en-US" altLang="ko-KR" dirty="0">
+                          <a:latin typeface="나눔바른고딕" panose="020B0603020101020101" pitchFamily="50" charset="-127"/>
+                          <a:ea typeface="나눔바른고딕" panose="020B0603020101020101" pitchFamily="50" charset="-127"/>
+                        </a:rPr>
                         <a:t> : Table</a:t>
                       </a:r>
                     </a:p>
                     <a:p>
-                      <a:pPr latinLnBrk="1"/>
-                      <a:r>
-                        <a:rPr lang="en-US" altLang="ko-KR" dirty="0"/>
+                      <a:pPr algn="l" latinLnBrk="1"/>
+                      <a:r>
+                        <a:rPr lang="en-US" altLang="ko-KR" dirty="0">
+                          <a:latin typeface="나눔바른고딕" panose="020B0603020101020101" pitchFamily="50" charset="-127"/>
+                          <a:ea typeface="나눔바른고딕" panose="020B0603020101020101" pitchFamily="50" charset="-127"/>
+                        </a:rPr>
                         <a:t>-</a:t>
                       </a:r>
                       <a:r>
-                        <a:rPr lang="en-US" altLang="ko-KR" dirty="0" err="1"/>
+                        <a:rPr lang="en-US" altLang="ko-KR" dirty="0" err="1">
+                          <a:latin typeface="나눔바른고딕" panose="020B0603020101020101" pitchFamily="50" charset="-127"/>
+                          <a:ea typeface="나눔바른고딕" panose="020B0603020101020101" pitchFamily="50" charset="-127"/>
+                        </a:rPr>
                         <a:t>loginSystem</a:t>
                       </a:r>
                       <a:r>
-                        <a:rPr lang="en-US" altLang="ko-KR" dirty="0"/>
+                        <a:rPr lang="en-US" altLang="ko-KR" dirty="0">
+                          <a:latin typeface="나눔바른고딕" panose="020B0603020101020101" pitchFamily="50" charset="-127"/>
+                          <a:ea typeface="나눔바른고딕" panose="020B0603020101020101" pitchFamily="50" charset="-127"/>
+                        </a:rPr>
                         <a:t> : </a:t>
                       </a:r>
                       <a:r>
-                        <a:rPr lang="en-US" altLang="ko-KR" dirty="0" err="1"/>
+                        <a:rPr lang="en-US" altLang="ko-KR" dirty="0" err="1">
+                          <a:latin typeface="나눔바른고딕" panose="020B0603020101020101" pitchFamily="50" charset="-127"/>
+                          <a:ea typeface="나눔바른고딕" panose="020B0603020101020101" pitchFamily="50" charset="-127"/>
+                        </a:rPr>
                         <a:t>LoginSystem</a:t>
                       </a:r>
-                      <a:endParaRPr lang="en-US" altLang="ko-KR" dirty="0"/>
-                    </a:p>
-                    <a:p>
-                      <a:pPr latinLnBrk="1"/>
-                      <a:r>
-                        <a:rPr lang="en-US" altLang="ko-KR" dirty="0"/>
+                      <a:endParaRPr lang="en-US" altLang="ko-KR" dirty="0">
+                        <a:latin typeface="나눔바른고딕" panose="020B0603020101020101" pitchFamily="50" charset="-127"/>
+                        <a:ea typeface="나눔바른고딕" panose="020B0603020101020101" pitchFamily="50" charset="-127"/>
+                      </a:endParaRPr>
+                    </a:p>
+                    <a:p>
+                      <a:pPr algn="l" latinLnBrk="1"/>
+                      <a:r>
+                        <a:rPr lang="en-US" altLang="ko-KR" dirty="0">
+                          <a:latin typeface="나눔바른고딕" panose="020B0603020101020101" pitchFamily="50" charset="-127"/>
+                          <a:ea typeface="나눔바른고딕" panose="020B0603020101020101" pitchFamily="50" charset="-127"/>
+                        </a:rPr>
                         <a:t>-</a:t>
                       </a:r>
                       <a:r>
-                        <a:rPr lang="en-US" altLang="ko-KR" dirty="0" err="1"/>
+                        <a:rPr lang="en-US" altLang="ko-KR" dirty="0" err="1">
+                          <a:latin typeface="나눔바른고딕" panose="020B0603020101020101" pitchFamily="50" charset="-127"/>
+                          <a:ea typeface="나눔바른고딕" panose="020B0603020101020101" pitchFamily="50" charset="-127"/>
+                        </a:rPr>
                         <a:t>courseContents</a:t>
                       </a:r>
                       <a:r>
-                        <a:rPr lang="en-US" altLang="ko-KR" dirty="0"/>
+                        <a:rPr lang="en-US" altLang="ko-KR" dirty="0">
+                          <a:latin typeface="나눔바른고딕" panose="020B0603020101020101" pitchFamily="50" charset="-127"/>
+                          <a:ea typeface="나눔바른고딕" panose="020B0603020101020101" pitchFamily="50" charset="-127"/>
+                        </a:rPr>
                         <a:t> : </a:t>
                       </a:r>
                       <a:r>
-                        <a:rPr lang="en-US" altLang="ko-KR" dirty="0" err="1"/>
+                        <a:rPr lang="en-US" altLang="ko-KR" dirty="0" err="1">
+                          <a:latin typeface="나눔바른고딕" panose="020B0603020101020101" pitchFamily="50" charset="-127"/>
+                          <a:ea typeface="나눔바른고딕" panose="020B0603020101020101" pitchFamily="50" charset="-127"/>
+                        </a:rPr>
                         <a:t>ShowCourseSystem</a:t>
                       </a:r>
-                      <a:endParaRPr lang="ko-KR" altLang="en-US" dirty="0"/>
+                      <a:endParaRPr lang="ko-KR" altLang="en-US" dirty="0">
+                        <a:latin typeface="나눔바른고딕" panose="020B0603020101020101" pitchFamily="50" charset="-127"/>
+                        <a:ea typeface="나눔바른고딕" panose="020B0603020101020101" pitchFamily="50" charset="-127"/>
+                      </a:endParaRPr>
                     </a:p>
                   </a:txBody>
-                  <a:tcPr/>
+                  <a:tcPr anchor="ctr"/>
                 </a:tc>
                 <a:extLst>
                   <a:ext uri="{0D108BD9-81ED-4DB2-BD59-A6C34878D82A}">
-                    <a16:rowId xmlns:a16="http://schemas.microsoft.com/office/drawing/2014/main" val="1087690364"/>
+                    <a16:rowId xmlns:a16="http://schemas.microsoft.com/office/drawing/2014/main" xmlns="" val="1087690364"/>
                   </a:ext>
                 </a:extLst>
               </a:tr>
@@ -7048,105 +9398,165 @@
                     <a:p>
                       <a:pPr latinLnBrk="1"/>
                       <a:r>
-                        <a:rPr lang="en-US" altLang="ko-KR" dirty="0"/>
+                        <a:rPr lang="en-US" altLang="ko-KR" dirty="0">
+                          <a:latin typeface="나눔바른고딕" panose="020B0603020101020101" pitchFamily="50" charset="-127"/>
+                          <a:ea typeface="나눔바른고딕" panose="020B0603020101020101" pitchFamily="50" charset="-127"/>
+                        </a:rPr>
                         <a:t>+</a:t>
                       </a:r>
                       <a:r>
-                        <a:rPr lang="en-US" altLang="ko-KR" dirty="0" err="1"/>
+                        <a:rPr lang="en-US" altLang="ko-KR" dirty="0" err="1">
+                          <a:latin typeface="나눔바른고딕" panose="020B0603020101020101" pitchFamily="50" charset="-127"/>
+                          <a:ea typeface="나눔바른고딕" panose="020B0603020101020101" pitchFamily="50" charset="-127"/>
+                        </a:rPr>
                         <a:t>MainUI</a:t>
                       </a:r>
                       <a:r>
-                        <a:rPr lang="en-US" altLang="ko-KR" dirty="0"/>
+                        <a:rPr lang="en-US" altLang="ko-KR" dirty="0">
+                          <a:latin typeface="나눔바른고딕" panose="020B0603020101020101" pitchFamily="50" charset="-127"/>
+                          <a:ea typeface="나눔바른고딕" panose="020B0603020101020101" pitchFamily="50" charset="-127"/>
+                        </a:rPr>
                         <a:t>(</a:t>
                       </a:r>
                       <a:r>
-                        <a:rPr lang="en-US" altLang="ko-KR" dirty="0" err="1"/>
+                        <a:rPr lang="en-US" altLang="ko-KR" dirty="0" err="1">
+                          <a:latin typeface="나눔바른고딕" panose="020B0603020101020101" pitchFamily="50" charset="-127"/>
+                          <a:ea typeface="나눔바른고딕" panose="020B0603020101020101" pitchFamily="50" charset="-127"/>
+                        </a:rPr>
                         <a:t>loginSystem</a:t>
                       </a:r>
                       <a:r>
-                        <a:rPr lang="en-US" altLang="ko-KR" dirty="0"/>
+                        <a:rPr lang="en-US" altLang="ko-KR" dirty="0">
+                          <a:latin typeface="나눔바른고딕" panose="020B0603020101020101" pitchFamily="50" charset="-127"/>
+                          <a:ea typeface="나눔바른고딕" panose="020B0603020101020101" pitchFamily="50" charset="-127"/>
+                        </a:rPr>
                         <a:t> : </a:t>
                       </a:r>
                       <a:r>
-                        <a:rPr lang="en-US" altLang="ko-KR" dirty="0" err="1"/>
+                        <a:rPr lang="en-US" altLang="ko-KR" dirty="0" err="1">
+                          <a:latin typeface="나눔바른고딕" panose="020B0603020101020101" pitchFamily="50" charset="-127"/>
+                          <a:ea typeface="나눔바른고딕" panose="020B0603020101020101" pitchFamily="50" charset="-127"/>
+                        </a:rPr>
                         <a:t>LoginSystem</a:t>
                       </a:r>
                       <a:r>
-                        <a:rPr lang="en-US" altLang="ko-KR" dirty="0"/>
+                        <a:rPr lang="en-US" altLang="ko-KR" dirty="0">
+                          <a:latin typeface="나눔바른고딕" panose="020B0603020101020101" pitchFamily="50" charset="-127"/>
+                          <a:ea typeface="나눔바른고딕" panose="020B0603020101020101" pitchFamily="50" charset="-127"/>
+                        </a:rPr>
                         <a:t>)</a:t>
                       </a:r>
                     </a:p>
                     <a:p>
                       <a:pPr latinLnBrk="1"/>
                       <a:r>
-                        <a:rPr lang="en-US" altLang="ko-KR" dirty="0"/>
+                        <a:rPr lang="en-US" altLang="ko-KR" dirty="0">
+                          <a:latin typeface="나눔바른고딕" panose="020B0603020101020101" pitchFamily="50" charset="-127"/>
+                          <a:ea typeface="나눔바른고딕" panose="020B0603020101020101" pitchFamily="50" charset="-127"/>
+                        </a:rPr>
                         <a:t>+</a:t>
                       </a:r>
                       <a:r>
-                        <a:rPr lang="en-US" altLang="ko-KR" dirty="0" err="1"/>
+                        <a:rPr lang="en-US" altLang="ko-KR" dirty="0" err="1">
+                          <a:latin typeface="나눔바른고딕" panose="020B0603020101020101" pitchFamily="50" charset="-127"/>
+                          <a:ea typeface="나눔바른고딕" panose="020B0603020101020101" pitchFamily="50" charset="-127"/>
+                        </a:rPr>
                         <a:t>showMainUI</a:t>
                       </a:r>
                       <a:r>
-                        <a:rPr lang="en-US" altLang="ko-KR" dirty="0"/>
+                        <a:rPr lang="en-US" altLang="ko-KR" dirty="0">
+                          <a:latin typeface="나눔바른고딕" panose="020B0603020101020101" pitchFamily="50" charset="-127"/>
+                          <a:ea typeface="나눔바른고딕" panose="020B0603020101020101" pitchFamily="50" charset="-127"/>
+                        </a:rPr>
                         <a:t>(</a:t>
                       </a:r>
                       <a:r>
-                        <a:rPr lang="en-US" altLang="ko-KR" dirty="0" err="1"/>
+                        <a:rPr lang="en-US" altLang="ko-KR" dirty="0" err="1">
+                          <a:latin typeface="나눔바른고딕" panose="020B0603020101020101" pitchFamily="50" charset="-127"/>
+                          <a:ea typeface="나눔바른고딕" panose="020B0603020101020101" pitchFamily="50" charset="-127"/>
+                        </a:rPr>
                         <a:t>studentName</a:t>
                       </a:r>
                       <a:r>
-                        <a:rPr lang="en-US" altLang="ko-KR" dirty="0"/>
+                        <a:rPr lang="en-US" altLang="ko-KR" dirty="0">
+                          <a:latin typeface="나눔바른고딕" panose="020B0603020101020101" pitchFamily="50" charset="-127"/>
+                          <a:ea typeface="나눔바른고딕" panose="020B0603020101020101" pitchFamily="50" charset="-127"/>
+                        </a:rPr>
                         <a:t> : String)</a:t>
                       </a:r>
                     </a:p>
                     <a:p>
                       <a:pPr latinLnBrk="1"/>
                       <a:r>
-                        <a:rPr lang="en-US" altLang="ko-KR" dirty="0"/>
+                        <a:rPr lang="en-US" altLang="ko-KR" dirty="0">
+                          <a:latin typeface="나눔바른고딕" panose="020B0603020101020101" pitchFamily="50" charset="-127"/>
+                          <a:ea typeface="나눔바른고딕" panose="020B0603020101020101" pitchFamily="50" charset="-127"/>
+                        </a:rPr>
                         <a:t>+</a:t>
                       </a:r>
                       <a:r>
-                        <a:rPr lang="en-US" altLang="ko-KR" dirty="0" err="1"/>
+                        <a:rPr lang="en-US" altLang="ko-KR" dirty="0" err="1">
+                          <a:latin typeface="나눔바른고딕" panose="020B0603020101020101" pitchFamily="50" charset="-127"/>
+                          <a:ea typeface="나눔바른고딕" panose="020B0603020101020101" pitchFamily="50" charset="-127"/>
+                        </a:rPr>
                         <a:t>showTimeUI</a:t>
                       </a:r>
                       <a:r>
-                        <a:rPr lang="en-US" altLang="ko-KR" dirty="0"/>
+                        <a:rPr lang="en-US" altLang="ko-KR" dirty="0">
+                          <a:latin typeface="나눔바른고딕" panose="020B0603020101020101" pitchFamily="50" charset="-127"/>
+                          <a:ea typeface="나눔바른고딕" panose="020B0603020101020101" pitchFamily="50" charset="-127"/>
+                        </a:rPr>
                         <a:t>()</a:t>
                       </a:r>
                     </a:p>
                     <a:p>
                       <a:pPr latinLnBrk="1"/>
                       <a:r>
-                        <a:rPr lang="en-US" altLang="ko-KR" dirty="0"/>
+                        <a:rPr lang="en-US" altLang="ko-KR" dirty="0">
+                          <a:latin typeface="나눔바른고딕" panose="020B0603020101020101" pitchFamily="50" charset="-127"/>
+                          <a:ea typeface="나눔바른고딕" panose="020B0603020101020101" pitchFamily="50" charset="-127"/>
+                        </a:rPr>
                         <a:t>+</a:t>
                       </a:r>
                       <a:r>
-                        <a:rPr lang="en-US" altLang="ko-KR" dirty="0" err="1"/>
+                        <a:rPr lang="en-US" altLang="ko-KR" dirty="0" err="1">
+                          <a:latin typeface="나눔바른고딕" panose="020B0603020101020101" pitchFamily="50" charset="-127"/>
+                          <a:ea typeface="나눔바른고딕" panose="020B0603020101020101" pitchFamily="50" charset="-127"/>
+                        </a:rPr>
                         <a:t>actionPerformed</a:t>
                       </a:r>
                       <a:r>
-                        <a:rPr lang="en-US" altLang="ko-KR" dirty="0"/>
+                        <a:rPr lang="en-US" altLang="ko-KR" dirty="0">
+                          <a:latin typeface="나눔바른고딕" panose="020B0603020101020101" pitchFamily="50" charset="-127"/>
+                          <a:ea typeface="나눔바른고딕" panose="020B0603020101020101" pitchFamily="50" charset="-127"/>
+                        </a:rPr>
                         <a:t>(e : </a:t>
                       </a:r>
                       <a:r>
-                        <a:rPr lang="en-US" altLang="ko-KR" dirty="0" err="1"/>
+                        <a:rPr lang="en-US" altLang="ko-KR" dirty="0" err="1">
+                          <a:latin typeface="나눔바른고딕" panose="020B0603020101020101" pitchFamily="50" charset="-127"/>
+                          <a:ea typeface="나눔바른고딕" panose="020B0603020101020101" pitchFamily="50" charset="-127"/>
+                        </a:rPr>
                         <a:t>ActionEvent</a:t>
                       </a:r>
                       <a:r>
-                        <a:rPr lang="en-US" altLang="ko-KR" dirty="0"/>
+                        <a:rPr lang="en-US" altLang="ko-KR" dirty="0" smtClean="0">
+                          <a:latin typeface="나눔바른고딕" panose="020B0603020101020101" pitchFamily="50" charset="-127"/>
+                          <a:ea typeface="나눔바른고딕" panose="020B0603020101020101" pitchFamily="50" charset="-127"/>
+                        </a:rPr>
                         <a:t>)</a:t>
                       </a:r>
-                    </a:p>
-                    <a:p>
-                      <a:pPr latinLnBrk="1"/>
-                      <a:endParaRPr lang="ko-KR" altLang="en-US" dirty="0"/>
+                      <a:endParaRPr lang="en-US" altLang="ko-KR" dirty="0">
+                        <a:latin typeface="나눔바른고딕" panose="020B0603020101020101" pitchFamily="50" charset="-127"/>
+                        <a:ea typeface="나눔바른고딕" panose="020B0603020101020101" pitchFamily="50" charset="-127"/>
+                      </a:endParaRPr>
                     </a:p>
                   </a:txBody>
-                  <a:tcPr/>
+                  <a:tcPr anchor="ctr"/>
                 </a:tc>
                 <a:extLst>
                   <a:ext uri="{0D108BD9-81ED-4DB2-BD59-A6C34878D82A}">
-                    <a16:rowId xmlns:a16="http://schemas.microsoft.com/office/drawing/2014/main" val="1597738046"/>
+                    <a16:rowId xmlns:a16="http://schemas.microsoft.com/office/drawing/2014/main" xmlns="" val="1597738046"/>
                   </a:ext>
                 </a:extLst>
               </a:tr>
@@ -7161,12 +9571,16 @@
             <a:graphicFrameLocks noGrp="1"/>
           </p:cNvGraphicFramePr>
           <p:nvPr>
-            <p:extLst/>
+            <p:extLst>
+              <p:ext uri="{D42A27DB-BD31-4B8C-83A1-F6EECF244321}">
+                <p14:modId xmlns:p14="http://schemas.microsoft.com/office/powerpoint/2010/main" val="2168050623"/>
+              </p:ext>
+            </p:extLst>
           </p:nvPr>
         </p:nvGraphicFramePr>
         <p:xfrm>
-          <a:off x="4754101" y="1229360"/>
-          <a:ext cx="3749040" cy="4698912"/>
+          <a:off x="4754100" y="1229358"/>
+          <a:ext cx="4106407" cy="4973234"/>
         </p:xfrm>
         <a:graphic>
           <a:graphicData uri="http://schemas.openxmlformats.org/drawingml/2006/table">
@@ -7175,15 +9589,15 @@
                 <a:tableStyleId>{7E9639D4-E3E2-4D34-9284-5A2195B3D0D7}</a:tableStyleId>
               </a:tblPr>
               <a:tblGrid>
-                <a:gridCol w="3749040">
+                <a:gridCol w="4106407">
                   <a:extLst>
                     <a:ext uri="{9D8B030D-6E8A-4147-A177-3AD203B41FA5}">
-                      <a16:colId xmlns:a16="http://schemas.microsoft.com/office/drawing/2014/main" val="3774239926"/>
+                      <a16:colId xmlns:a16="http://schemas.microsoft.com/office/drawing/2014/main" xmlns="" val="3774239926"/>
                     </a:ext>
                   </a:extLst>
                 </a:gridCol>
               </a:tblGrid>
-              <a:tr h="388296">
+              <a:tr h="410965">
                 <a:tc>
                   <a:txBody>
                     <a:bodyPr/>
@@ -7191,21 +9605,41 @@
                     <a:p>
                       <a:pPr latinLnBrk="1"/>
                       <a:r>
-                        <a:rPr lang="en-US" altLang="ko-KR" dirty="0"/>
-                        <a:t>login UI</a:t>
-                      </a:r>
-                      <a:endParaRPr lang="ko-KR" altLang="en-US" dirty="0"/>
+                        <a:rPr lang="en-US" altLang="ko-KR" dirty="0">
+                          <a:latin typeface="나눔바른고딕" panose="020B0603020101020101" pitchFamily="50" charset="-127"/>
+                          <a:ea typeface="나눔바른고딕" panose="020B0603020101020101" pitchFamily="50" charset="-127"/>
+                        </a:rPr>
+                        <a:t>L</a:t>
+                      </a:r>
+                      <a:r>
+                        <a:rPr lang="en-US" altLang="ko-KR" dirty="0" smtClean="0">
+                          <a:latin typeface="나눔바른고딕" panose="020B0603020101020101" pitchFamily="50" charset="-127"/>
+                          <a:ea typeface="나눔바른고딕" panose="020B0603020101020101" pitchFamily="50" charset="-127"/>
+                        </a:rPr>
+                        <a:t>ogin </a:t>
+                      </a:r>
+                      <a:r>
+                        <a:rPr lang="en-US" altLang="ko-KR" dirty="0">
+                          <a:latin typeface="나눔바른고딕" panose="020B0603020101020101" pitchFamily="50" charset="-127"/>
+                          <a:ea typeface="나눔바른고딕" panose="020B0603020101020101" pitchFamily="50" charset="-127"/>
+                        </a:rPr>
+                        <a:t>UI</a:t>
+                      </a:r>
+                      <a:endParaRPr lang="ko-KR" altLang="en-US" dirty="0">
+                        <a:latin typeface="나눔바른고딕" panose="020B0603020101020101" pitchFamily="50" charset="-127"/>
+                        <a:ea typeface="나눔바른고딕" panose="020B0603020101020101" pitchFamily="50" charset="-127"/>
+                      </a:endParaRPr>
                     </a:p>
                   </a:txBody>
                   <a:tcPr/>
                 </a:tc>
                 <a:extLst>
                   <a:ext uri="{0D108BD9-81ED-4DB2-BD59-A6C34878D82A}">
-                    <a16:rowId xmlns:a16="http://schemas.microsoft.com/office/drawing/2014/main" val="302007300"/>
+                    <a16:rowId xmlns:a16="http://schemas.microsoft.com/office/drawing/2014/main" xmlns="" val="302007300"/>
                   </a:ext>
                 </a:extLst>
               </a:tr>
-              <a:tr h="2486938">
+              <a:tr h="2632125">
                 <a:tc>
                   <a:txBody>
                     <a:bodyPr/>
@@ -7213,88 +9647,142 @@
                     <a:p>
                       <a:pPr latinLnBrk="1"/>
                       <a:r>
-                        <a:rPr lang="en-US" altLang="ko-KR" dirty="0"/>
+                        <a:rPr lang="en-US" altLang="ko-KR" dirty="0">
+                          <a:latin typeface="나눔바른고딕" panose="020B0603020101020101" pitchFamily="50" charset="-127"/>
+                          <a:ea typeface="나눔바른고딕" panose="020B0603020101020101" pitchFamily="50" charset="-127"/>
+                        </a:rPr>
                         <a:t>-</a:t>
                       </a:r>
                       <a:r>
-                        <a:rPr lang="en-US" altLang="ko-KR" dirty="0" err="1"/>
+                        <a:rPr lang="en-US" altLang="ko-KR" dirty="0" err="1">
+                          <a:latin typeface="나눔바른고딕" panose="020B0603020101020101" pitchFamily="50" charset="-127"/>
+                          <a:ea typeface="나눔바른고딕" panose="020B0603020101020101" pitchFamily="50" charset="-127"/>
+                        </a:rPr>
                         <a:t>loginButton</a:t>
                       </a:r>
                       <a:r>
-                        <a:rPr lang="en-US" altLang="ko-KR" dirty="0"/>
+                        <a:rPr lang="en-US" altLang="ko-KR" dirty="0">
+                          <a:latin typeface="나눔바른고딕" panose="020B0603020101020101" pitchFamily="50" charset="-127"/>
+                          <a:ea typeface="나눔바른고딕" panose="020B0603020101020101" pitchFamily="50" charset="-127"/>
+                        </a:rPr>
                         <a:t> : Button</a:t>
                       </a:r>
                     </a:p>
                     <a:p>
                       <a:pPr latinLnBrk="1"/>
                       <a:r>
-                        <a:rPr lang="en-US" altLang="ko-KR" dirty="0"/>
+                        <a:rPr lang="en-US" altLang="ko-KR" dirty="0">
+                          <a:latin typeface="나눔바른고딕" panose="020B0603020101020101" pitchFamily="50" charset="-127"/>
+                          <a:ea typeface="나눔바른고딕" panose="020B0603020101020101" pitchFamily="50" charset="-127"/>
+                        </a:rPr>
                         <a:t>-</a:t>
                       </a:r>
                       <a:r>
-                        <a:rPr lang="en-US" altLang="ko-KR" dirty="0" err="1"/>
+                        <a:rPr lang="en-US" altLang="ko-KR" dirty="0" err="1">
+                          <a:latin typeface="나눔바른고딕" panose="020B0603020101020101" pitchFamily="50" charset="-127"/>
+                          <a:ea typeface="나눔바른고딕" panose="020B0603020101020101" pitchFamily="50" charset="-127"/>
+                        </a:rPr>
                         <a:t>idTextField</a:t>
                       </a:r>
                       <a:r>
-                        <a:rPr lang="en-US" altLang="ko-KR" dirty="0"/>
+                        <a:rPr lang="en-US" altLang="ko-KR" dirty="0">
+                          <a:latin typeface="나눔바른고딕" panose="020B0603020101020101" pitchFamily="50" charset="-127"/>
+                          <a:ea typeface="나눔바른고딕" panose="020B0603020101020101" pitchFamily="50" charset="-127"/>
+                        </a:rPr>
                         <a:t> : </a:t>
                       </a:r>
                       <a:r>
-                        <a:rPr lang="en-US" altLang="ko-KR" dirty="0" err="1"/>
+                        <a:rPr lang="en-US" altLang="ko-KR" dirty="0" err="1">
+                          <a:latin typeface="나눔바른고딕" panose="020B0603020101020101" pitchFamily="50" charset="-127"/>
+                          <a:ea typeface="나눔바른고딕" panose="020B0603020101020101" pitchFamily="50" charset="-127"/>
+                        </a:rPr>
                         <a:t>TextField</a:t>
                       </a:r>
-                      <a:endParaRPr lang="en-US" altLang="ko-KR" dirty="0"/>
+                      <a:endParaRPr lang="en-US" altLang="ko-KR" dirty="0">
+                        <a:latin typeface="나눔바른고딕" panose="020B0603020101020101" pitchFamily="50" charset="-127"/>
+                        <a:ea typeface="나눔바른고딕" panose="020B0603020101020101" pitchFamily="50" charset="-127"/>
+                      </a:endParaRPr>
                     </a:p>
                     <a:p>
                       <a:pPr latinLnBrk="1"/>
                       <a:r>
-                        <a:rPr lang="en-US" altLang="ko-KR" dirty="0"/>
+                        <a:rPr lang="en-US" altLang="ko-KR" dirty="0">
+                          <a:latin typeface="나눔바른고딕" panose="020B0603020101020101" pitchFamily="50" charset="-127"/>
+                          <a:ea typeface="나눔바른고딕" panose="020B0603020101020101" pitchFamily="50" charset="-127"/>
+                        </a:rPr>
                         <a:t>-</a:t>
                       </a:r>
                       <a:r>
-                        <a:rPr lang="en-US" altLang="ko-KR" dirty="0" err="1"/>
+                        <a:rPr lang="en-US" altLang="ko-KR" dirty="0" err="1">
+                          <a:latin typeface="나눔바른고딕" panose="020B0603020101020101" pitchFamily="50" charset="-127"/>
+                          <a:ea typeface="나눔바른고딕" panose="020B0603020101020101" pitchFamily="50" charset="-127"/>
+                        </a:rPr>
                         <a:t>passwordTextField</a:t>
                       </a:r>
                       <a:r>
-                        <a:rPr lang="en-US" altLang="ko-KR" dirty="0"/>
+                        <a:rPr lang="en-US" altLang="ko-KR" dirty="0">
+                          <a:latin typeface="나눔바른고딕" panose="020B0603020101020101" pitchFamily="50" charset="-127"/>
+                          <a:ea typeface="나눔바른고딕" panose="020B0603020101020101" pitchFamily="50" charset="-127"/>
+                        </a:rPr>
                         <a:t> : </a:t>
                       </a:r>
                       <a:r>
-                        <a:rPr lang="en-US" altLang="ko-KR" dirty="0" err="1"/>
+                        <a:rPr lang="en-US" altLang="ko-KR" dirty="0" err="1">
+                          <a:latin typeface="나눔바른고딕" panose="020B0603020101020101" pitchFamily="50" charset="-127"/>
+                          <a:ea typeface="나눔바른고딕" panose="020B0603020101020101" pitchFamily="50" charset="-127"/>
+                        </a:rPr>
                         <a:t>TextField</a:t>
                       </a:r>
-                      <a:endParaRPr lang="en-US" altLang="ko-KR" dirty="0"/>
+                      <a:endParaRPr lang="en-US" altLang="ko-KR" dirty="0">
+                        <a:latin typeface="나눔바른고딕" panose="020B0603020101020101" pitchFamily="50" charset="-127"/>
+                        <a:ea typeface="나눔바른고딕" panose="020B0603020101020101" pitchFamily="50" charset="-127"/>
+                      </a:endParaRPr>
                     </a:p>
                     <a:p>
                       <a:pPr latinLnBrk="1"/>
                       <a:r>
-                        <a:rPr lang="en-US" altLang="ko-KR" dirty="0"/>
+                        <a:rPr lang="en-US" altLang="ko-KR" dirty="0">
+                          <a:latin typeface="나눔바른고딕" panose="020B0603020101020101" pitchFamily="50" charset="-127"/>
+                          <a:ea typeface="나눔바른고딕" panose="020B0603020101020101" pitchFamily="50" charset="-127"/>
+                        </a:rPr>
                         <a:t>-</a:t>
                       </a:r>
                       <a:r>
-                        <a:rPr lang="en-US" altLang="ko-KR" dirty="0" err="1"/>
+                        <a:rPr lang="en-US" altLang="ko-KR" dirty="0" err="1">
+                          <a:latin typeface="나눔바른고딕" panose="020B0603020101020101" pitchFamily="50" charset="-127"/>
+                          <a:ea typeface="나눔바른고딕" panose="020B0603020101020101" pitchFamily="50" charset="-127"/>
+                        </a:rPr>
                         <a:t>loginSystem</a:t>
                       </a:r>
                       <a:r>
-                        <a:rPr lang="en-US" altLang="ko-KR" dirty="0"/>
+                        <a:rPr lang="en-US" altLang="ko-KR" dirty="0">
+                          <a:latin typeface="나눔바른고딕" panose="020B0603020101020101" pitchFamily="50" charset="-127"/>
+                          <a:ea typeface="나눔바른고딕" panose="020B0603020101020101" pitchFamily="50" charset="-127"/>
+                        </a:rPr>
                         <a:t> : </a:t>
                       </a:r>
                       <a:r>
-                        <a:rPr lang="en-US" altLang="ko-KR" dirty="0" err="1"/>
+                        <a:rPr lang="en-US" altLang="ko-KR" dirty="0" err="1">
+                          <a:latin typeface="나눔바른고딕" panose="020B0603020101020101" pitchFamily="50" charset="-127"/>
+                          <a:ea typeface="나눔바른고딕" panose="020B0603020101020101" pitchFamily="50" charset="-127"/>
+                        </a:rPr>
                         <a:t>LoginSystem</a:t>
                       </a:r>
-                      <a:endParaRPr lang="ko-KR" altLang="en-US" dirty="0"/>
+                      <a:endParaRPr lang="ko-KR" altLang="en-US" dirty="0">
+                        <a:latin typeface="나눔바른고딕" panose="020B0603020101020101" pitchFamily="50" charset="-127"/>
+                        <a:ea typeface="나눔바른고딕" panose="020B0603020101020101" pitchFamily="50" charset="-127"/>
+                      </a:endParaRPr>
                     </a:p>
                   </a:txBody>
-                  <a:tcPr/>
+                  <a:tcPr anchor="ctr"/>
                 </a:tc>
                 <a:extLst>
                   <a:ext uri="{0D108BD9-81ED-4DB2-BD59-A6C34878D82A}">
-                    <a16:rowId xmlns:a16="http://schemas.microsoft.com/office/drawing/2014/main" val="1087690364"/>
+                    <a16:rowId xmlns:a16="http://schemas.microsoft.com/office/drawing/2014/main" xmlns="" val="1087690364"/>
                   </a:ext>
                 </a:extLst>
               </a:tr>
-              <a:tr h="1823678">
+              <a:tr h="1930144">
                 <a:tc>
                   <a:txBody>
                     <a:bodyPr/>
@@ -7302,117 +9790,189 @@
                     <a:p>
                       <a:pPr latinLnBrk="1"/>
                       <a:r>
-                        <a:rPr lang="en-US" altLang="ko-KR" dirty="0"/>
+                        <a:rPr lang="en-US" altLang="ko-KR" dirty="0">
+                          <a:latin typeface="나눔바른고딕" panose="020B0603020101020101" pitchFamily="50" charset="-127"/>
+                          <a:ea typeface="나눔바른고딕" panose="020B0603020101020101" pitchFamily="50" charset="-127"/>
+                        </a:rPr>
                         <a:t>+</a:t>
                       </a:r>
                       <a:r>
-                        <a:rPr lang="en-US" altLang="ko-KR" dirty="0" err="1"/>
+                        <a:rPr lang="en-US" altLang="ko-KR" dirty="0" err="1">
+                          <a:latin typeface="나눔바른고딕" panose="020B0603020101020101" pitchFamily="50" charset="-127"/>
+                          <a:ea typeface="나눔바른고딕" panose="020B0603020101020101" pitchFamily="50" charset="-127"/>
+                        </a:rPr>
                         <a:t>LoginUI</a:t>
                       </a:r>
-                      <a:endParaRPr lang="en-US" altLang="ko-KR" dirty="0"/>
+                      <a:endParaRPr lang="en-US" altLang="ko-KR" dirty="0">
+                        <a:latin typeface="나눔바른고딕" panose="020B0603020101020101" pitchFamily="50" charset="-127"/>
+                        <a:ea typeface="나눔바른고딕" panose="020B0603020101020101" pitchFamily="50" charset="-127"/>
+                      </a:endParaRPr>
                     </a:p>
                     <a:p>
                       <a:pPr latinLnBrk="1"/>
                       <a:r>
-                        <a:rPr lang="en-US" altLang="ko-KR" dirty="0"/>
+                        <a:rPr lang="en-US" altLang="ko-KR" dirty="0">
+                          <a:latin typeface="나눔바른고딕" panose="020B0603020101020101" pitchFamily="50" charset="-127"/>
+                          <a:ea typeface="나눔바른고딕" panose="020B0603020101020101" pitchFamily="50" charset="-127"/>
+                        </a:rPr>
                         <a:t>+</a:t>
                       </a:r>
                       <a:r>
-                        <a:rPr lang="en-US" altLang="ko-KR" dirty="0" err="1"/>
+                        <a:rPr lang="en-US" altLang="ko-KR" dirty="0" err="1">
+                          <a:latin typeface="나눔바른고딕" panose="020B0603020101020101" pitchFamily="50" charset="-127"/>
+                          <a:ea typeface="나눔바른고딕" panose="020B0603020101020101" pitchFamily="50" charset="-127"/>
+                        </a:rPr>
                         <a:t>showLoginUI</a:t>
                       </a:r>
                       <a:r>
-                        <a:rPr lang="en-US" altLang="ko-KR" dirty="0"/>
+                        <a:rPr lang="en-US" altLang="ko-KR" dirty="0">
+                          <a:latin typeface="나눔바른고딕" panose="020B0603020101020101" pitchFamily="50" charset="-127"/>
+                          <a:ea typeface="나눔바른고딕" panose="020B0603020101020101" pitchFamily="50" charset="-127"/>
+                        </a:rPr>
                         <a:t>()</a:t>
                       </a:r>
                     </a:p>
                     <a:p>
                       <a:pPr latinLnBrk="1"/>
                       <a:r>
-                        <a:rPr lang="en-US" altLang="ko-KR" dirty="0"/>
+                        <a:rPr lang="en-US" altLang="ko-KR" dirty="0">
+                          <a:latin typeface="나눔바른고딕" panose="020B0603020101020101" pitchFamily="50" charset="-127"/>
+                          <a:ea typeface="나눔바른고딕" panose="020B0603020101020101" pitchFamily="50" charset="-127"/>
+                        </a:rPr>
                         <a:t>+</a:t>
                       </a:r>
                       <a:r>
-                        <a:rPr lang="en-US" altLang="ko-KR" dirty="0" err="1"/>
+                        <a:rPr lang="en-US" altLang="ko-KR" dirty="0" err="1">
+                          <a:latin typeface="나눔바른고딕" panose="020B0603020101020101" pitchFamily="50" charset="-127"/>
+                          <a:ea typeface="나눔바른고딕" panose="020B0603020101020101" pitchFamily="50" charset="-127"/>
+                        </a:rPr>
                         <a:t>failLogin</a:t>
                       </a:r>
                       <a:r>
-                        <a:rPr lang="en-US" altLang="ko-KR" dirty="0"/>
+                        <a:rPr lang="en-US" altLang="ko-KR" dirty="0">
+                          <a:latin typeface="나눔바른고딕" panose="020B0603020101020101" pitchFamily="50" charset="-127"/>
+                          <a:ea typeface="나눔바른고딕" panose="020B0603020101020101" pitchFamily="50" charset="-127"/>
+                        </a:rPr>
                         <a:t>()</a:t>
                       </a:r>
                     </a:p>
                     <a:p>
                       <a:pPr latinLnBrk="1"/>
                       <a:r>
-                        <a:rPr lang="en-US" altLang="ko-KR" dirty="0"/>
+                        <a:rPr lang="en-US" altLang="ko-KR" dirty="0" smtClean="0">
+                          <a:latin typeface="나눔바른고딕" panose="020B0603020101020101" pitchFamily="50" charset="-127"/>
+                          <a:ea typeface="나눔바른고딕" panose="020B0603020101020101" pitchFamily="50" charset="-127"/>
+                        </a:rPr>
                         <a:t>+</a:t>
                       </a:r>
                       <a:r>
-                        <a:rPr lang="en-US" altLang="ko-KR" dirty="0" err="1"/>
+                        <a:rPr lang="en-US" altLang="ko-KR" dirty="0" err="1" smtClean="0">
+                          <a:latin typeface="나눔바른고딕" panose="020B0603020101020101" pitchFamily="50" charset="-127"/>
+                          <a:ea typeface="나눔바른고딕" panose="020B0603020101020101" pitchFamily="50" charset="-127"/>
+                        </a:rPr>
                         <a:t>setLoginSystem</a:t>
                       </a:r>
                       <a:r>
-                        <a:rPr lang="en-US" altLang="ko-KR" dirty="0"/>
+                        <a:rPr lang="en-US" altLang="ko-KR" dirty="0" smtClean="0">
+                          <a:latin typeface="나눔바른고딕" panose="020B0603020101020101" pitchFamily="50" charset="-127"/>
+                          <a:ea typeface="나눔바른고딕" panose="020B0603020101020101" pitchFamily="50" charset="-127"/>
+                        </a:rPr>
                         <a:t>(s : </a:t>
                       </a:r>
                       <a:r>
-                        <a:rPr lang="en-US" altLang="ko-KR" dirty="0" err="1"/>
+                        <a:rPr lang="en-US" altLang="ko-KR" dirty="0" err="1">
+                          <a:latin typeface="나눔바른고딕" panose="020B0603020101020101" pitchFamily="50" charset="-127"/>
+                          <a:ea typeface="나눔바른고딕" panose="020B0603020101020101" pitchFamily="50" charset="-127"/>
+                        </a:rPr>
                         <a:t>LoginSystem</a:t>
                       </a:r>
                       <a:r>
-                        <a:rPr lang="en-US" altLang="ko-KR" dirty="0"/>
+                        <a:rPr lang="en-US" altLang="ko-KR" dirty="0">
+                          <a:latin typeface="나눔바른고딕" panose="020B0603020101020101" pitchFamily="50" charset="-127"/>
+                          <a:ea typeface="나눔바른고딕" panose="020B0603020101020101" pitchFamily="50" charset="-127"/>
+                        </a:rPr>
                         <a:t>)</a:t>
                       </a:r>
                     </a:p>
                     <a:p>
                       <a:pPr latinLnBrk="1"/>
                       <a:r>
-                        <a:rPr lang="en-US" altLang="ko-KR" dirty="0"/>
+                        <a:rPr lang="en-US" altLang="ko-KR" dirty="0">
+                          <a:latin typeface="나눔바른고딕" panose="020B0603020101020101" pitchFamily="50" charset="-127"/>
+                          <a:ea typeface="나눔바른고딕" panose="020B0603020101020101" pitchFamily="50" charset="-127"/>
+                        </a:rPr>
                         <a:t>+</a:t>
                       </a:r>
                       <a:r>
-                        <a:rPr lang="en-US" altLang="ko-KR" dirty="0" err="1"/>
+                        <a:rPr lang="en-US" altLang="ko-KR" dirty="0" err="1">
+                          <a:latin typeface="나눔바른고딕" panose="020B0603020101020101" pitchFamily="50" charset="-127"/>
+                          <a:ea typeface="나눔바른고딕" panose="020B0603020101020101" pitchFamily="50" charset="-127"/>
+                        </a:rPr>
                         <a:t>getLoginSystem</a:t>
                       </a:r>
                       <a:r>
-                        <a:rPr lang="en-US" altLang="ko-KR" dirty="0"/>
+                        <a:rPr lang="en-US" altLang="ko-KR" dirty="0">
+                          <a:latin typeface="나눔바른고딕" panose="020B0603020101020101" pitchFamily="50" charset="-127"/>
+                          <a:ea typeface="나눔바른고딕" panose="020B0603020101020101" pitchFamily="50" charset="-127"/>
+                        </a:rPr>
                         <a:t> : </a:t>
                       </a:r>
                       <a:r>
-                        <a:rPr lang="en-US" altLang="ko-KR" dirty="0" err="1"/>
+                        <a:rPr lang="en-US" altLang="ko-KR" dirty="0" err="1">
+                          <a:latin typeface="나눔바른고딕" panose="020B0603020101020101" pitchFamily="50" charset="-127"/>
+                          <a:ea typeface="나눔바른고딕" panose="020B0603020101020101" pitchFamily="50" charset="-127"/>
+                        </a:rPr>
                         <a:t>LoginSystem</a:t>
                       </a:r>
-                      <a:endParaRPr lang="en-US" altLang="ko-KR" dirty="0"/>
+                      <a:endParaRPr lang="en-US" altLang="ko-KR" dirty="0">
+                        <a:latin typeface="나눔바른고딕" panose="020B0603020101020101" pitchFamily="50" charset="-127"/>
+                        <a:ea typeface="나눔바른고딕" panose="020B0603020101020101" pitchFamily="50" charset="-127"/>
+                      </a:endParaRPr>
                     </a:p>
                     <a:p>
                       <a:pPr latinLnBrk="1"/>
                       <a:r>
-                        <a:rPr lang="en-US" altLang="ko-KR" dirty="0"/>
+                        <a:rPr lang="en-US" altLang="ko-KR" dirty="0">
+                          <a:latin typeface="나눔바른고딕" panose="020B0603020101020101" pitchFamily="50" charset="-127"/>
+                          <a:ea typeface="나눔바른고딕" panose="020B0603020101020101" pitchFamily="50" charset="-127"/>
+                        </a:rPr>
                         <a:t>+</a:t>
                       </a:r>
                       <a:r>
-                        <a:rPr lang="en-US" altLang="ko-KR" dirty="0" err="1"/>
+                        <a:rPr lang="en-US" altLang="ko-KR" dirty="0" err="1">
+                          <a:latin typeface="나눔바른고딕" panose="020B0603020101020101" pitchFamily="50" charset="-127"/>
+                          <a:ea typeface="나눔바른고딕" panose="020B0603020101020101" pitchFamily="50" charset="-127"/>
+                        </a:rPr>
                         <a:t>actionPerformed</a:t>
                       </a:r>
                       <a:r>
-                        <a:rPr lang="en-US" altLang="ko-KR" dirty="0"/>
+                        <a:rPr lang="en-US" altLang="ko-KR" dirty="0">
+                          <a:latin typeface="나눔바른고딕" panose="020B0603020101020101" pitchFamily="50" charset="-127"/>
+                          <a:ea typeface="나눔바른고딕" panose="020B0603020101020101" pitchFamily="50" charset="-127"/>
+                        </a:rPr>
                         <a:t>(e : </a:t>
                       </a:r>
                       <a:r>
-                        <a:rPr lang="en-US" altLang="ko-KR" dirty="0" err="1"/>
+                        <a:rPr lang="en-US" altLang="ko-KR" dirty="0" err="1">
+                          <a:latin typeface="나눔바른고딕" panose="020B0603020101020101" pitchFamily="50" charset="-127"/>
+                          <a:ea typeface="나눔바른고딕" panose="020B0603020101020101" pitchFamily="50" charset="-127"/>
+                        </a:rPr>
                         <a:t>ActionEvent</a:t>
                       </a:r>
                       <a:r>
-                        <a:rPr lang="en-US" altLang="ko-KR" dirty="0"/>
+                        <a:rPr lang="en-US" altLang="ko-KR" dirty="0">
+                          <a:latin typeface="나눔바른고딕" panose="020B0603020101020101" pitchFamily="50" charset="-127"/>
+                          <a:ea typeface="나눔바른고딕" panose="020B0603020101020101" pitchFamily="50" charset="-127"/>
+                        </a:rPr>
                         <a:t>)</a:t>
                       </a:r>
                     </a:p>
                   </a:txBody>
-                  <a:tcPr/>
+                  <a:tcPr anchor="ctr"/>
                 </a:tc>
                 <a:extLst>
                   <a:ext uri="{0D108BD9-81ED-4DB2-BD59-A6C34878D82A}">
-                    <a16:rowId xmlns:a16="http://schemas.microsoft.com/office/drawing/2014/main" val="1597738046"/>
+                    <a16:rowId xmlns:a16="http://schemas.microsoft.com/office/drawing/2014/main" xmlns="" val="1597738046"/>
                   </a:ext>
                 </a:extLst>
               </a:tr>
@@ -7420,6 +9980,41 @@
           </a:graphicData>
         </a:graphic>
       </p:graphicFrame>
+      <p:sp>
+        <p:nvSpPr>
+          <p:cNvPr id="10" name="바닥글 개체 틀 3"/>
+          <p:cNvSpPr>
+            <a:spLocks noGrp="1"/>
+          </p:cNvSpPr>
+          <p:nvPr>
+            <p:ph type="ftr" sz="quarter" idx="3"/>
+          </p:nvPr>
+        </p:nvSpPr>
+        <p:spPr>
+          <a:xfrm>
+            <a:off x="6061745" y="6464300"/>
+            <a:ext cx="2798763" cy="300038"/>
+          </a:xfrm>
+        </p:spPr>
+        <p:txBody>
+          <a:bodyPr/>
+          <a:lstStyle/>
+          <a:p>
+            <a:pPr algn="r"/>
+            <a:r>
+              <a:rPr lang="en-US" altLang="ko-KR" sz="1600" b="1" i="0" dirty="0" err="1" smtClean="0">
+                <a:latin typeface="-윤고딕350" panose="02030504000101010101" pitchFamily="18" charset="-127"/>
+                <a:ea typeface="-윤고딕350" panose="02030504000101010101" pitchFamily="18" charset="-127"/>
+              </a:rPr>
+              <a:t>TenoutofTen</a:t>
+            </a:r>
+            <a:endParaRPr lang="en-US" altLang="ko-KR" sz="1600" b="1" i="0" dirty="0">
+              <a:latin typeface="-윤고딕350" panose="02030504000101010101" pitchFamily="18" charset="-127"/>
+              <a:ea typeface="-윤고딕350" panose="02030504000101010101" pitchFamily="18" charset="-127"/>
+            </a:endParaRPr>
+          </a:p>
+        </p:txBody>
+      </p:sp>
     </p:spTree>
     <p:extLst>
       <p:ext uri="{BB962C8B-B14F-4D97-AF65-F5344CB8AC3E}">

--- a/doc/3_ 설계서/Class Design.pptx
+++ b/doc/3_ 설계서/Class Design.pptx
@@ -1,33 +1,33 @@
 
 <file path=ppt/presentation.xml><?xml version="1.0" encoding="utf-8"?>
-<p:presentation xmlns:a="http://schemas.openxmlformats.org/drawingml/2006/main" xmlns:r="http://schemas.openxmlformats.org/officeDocument/2006/relationships" xmlns:p="http://schemas.openxmlformats.org/presentationml/2006/main" showSpecialPlsOnTitleSld="0" strictFirstAndLastChars="0" saveSubsetFonts="1">
+<p:presentation xmlns:a="http://schemas.openxmlformats.org/drawingml/2006/main" xmlns:r="http://schemas.openxmlformats.org/officeDocument/2006/relationships" xmlns:p="http://schemas.openxmlformats.org/presentationml/2006/main" xmlns:p14="http://schemas.microsoft.com/office/powerpoint/2010/main" showSpecialPlsOnTitleSld="0" strictFirstAndLastChars="0" saveSubsetFonts="1">
   <p:sldMasterIdLst>
-    <p:sldMasterId id="2147483655" r:id="rId1"/>
+    <p:sldMasterId id="2147483665" r:id="rId6"/>
   </p:sldMasterIdLst>
   <p:notesMasterIdLst>
-    <p:notesMasterId r:id="rId17"/>
+    <p:notesMasterId r:id="rId10"/>
   </p:notesMasterIdLst>
   <p:handoutMasterIdLst>
-    <p:handoutMasterId r:id="rId18"/>
+    <p:handoutMasterId r:id="rId8"/>
   </p:handoutMasterIdLst>
   <p:sldIdLst>
-    <p:sldId id="256" r:id="rId2"/>
-    <p:sldId id="257" r:id="rId3"/>
-    <p:sldId id="271" r:id="rId4"/>
-    <p:sldId id="259" r:id="rId5"/>
-    <p:sldId id="260" r:id="rId6"/>
-    <p:sldId id="261" r:id="rId7"/>
-    <p:sldId id="262" r:id="rId8"/>
-    <p:sldId id="263" r:id="rId9"/>
-    <p:sldId id="264" r:id="rId10"/>
-    <p:sldId id="265" r:id="rId11"/>
-    <p:sldId id="266" r:id="rId12"/>
-    <p:sldId id="268" r:id="rId13"/>
-    <p:sldId id="269" r:id="rId14"/>
-    <p:sldId id="267" r:id="rId15"/>
-    <p:sldId id="270" r:id="rId16"/>
+    <p:sldId id="256" r:id="rId12"/>
+    <p:sldId id="257" r:id="rId13"/>
+    <p:sldId id="271" r:id="rId14"/>
+    <p:sldId id="259" r:id="rId15"/>
+    <p:sldId id="260" r:id="rId16"/>
+    <p:sldId id="261" r:id="rId17"/>
+    <p:sldId id="262" r:id="rId18"/>
+    <p:sldId id="263" r:id="rId19"/>
+    <p:sldId id="264" r:id="rId20"/>
+    <p:sldId id="265" r:id="rId21"/>
+    <p:sldId id="266" r:id="rId22"/>
+    <p:sldId id="268" r:id="rId23"/>
+    <p:sldId id="269" r:id="rId24"/>
+    <p:sldId id="267" r:id="rId25"/>
+    <p:sldId id="270" r:id="rId26"/>
   </p:sldIdLst>
-  <p:sldSz cx="9144000" cy="6858000" type="screen4x3"/>
+  <p:sldSz cx="9144000" cy="6858000"/>
   <p:notesSz cx="6797675" cy="9928225"/>
   <p:defaultTextStyle>
     <a:defPPr>
@@ -155,25 +155,6 @@
     </a:lvl9pPr>
   </p:defaultTextStyle>
   <p:extLst>
-    <p:ext uri="{EFAFB233-063F-42B5-8137-9DF3F51BA10A}">
-      <p15:sldGuideLst xmlns:p15="http://schemas.microsoft.com/office/powerpoint/2012/main" xmlns="">
-        <p15:guide id="1" orient="horz">
-          <p15:clr>
-            <a:srgbClr val="A4A3A4"/>
-          </p15:clr>
-        </p15:guide>
-        <p15:guide id="2" pos="2880">
-          <p15:clr>
-            <a:srgbClr val="A4A3A4"/>
-          </p15:clr>
-        </p15:guide>
-        <p15:guide id="3" pos="6">
-          <p15:clr>
-            <a:srgbClr val="A4A3A4"/>
-          </p15:clr>
-        </p15:guide>
-      </p15:sldGuideLst>
-    </p:ext>
     <p:ext uri="{2D200454-40CA-4A62-9FC3-DE9A4176ACB9}">
       <p15:notesGuideLst xmlns:p15="http://schemas.microsoft.com/office/powerpoint/2012/main" xmlns="">
         <p15:guide id="1" orient="horz" pos="3126">
@@ -187,6 +168,20 @@
           </p15:clr>
         </p15:guide>
       </p15:notesGuideLst>
+    </p:ext>
+    <p:ext uri="{EFAFB233-063F-42B5-8137-9DF3F51BA10A}">
+      <p15:sldGuideLst xmlns:p15="http://schemas.microsoft.com/office/powerpoint/2012/main">
+        <p15:guide id="1" orient="horz" pos="0" userDrawn="0">
+          <p15:clr>
+            <a:srgbClr val="A4A3A4"/>
+          </p15:clr>
+        </p15:guide>
+        <p15:guide id="3" pos="4" userDrawn="0">
+          <p15:clr>
+            <a:srgbClr val="A4A3A4"/>
+          </p15:clr>
+        </p15:guide>
+      </p15:sldGuideLst>
     </p:ext>
   </p:extLst>
 </p:presentation>
@@ -4209,7 +4204,7 @@
 </file>
 
 <file path=ppt/slides/slide13.xml><?xml version="1.0" encoding="utf-8"?>
-<p:sld xmlns:a="http://schemas.openxmlformats.org/drawingml/2006/main" xmlns:r="http://schemas.openxmlformats.org/officeDocument/2006/relationships" xmlns:p="http://schemas.openxmlformats.org/presentationml/2006/main">
+<p:sld xmlns:a="http://schemas.openxmlformats.org/drawingml/2006/main" xmlns:r="http://schemas.openxmlformats.org/officeDocument/2006/relationships" xmlns:p="http://schemas.openxmlformats.org/presentationml/2006/main" xmlns:p14="http://schemas.microsoft.com/office/powerpoint/2010/main">
   <p:cSld>
     <p:spTree>
       <p:nvGrpSpPr>
@@ -4237,8 +4232,8 @@
         </p:nvSpPr>
         <p:spPr>
           <a:xfrm>
-            <a:off x="352425" y="220211"/>
-            <a:ext cx="8327552" cy="625950"/>
+            <a:off x="352425" y="220345"/>
+            <a:ext cx="8327390" cy="626110"/>
           </a:xfrm>
         </p:spPr>
         <p:txBody>
@@ -4259,17 +4254,11 @@
           <p:cNvGraphicFramePr>
             <a:graphicFrameLocks noGrp="1"/>
           </p:cNvGraphicFramePr>
-          <p:nvPr>
-            <p:extLst>
-              <p:ext uri="{D42A27DB-BD31-4B8C-83A1-F6EECF244321}">
-                <p14:modId xmlns:p14="http://schemas.microsoft.com/office/powerpoint/2010/main" val="4277822773"/>
-              </p:ext>
-            </p:extLst>
-          </p:nvPr>
+          <p:nvPr/>
         </p:nvGraphicFramePr>
         <p:xfrm>
-          <a:off x="2044065" y="1228296"/>
-          <a:ext cx="5115687" cy="4967787"/>
+          <a:off x="2044065" y="1006475"/>
+          <a:ext cx="5115560" cy="5305425"/>
         </p:xfrm>
         <a:graphic>
           <a:graphicData uri="http://schemas.openxmlformats.org/drawingml/2006/table">
@@ -4278,96 +4267,15 @@
                 <a:tableStyleId>{17292A2E-F333-43FB-9621-5CBBE7FDCDCB}</a:tableStyleId>
               </a:tblPr>
               <a:tblGrid>
-                <a:gridCol w="5115687">
-                  <a:extLst>
-                    <a:ext uri="{9D8B030D-6E8A-4147-A177-3AD203B41FA5}">
-                      <a16:colId xmlns:a16="http://schemas.microsoft.com/office/drawing/2014/main" xmlns="" val="20000"/>
-                    </a:ext>
-                  </a:extLst>
-                </a:gridCol>
+                <a:gridCol w="5115560"/>
               </a:tblGrid>
-              <a:tr h="875279">
+              <a:tr h="742950">
                 <a:tc>
                   <a:txBody>
                     <a:bodyPr/>
                     <a:lstStyle/>
                     <a:p>
-                      <a:r>
-                        <a:rPr lang="en-US" altLang="ko-KR" sz="4000" dirty="0" err="1">
-                          <a:latin typeface="나눔바른고딕" panose="020B0603020101020101" pitchFamily="50" charset="-127"/>
-                          <a:ea typeface="나눔바른고딕" panose="020B0603020101020101" pitchFamily="50" charset="-127"/>
-                        </a:rPr>
-                        <a:t>TodoManageSystem</a:t>
-                      </a:r>
-                      <a:endParaRPr lang="ko-KR" altLang="en-US" sz="4000" dirty="0">
-                        <a:latin typeface="나눔바른고딕" panose="020B0603020101020101" pitchFamily="50" charset="-127"/>
-                        <a:ea typeface="나눔바른고딕" panose="020B0603020101020101" pitchFamily="50" charset="-127"/>
-                      </a:endParaRPr>
-                    </a:p>
-                  </a:txBody>
-                  <a:tcPr anchor="ctr"/>
-                </a:tc>
-                <a:extLst>
-                  <a:ext uri="{0D108BD9-81ED-4DB2-BD59-A6C34878D82A}">
-                    <a16:rowId xmlns:a16="http://schemas.microsoft.com/office/drawing/2014/main" xmlns="" val="10000"/>
-                  </a:ext>
-                </a:extLst>
-              </a:tr>
-              <a:tr h="2046254">
-                <a:tc>
-                  <a:txBody>
-                    <a:bodyPr/>
-                    <a:lstStyle/>
-                    <a:p>
-                      <a:r>
-                        <a:rPr lang="en-US" altLang="ko-KR" dirty="0">
-                          <a:latin typeface="나눔바른고딕" panose="020B0603020101020101" pitchFamily="50" charset="-127"/>
-                          <a:ea typeface="나눔바른고딕" panose="020B0603020101020101" pitchFamily="50" charset="-127"/>
-                        </a:rPr>
-                        <a:t>- </a:t>
-                      </a:r>
-                      <a:r>
-                        <a:rPr lang="en-US" altLang="ko-KR" dirty="0" err="1">
-                          <a:latin typeface="나눔바른고딕" panose="020B0603020101020101" pitchFamily="50" charset="-127"/>
-                          <a:ea typeface="나눔바른고딕" panose="020B0603020101020101" pitchFamily="50" charset="-127"/>
-                        </a:rPr>
-                        <a:t>TodoList</a:t>
-                      </a:r>
-                      <a:r>
-                        <a:rPr lang="en-US" altLang="ko-KR" baseline="0" dirty="0">
-                          <a:latin typeface="나눔바른고딕" panose="020B0603020101020101" pitchFamily="50" charset="-127"/>
-                          <a:ea typeface="나눔바른고딕" panose="020B0603020101020101" pitchFamily="50" charset="-127"/>
-                        </a:rPr>
-                        <a:t> : </a:t>
-                      </a:r>
-                      <a:r>
-                        <a:rPr lang="en-US" altLang="ko-KR" baseline="0" dirty="0" err="1">
-                          <a:latin typeface="나눔바른고딕" panose="020B0603020101020101" pitchFamily="50" charset="-127"/>
-                          <a:ea typeface="나눔바른고딕" panose="020B0603020101020101" pitchFamily="50" charset="-127"/>
-                        </a:rPr>
-                        <a:t>TodoList</a:t>
-                      </a:r>
-                      <a:endParaRPr lang="ko-KR" altLang="en-US" dirty="0">
-                        <a:latin typeface="나눔바른고딕" panose="020B0603020101020101" pitchFamily="50" charset="-127"/>
-                        <a:ea typeface="나눔바른고딕" panose="020B0603020101020101" pitchFamily="50" charset="-127"/>
-                      </a:endParaRPr>
-                    </a:p>
-                  </a:txBody>
-                  <a:tcPr anchor="ctr"/>
-                </a:tc>
-                <a:extLst>
-                  <a:ext uri="{0D108BD9-81ED-4DB2-BD59-A6C34878D82A}">
-                    <a16:rowId xmlns:a16="http://schemas.microsoft.com/office/drawing/2014/main" xmlns="" val="10001"/>
-                  </a:ext>
-                </a:extLst>
-              </a:tr>
-              <a:tr h="2046254">
-                <a:tc>
-                  <a:txBody>
-                    <a:bodyPr/>
-                    <a:lstStyle/>
-                    <a:p>
-                      <a:pPr marL="0" marR="0" indent="0" algn="l" defTabSz="914400" rtl="0" eaLnBrk="1" fontAlgn="auto" latinLnBrk="1" hangingPunct="1">
+                      <a:pPr marL="0" indent="0" algn="l" fontAlgn="auto" defTabSz="914400" eaLnBrk="0">
                         <a:lnSpc>
                           <a:spcPct val="100000"/>
                         </a:lnSpc>
@@ -4377,67 +4285,32 @@
                         <a:spcAft>
                           <a:spcPts val="0"/>
                         </a:spcAft>
-                        <a:buClrTx/>
-                        <a:buSzTx/>
                         <a:buFontTx/>
                         <a:buNone/>
-                        <a:tabLst/>
-                        <a:defRPr/>
                       </a:pPr>
                       <a:r>
-                        <a:rPr lang="en-US" altLang="ko-KR" baseline="0" dirty="0">
-                          <a:latin typeface="나눔바른고딕" panose="020B0603020101020101" pitchFamily="50" charset="-127"/>
-                          <a:ea typeface="나눔바른고딕" panose="020B0603020101020101" pitchFamily="50" charset="-127"/>
-                        </a:rPr>
-                        <a:t>+</a:t>
-                      </a:r>
-                      <a:r>
-                        <a:rPr lang="en-US" altLang="ko-KR" sz="1800" baseline="0" dirty="0" err="1">
-                          <a:latin typeface="나눔바른고딕" panose="020B0603020101020101" pitchFamily="50" charset="-127"/>
-                          <a:ea typeface="나눔바른고딕" panose="020B0603020101020101" pitchFamily="50" charset="-127"/>
-                        </a:rPr>
-                        <a:t>Todo</a:t>
-                      </a:r>
-                      <a:r>
-                        <a:rPr lang="en-US" altLang="ko-KR" sz="1800" dirty="0" err="1">
-                          <a:latin typeface="나눔바른고딕" panose="020B0603020101020101" pitchFamily="50" charset="-127"/>
-                          <a:ea typeface="나눔바른고딕" panose="020B0603020101020101" pitchFamily="50" charset="-127"/>
-                        </a:rPr>
-                        <a:t>ManageSystem</a:t>
-                      </a:r>
-                      <a:r>
-                        <a:rPr lang="en-US" altLang="ko-KR" baseline="0" dirty="0">
-                          <a:latin typeface="나눔바른고딕" panose="020B0603020101020101" pitchFamily="50" charset="-127"/>
-                          <a:ea typeface="나눔바른고딕" panose="020B0603020101020101" pitchFamily="50" charset="-127"/>
-                        </a:rPr>
-                        <a:t>()</a:t>
-                      </a:r>
-                    </a:p>
-                    <a:p>
-                      <a:r>
-                        <a:rPr lang="en-US" altLang="ko-KR" baseline="0" dirty="0">
-                          <a:latin typeface="나눔바른고딕" panose="020B0603020101020101" pitchFamily="50" charset="-127"/>
-                          <a:ea typeface="나눔바른고딕" panose="020B0603020101020101" pitchFamily="50" charset="-127"/>
-                        </a:rPr>
-                        <a:t>+</a:t>
-                      </a:r>
-                      <a:r>
-                        <a:rPr lang="en-US" altLang="ko-KR" baseline="0" dirty="0" err="1">
-                          <a:latin typeface="나눔바른고딕" panose="020B0603020101020101" pitchFamily="50" charset="-127"/>
-                          <a:ea typeface="나눔바른고딕" panose="020B0603020101020101" pitchFamily="50" charset="-127"/>
-                        </a:rPr>
-                        <a:t>AddTodoSystem</a:t>
-                      </a:r>
-                      <a:r>
-                        <a:rPr lang="en-US" altLang="ko-KR" baseline="0" dirty="0">
-                          <a:latin typeface="나눔바른고딕" panose="020B0603020101020101" pitchFamily="50" charset="-127"/>
-                          <a:ea typeface="나눔바른고딕" panose="020B0603020101020101" pitchFamily="50" charset="-127"/>
-                        </a:rPr>
-                        <a:t>()</a:t>
-                      </a:r>
-                    </a:p>
-                    <a:p>
-                      <a:pPr marL="0" marR="0" indent="0" algn="l" defTabSz="914400" rtl="0" eaLnBrk="1" fontAlgn="auto" latinLnBrk="1" hangingPunct="1">
+                        <a:rPr lang="en-US" altLang="ko-KR" sz="4000" kern="1200" dirty="0" smtClean="0" b="0">
+                          <a:latin typeface="나눔바른고딕" charset="0"/>
+                          <a:ea typeface="나눔바른고딕" charset="0"/>
+                        </a:rPr>
+                        <a:t>TodoManageSystem</a:t>
+                      </a:r>
+                      <a:endParaRPr lang="ko-KR" altLang="en-US" sz="4000" kern="1200" dirty="0" smtClean="0" b="0">
+                        <a:latin typeface="나눔바른고딕" charset="0"/>
+                        <a:ea typeface="나눔바른고딕" charset="0"/>
+                      </a:endParaRPr>
+                    </a:p>
+                  </a:txBody>
+                  <a:tcPr marL="91440" marR="91440" marT="45720" marB="45720" anchor="ctr"/>
+                </a:tc>
+              </a:tr>
+              <a:tr h="1979295">
+                <a:tc>
+                  <a:txBody>
+                    <a:bodyPr/>
+                    <a:lstStyle/>
+                    <a:p>
+                      <a:pPr marL="0" indent="0" algn="l" fontAlgn="auto" defTabSz="914400" eaLnBrk="0">
                         <a:lnSpc>
                           <a:spcPct val="100000"/>
                         </a:lnSpc>
@@ -4447,51 +4320,32 @@
                         <a:spcAft>
                           <a:spcPts val="0"/>
                         </a:spcAft>
-                        <a:buClrTx/>
-                        <a:buSzTx/>
                         <a:buFontTx/>
                         <a:buNone/>
-                        <a:tabLst/>
-                        <a:defRPr/>
                       </a:pPr>
                       <a:r>
-                        <a:rPr lang="en-US" altLang="ko-KR" baseline="0" dirty="0">
-                          <a:latin typeface="나눔바른고딕" panose="020B0603020101020101" pitchFamily="50" charset="-127"/>
-                          <a:ea typeface="나눔바른고딕" panose="020B0603020101020101" pitchFamily="50" charset="-127"/>
-                        </a:rPr>
-                        <a:t>+</a:t>
-                      </a:r>
-                      <a:r>
-                        <a:rPr lang="en-US" altLang="ko-KR" sz="1800" dirty="0" err="1">
-                          <a:latin typeface="나눔바른고딕" panose="020B0603020101020101" pitchFamily="50" charset="-127"/>
-                          <a:ea typeface="나눔바른고딕" panose="020B0603020101020101" pitchFamily="50" charset="-127"/>
-                        </a:rPr>
-                        <a:t>Edit</a:t>
-                      </a:r>
-                      <a:r>
-                        <a:rPr lang="en-US" altLang="ko-KR" sz="1800" baseline="0" dirty="0" err="1">
-                          <a:latin typeface="나눔바른고딕" panose="020B0603020101020101" pitchFamily="50" charset="-127"/>
-                          <a:ea typeface="나눔바른고딕" panose="020B0603020101020101" pitchFamily="50" charset="-127"/>
-                        </a:rPr>
-                        <a:t>Todo</a:t>
-                      </a:r>
-                      <a:r>
-                        <a:rPr lang="en-US" altLang="ko-KR" baseline="0" dirty="0" err="1">
-                          <a:latin typeface="나눔바른고딕" panose="020B0603020101020101" pitchFamily="50" charset="-127"/>
-                          <a:ea typeface="나눔바른고딕" panose="020B0603020101020101" pitchFamily="50" charset="-127"/>
-                        </a:rPr>
-                        <a:t>System</a:t>
-                      </a:r>
-                      <a:r>
-                        <a:rPr lang="en-US" altLang="ko-KR" baseline="0" dirty="0">
-                          <a:latin typeface="나눔바른고딕" panose="020B0603020101020101" pitchFamily="50" charset="-127"/>
-                          <a:ea typeface="나눔바른고딕" panose="020B0603020101020101" pitchFamily="50" charset="-127"/>
-                        </a:rPr>
-                        <a:t>()</a:t>
-                      </a:r>
-                    </a:p>
-                    <a:p>
-                      <a:pPr marL="0" marR="0" indent="0" algn="l" defTabSz="914400" rtl="0" eaLnBrk="1" fontAlgn="auto" latinLnBrk="1" hangingPunct="1">
+                        <a:rPr lang="en-US" altLang="ko-KR" sz="1800" kern="1200" dirty="0" smtClean="0" b="0">
+                          <a:latin typeface="나눔바른고딕" charset="0"/>
+                          <a:ea typeface="나눔바른고딕" charset="0"/>
+                        </a:rPr>
+                        <a:t>- TodoList : TodoList</a:t>
+                      </a:r>
+                      <a:endParaRPr lang="ko-KR" altLang="en-US" sz="1800" kern="1200" dirty="0" smtClean="0" b="0">
+                        <a:latin typeface="나눔바른고딕" charset="0"/>
+                        <a:ea typeface="나눔바른고딕" charset="0"/>
+                      </a:endParaRPr>
+                    </a:p>
+                  </a:txBody>
+                  <a:tcPr marL="91440" marR="91440" marT="45720" marB="45720" anchor="ctr"/>
+                </a:tc>
+              </a:tr>
+              <a:tr h="2583180">
+                <a:tc>
+                  <a:txBody>
+                    <a:bodyPr/>
+                    <a:lstStyle/>
+                    <a:p>
+                      <a:pPr marL="0" indent="0" algn="l" fontAlgn="auto" defTabSz="914400">
                         <a:lnSpc>
                           <a:spcPct val="100000"/>
                         </a:lnSpc>
@@ -4501,44 +4355,23 @@
                         <a:spcAft>
                           <a:spcPts val="0"/>
                         </a:spcAft>
-                        <a:buClrTx/>
-                        <a:buSzTx/>
                         <a:buFontTx/>
                         <a:buNone/>
-                        <a:tabLst/>
-                        <a:defRPr/>
                       </a:pPr>
                       <a:r>
-                        <a:rPr lang="en-US" altLang="ko-KR" baseline="0" dirty="0">
-                          <a:latin typeface="나눔바른고딕" panose="020B0603020101020101" pitchFamily="50" charset="-127"/>
-                          <a:ea typeface="나눔바른고딕" panose="020B0603020101020101" pitchFamily="50" charset="-127"/>
-                        </a:rPr>
-                        <a:t>+</a:t>
-                      </a:r>
-                      <a:r>
-                        <a:rPr lang="en-US" altLang="ko-KR" sz="1800" baseline="0" dirty="0" err="1">
-                          <a:latin typeface="나눔바른고딕" panose="020B0603020101020101" pitchFamily="50" charset="-127"/>
-                          <a:ea typeface="나눔바른고딕" panose="020B0603020101020101" pitchFamily="50" charset="-127"/>
-                        </a:rPr>
-                        <a:t>Delete</a:t>
-                      </a:r>
-                      <a:r>
-                        <a:rPr lang="en-US" altLang="ko-KR" baseline="0" dirty="0" err="1">
-                          <a:latin typeface="나눔바른고딕" panose="020B0603020101020101" pitchFamily="50" charset="-127"/>
-                          <a:ea typeface="나눔바른고딕" panose="020B0603020101020101" pitchFamily="50" charset="-127"/>
-                        </a:rPr>
-                        <a:t>TodoSystem</a:t>
-                      </a:r>
-                      <a:r>
-                        <a:rPr lang="en-US" altLang="ko-KR" baseline="0" dirty="0">
-                          <a:latin typeface="나눔바른고딕" panose="020B0603020101020101" pitchFamily="50" charset="-127"/>
-                          <a:ea typeface="나눔바른고딕" panose="020B0603020101020101" pitchFamily="50" charset="-127"/>
-                        </a:rPr>
-                        <a:t>()</a:t>
-                      </a:r>
-                    </a:p>
-                    <a:p>
-                      <a:pPr marL="0" marR="0" indent="0" algn="l" defTabSz="914400" rtl="0" eaLnBrk="1" fontAlgn="auto" latinLnBrk="1" hangingPunct="1">
+                        <a:rPr lang="en-US" altLang="ko-KR" sz="1800" kern="1200" dirty="0" smtClean="0" b="0">
+                          <a:latin typeface="나눔바른고딕" charset="0"/>
+                          <a:ea typeface="나눔바른고딕" charset="0"/>
+                        </a:rPr>
+                        <a:t>+TodoManageSystem()</a:t>
+                      </a:r>
+                      <a:endParaRPr lang="ko-KR" altLang="en-US" sz="1800" kern="1200" dirty="0" smtClean="0" b="0">
+                        <a:latin typeface="나눔바른고딕" charset="0"/>
+                        <a:ea typeface="나눔바른고딕" charset="0"/>
+                      </a:endParaRPr>
+                    </a:p>
+                    <a:p>
+                      <a:pPr marL="0" indent="0" algn="l" fontAlgn="auto" defTabSz="914400">
                         <a:lnSpc>
                           <a:spcPct val="100000"/>
                         </a:lnSpc>
@@ -4548,100 +4381,206 @@
                         <a:spcAft>
                           <a:spcPts val="0"/>
                         </a:spcAft>
-                        <a:buClrTx/>
-                        <a:buSzTx/>
                         <a:buFontTx/>
                         <a:buNone/>
-                        <a:tabLst/>
-                        <a:defRPr/>
                       </a:pPr>
                       <a:r>
-                        <a:rPr lang="en-US" altLang="ko-KR" baseline="0" dirty="0">
-                          <a:latin typeface="나눔바른고딕" panose="020B0603020101020101" pitchFamily="50" charset="-127"/>
-                          <a:ea typeface="나눔바른고딕" panose="020B0603020101020101" pitchFamily="50" charset="-127"/>
-                        </a:rPr>
-                        <a:t>+</a:t>
-                      </a:r>
-                      <a:r>
-                        <a:rPr lang="en-US" altLang="ko-KR" baseline="0" dirty="0" err="1">
-                          <a:latin typeface="나눔바른고딕" panose="020B0603020101020101" pitchFamily="50" charset="-127"/>
-                          <a:ea typeface="나눔바른고딕" panose="020B0603020101020101" pitchFamily="50" charset="-127"/>
-                        </a:rPr>
-                        <a:t>SortTodoSystem</a:t>
-                      </a:r>
-                      <a:r>
-                        <a:rPr lang="en-US" altLang="ko-KR" baseline="0" dirty="0">
-                          <a:latin typeface="나눔바른고딕" panose="020B0603020101020101" pitchFamily="50" charset="-127"/>
-                          <a:ea typeface="나눔바른고딕" panose="020B0603020101020101" pitchFamily="50" charset="-127"/>
-                        </a:rPr>
-                        <a:t>()</a:t>
-                      </a:r>
-                    </a:p>
-                    <a:p>
-                      <a:r>
-                        <a:rPr lang="en-US" altLang="ko-KR" baseline="0" dirty="0">
-                          <a:latin typeface="나눔바른고딕" panose="020B0603020101020101" pitchFamily="50" charset="-127"/>
-                          <a:ea typeface="나눔바른고딕" panose="020B0603020101020101" pitchFamily="50" charset="-127"/>
-                        </a:rPr>
-                        <a:t>+ </a:t>
-                      </a:r>
-                      <a:r>
-                        <a:rPr lang="en-US" altLang="ko-KR" baseline="0" dirty="0" err="1">
-                          <a:latin typeface="나눔바른고딕" panose="020B0603020101020101" pitchFamily="50" charset="-127"/>
-                          <a:ea typeface="나눔바른고딕" panose="020B0603020101020101" pitchFamily="50" charset="-127"/>
-                        </a:rPr>
-                        <a:t>getTodoContesnts</a:t>
-                      </a:r>
-                      <a:r>
-                        <a:rPr lang="en-US" altLang="ko-KR" baseline="0" dirty="0">
-                          <a:latin typeface="나눔바른고딕" panose="020B0603020101020101" pitchFamily="50" charset="-127"/>
-                          <a:ea typeface="나눔바른고딕" panose="020B0603020101020101" pitchFamily="50" charset="-127"/>
-                        </a:rPr>
-                        <a:t>() : String[][]</a:t>
-                      </a:r>
-                    </a:p>
-                    <a:p>
-                      <a:r>
-                        <a:rPr lang="en-US" altLang="ko-KR" baseline="0" dirty="0">
-                          <a:latin typeface="나눔바른고딕" panose="020B0603020101020101" pitchFamily="50" charset="-127"/>
-                          <a:ea typeface="나눔바른고딕" panose="020B0603020101020101" pitchFamily="50" charset="-127"/>
-                        </a:rPr>
-                        <a:t>+ </a:t>
-                      </a:r>
-                      <a:r>
-                        <a:rPr lang="en-US" altLang="ko-KR" baseline="0" dirty="0" err="1">
-                          <a:latin typeface="나눔바른고딕" panose="020B0603020101020101" pitchFamily="50" charset="-127"/>
-                          <a:ea typeface="나눔바른고딕" panose="020B0603020101020101" pitchFamily="50" charset="-127"/>
-                        </a:rPr>
-                        <a:t>getTodoList</a:t>
-                      </a:r>
-                      <a:r>
-                        <a:rPr lang="en-US" altLang="ko-KR" baseline="0" dirty="0">
-                          <a:latin typeface="나눔바른고딕" panose="020B0603020101020101" pitchFamily="50" charset="-127"/>
-                          <a:ea typeface="나눔바른고딕" panose="020B0603020101020101" pitchFamily="50" charset="-127"/>
-                        </a:rPr>
-                        <a:t>() : </a:t>
-                      </a:r>
-                      <a:r>
-                        <a:rPr lang="en-US" altLang="ko-KR" baseline="0" dirty="0" err="1">
-                          <a:latin typeface="나눔바른고딕" panose="020B0603020101020101" pitchFamily="50" charset="-127"/>
-                          <a:ea typeface="나눔바른고딕" panose="020B0603020101020101" pitchFamily="50" charset="-127"/>
-                        </a:rPr>
-                        <a:t>TodoList</a:t>
-                      </a:r>
-                      <a:endParaRPr lang="en-US" altLang="ko-KR" baseline="0" dirty="0">
-                        <a:latin typeface="나눔바른고딕" panose="020B0603020101020101" pitchFamily="50" charset="-127"/>
-                        <a:ea typeface="나눔바른고딕" panose="020B0603020101020101" pitchFamily="50" charset="-127"/>
+                        <a:rPr lang="en-US" altLang="ko-KR" sz="1800" kern="1200" dirty="0" smtClean="0" b="0">
+                          <a:latin typeface="나눔바른고딕" charset="0"/>
+                          <a:ea typeface="나눔바른고딕" charset="0"/>
+                        </a:rPr>
+                        <a:t>+AddTodoSystem()</a:t>
+                      </a:r>
+                      <a:endParaRPr lang="ko-KR" altLang="en-US" sz="1800" kern="1200" dirty="0" smtClean="0" b="0">
+                        <a:latin typeface="나눔바른고딕" charset="0"/>
+                        <a:ea typeface="나눔바른고딕" charset="0"/>
                       </a:endParaRPr>
                     </a:p>
+                    <a:p>
+                      <a:pPr marL="0" indent="0" algn="l" fontAlgn="auto" defTabSz="914400">
+                        <a:lnSpc>
+                          <a:spcPct val="100000"/>
+                        </a:lnSpc>
+                        <a:spcBef>
+                          <a:spcPts val="0"/>
+                        </a:spcBef>
+                        <a:spcAft>
+                          <a:spcPts val="0"/>
+                        </a:spcAft>
+                        <a:buFontTx/>
+                        <a:buNone/>
+                      </a:pPr>
+                      <a:r>
+                        <a:rPr lang="en-US" altLang="ko-KR" sz="1800" kern="1200" dirty="0" smtClean="0" b="0">
+                          <a:latin typeface="나눔바른고딕" charset="0"/>
+                          <a:ea typeface="나눔바른고딕" charset="0"/>
+                        </a:rPr>
+                        <a:t>+EditTodoSystem()</a:t>
+                      </a:r>
+                      <a:endParaRPr lang="ko-KR" altLang="en-US" sz="1800" kern="1200" dirty="0" smtClean="0" b="0">
+                        <a:latin typeface="나눔바른고딕" charset="0"/>
+                        <a:ea typeface="나눔바른고딕" charset="0"/>
+                      </a:endParaRPr>
+                    </a:p>
+                    <a:p>
+                      <a:pPr marL="0" indent="0" algn="l" fontAlgn="auto" defTabSz="914400">
+                        <a:lnSpc>
+                          <a:spcPct val="100000"/>
+                        </a:lnSpc>
+                        <a:spcBef>
+                          <a:spcPts val="0"/>
+                        </a:spcBef>
+                        <a:spcAft>
+                          <a:spcPts val="0"/>
+                        </a:spcAft>
+                        <a:buFontTx/>
+                        <a:buNone/>
+                      </a:pPr>
+                      <a:r>
+                        <a:rPr lang="en-US" altLang="ko-KR" sz="1800" kern="1200" dirty="0" smtClean="0" b="0">
+                          <a:latin typeface="나눔바른고딕" charset="0"/>
+                          <a:ea typeface="나눔바른고딕" charset="0"/>
+                        </a:rPr>
+                        <a:t>+DeleteTodoSystem()</a:t>
+                      </a:r>
+                      <a:endParaRPr lang="ko-KR" altLang="en-US" sz="1800" kern="1200" dirty="0" smtClean="0" b="0">
+                        <a:latin typeface="나눔바른고딕" charset="0"/>
+                        <a:ea typeface="나눔바른고딕" charset="0"/>
+                      </a:endParaRPr>
+                    </a:p>
+                    <a:p>
+                      <a:pPr marL="0" indent="0" algn="l" fontAlgn="auto" defTabSz="914400">
+                        <a:lnSpc>
+                          <a:spcPct val="100000"/>
+                        </a:lnSpc>
+                        <a:spcBef>
+                          <a:spcPts val="0"/>
+                        </a:spcBef>
+                        <a:spcAft>
+                          <a:spcPts val="0"/>
+                        </a:spcAft>
+                        <a:buFontTx/>
+                        <a:buNone/>
+                      </a:pPr>
+                      <a:r>
+                        <a:rPr lang="en-US" altLang="ko-KR" sz="1800" kern="1200" dirty="0" smtClean="0" b="0">
+                          <a:latin typeface="나눔바른고딕" charset="0"/>
+                          <a:ea typeface="나눔바른고딕" charset="0"/>
+                        </a:rPr>
+                        <a:t>+SortTodoSystem()</a:t>
+                      </a:r>
+                      <a:endParaRPr lang="ko-KR" altLang="en-US" sz="1800" kern="1200" dirty="0" smtClean="0" b="0">
+                        <a:latin typeface="나눔바른고딕" charset="0"/>
+                        <a:ea typeface="나눔바른고딕" charset="0"/>
+                      </a:endParaRPr>
+                    </a:p>
+                    <a:p>
+                      <a:pPr marL="0" indent="0" algn="l" fontAlgn="auto" defTabSz="914400">
+                        <a:lnSpc>
+                          <a:spcPct val="100000"/>
+                        </a:lnSpc>
+                        <a:spcBef>
+                          <a:spcPts val="0"/>
+                        </a:spcBef>
+                        <a:spcAft>
+                          <a:spcPts val="0"/>
+                        </a:spcAft>
+                        <a:buFontTx/>
+                        <a:buNone/>
+                      </a:pPr>
+                      <a:r>
+                        <a:rPr lang="en-US" altLang="ko-KR" sz="1800" kern="1200" dirty="0" smtClean="0" b="0">
+                          <a:latin typeface="나눔바른고딕" charset="0"/>
+                          <a:ea typeface="나눔바른고딕" charset="0"/>
+                        </a:rPr>
+                        <a:t>+HideTodoSystem()</a:t>
+                      </a:r>
+                      <a:endParaRPr lang="ko-KR" altLang="en-US" sz="1800" kern="1200" dirty="0" smtClean="0" b="0">
+                        <a:latin typeface="나눔바른고딕" charset="0"/>
+                        <a:ea typeface="나눔바른고딕" charset="0"/>
+                      </a:endParaRPr>
+                    </a:p>
+                    <a:p>
+                      <a:pPr marL="0" indent="0" algn="l" fontAlgn="auto" defTabSz="914400">
+                        <a:lnSpc>
+                          <a:spcPct val="100000"/>
+                        </a:lnSpc>
+                        <a:spcBef>
+                          <a:spcPts val="0"/>
+                        </a:spcBef>
+                        <a:spcAft>
+                          <a:spcPts val="0"/>
+                        </a:spcAft>
+                        <a:buFontTx/>
+                        <a:buNone/>
+                      </a:pPr>
+                      <a:r>
+                        <a:rPr lang="en-US" altLang="ko-KR" sz="1800" kern="1200" dirty="0" smtClean="0" b="0">
+                          <a:latin typeface="나눔바른고딕" charset="0"/>
+                          <a:ea typeface="나눔바른고딕" charset="0"/>
+                        </a:rPr>
+                        <a:t>+ReplayTodoSystem()</a:t>
+                      </a:r>
+                      <a:endParaRPr lang="ko-KR" altLang="en-US" sz="1800" kern="1200" dirty="0" smtClean="0" b="0">
+                        <a:latin typeface="나눔바른고딕" charset="0"/>
+                        <a:ea typeface="나눔바른고딕" charset="0"/>
+                      </a:endParaRPr>
+                    </a:p>
+                    <a:p>
+                      <a:pPr marL="0" indent="0" algn="l" fontAlgn="auto" defTabSz="914400">
+                        <a:lnSpc>
+                          <a:spcPct val="100000"/>
+                        </a:lnSpc>
+                        <a:spcBef>
+                          <a:spcPts val="0"/>
+                        </a:spcBef>
+                        <a:spcAft>
+                          <a:spcPts val="0"/>
+                        </a:spcAft>
+                        <a:buFontTx/>
+                        <a:buNone/>
+                      </a:pPr>
+                      <a:r>
+                        <a:rPr lang="en-US" altLang="ko-KR" sz="1800" kern="1200" dirty="0" smtClean="0" b="0">
+                          <a:latin typeface="나눔바른고딕" charset="0"/>
+                          <a:ea typeface="나눔바른고딕" charset="0"/>
+                        </a:rPr>
+                        <a:t>+ getTodoContesnts() : String[][]</a:t>
+                      </a:r>
+                      <a:endParaRPr lang="ko-KR" altLang="en-US" sz="1800" kern="1200" dirty="0" smtClean="0" b="0">
+                        <a:latin typeface="나눔바른고딕" charset="0"/>
+                        <a:ea typeface="나눔바른고딕" charset="0"/>
+                      </a:endParaRPr>
+                    </a:p>
+                    <a:p>
+                      <a:pPr marL="0" indent="0" algn="l" fontAlgn="auto" defTabSz="914400">
+                        <a:lnSpc>
+                          <a:spcPct val="100000"/>
+                        </a:lnSpc>
+                        <a:spcBef>
+                          <a:spcPts val="0"/>
+                        </a:spcBef>
+                        <a:spcAft>
+                          <a:spcPts val="0"/>
+                        </a:spcAft>
+                        <a:buFontTx/>
+                        <a:buNone/>
+                      </a:pPr>
+                      <a:r>
+                        <a:rPr lang="en-US" altLang="ko-KR" sz="1800" kern="1200" dirty="0" smtClean="0" b="0">
+                          <a:latin typeface="나눔바른고딕" charset="0"/>
+                          <a:ea typeface="나눔바른고딕" charset="0"/>
+                        </a:rPr>
+                        <a:t>+ getTodoList() : TodoList</a:t>
+                      </a:r>
+                      <a:endParaRPr lang="ko-KR" altLang="en-US" sz="1800" kern="1200" dirty="0" smtClean="0" b="0">
+                        <a:latin typeface="나눔바른고딕" charset="0"/>
+                        <a:ea typeface="나눔바른고딕" charset="0"/>
+                      </a:endParaRPr>
+                    </a:p>
                   </a:txBody>
-                  <a:tcPr anchor="ctr"/>
+                  <a:tcPr marL="91440" marR="91440" marT="45720" marB="45720" anchor="ctr"/>
                 </a:tc>
-                <a:extLst>
-                  <a:ext uri="{0D108BD9-81ED-4DB2-BD59-A6C34878D82A}">
-                    <a16:rowId xmlns:a16="http://schemas.microsoft.com/office/drawing/2014/main" xmlns="" val="10002"/>
-                  </a:ext>
-                </a:extLst>
               </a:tr>
             </a:tbl>
           </a:graphicData>
@@ -4659,8 +4598,8 @@
         </p:nvSpPr>
         <p:spPr>
           <a:xfrm>
-            <a:off x="6061745" y="6464300"/>
-            <a:ext cx="2798763" cy="300038"/>
+            <a:off x="6061710" y="6464300"/>
+            <a:ext cx="2799080" cy="300355"/>
           </a:xfrm>
         </p:spPr>
         <p:txBody>
@@ -4692,6 +4631,21 @@
   <p:clrMapOvr>
     <a:masterClrMapping/>
   </p:clrMapOvr>
+  <mc:AlternateContent xmlns:mc="http://schemas.openxmlformats.org/markup-compatibility/2006">
+    <mc:Choice xmlns:p14="http://schemas.microsoft.com/office/powerpoint/2010/main" Requires="p14">
+      <p:transition spd="slow" p14:dur="2000"/>
+    </mc:Choice>
+    <mc:Fallback>
+      <p:transition spd="slow"/>
+    </mc:Fallback>
+  </mc:AlternateContent>
+  <p:timing>
+    <p:tnLst>
+      <p:par>
+        <p:cTn id="1" dur="indefinite" restart="never" nodeType="tmRoot"/>
+      </p:par>
+    </p:tnLst>
+  </p:timing>
 </p:sld>
 </file>
 
@@ -5307,7 +5261,7 @@
 </file>
 
 <file path=ppt/slides/slide2.xml><?xml version="1.0" encoding="utf-8"?>
-<p:sld xmlns:a="http://schemas.openxmlformats.org/drawingml/2006/main" xmlns:r="http://schemas.openxmlformats.org/officeDocument/2006/relationships" xmlns:p="http://schemas.openxmlformats.org/presentationml/2006/main">
+<p:sld xmlns:a="http://schemas.openxmlformats.org/drawingml/2006/main" xmlns:r="http://schemas.openxmlformats.org/officeDocument/2006/relationships" xmlns:p="http://schemas.openxmlformats.org/presentationml/2006/main" xmlns:p14="http://schemas.microsoft.com/office/powerpoint/2010/main">
   <p:cSld>
     <p:spTree>
       <p:nvGrpSpPr>
@@ -5333,7 +5287,12 @@
             <p:ph type="title"/>
           </p:nvPr>
         </p:nvSpPr>
-        <p:spPr/>
+        <p:spPr>
+          <a:xfrm>
+            <a:off x="352425" y="448945"/>
+            <a:ext cx="6901815" cy="457835"/>
+          </a:xfrm>
+        </p:spPr>
         <p:txBody>
           <a:bodyPr/>
           <a:lstStyle/>
@@ -5355,7 +5314,12 @@
             <p:ph type="ftr" sz="quarter" idx="3"/>
           </p:nvPr>
         </p:nvSpPr>
-        <p:spPr/>
+        <p:spPr>
+          <a:xfrm>
+            <a:off x="6061710" y="6464300"/>
+            <a:ext cx="2799715" cy="300990"/>
+          </a:xfrm>
+        </p:spPr>
         <p:txBody>
           <a:bodyPr/>
           <a:lstStyle/>
@@ -5381,18 +5345,11 @@
           <p:cNvGraphicFramePr>
             <a:graphicFrameLocks noGrp="1"/>
           </p:cNvGraphicFramePr>
-          <p:nvPr>
-            <p:ph idx="1"/>
-            <p:extLst>
-              <p:ext uri="{D42A27DB-BD31-4B8C-83A1-F6EECF244321}">
-                <p14:modId xmlns:p14="http://schemas.microsoft.com/office/powerpoint/2010/main" val="900035308"/>
-              </p:ext>
-            </p:extLst>
-          </p:nvPr>
+          <p:nvPr/>
         </p:nvGraphicFramePr>
         <p:xfrm>
-          <a:off x="280988" y="1025525"/>
-          <a:ext cx="8582024" cy="2966720"/>
+          <a:off x="281305" y="1025525"/>
+          <a:ext cx="8582660" cy="2966720"/>
         </p:xfrm>
         <a:graphic>
           <a:graphicData uri="http://schemas.openxmlformats.org/drawingml/2006/table">
@@ -5401,34 +5358,10 @@
                 <a:tableStyleId>{5940675A-B579-460E-94D1-54222C63F5DA}</a:tableStyleId>
               </a:tblPr>
               <a:tblGrid>
-                <a:gridCol w="2145506">
-                  <a:extLst>
-                    <a:ext uri="{9D8B030D-6E8A-4147-A177-3AD203B41FA5}">
-                      <a16:colId xmlns:a16="http://schemas.microsoft.com/office/drawing/2014/main" xmlns="" val="20000"/>
-                    </a:ext>
-                  </a:extLst>
-                </a:gridCol>
-                <a:gridCol w="2145506">
-                  <a:extLst>
-                    <a:ext uri="{9D8B030D-6E8A-4147-A177-3AD203B41FA5}">
-                      <a16:colId xmlns:a16="http://schemas.microsoft.com/office/drawing/2014/main" xmlns="" val="20001"/>
-                    </a:ext>
-                  </a:extLst>
-                </a:gridCol>
-                <a:gridCol w="2145506">
-                  <a:extLst>
-                    <a:ext uri="{9D8B030D-6E8A-4147-A177-3AD203B41FA5}">
-                      <a16:colId xmlns:a16="http://schemas.microsoft.com/office/drawing/2014/main" xmlns="" val="20002"/>
-                    </a:ext>
-                  </a:extLst>
-                </a:gridCol>
-                <a:gridCol w="2145506">
-                  <a:extLst>
-                    <a:ext uri="{9D8B030D-6E8A-4147-A177-3AD203B41FA5}">
-                      <a16:colId xmlns:a16="http://schemas.microsoft.com/office/drawing/2014/main" xmlns="" val="20003"/>
-                    </a:ext>
-                  </a:extLst>
-                </a:gridCol>
+                <a:gridCol w="2145665"/>
+                <a:gridCol w="2145665"/>
+                <a:gridCol w="2145665"/>
+                <a:gridCol w="2145665"/>
               </a:tblGrid>
               <a:tr h="370840">
                 <a:tc>
@@ -5436,24 +5369,83 @@
                     <a:bodyPr/>
                     <a:lstStyle/>
                     <a:p>
-                      <a:pPr algn="ctr" latinLnBrk="1"/>
-                      <a:r>
-                        <a:rPr lang="ko-KR" altLang="en-US" sz="1200" b="1" dirty="0">
-                          <a:latin typeface="맑은 고딕" pitchFamily="50" charset="-127"/>
-                          <a:ea typeface="맑은 고딕" pitchFamily="50" charset="-127"/>
+                      <a:pPr marL="0" indent="0" algn="ctr" fontAlgn="auto" defTabSz="914400" eaLnBrk="0">
+                        <a:lnSpc>
+                          <a:spcPct val="100000"/>
+                        </a:lnSpc>
+                        <a:spcBef>
+                          <a:spcPts val="0"/>
+                        </a:spcBef>
+                        <a:spcAft>
+                          <a:spcPts val="0"/>
+                        </a:spcAft>
+                        <a:buFontTx/>
+                        <a:buNone/>
+                      </a:pPr>
+                      <a:r>
+                        <a:rPr lang="en-US" altLang="ko-KR" sz="1200" kern="1200" dirty="0" smtClean="0" b="1">
+                          <a:solidFill>
+                            <a:srgbClr val="000000"/>
+                          </a:solidFill>
+                          <a:latin typeface="맑은 고딕" charset="0"/>
+                          <a:ea typeface="맑은 고딕" charset="0"/>
                         </a:rPr>
                         <a:t>일자</a:t>
                       </a:r>
-                      <a:endParaRPr lang="ko-KR" altLang="en-US" sz="1200" b="1" dirty="0">
+                      <a:endParaRPr lang="ko-KR" altLang="en-US" sz="1200" kern="1200" dirty="0" smtClean="0" b="1">
                         <a:solidFill>
-                          <a:schemeClr val="tx1"/>
+                          <a:srgbClr val="000000"/>
                         </a:solidFill>
-                        <a:latin typeface="맑은 고딕" pitchFamily="50" charset="-127"/>
-                        <a:ea typeface="맑은 고딕" pitchFamily="50" charset="-127"/>
+                        <a:latin typeface="맑은 고딕" charset="0"/>
+                        <a:ea typeface="맑은 고딕" charset="0"/>
                       </a:endParaRPr>
                     </a:p>
                   </a:txBody>
-                  <a:tcPr anchor="ctr">
+                  <a:tcPr marL="91440" marR="91440" marT="45720" marB="45720" anchor="ctr">
+                    <a:lnL w="12700" cap="flat" cmpd="sng" algn="ctr">
+                      <a:solidFill>
+                        <a:srgbClr val="000000">
+                          <a:alpha val="100000"/>
+                        </a:srgbClr>
+                      </a:solidFill>
+                      <a:prstDash val="solid"/>
+                      <a:round/>
+                      <a:headEnd type="none" w="med" len="med"/>
+                      <a:tailEnd type="none" w="med" len="med"/>
+                    </a:lnL>
+                    <a:lnR w="12700" cap="flat" cmpd="sng" algn="ctr">
+                      <a:solidFill>
+                        <a:srgbClr val="000000">
+                          <a:alpha val="100000"/>
+                        </a:srgbClr>
+                      </a:solidFill>
+                      <a:prstDash val="solid"/>
+                      <a:round/>
+                      <a:headEnd type="none" w="med" len="med"/>
+                      <a:tailEnd type="none" w="med" len="med"/>
+                    </a:lnR>
+                    <a:lnT w="12700" cap="flat" cmpd="sng" algn="ctr">
+                      <a:solidFill>
+                        <a:srgbClr val="000000">
+                          <a:alpha val="100000"/>
+                        </a:srgbClr>
+                      </a:solidFill>
+                      <a:prstDash val="solid"/>
+                      <a:round/>
+                      <a:headEnd type="none" w="med" len="med"/>
+                      <a:tailEnd type="none" w="med" len="med"/>
+                    </a:lnT>
+                    <a:lnB w="12700" cap="flat" cmpd="sng" algn="ctr">
+                      <a:solidFill>
+                        <a:srgbClr val="000000">
+                          <a:alpha val="100000"/>
+                        </a:srgbClr>
+                      </a:solidFill>
+                      <a:prstDash val="solid"/>
+                      <a:round/>
+                      <a:headEnd type="none" w="med" len="med"/>
+                      <a:tailEnd type="none" w="med" len="med"/>
+                    </a:lnB>
                     <a:solidFill>
                       <a:schemeClr val="bg1">
                         <a:lumMod val="75000"/>
@@ -5466,24 +5458,83 @@
                     <a:bodyPr/>
                     <a:lstStyle/>
                     <a:p>
-                      <a:pPr algn="ctr" latinLnBrk="1"/>
-                      <a:r>
-                        <a:rPr lang="ko-KR" altLang="en-US" sz="1200" b="1" dirty="0">
-                          <a:latin typeface="맑은 고딕" pitchFamily="50" charset="-127"/>
-                          <a:ea typeface="맑은 고딕" pitchFamily="50" charset="-127"/>
+                      <a:pPr marL="0" indent="0" algn="ctr" fontAlgn="auto" defTabSz="914400" eaLnBrk="0">
+                        <a:lnSpc>
+                          <a:spcPct val="100000"/>
+                        </a:lnSpc>
+                        <a:spcBef>
+                          <a:spcPts val="0"/>
+                        </a:spcBef>
+                        <a:spcAft>
+                          <a:spcPts val="0"/>
+                        </a:spcAft>
+                        <a:buFontTx/>
+                        <a:buNone/>
+                      </a:pPr>
+                      <a:r>
+                        <a:rPr lang="en-US" altLang="ko-KR" sz="1200" kern="1200" dirty="0" smtClean="0" b="1">
+                          <a:solidFill>
+                            <a:srgbClr val="000000"/>
+                          </a:solidFill>
+                          <a:latin typeface="맑은 고딕" charset="0"/>
+                          <a:ea typeface="맑은 고딕" charset="0"/>
                         </a:rPr>
                         <a:t>버전</a:t>
                       </a:r>
-                      <a:endParaRPr lang="ko-KR" altLang="en-US" sz="1200" b="1" dirty="0">
+                      <a:endParaRPr lang="ko-KR" altLang="en-US" sz="1200" kern="1200" dirty="0" smtClean="0" b="1">
                         <a:solidFill>
-                          <a:schemeClr val="tx1"/>
+                          <a:srgbClr val="000000"/>
                         </a:solidFill>
-                        <a:latin typeface="맑은 고딕" pitchFamily="50" charset="-127"/>
-                        <a:ea typeface="맑은 고딕" pitchFamily="50" charset="-127"/>
+                        <a:latin typeface="맑은 고딕" charset="0"/>
+                        <a:ea typeface="맑은 고딕" charset="0"/>
                       </a:endParaRPr>
                     </a:p>
                   </a:txBody>
-                  <a:tcPr anchor="ctr">
+                  <a:tcPr marL="91440" marR="91440" marT="45720" marB="45720" anchor="ctr">
+                    <a:lnL w="12700" cap="flat" cmpd="sng" algn="ctr">
+                      <a:solidFill>
+                        <a:srgbClr val="000000">
+                          <a:alpha val="100000"/>
+                        </a:srgbClr>
+                      </a:solidFill>
+                      <a:prstDash val="solid"/>
+                      <a:round/>
+                      <a:headEnd type="none" w="med" len="med"/>
+                      <a:tailEnd type="none" w="med" len="med"/>
+                    </a:lnL>
+                    <a:lnR w="12700" cap="flat" cmpd="sng" algn="ctr">
+                      <a:solidFill>
+                        <a:srgbClr val="000000">
+                          <a:alpha val="100000"/>
+                        </a:srgbClr>
+                      </a:solidFill>
+                      <a:prstDash val="solid"/>
+                      <a:round/>
+                      <a:headEnd type="none" w="med" len="med"/>
+                      <a:tailEnd type="none" w="med" len="med"/>
+                    </a:lnR>
+                    <a:lnT w="12700" cap="flat" cmpd="sng" algn="ctr">
+                      <a:solidFill>
+                        <a:srgbClr val="000000">
+                          <a:alpha val="100000"/>
+                        </a:srgbClr>
+                      </a:solidFill>
+                      <a:prstDash val="solid"/>
+                      <a:round/>
+                      <a:headEnd type="none" w="med" len="med"/>
+                      <a:tailEnd type="none" w="med" len="med"/>
+                    </a:lnT>
+                    <a:lnB w="12700" cap="flat" cmpd="sng" algn="ctr">
+                      <a:solidFill>
+                        <a:srgbClr val="000000">
+                          <a:alpha val="100000"/>
+                        </a:srgbClr>
+                      </a:solidFill>
+                      <a:prstDash val="solid"/>
+                      <a:round/>
+                      <a:headEnd type="none" w="med" len="med"/>
+                      <a:tailEnd type="none" w="med" len="med"/>
+                    </a:lnB>
                     <a:solidFill>
                       <a:schemeClr val="bg1">
                         <a:lumMod val="75000"/>
@@ -5496,24 +5547,83 @@
                     <a:bodyPr/>
                     <a:lstStyle/>
                     <a:p>
-                      <a:pPr algn="ctr" latinLnBrk="1"/>
-                      <a:r>
-                        <a:rPr lang="ko-KR" altLang="en-US" sz="1200" b="1" dirty="0">
-                          <a:latin typeface="맑은 고딕" pitchFamily="50" charset="-127"/>
-                          <a:ea typeface="맑은 고딕" pitchFamily="50" charset="-127"/>
+                      <a:pPr marL="0" indent="0" algn="ctr" fontAlgn="auto" defTabSz="914400" eaLnBrk="0">
+                        <a:lnSpc>
+                          <a:spcPct val="100000"/>
+                        </a:lnSpc>
+                        <a:spcBef>
+                          <a:spcPts val="0"/>
+                        </a:spcBef>
+                        <a:spcAft>
+                          <a:spcPts val="0"/>
+                        </a:spcAft>
+                        <a:buFontTx/>
+                        <a:buNone/>
+                      </a:pPr>
+                      <a:r>
+                        <a:rPr lang="en-US" altLang="ko-KR" sz="1200" kern="1200" dirty="0" smtClean="0" b="1">
+                          <a:solidFill>
+                            <a:srgbClr val="000000"/>
+                          </a:solidFill>
+                          <a:latin typeface="맑은 고딕" charset="0"/>
+                          <a:ea typeface="맑은 고딕" charset="0"/>
                         </a:rPr>
                         <a:t>변경 내역</a:t>
                       </a:r>
-                      <a:endParaRPr lang="ko-KR" altLang="en-US" sz="1200" b="1" dirty="0">
+                      <a:endParaRPr lang="ko-KR" altLang="en-US" sz="1200" kern="1200" dirty="0" smtClean="0" b="1">
                         <a:solidFill>
-                          <a:schemeClr val="tx1"/>
+                          <a:srgbClr val="000000"/>
                         </a:solidFill>
-                        <a:latin typeface="맑은 고딕" pitchFamily="50" charset="-127"/>
-                        <a:ea typeface="맑은 고딕" pitchFamily="50" charset="-127"/>
+                        <a:latin typeface="맑은 고딕" charset="0"/>
+                        <a:ea typeface="맑은 고딕" charset="0"/>
                       </a:endParaRPr>
                     </a:p>
                   </a:txBody>
-                  <a:tcPr anchor="ctr">
+                  <a:tcPr marL="91440" marR="91440" marT="45720" marB="45720" anchor="ctr">
+                    <a:lnL w="12700" cap="flat" cmpd="sng" algn="ctr">
+                      <a:solidFill>
+                        <a:srgbClr val="000000">
+                          <a:alpha val="100000"/>
+                        </a:srgbClr>
+                      </a:solidFill>
+                      <a:prstDash val="solid"/>
+                      <a:round/>
+                      <a:headEnd type="none" w="med" len="med"/>
+                      <a:tailEnd type="none" w="med" len="med"/>
+                    </a:lnL>
+                    <a:lnR w="12700" cap="flat" cmpd="sng" algn="ctr">
+                      <a:solidFill>
+                        <a:srgbClr val="000000">
+                          <a:alpha val="100000"/>
+                        </a:srgbClr>
+                      </a:solidFill>
+                      <a:prstDash val="solid"/>
+                      <a:round/>
+                      <a:headEnd type="none" w="med" len="med"/>
+                      <a:tailEnd type="none" w="med" len="med"/>
+                    </a:lnR>
+                    <a:lnT w="12700" cap="flat" cmpd="sng" algn="ctr">
+                      <a:solidFill>
+                        <a:srgbClr val="000000">
+                          <a:alpha val="100000"/>
+                        </a:srgbClr>
+                      </a:solidFill>
+                      <a:prstDash val="solid"/>
+                      <a:round/>
+                      <a:headEnd type="none" w="med" len="med"/>
+                      <a:tailEnd type="none" w="med" len="med"/>
+                    </a:lnT>
+                    <a:lnB w="12700" cap="flat" cmpd="sng" algn="ctr">
+                      <a:solidFill>
+                        <a:srgbClr val="000000">
+                          <a:alpha val="100000"/>
+                        </a:srgbClr>
+                      </a:solidFill>
+                      <a:prstDash val="solid"/>
+                      <a:round/>
+                      <a:headEnd type="none" w="med" len="med"/>
+                      <a:tailEnd type="none" w="med" len="med"/>
+                    </a:lnB>
                     <a:solidFill>
                       <a:schemeClr val="bg1">
                         <a:lumMod val="75000"/>
@@ -5526,24 +5636,83 @@
                     <a:bodyPr/>
                     <a:lstStyle/>
                     <a:p>
-                      <a:pPr algn="ctr" latinLnBrk="1"/>
-                      <a:r>
-                        <a:rPr lang="ko-KR" altLang="en-US" sz="1200" b="1" dirty="0">
-                          <a:latin typeface="맑은 고딕" pitchFamily="50" charset="-127"/>
-                          <a:ea typeface="맑은 고딕" pitchFamily="50" charset="-127"/>
+                      <a:pPr marL="0" indent="0" algn="ctr" fontAlgn="auto" defTabSz="914400" eaLnBrk="0">
+                        <a:lnSpc>
+                          <a:spcPct val="100000"/>
+                        </a:lnSpc>
+                        <a:spcBef>
+                          <a:spcPts val="0"/>
+                        </a:spcBef>
+                        <a:spcAft>
+                          <a:spcPts val="0"/>
+                        </a:spcAft>
+                        <a:buFontTx/>
+                        <a:buNone/>
+                      </a:pPr>
+                      <a:r>
+                        <a:rPr lang="en-US" altLang="ko-KR" sz="1200" kern="1200" dirty="0" smtClean="0" b="1">
+                          <a:solidFill>
+                            <a:srgbClr val="000000"/>
+                          </a:solidFill>
+                          <a:latin typeface="맑은 고딕" charset="0"/>
+                          <a:ea typeface="맑은 고딕" charset="0"/>
                         </a:rPr>
                         <a:t>작성자</a:t>
                       </a:r>
-                      <a:endParaRPr lang="ko-KR" altLang="en-US" sz="1200" b="1" dirty="0">
+                      <a:endParaRPr lang="ko-KR" altLang="en-US" sz="1200" kern="1200" dirty="0" smtClean="0" b="1">
                         <a:solidFill>
-                          <a:schemeClr val="tx1"/>
+                          <a:srgbClr val="000000"/>
                         </a:solidFill>
-                        <a:latin typeface="맑은 고딕" pitchFamily="50" charset="-127"/>
-                        <a:ea typeface="맑은 고딕" pitchFamily="50" charset="-127"/>
+                        <a:latin typeface="맑은 고딕" charset="0"/>
+                        <a:ea typeface="맑은 고딕" charset="0"/>
                       </a:endParaRPr>
                     </a:p>
                   </a:txBody>
-                  <a:tcPr anchor="ctr">
+                  <a:tcPr marL="91440" marR="91440" marT="45720" marB="45720" anchor="ctr">
+                    <a:lnL w="12700" cap="flat" cmpd="sng" algn="ctr">
+                      <a:solidFill>
+                        <a:srgbClr val="000000">
+                          <a:alpha val="100000"/>
+                        </a:srgbClr>
+                      </a:solidFill>
+                      <a:prstDash val="solid"/>
+                      <a:round/>
+                      <a:headEnd type="none" w="med" len="med"/>
+                      <a:tailEnd type="none" w="med" len="med"/>
+                    </a:lnL>
+                    <a:lnR w="12700" cap="flat" cmpd="sng" algn="ctr">
+                      <a:solidFill>
+                        <a:srgbClr val="000000">
+                          <a:alpha val="100000"/>
+                        </a:srgbClr>
+                      </a:solidFill>
+                      <a:prstDash val="solid"/>
+                      <a:round/>
+                      <a:headEnd type="none" w="med" len="med"/>
+                      <a:tailEnd type="none" w="med" len="med"/>
+                    </a:lnR>
+                    <a:lnT w="12700" cap="flat" cmpd="sng" algn="ctr">
+                      <a:solidFill>
+                        <a:srgbClr val="000000">
+                          <a:alpha val="100000"/>
+                        </a:srgbClr>
+                      </a:solidFill>
+                      <a:prstDash val="solid"/>
+                      <a:round/>
+                      <a:headEnd type="none" w="med" len="med"/>
+                      <a:tailEnd type="none" w="med" len="med"/>
+                    </a:lnT>
+                    <a:lnB w="12700" cap="flat" cmpd="sng" algn="ctr">
+                      <a:solidFill>
+                        <a:srgbClr val="000000">
+                          <a:alpha val="100000"/>
+                        </a:srgbClr>
+                      </a:solidFill>
+                      <a:prstDash val="solid"/>
+                      <a:round/>
+                      <a:headEnd type="none" w="med" len="med"/>
+                      <a:tailEnd type="none" w="med" len="med"/>
+                    </a:lnB>
                     <a:solidFill>
                       <a:schemeClr val="bg1">
                         <a:lumMod val="75000"/>
@@ -5551,11 +5720,6 @@
                     </a:solidFill>
                   </a:tcPr>
                 </a:tc>
-                <a:extLst>
-                  <a:ext uri="{0D108BD9-81ED-4DB2-BD59-A6C34878D82A}">
-                    <a16:rowId xmlns:a16="http://schemas.microsoft.com/office/drawing/2014/main" xmlns="" val="10000"/>
-                  </a:ext>
-                </a:extLst>
               </a:tr>
               <a:tr h="370840">
                 <a:tc>
@@ -5563,27 +5727,83 @@
                     <a:bodyPr/>
                     <a:lstStyle/>
                     <a:p>
-                      <a:pPr algn="ctr" latinLnBrk="1"/>
-                      <a:r>
-                        <a:rPr lang="en-US" altLang="ko-KR" sz="1200" b="0" dirty="0">
+                      <a:pPr marL="0" indent="0" algn="ctr" fontAlgn="auto" defTabSz="914400" eaLnBrk="0">
+                        <a:lnSpc>
+                          <a:spcPct val="100000"/>
+                        </a:lnSpc>
+                        <a:spcBef>
+                          <a:spcPts val="0"/>
+                        </a:spcBef>
+                        <a:spcAft>
+                          <a:spcPts val="0"/>
+                        </a:spcAft>
+                        <a:buFontTx/>
+                        <a:buNone/>
+                      </a:pPr>
+                      <a:r>
+                        <a:rPr lang="en-US" altLang="ko-KR" sz="1200" kern="1200" dirty="0" smtClean="0" b="0">
                           <a:solidFill>
                             <a:schemeClr val="tx1"/>
                           </a:solidFill>
-                          <a:latin typeface="맑은 고딕" pitchFamily="50" charset="-127"/>
-                          <a:ea typeface="맑은 고딕" pitchFamily="50" charset="-127"/>
+                          <a:latin typeface="맑은 고딕" charset="0"/>
+                          <a:ea typeface="맑은 고딕" charset="0"/>
                         </a:rPr>
                         <a:t>2017.05.19</a:t>
                       </a:r>
-                      <a:endParaRPr lang="ko-KR" altLang="en-US" sz="1200" b="0" dirty="0">
+                      <a:endParaRPr lang="ko-KR" altLang="en-US" sz="1200" kern="1200" dirty="0" smtClean="0" b="0">
                         <a:solidFill>
                           <a:schemeClr val="tx1"/>
                         </a:solidFill>
-                        <a:latin typeface="맑은 고딕" pitchFamily="50" charset="-127"/>
-                        <a:ea typeface="맑은 고딕" pitchFamily="50" charset="-127"/>
+                        <a:latin typeface="맑은 고딕" charset="0"/>
+                        <a:ea typeface="맑은 고딕" charset="0"/>
                       </a:endParaRPr>
                     </a:p>
                   </a:txBody>
-                  <a:tcPr anchor="ctr">
+                  <a:tcPr marL="91440" marR="91440" marT="45720" marB="45720" anchor="ctr">
+                    <a:lnL w="12700" cap="flat" cmpd="sng" algn="ctr">
+                      <a:solidFill>
+                        <a:srgbClr val="000000">
+                          <a:alpha val="100000"/>
+                        </a:srgbClr>
+                      </a:solidFill>
+                      <a:prstDash val="solid"/>
+                      <a:round/>
+                      <a:headEnd type="none" w="med" len="med"/>
+                      <a:tailEnd type="none" w="med" len="med"/>
+                    </a:lnL>
+                    <a:lnR w="12700" cap="flat" cmpd="sng" algn="ctr">
+                      <a:solidFill>
+                        <a:srgbClr val="000000">
+                          <a:alpha val="100000"/>
+                        </a:srgbClr>
+                      </a:solidFill>
+                      <a:prstDash val="solid"/>
+                      <a:round/>
+                      <a:headEnd type="none" w="med" len="med"/>
+                      <a:tailEnd type="none" w="med" len="med"/>
+                    </a:lnR>
+                    <a:lnT w="12700" cap="flat" cmpd="sng" algn="ctr">
+                      <a:solidFill>
+                        <a:srgbClr val="000000">
+                          <a:alpha val="100000"/>
+                        </a:srgbClr>
+                      </a:solidFill>
+                      <a:prstDash val="solid"/>
+                      <a:round/>
+                      <a:headEnd type="none" w="med" len="med"/>
+                      <a:tailEnd type="none" w="med" len="med"/>
+                    </a:lnT>
+                    <a:lnB w="12700" cap="flat" cmpd="sng" algn="ctr">
+                      <a:solidFill>
+                        <a:srgbClr val="000000">
+                          <a:alpha val="100000"/>
+                        </a:srgbClr>
+                      </a:solidFill>
+                      <a:prstDash val="solid"/>
+                      <a:round/>
+                      <a:headEnd type="none" w="med" len="med"/>
+                      <a:tailEnd type="none" w="med" len="med"/>
+                    </a:lnB>
                     <a:solidFill>
                       <a:schemeClr val="bg1"/>
                     </a:solidFill>
@@ -5594,27 +5814,83 @@
                     <a:bodyPr/>
                     <a:lstStyle/>
                     <a:p>
-                      <a:pPr algn="ctr" latinLnBrk="1"/>
-                      <a:r>
-                        <a:rPr lang="en-US" altLang="ko-KR" sz="1200" b="0" dirty="0">
+                      <a:pPr marL="0" indent="0" algn="ctr" fontAlgn="auto" defTabSz="914400" eaLnBrk="0">
+                        <a:lnSpc>
+                          <a:spcPct val="100000"/>
+                        </a:lnSpc>
+                        <a:spcBef>
+                          <a:spcPts val="0"/>
+                        </a:spcBef>
+                        <a:spcAft>
+                          <a:spcPts val="0"/>
+                        </a:spcAft>
+                        <a:buFontTx/>
+                        <a:buNone/>
+                      </a:pPr>
+                      <a:r>
+                        <a:rPr lang="en-US" altLang="ko-KR" sz="1200" kern="1200" dirty="0" smtClean="0" b="0">
                           <a:solidFill>
                             <a:schemeClr val="tx1"/>
                           </a:solidFill>
-                          <a:latin typeface="맑은 고딕" pitchFamily="50" charset="-127"/>
-                          <a:ea typeface="맑은 고딕" pitchFamily="50" charset="-127"/>
+                          <a:latin typeface="맑은 고딕" charset="0"/>
+                          <a:ea typeface="맑은 고딕" charset="0"/>
                         </a:rPr>
                         <a:t>V1.0.0</a:t>
                       </a:r>
-                      <a:endParaRPr lang="ko-KR" altLang="en-US" sz="1200" b="0" dirty="0">
+                      <a:endParaRPr lang="ko-KR" altLang="en-US" sz="1200" kern="1200" dirty="0" smtClean="0" b="0">
                         <a:solidFill>
                           <a:schemeClr val="tx1"/>
                         </a:solidFill>
-                        <a:latin typeface="맑은 고딕" pitchFamily="50" charset="-127"/>
-                        <a:ea typeface="맑은 고딕" pitchFamily="50" charset="-127"/>
+                        <a:latin typeface="맑은 고딕" charset="0"/>
+                        <a:ea typeface="맑은 고딕" charset="0"/>
                       </a:endParaRPr>
                     </a:p>
                   </a:txBody>
-                  <a:tcPr anchor="ctr">
+                  <a:tcPr marL="91440" marR="91440" marT="45720" marB="45720" anchor="ctr">
+                    <a:lnL w="12700" cap="flat" cmpd="sng" algn="ctr">
+                      <a:solidFill>
+                        <a:srgbClr val="000000">
+                          <a:alpha val="100000"/>
+                        </a:srgbClr>
+                      </a:solidFill>
+                      <a:prstDash val="solid"/>
+                      <a:round/>
+                      <a:headEnd type="none" w="med" len="med"/>
+                      <a:tailEnd type="none" w="med" len="med"/>
+                    </a:lnL>
+                    <a:lnR w="12700" cap="flat" cmpd="sng" algn="ctr">
+                      <a:solidFill>
+                        <a:srgbClr val="000000">
+                          <a:alpha val="100000"/>
+                        </a:srgbClr>
+                      </a:solidFill>
+                      <a:prstDash val="solid"/>
+                      <a:round/>
+                      <a:headEnd type="none" w="med" len="med"/>
+                      <a:tailEnd type="none" w="med" len="med"/>
+                    </a:lnR>
+                    <a:lnT w="12700" cap="flat" cmpd="sng" algn="ctr">
+                      <a:solidFill>
+                        <a:srgbClr val="000000">
+                          <a:alpha val="100000"/>
+                        </a:srgbClr>
+                      </a:solidFill>
+                      <a:prstDash val="solid"/>
+                      <a:round/>
+                      <a:headEnd type="none" w="med" len="med"/>
+                      <a:tailEnd type="none" w="med" len="med"/>
+                    </a:lnT>
+                    <a:lnB w="12700" cap="flat" cmpd="sng" algn="ctr">
+                      <a:solidFill>
+                        <a:srgbClr val="000000">
+                          <a:alpha val="100000"/>
+                        </a:srgbClr>
+                      </a:solidFill>
+                      <a:prstDash val="solid"/>
+                      <a:round/>
+                      <a:headEnd type="none" w="med" len="med"/>
+                      <a:tailEnd type="none" w="med" len="med"/>
+                    </a:lnB>
                     <a:solidFill>
                       <a:schemeClr val="bg1"/>
                     </a:solidFill>
@@ -5625,50 +5901,83 @@
                     <a:bodyPr/>
                     <a:lstStyle/>
                     <a:p>
-                      <a:pPr algn="ctr" latinLnBrk="1"/>
-                      <a:r>
-                        <a:rPr lang="en-US" altLang="ko-KR" sz="1200" b="0" dirty="0">
+                      <a:pPr marL="0" indent="0" algn="ctr" fontAlgn="auto" defTabSz="914400" eaLnBrk="0">
+                        <a:lnSpc>
+                          <a:spcPct val="100000"/>
+                        </a:lnSpc>
+                        <a:spcBef>
+                          <a:spcPts val="0"/>
+                        </a:spcBef>
+                        <a:spcAft>
+                          <a:spcPts val="0"/>
+                        </a:spcAft>
+                        <a:buFontTx/>
+                        <a:buNone/>
+                      </a:pPr>
+                      <a:r>
+                        <a:rPr lang="en-US" altLang="ko-KR" sz="1200" kern="1200" dirty="0" smtClean="0" b="0">
                           <a:solidFill>
                             <a:schemeClr val="tx1"/>
                           </a:solidFill>
-                          <a:latin typeface="맑은 고딕" pitchFamily="50" charset="-127"/>
-                          <a:ea typeface="맑은 고딕" pitchFamily="50" charset="-127"/>
-                        </a:rPr>
-                        <a:t>Entity</a:t>
-                      </a:r>
-                      <a:r>
-                        <a:rPr lang="ko-KR" altLang="en-US" sz="1200" b="0" dirty="0">
-                          <a:solidFill>
-                            <a:schemeClr val="tx1"/>
-                          </a:solidFill>
-                          <a:latin typeface="맑은 고딕" pitchFamily="50" charset="-127"/>
-                          <a:ea typeface="맑은 고딕" pitchFamily="50" charset="-127"/>
-                        </a:rPr>
-                        <a:t> </a:t>
-                      </a:r>
-                      <a:r>
-                        <a:rPr lang="en-US" altLang="ko-KR" sz="1200" b="0" dirty="0">
-                          <a:solidFill>
-                            <a:schemeClr val="tx1"/>
-                          </a:solidFill>
-                          <a:latin typeface="맑은 고딕" pitchFamily="50" charset="-127"/>
-                          <a:ea typeface="맑은 고딕" pitchFamily="50" charset="-127"/>
-                        </a:rPr>
-                        <a:t>/ Control Class </a:t>
-                      </a:r>
-                      <a:r>
-                        <a:rPr lang="ko-KR" altLang="en-US" sz="1200" b="0" dirty="0">
-                          <a:solidFill>
-                            <a:schemeClr val="tx1"/>
-                          </a:solidFill>
-                          <a:latin typeface="맑은 고딕" pitchFamily="50" charset="-127"/>
-                          <a:ea typeface="맑은 고딕" pitchFamily="50" charset="-127"/>
-                        </a:rPr>
-                        <a:t>작성</a:t>
-                      </a:r>
+                          <a:latin typeface="맑은 고딕" charset="0"/>
+                          <a:ea typeface="맑은 고딕" charset="0"/>
+                        </a:rPr>
+                        <a:t>Entity / Control Class 작성</a:t>
+                      </a:r>
+                      <a:endParaRPr lang="ko-KR" altLang="en-US" sz="1200" kern="1200" dirty="0" smtClean="0" b="0">
+                        <a:solidFill>
+                          <a:schemeClr val="tx1"/>
+                        </a:solidFill>
+                        <a:latin typeface="맑은 고딕" charset="0"/>
+                        <a:ea typeface="맑은 고딕" charset="0"/>
+                      </a:endParaRPr>
                     </a:p>
                   </a:txBody>
-                  <a:tcPr anchor="ctr">
+                  <a:tcPr marL="91440" marR="91440" marT="45720" marB="45720" anchor="ctr">
+                    <a:lnL w="12700" cap="flat" cmpd="sng" algn="ctr">
+                      <a:solidFill>
+                        <a:srgbClr val="000000">
+                          <a:alpha val="100000"/>
+                        </a:srgbClr>
+                      </a:solidFill>
+                      <a:prstDash val="solid"/>
+                      <a:round/>
+                      <a:headEnd type="none" w="med" len="med"/>
+                      <a:tailEnd type="none" w="med" len="med"/>
+                    </a:lnL>
+                    <a:lnR w="12700" cap="flat" cmpd="sng" algn="ctr">
+                      <a:solidFill>
+                        <a:srgbClr val="000000">
+                          <a:alpha val="100000"/>
+                        </a:srgbClr>
+                      </a:solidFill>
+                      <a:prstDash val="solid"/>
+                      <a:round/>
+                      <a:headEnd type="none" w="med" len="med"/>
+                      <a:tailEnd type="none" w="med" len="med"/>
+                    </a:lnR>
+                    <a:lnT w="12700" cap="flat" cmpd="sng" algn="ctr">
+                      <a:solidFill>
+                        <a:srgbClr val="000000">
+                          <a:alpha val="100000"/>
+                        </a:srgbClr>
+                      </a:solidFill>
+                      <a:prstDash val="solid"/>
+                      <a:round/>
+                      <a:headEnd type="none" w="med" len="med"/>
+                      <a:tailEnd type="none" w="med" len="med"/>
+                    </a:lnT>
+                    <a:lnB w="12700" cap="flat" cmpd="sng" algn="ctr">
+                      <a:solidFill>
+                        <a:srgbClr val="000000">
+                          <a:alpha val="100000"/>
+                        </a:srgbClr>
+                      </a:solidFill>
+                      <a:prstDash val="solid"/>
+                      <a:round/>
+                      <a:headEnd type="none" w="med" len="med"/>
+                      <a:tailEnd type="none" w="med" len="med"/>
+                    </a:lnB>
                     <a:solidFill>
                       <a:schemeClr val="bg1"/>
                     </a:solidFill>
@@ -5679,30 +5988,88 @@
                     <a:bodyPr/>
                     <a:lstStyle/>
                     <a:p>
-                      <a:pPr algn="ctr" latinLnBrk="1"/>
-                      <a:r>
-                        <a:rPr lang="ko-KR" altLang="en-US" sz="1200" b="0" dirty="0">
+                      <a:pPr marL="0" indent="0" algn="ctr" fontAlgn="auto" defTabSz="914400" eaLnBrk="0">
+                        <a:lnSpc>
+                          <a:spcPct val="100000"/>
+                        </a:lnSpc>
+                        <a:spcBef>
+                          <a:spcPts val="0"/>
+                        </a:spcBef>
+                        <a:spcAft>
+                          <a:spcPts val="0"/>
+                        </a:spcAft>
+                        <a:buFontTx/>
+                        <a:buNone/>
+                      </a:pPr>
+                      <a:r>
+                        <a:rPr lang="en-US" altLang="ko-KR" sz="1200" kern="1200" dirty="0" smtClean="0" b="0">
                           <a:solidFill>
                             <a:schemeClr val="tx1"/>
                           </a:solidFill>
-                          <a:latin typeface="맑은 고딕" pitchFamily="50" charset="-127"/>
-                          <a:ea typeface="맑은 고딕" pitchFamily="50" charset="-127"/>
+                          <a:latin typeface="맑은 고딕" charset="0"/>
+                          <a:ea typeface="맑은 고딕" charset="0"/>
                         </a:rPr>
                         <a:t>박정민</a:t>
                       </a:r>
+                      <a:endParaRPr lang="ko-KR" altLang="en-US" sz="1200" kern="1200" dirty="0" smtClean="0" b="0">
+                        <a:solidFill>
+                          <a:schemeClr val="tx1"/>
+                        </a:solidFill>
+                        <a:latin typeface="맑은 고딕" charset="0"/>
+                        <a:ea typeface="맑은 고딕" charset="0"/>
+                      </a:endParaRPr>
                     </a:p>
                   </a:txBody>
-                  <a:tcPr anchor="ctr">
+                  <a:tcPr marL="91440" marR="91440" marT="45720" marB="45720" anchor="ctr">
+                    <a:lnL w="12700" cap="flat" cmpd="sng" algn="ctr">
+                      <a:solidFill>
+                        <a:srgbClr val="000000">
+                          <a:alpha val="100000"/>
+                        </a:srgbClr>
+                      </a:solidFill>
+                      <a:prstDash val="solid"/>
+                      <a:round/>
+                      <a:headEnd type="none" w="med" len="med"/>
+                      <a:tailEnd type="none" w="med" len="med"/>
+                    </a:lnL>
+                    <a:lnR w="12700" cap="flat" cmpd="sng" algn="ctr">
+                      <a:solidFill>
+                        <a:srgbClr val="000000">
+                          <a:alpha val="100000"/>
+                        </a:srgbClr>
+                      </a:solidFill>
+                      <a:prstDash val="solid"/>
+                      <a:round/>
+                      <a:headEnd type="none" w="med" len="med"/>
+                      <a:tailEnd type="none" w="med" len="med"/>
+                    </a:lnR>
+                    <a:lnT w="12700" cap="flat" cmpd="sng" algn="ctr">
+                      <a:solidFill>
+                        <a:srgbClr val="000000">
+                          <a:alpha val="100000"/>
+                        </a:srgbClr>
+                      </a:solidFill>
+                      <a:prstDash val="solid"/>
+                      <a:round/>
+                      <a:headEnd type="none" w="med" len="med"/>
+                      <a:tailEnd type="none" w="med" len="med"/>
+                    </a:lnT>
+                    <a:lnB w="12700" cap="flat" cmpd="sng" algn="ctr">
+                      <a:solidFill>
+                        <a:srgbClr val="000000">
+                          <a:alpha val="100000"/>
+                        </a:srgbClr>
+                      </a:solidFill>
+                      <a:prstDash val="solid"/>
+                      <a:round/>
+                      <a:headEnd type="none" w="med" len="med"/>
+                      <a:tailEnd type="none" w="med" len="med"/>
+                    </a:lnB>
                     <a:solidFill>
                       <a:schemeClr val="bg1"/>
                     </a:solidFill>
                   </a:tcPr>
                 </a:tc>
-                <a:extLst>
-                  <a:ext uri="{0D108BD9-81ED-4DB2-BD59-A6C34878D82A}">
-                    <a16:rowId xmlns:a16="http://schemas.microsoft.com/office/drawing/2014/main" xmlns="" val="10001"/>
-                  </a:ext>
-                </a:extLst>
               </a:tr>
               <a:tr h="370840">
                 <a:tc>
@@ -5710,27 +6077,83 @@
                     <a:bodyPr/>
                     <a:lstStyle/>
                     <a:p>
-                      <a:pPr algn="ctr" latinLnBrk="1"/>
-                      <a:r>
-                        <a:rPr lang="en-US" altLang="ko-KR" sz="1200" b="0" dirty="0">
+                      <a:pPr marL="0" indent="0" algn="ctr" fontAlgn="auto" defTabSz="914400" eaLnBrk="0">
+                        <a:lnSpc>
+                          <a:spcPct val="100000"/>
+                        </a:lnSpc>
+                        <a:spcBef>
+                          <a:spcPts val="0"/>
+                        </a:spcBef>
+                        <a:spcAft>
+                          <a:spcPts val="0"/>
+                        </a:spcAft>
+                        <a:buFontTx/>
+                        <a:buNone/>
+                      </a:pPr>
+                      <a:r>
+                        <a:rPr lang="en-US" altLang="ko-KR" sz="1200" kern="1200" dirty="0" smtClean="0" b="0">
                           <a:solidFill>
                             <a:schemeClr val="tx1"/>
                           </a:solidFill>
-                          <a:latin typeface="맑은 고딕" pitchFamily="50" charset="-127"/>
-                          <a:ea typeface="맑은 고딕" pitchFamily="50" charset="-127"/>
+                          <a:latin typeface="맑은 고딕" charset="0"/>
+                          <a:ea typeface="맑은 고딕" charset="0"/>
                         </a:rPr>
                         <a:t>2017.05.19</a:t>
                       </a:r>
-                      <a:endParaRPr lang="ko-KR" altLang="en-US" sz="1200" b="0" dirty="0">
+                      <a:endParaRPr lang="ko-KR" altLang="en-US" sz="1200" kern="1200" dirty="0" smtClean="0" b="0">
                         <a:solidFill>
                           <a:schemeClr val="tx1"/>
                         </a:solidFill>
-                        <a:latin typeface="맑은 고딕" pitchFamily="50" charset="-127"/>
-                        <a:ea typeface="맑은 고딕" pitchFamily="50" charset="-127"/>
+                        <a:latin typeface="맑은 고딕" charset="0"/>
+                        <a:ea typeface="맑은 고딕" charset="0"/>
                       </a:endParaRPr>
                     </a:p>
                   </a:txBody>
-                  <a:tcPr anchor="ctr">
+                  <a:tcPr marL="91440" marR="91440" marT="45720" marB="45720" anchor="ctr">
+                    <a:lnL w="12700" cap="flat" cmpd="sng" algn="ctr">
+                      <a:solidFill>
+                        <a:srgbClr val="000000">
+                          <a:alpha val="100000"/>
+                        </a:srgbClr>
+                      </a:solidFill>
+                      <a:prstDash val="solid"/>
+                      <a:round/>
+                      <a:headEnd type="none" w="med" len="med"/>
+                      <a:tailEnd type="none" w="med" len="med"/>
+                    </a:lnL>
+                    <a:lnR w="12700" cap="flat" cmpd="sng" algn="ctr">
+                      <a:solidFill>
+                        <a:srgbClr val="000000">
+                          <a:alpha val="100000"/>
+                        </a:srgbClr>
+                      </a:solidFill>
+                      <a:prstDash val="solid"/>
+                      <a:round/>
+                      <a:headEnd type="none" w="med" len="med"/>
+                      <a:tailEnd type="none" w="med" len="med"/>
+                    </a:lnR>
+                    <a:lnT w="12700" cap="flat" cmpd="sng" algn="ctr">
+                      <a:solidFill>
+                        <a:srgbClr val="000000">
+                          <a:alpha val="100000"/>
+                        </a:srgbClr>
+                      </a:solidFill>
+                      <a:prstDash val="solid"/>
+                      <a:round/>
+                      <a:headEnd type="none" w="med" len="med"/>
+                      <a:tailEnd type="none" w="med" len="med"/>
+                    </a:lnT>
+                    <a:lnB w="12700" cap="flat" cmpd="sng" algn="ctr">
+                      <a:solidFill>
+                        <a:srgbClr val="000000">
+                          <a:alpha val="100000"/>
+                        </a:srgbClr>
+                      </a:solidFill>
+                      <a:prstDash val="solid"/>
+                      <a:round/>
+                      <a:headEnd type="none" w="med" len="med"/>
+                      <a:tailEnd type="none" w="med" len="med"/>
+                    </a:lnB>
                     <a:solidFill>
                       <a:schemeClr val="bg1"/>
                     </a:solidFill>
@@ -5741,27 +6164,83 @@
                     <a:bodyPr/>
                     <a:lstStyle/>
                     <a:p>
-                      <a:pPr algn="ctr" latinLnBrk="1"/>
-                      <a:r>
-                        <a:rPr lang="en-US" altLang="ko-KR" sz="1200" b="0">
+                      <a:pPr marL="0" indent="0" algn="ctr" fontAlgn="auto" defTabSz="914400" eaLnBrk="0">
+                        <a:lnSpc>
+                          <a:spcPct val="100000"/>
+                        </a:lnSpc>
+                        <a:spcBef>
+                          <a:spcPts val="0"/>
+                        </a:spcBef>
+                        <a:spcAft>
+                          <a:spcPts val="0"/>
+                        </a:spcAft>
+                        <a:buFontTx/>
+                        <a:buNone/>
+                      </a:pPr>
+                      <a:r>
+                        <a:rPr lang="en-US" altLang="ko-KR" sz="1200" kern="1200" dirty="0" smtClean="0" b="0">
                           <a:solidFill>
                             <a:schemeClr val="tx1"/>
                           </a:solidFill>
-                          <a:latin typeface="맑은 고딕" pitchFamily="50" charset="-127"/>
-                          <a:ea typeface="맑은 고딕" pitchFamily="50" charset="-127"/>
+                          <a:latin typeface="맑은 고딕" charset="0"/>
+                          <a:ea typeface="맑은 고딕" charset="0"/>
                         </a:rPr>
                         <a:t>V1.0.1</a:t>
                       </a:r>
-                      <a:endParaRPr lang="ko-KR" altLang="en-US" sz="1200" b="0" dirty="0">
+                      <a:endParaRPr lang="ko-KR" altLang="en-US" sz="1200" kern="1200" dirty="0" smtClean="0" b="0">
                         <a:solidFill>
                           <a:schemeClr val="tx1"/>
                         </a:solidFill>
-                        <a:latin typeface="맑은 고딕" pitchFamily="50" charset="-127"/>
-                        <a:ea typeface="맑은 고딕" pitchFamily="50" charset="-127"/>
+                        <a:latin typeface="맑은 고딕" charset="0"/>
+                        <a:ea typeface="맑은 고딕" charset="0"/>
                       </a:endParaRPr>
                     </a:p>
                   </a:txBody>
-                  <a:tcPr anchor="ctr">
+                  <a:tcPr marL="91440" marR="91440" marT="45720" marB="45720" anchor="ctr">
+                    <a:lnL w="12700" cap="flat" cmpd="sng" algn="ctr">
+                      <a:solidFill>
+                        <a:srgbClr val="000000">
+                          <a:alpha val="100000"/>
+                        </a:srgbClr>
+                      </a:solidFill>
+                      <a:prstDash val="solid"/>
+                      <a:round/>
+                      <a:headEnd type="none" w="med" len="med"/>
+                      <a:tailEnd type="none" w="med" len="med"/>
+                    </a:lnL>
+                    <a:lnR w="12700" cap="flat" cmpd="sng" algn="ctr">
+                      <a:solidFill>
+                        <a:srgbClr val="000000">
+                          <a:alpha val="100000"/>
+                        </a:srgbClr>
+                      </a:solidFill>
+                      <a:prstDash val="solid"/>
+                      <a:round/>
+                      <a:headEnd type="none" w="med" len="med"/>
+                      <a:tailEnd type="none" w="med" len="med"/>
+                    </a:lnR>
+                    <a:lnT w="12700" cap="flat" cmpd="sng" algn="ctr">
+                      <a:solidFill>
+                        <a:srgbClr val="000000">
+                          <a:alpha val="100000"/>
+                        </a:srgbClr>
+                      </a:solidFill>
+                      <a:prstDash val="solid"/>
+                      <a:round/>
+                      <a:headEnd type="none" w="med" len="med"/>
+                      <a:tailEnd type="none" w="med" len="med"/>
+                    </a:lnT>
+                    <a:lnB w="12700" cap="flat" cmpd="sng" algn="ctr">
+                      <a:solidFill>
+                        <a:srgbClr val="000000">
+                          <a:alpha val="100000"/>
+                        </a:srgbClr>
+                      </a:solidFill>
+                      <a:prstDash val="solid"/>
+                      <a:round/>
+                      <a:headEnd type="none" w="med" len="med"/>
+                      <a:tailEnd type="none" w="med" len="med"/>
+                    </a:lnB>
                     <a:solidFill>
                       <a:schemeClr val="bg1"/>
                     </a:solidFill>
@@ -5772,30 +6251,83 @@
                     <a:bodyPr/>
                     <a:lstStyle/>
                     <a:p>
-                      <a:pPr algn="ctr" latinLnBrk="1"/>
-                      <a:r>
-                        <a:rPr lang="en-US" altLang="ko-KR" sz="1200" b="0" dirty="0">
+                      <a:pPr marL="0" indent="0" algn="ctr" fontAlgn="auto" defTabSz="914400" eaLnBrk="0">
+                        <a:lnSpc>
+                          <a:spcPct val="100000"/>
+                        </a:lnSpc>
+                        <a:spcBef>
+                          <a:spcPts val="0"/>
+                        </a:spcBef>
+                        <a:spcAft>
+                          <a:spcPts val="0"/>
+                        </a:spcAft>
+                        <a:buFontTx/>
+                        <a:buNone/>
+                      </a:pPr>
+                      <a:r>
+                        <a:rPr lang="en-US" altLang="ko-KR" sz="1200" kern="1200" dirty="0" smtClean="0" b="0">
                           <a:solidFill>
                             <a:schemeClr val="tx1"/>
                           </a:solidFill>
-                          <a:latin typeface="맑은 고딕" pitchFamily="50" charset="-127"/>
-                          <a:ea typeface="맑은 고딕" pitchFamily="50" charset="-127"/>
-                        </a:rPr>
-                        <a:t>Boundary Class </a:t>
-                      </a:r>
-                      <a:r>
-                        <a:rPr lang="ko-KR" altLang="en-US" sz="1200" b="0" dirty="0">
-                          <a:solidFill>
-                            <a:schemeClr val="tx1"/>
-                          </a:solidFill>
-                          <a:latin typeface="맑은 고딕" pitchFamily="50" charset="-127"/>
-                          <a:ea typeface="맑은 고딕" pitchFamily="50" charset="-127"/>
-                        </a:rPr>
-                        <a:t>작성</a:t>
-                      </a:r>
+                          <a:latin typeface="맑은 고딕" charset="0"/>
+                          <a:ea typeface="맑은 고딕" charset="0"/>
+                        </a:rPr>
+                        <a:t>Boundary Class 작성</a:t>
+                      </a:r>
+                      <a:endParaRPr lang="ko-KR" altLang="en-US" sz="1200" kern="1200" dirty="0" smtClean="0" b="0">
+                        <a:solidFill>
+                          <a:schemeClr val="tx1"/>
+                        </a:solidFill>
+                        <a:latin typeface="맑은 고딕" charset="0"/>
+                        <a:ea typeface="맑은 고딕" charset="0"/>
+                      </a:endParaRPr>
                     </a:p>
                   </a:txBody>
-                  <a:tcPr anchor="ctr">
+                  <a:tcPr marL="91440" marR="91440" marT="45720" marB="45720" anchor="ctr">
+                    <a:lnL w="12700" cap="flat" cmpd="sng" algn="ctr">
+                      <a:solidFill>
+                        <a:srgbClr val="000000">
+                          <a:alpha val="100000"/>
+                        </a:srgbClr>
+                      </a:solidFill>
+                      <a:prstDash val="solid"/>
+                      <a:round/>
+                      <a:headEnd type="none" w="med" len="med"/>
+                      <a:tailEnd type="none" w="med" len="med"/>
+                    </a:lnL>
+                    <a:lnR w="12700" cap="flat" cmpd="sng" algn="ctr">
+                      <a:solidFill>
+                        <a:srgbClr val="000000">
+                          <a:alpha val="100000"/>
+                        </a:srgbClr>
+                      </a:solidFill>
+                      <a:prstDash val="solid"/>
+                      <a:round/>
+                      <a:headEnd type="none" w="med" len="med"/>
+                      <a:tailEnd type="none" w="med" len="med"/>
+                    </a:lnR>
+                    <a:lnT w="12700" cap="flat" cmpd="sng" algn="ctr">
+                      <a:solidFill>
+                        <a:srgbClr val="000000">
+                          <a:alpha val="100000"/>
+                        </a:srgbClr>
+                      </a:solidFill>
+                      <a:prstDash val="solid"/>
+                      <a:round/>
+                      <a:headEnd type="none" w="med" len="med"/>
+                      <a:tailEnd type="none" w="med" len="med"/>
+                    </a:lnT>
+                    <a:lnB w="12700" cap="flat" cmpd="sng" algn="ctr">
+                      <a:solidFill>
+                        <a:srgbClr val="000000">
+                          <a:alpha val="100000"/>
+                        </a:srgbClr>
+                      </a:solidFill>
+                      <a:prstDash val="solid"/>
+                      <a:round/>
+                      <a:headEnd type="none" w="med" len="med"/>
+                      <a:tailEnd type="none" w="med" len="med"/>
+                    </a:lnB>
                     <a:solidFill>
                       <a:schemeClr val="bg1"/>
                     </a:solidFill>
@@ -5806,37 +6338,88 @@
                     <a:bodyPr/>
                     <a:lstStyle/>
                     <a:p>
-                      <a:pPr algn="ctr" latinLnBrk="1"/>
-                      <a:r>
-                        <a:rPr lang="ko-KR" altLang="en-US" sz="1200" b="0" dirty="0" err="1">
+                      <a:pPr marL="0" indent="0" algn="ctr" fontAlgn="auto" defTabSz="914400" eaLnBrk="0">
+                        <a:lnSpc>
+                          <a:spcPct val="100000"/>
+                        </a:lnSpc>
+                        <a:spcBef>
+                          <a:spcPts val="0"/>
+                        </a:spcBef>
+                        <a:spcAft>
+                          <a:spcPts val="0"/>
+                        </a:spcAft>
+                        <a:buFontTx/>
+                        <a:buNone/>
+                      </a:pPr>
+                      <a:r>
+                        <a:rPr lang="en-US" altLang="ko-KR" sz="1200" kern="1200" dirty="0" smtClean="0" b="0">
                           <a:solidFill>
                             <a:schemeClr val="tx1"/>
                           </a:solidFill>
-                          <a:latin typeface="맑은 고딕" pitchFamily="50" charset="-127"/>
-                          <a:ea typeface="맑은 고딕" pitchFamily="50" charset="-127"/>
+                          <a:latin typeface="맑은 고딕" charset="0"/>
+                          <a:ea typeface="맑은 고딕" charset="0"/>
                         </a:rPr>
                         <a:t>나소영</a:t>
                       </a:r>
-                      <a:endParaRPr lang="ko-KR" altLang="en-US" sz="1200" b="0" dirty="0">
+                      <a:endParaRPr lang="ko-KR" altLang="en-US" sz="1200" kern="1200" dirty="0" smtClean="0" b="0">
                         <a:solidFill>
                           <a:schemeClr val="tx1"/>
                         </a:solidFill>
-                        <a:latin typeface="맑은 고딕" pitchFamily="50" charset="-127"/>
-                        <a:ea typeface="맑은 고딕" pitchFamily="50" charset="-127"/>
+                        <a:latin typeface="맑은 고딕" charset="0"/>
+                        <a:ea typeface="맑은 고딕" charset="0"/>
                       </a:endParaRPr>
                     </a:p>
                   </a:txBody>
-                  <a:tcPr anchor="ctr">
+                  <a:tcPr marL="91440" marR="91440" marT="45720" marB="45720" anchor="ctr">
+                    <a:lnL w="12700" cap="flat" cmpd="sng" algn="ctr">
+                      <a:solidFill>
+                        <a:srgbClr val="000000">
+                          <a:alpha val="100000"/>
+                        </a:srgbClr>
+                      </a:solidFill>
+                      <a:prstDash val="solid"/>
+                      <a:round/>
+                      <a:headEnd type="none" w="med" len="med"/>
+                      <a:tailEnd type="none" w="med" len="med"/>
+                    </a:lnL>
+                    <a:lnR w="12700" cap="flat" cmpd="sng" algn="ctr">
+                      <a:solidFill>
+                        <a:srgbClr val="000000">
+                          <a:alpha val="100000"/>
+                        </a:srgbClr>
+                      </a:solidFill>
+                      <a:prstDash val="solid"/>
+                      <a:round/>
+                      <a:headEnd type="none" w="med" len="med"/>
+                      <a:tailEnd type="none" w="med" len="med"/>
+                    </a:lnR>
+                    <a:lnT w="12700" cap="flat" cmpd="sng" algn="ctr">
+                      <a:solidFill>
+                        <a:srgbClr val="000000">
+                          <a:alpha val="100000"/>
+                        </a:srgbClr>
+                      </a:solidFill>
+                      <a:prstDash val="solid"/>
+                      <a:round/>
+                      <a:headEnd type="none" w="med" len="med"/>
+                      <a:tailEnd type="none" w="med" len="med"/>
+                    </a:lnT>
+                    <a:lnB w="12700" cap="flat" cmpd="sng" algn="ctr">
+                      <a:solidFill>
+                        <a:srgbClr val="000000">
+                          <a:alpha val="100000"/>
+                        </a:srgbClr>
+                      </a:solidFill>
+                      <a:prstDash val="solid"/>
+                      <a:round/>
+                      <a:headEnd type="none" w="med" len="med"/>
+                      <a:tailEnd type="none" w="med" len="med"/>
+                    </a:lnB>
                     <a:solidFill>
                       <a:schemeClr val="bg1"/>
                     </a:solidFill>
                   </a:tcPr>
                 </a:tc>
-                <a:extLst>
-                  <a:ext uri="{0D108BD9-81ED-4DB2-BD59-A6C34878D82A}">
-                    <a16:rowId xmlns:a16="http://schemas.microsoft.com/office/drawing/2014/main" xmlns="" val="10002"/>
-                  </a:ext>
-                </a:extLst>
               </a:tr>
               <a:tr h="370840">
                 <a:tc>
@@ -5844,27 +6427,83 @@
                     <a:bodyPr/>
                     <a:lstStyle/>
                     <a:p>
-                      <a:pPr algn="ctr" latinLnBrk="1"/>
-                      <a:r>
-                        <a:rPr lang="en-US" altLang="ko-KR" sz="1200" b="0" dirty="0">
+                      <a:pPr marL="0" indent="0" algn="ctr" fontAlgn="auto" defTabSz="914400" eaLnBrk="0">
+                        <a:lnSpc>
+                          <a:spcPct val="100000"/>
+                        </a:lnSpc>
+                        <a:spcBef>
+                          <a:spcPts val="0"/>
+                        </a:spcBef>
+                        <a:spcAft>
+                          <a:spcPts val="0"/>
+                        </a:spcAft>
+                        <a:buFontTx/>
+                        <a:buNone/>
+                      </a:pPr>
+                      <a:r>
+                        <a:rPr lang="en-US" altLang="ko-KR" sz="1200" kern="1200" dirty="0" smtClean="0" b="0">
                           <a:solidFill>
                             <a:schemeClr val="tx1"/>
                           </a:solidFill>
-                          <a:latin typeface="맑은 고딕" pitchFamily="50" charset="-127"/>
-                          <a:ea typeface="맑은 고딕" pitchFamily="50" charset="-127"/>
+                          <a:latin typeface="맑은 고딕" charset="0"/>
+                          <a:ea typeface="맑은 고딕" charset="0"/>
                         </a:rPr>
                         <a:t>2017.05.22</a:t>
                       </a:r>
-                      <a:endParaRPr lang="ko-KR" altLang="en-US" sz="1200" b="0" dirty="0">
+                      <a:endParaRPr lang="ko-KR" altLang="en-US" sz="1200" kern="1200" dirty="0" smtClean="0" b="0">
                         <a:solidFill>
                           <a:schemeClr val="tx1"/>
                         </a:solidFill>
-                        <a:latin typeface="맑은 고딕" pitchFamily="50" charset="-127"/>
-                        <a:ea typeface="맑은 고딕" pitchFamily="50" charset="-127"/>
+                        <a:latin typeface="맑은 고딕" charset="0"/>
+                        <a:ea typeface="맑은 고딕" charset="0"/>
                       </a:endParaRPr>
                     </a:p>
                   </a:txBody>
-                  <a:tcPr anchor="ctr">
+                  <a:tcPr marL="91440" marR="91440" marT="45720" marB="45720" anchor="ctr">
+                    <a:lnL w="12700" cap="flat" cmpd="sng" algn="ctr">
+                      <a:solidFill>
+                        <a:srgbClr val="000000">
+                          <a:alpha val="100000"/>
+                        </a:srgbClr>
+                      </a:solidFill>
+                      <a:prstDash val="solid"/>
+                      <a:round/>
+                      <a:headEnd type="none" w="med" len="med"/>
+                      <a:tailEnd type="none" w="med" len="med"/>
+                    </a:lnL>
+                    <a:lnR w="12700" cap="flat" cmpd="sng" algn="ctr">
+                      <a:solidFill>
+                        <a:srgbClr val="000000">
+                          <a:alpha val="100000"/>
+                        </a:srgbClr>
+                      </a:solidFill>
+                      <a:prstDash val="solid"/>
+                      <a:round/>
+                      <a:headEnd type="none" w="med" len="med"/>
+                      <a:tailEnd type="none" w="med" len="med"/>
+                    </a:lnR>
+                    <a:lnT w="12700" cap="flat" cmpd="sng" algn="ctr">
+                      <a:solidFill>
+                        <a:srgbClr val="000000">
+                          <a:alpha val="100000"/>
+                        </a:srgbClr>
+                      </a:solidFill>
+                      <a:prstDash val="solid"/>
+                      <a:round/>
+                      <a:headEnd type="none" w="med" len="med"/>
+                      <a:tailEnd type="none" w="med" len="med"/>
+                    </a:lnT>
+                    <a:lnB w="12700" cap="flat" cmpd="sng" algn="ctr">
+                      <a:solidFill>
+                        <a:srgbClr val="000000">
+                          <a:alpha val="100000"/>
+                        </a:srgbClr>
+                      </a:solidFill>
+                      <a:prstDash val="solid"/>
+                      <a:round/>
+                      <a:headEnd type="none" w="med" len="med"/>
+                      <a:tailEnd type="none" w="med" len="med"/>
+                    </a:lnB>
                     <a:solidFill>
                       <a:schemeClr val="bg1"/>
                     </a:solidFill>
@@ -5875,27 +6514,83 @@
                     <a:bodyPr/>
                     <a:lstStyle/>
                     <a:p>
-                      <a:pPr algn="ctr" latinLnBrk="1"/>
-                      <a:r>
-                        <a:rPr lang="en-US" altLang="ko-KR" sz="1200" b="0" dirty="0">
+                      <a:pPr marL="0" indent="0" algn="ctr" fontAlgn="auto" defTabSz="914400" eaLnBrk="0">
+                        <a:lnSpc>
+                          <a:spcPct val="100000"/>
+                        </a:lnSpc>
+                        <a:spcBef>
+                          <a:spcPts val="0"/>
+                        </a:spcBef>
+                        <a:spcAft>
+                          <a:spcPts val="0"/>
+                        </a:spcAft>
+                        <a:buFontTx/>
+                        <a:buNone/>
+                      </a:pPr>
+                      <a:r>
+                        <a:rPr lang="en-US" altLang="ko-KR" sz="1200" kern="1200" dirty="0" smtClean="0" b="0">
                           <a:solidFill>
                             <a:schemeClr val="tx1"/>
                           </a:solidFill>
-                          <a:latin typeface="맑은 고딕" pitchFamily="50" charset="-127"/>
-                          <a:ea typeface="맑은 고딕" pitchFamily="50" charset="-127"/>
+                          <a:latin typeface="맑은 고딕" charset="0"/>
+                          <a:ea typeface="맑은 고딕" charset="0"/>
                         </a:rPr>
                         <a:t>V1.0.2</a:t>
                       </a:r>
-                      <a:endParaRPr lang="ko-KR" altLang="en-US" sz="1200" b="0" dirty="0">
+                      <a:endParaRPr lang="ko-KR" altLang="en-US" sz="1200" kern="1200" dirty="0" smtClean="0" b="0">
                         <a:solidFill>
                           <a:schemeClr val="tx1"/>
                         </a:solidFill>
-                        <a:latin typeface="맑은 고딕" pitchFamily="50" charset="-127"/>
-                        <a:ea typeface="맑은 고딕" pitchFamily="50" charset="-127"/>
+                        <a:latin typeface="맑은 고딕" charset="0"/>
+                        <a:ea typeface="맑은 고딕" charset="0"/>
                       </a:endParaRPr>
                     </a:p>
                   </a:txBody>
-                  <a:tcPr anchor="ctr">
+                  <a:tcPr marL="91440" marR="91440" marT="45720" marB="45720" anchor="ctr">
+                    <a:lnL w="12700" cap="flat" cmpd="sng" algn="ctr">
+                      <a:solidFill>
+                        <a:srgbClr val="000000">
+                          <a:alpha val="100000"/>
+                        </a:srgbClr>
+                      </a:solidFill>
+                      <a:prstDash val="solid"/>
+                      <a:round/>
+                      <a:headEnd type="none" w="med" len="med"/>
+                      <a:tailEnd type="none" w="med" len="med"/>
+                    </a:lnL>
+                    <a:lnR w="12700" cap="flat" cmpd="sng" algn="ctr">
+                      <a:solidFill>
+                        <a:srgbClr val="000000">
+                          <a:alpha val="100000"/>
+                        </a:srgbClr>
+                      </a:solidFill>
+                      <a:prstDash val="solid"/>
+                      <a:round/>
+                      <a:headEnd type="none" w="med" len="med"/>
+                      <a:tailEnd type="none" w="med" len="med"/>
+                    </a:lnR>
+                    <a:lnT w="12700" cap="flat" cmpd="sng" algn="ctr">
+                      <a:solidFill>
+                        <a:srgbClr val="000000">
+                          <a:alpha val="100000"/>
+                        </a:srgbClr>
+                      </a:solidFill>
+                      <a:prstDash val="solid"/>
+                      <a:round/>
+                      <a:headEnd type="none" w="med" len="med"/>
+                      <a:tailEnd type="none" w="med" len="med"/>
+                    </a:lnT>
+                    <a:lnB w="12700" cap="flat" cmpd="sng" algn="ctr">
+                      <a:solidFill>
+                        <a:srgbClr val="000000">
+                          <a:alpha val="100000"/>
+                        </a:srgbClr>
+                      </a:solidFill>
+                      <a:prstDash val="solid"/>
+                      <a:round/>
+                      <a:headEnd type="none" w="med" len="med"/>
+                      <a:tailEnd type="none" w="med" len="med"/>
+                    </a:lnB>
                     <a:solidFill>
                       <a:schemeClr val="bg1"/>
                     </a:solidFill>
@@ -5906,30 +6601,83 @@
                     <a:bodyPr/>
                     <a:lstStyle/>
                     <a:p>
-                      <a:pPr algn="ctr" latinLnBrk="1"/>
-                      <a:r>
-                        <a:rPr lang="en-US" altLang="ko-KR" sz="1200" b="0" dirty="0">
+                      <a:pPr marL="0" indent="0" algn="ctr" fontAlgn="auto" defTabSz="914400" eaLnBrk="0">
+                        <a:lnSpc>
+                          <a:spcPct val="100000"/>
+                        </a:lnSpc>
+                        <a:spcBef>
+                          <a:spcPts val="0"/>
+                        </a:spcBef>
+                        <a:spcAft>
+                          <a:spcPts val="0"/>
+                        </a:spcAft>
+                        <a:buFontTx/>
+                        <a:buNone/>
+                      </a:pPr>
+                      <a:r>
+                        <a:rPr lang="en-US" altLang="ko-KR" sz="1200" kern="1200" dirty="0" smtClean="0" b="0">
                           <a:solidFill>
                             <a:schemeClr val="tx1"/>
                           </a:solidFill>
-                          <a:latin typeface="맑은 고딕" pitchFamily="50" charset="-127"/>
-                          <a:ea typeface="맑은 고딕" pitchFamily="50" charset="-127"/>
-                        </a:rPr>
-                        <a:t>Control Class </a:t>
-                      </a:r>
-                      <a:r>
-                        <a:rPr lang="ko-KR" altLang="en-US" sz="1200" b="0" dirty="0">
-                          <a:solidFill>
-                            <a:schemeClr val="tx1"/>
-                          </a:solidFill>
-                          <a:latin typeface="맑은 고딕" pitchFamily="50" charset="-127"/>
-                          <a:ea typeface="맑은 고딕" pitchFamily="50" charset="-127"/>
-                        </a:rPr>
-                        <a:t>수정</a:t>
-                      </a:r>
+                          <a:latin typeface="맑은 고딕" charset="0"/>
+                          <a:ea typeface="맑은 고딕" charset="0"/>
+                        </a:rPr>
+                        <a:t>Control Class 수정</a:t>
+                      </a:r>
+                      <a:endParaRPr lang="ko-KR" altLang="en-US" sz="1200" kern="1200" dirty="0" smtClean="0" b="0">
+                        <a:solidFill>
+                          <a:schemeClr val="tx1"/>
+                        </a:solidFill>
+                        <a:latin typeface="맑은 고딕" charset="0"/>
+                        <a:ea typeface="맑은 고딕" charset="0"/>
+                      </a:endParaRPr>
                     </a:p>
                   </a:txBody>
-                  <a:tcPr anchor="ctr">
+                  <a:tcPr marL="91440" marR="91440" marT="45720" marB="45720" anchor="ctr">
+                    <a:lnL w="12700" cap="flat" cmpd="sng" algn="ctr">
+                      <a:solidFill>
+                        <a:srgbClr val="000000">
+                          <a:alpha val="100000"/>
+                        </a:srgbClr>
+                      </a:solidFill>
+                      <a:prstDash val="solid"/>
+                      <a:round/>
+                      <a:headEnd type="none" w="med" len="med"/>
+                      <a:tailEnd type="none" w="med" len="med"/>
+                    </a:lnL>
+                    <a:lnR w="12700" cap="flat" cmpd="sng" algn="ctr">
+                      <a:solidFill>
+                        <a:srgbClr val="000000">
+                          <a:alpha val="100000"/>
+                        </a:srgbClr>
+                      </a:solidFill>
+                      <a:prstDash val="solid"/>
+                      <a:round/>
+                      <a:headEnd type="none" w="med" len="med"/>
+                      <a:tailEnd type="none" w="med" len="med"/>
+                    </a:lnR>
+                    <a:lnT w="12700" cap="flat" cmpd="sng" algn="ctr">
+                      <a:solidFill>
+                        <a:srgbClr val="000000">
+                          <a:alpha val="100000"/>
+                        </a:srgbClr>
+                      </a:solidFill>
+                      <a:prstDash val="solid"/>
+                      <a:round/>
+                      <a:headEnd type="none" w="med" len="med"/>
+                      <a:tailEnd type="none" w="med" len="med"/>
+                    </a:lnT>
+                    <a:lnB w="12700" cap="flat" cmpd="sng" algn="ctr">
+                      <a:solidFill>
+                        <a:srgbClr val="000000">
+                          <a:alpha val="100000"/>
+                        </a:srgbClr>
+                      </a:solidFill>
+                      <a:prstDash val="solid"/>
+                      <a:round/>
+                      <a:headEnd type="none" w="med" len="med"/>
+                      <a:tailEnd type="none" w="med" len="med"/>
+                    </a:lnB>
                     <a:solidFill>
                       <a:schemeClr val="bg1"/>
                     </a:solidFill>
@@ -5940,37 +6688,88 @@
                     <a:bodyPr/>
                     <a:lstStyle/>
                     <a:p>
-                      <a:pPr algn="ctr" latinLnBrk="1"/>
-                      <a:r>
-                        <a:rPr lang="ko-KR" altLang="en-US" sz="1200" b="0" dirty="0" err="1">
+                      <a:pPr marL="0" indent="0" algn="ctr" fontAlgn="auto" defTabSz="914400" eaLnBrk="0">
+                        <a:lnSpc>
+                          <a:spcPct val="100000"/>
+                        </a:lnSpc>
+                        <a:spcBef>
+                          <a:spcPts val="0"/>
+                        </a:spcBef>
+                        <a:spcAft>
+                          <a:spcPts val="0"/>
+                        </a:spcAft>
+                        <a:buFontTx/>
+                        <a:buNone/>
+                      </a:pPr>
+                      <a:r>
+                        <a:rPr lang="en-US" altLang="ko-KR" sz="1200" kern="1200" dirty="0" smtClean="0" b="0">
                           <a:solidFill>
                             <a:schemeClr val="tx1"/>
                           </a:solidFill>
-                          <a:latin typeface="맑은 고딕" pitchFamily="50" charset="-127"/>
-                          <a:ea typeface="맑은 고딕" pitchFamily="50" charset="-127"/>
+                          <a:latin typeface="맑은 고딕" charset="0"/>
+                          <a:ea typeface="맑은 고딕" charset="0"/>
                         </a:rPr>
                         <a:t>나소영</a:t>
                       </a:r>
-                      <a:endParaRPr lang="ko-KR" altLang="en-US" sz="1200" b="0" dirty="0">
+                      <a:endParaRPr lang="ko-KR" altLang="en-US" sz="1200" kern="1200" dirty="0" smtClean="0" b="0">
                         <a:solidFill>
                           <a:schemeClr val="tx1"/>
                         </a:solidFill>
-                        <a:latin typeface="맑은 고딕" pitchFamily="50" charset="-127"/>
-                        <a:ea typeface="맑은 고딕" pitchFamily="50" charset="-127"/>
+                        <a:latin typeface="맑은 고딕" charset="0"/>
+                        <a:ea typeface="맑은 고딕" charset="0"/>
                       </a:endParaRPr>
                     </a:p>
                   </a:txBody>
-                  <a:tcPr anchor="ctr">
+                  <a:tcPr marL="91440" marR="91440" marT="45720" marB="45720" anchor="ctr">
+                    <a:lnL w="12700" cap="flat" cmpd="sng" algn="ctr">
+                      <a:solidFill>
+                        <a:srgbClr val="000000">
+                          <a:alpha val="100000"/>
+                        </a:srgbClr>
+                      </a:solidFill>
+                      <a:prstDash val="solid"/>
+                      <a:round/>
+                      <a:headEnd type="none" w="med" len="med"/>
+                      <a:tailEnd type="none" w="med" len="med"/>
+                    </a:lnL>
+                    <a:lnR w="12700" cap="flat" cmpd="sng" algn="ctr">
+                      <a:solidFill>
+                        <a:srgbClr val="000000">
+                          <a:alpha val="100000"/>
+                        </a:srgbClr>
+                      </a:solidFill>
+                      <a:prstDash val="solid"/>
+                      <a:round/>
+                      <a:headEnd type="none" w="med" len="med"/>
+                      <a:tailEnd type="none" w="med" len="med"/>
+                    </a:lnR>
+                    <a:lnT w="12700" cap="flat" cmpd="sng" algn="ctr">
+                      <a:solidFill>
+                        <a:srgbClr val="000000">
+                          <a:alpha val="100000"/>
+                        </a:srgbClr>
+                      </a:solidFill>
+                      <a:prstDash val="solid"/>
+                      <a:round/>
+                      <a:headEnd type="none" w="med" len="med"/>
+                      <a:tailEnd type="none" w="med" len="med"/>
+                    </a:lnT>
+                    <a:lnB w="12700" cap="flat" cmpd="sng" algn="ctr">
+                      <a:solidFill>
+                        <a:srgbClr val="000000">
+                          <a:alpha val="100000"/>
+                        </a:srgbClr>
+                      </a:solidFill>
+                      <a:prstDash val="solid"/>
+                      <a:round/>
+                      <a:headEnd type="none" w="med" len="med"/>
+                      <a:tailEnd type="none" w="med" len="med"/>
+                    </a:lnB>
                     <a:solidFill>
                       <a:schemeClr val="bg1"/>
                     </a:solidFill>
                   </a:tcPr>
                 </a:tc>
-                <a:extLst>
-                  <a:ext uri="{0D108BD9-81ED-4DB2-BD59-A6C34878D82A}">
-                    <a16:rowId xmlns:a16="http://schemas.microsoft.com/office/drawing/2014/main" xmlns="" val="10003"/>
-                  </a:ext>
-                </a:extLst>
               </a:tr>
               <a:tr h="370840">
                 <a:tc>
@@ -5978,27 +6777,83 @@
                     <a:bodyPr/>
                     <a:lstStyle/>
                     <a:p>
-                      <a:pPr algn="ctr" latinLnBrk="1"/>
-                      <a:r>
-                        <a:rPr lang="en-US" altLang="ko-KR" sz="1200" b="0" dirty="0" smtClean="0">
+                      <a:pPr marL="0" indent="0" algn="ctr" fontAlgn="auto" defTabSz="914400" eaLnBrk="0">
+                        <a:lnSpc>
+                          <a:spcPct val="100000"/>
+                        </a:lnSpc>
+                        <a:spcBef>
+                          <a:spcPts val="0"/>
+                        </a:spcBef>
+                        <a:spcAft>
+                          <a:spcPts val="0"/>
+                        </a:spcAft>
+                        <a:buFontTx/>
+                        <a:buNone/>
+                      </a:pPr>
+                      <a:r>
+                        <a:rPr lang="en-US" altLang="ko-KR" sz="1200" kern="1200" dirty="0" smtClean="0" b="0">
                           <a:solidFill>
                             <a:schemeClr val="tx1"/>
                           </a:solidFill>
-                          <a:latin typeface="맑은 고딕" pitchFamily="50" charset="-127"/>
-                          <a:ea typeface="맑은 고딕" pitchFamily="50" charset="-127"/>
+                          <a:latin typeface="맑은 고딕" charset="0"/>
+                          <a:ea typeface="맑은 고딕" charset="0"/>
                         </a:rPr>
                         <a:t>2017.05.26</a:t>
                       </a:r>
-                      <a:endParaRPr lang="ko-KR" altLang="en-US" sz="1200" b="0" dirty="0">
+                      <a:endParaRPr lang="ko-KR" altLang="en-US" sz="1200" kern="1200" dirty="0" smtClean="0" b="0">
                         <a:solidFill>
                           <a:schemeClr val="tx1"/>
                         </a:solidFill>
-                        <a:latin typeface="맑은 고딕" pitchFamily="50" charset="-127"/>
-                        <a:ea typeface="맑은 고딕" pitchFamily="50" charset="-127"/>
+                        <a:latin typeface="맑은 고딕" charset="0"/>
+                        <a:ea typeface="맑은 고딕" charset="0"/>
                       </a:endParaRPr>
                     </a:p>
                   </a:txBody>
-                  <a:tcPr anchor="ctr">
+                  <a:tcPr marL="91440" marR="91440" marT="45720" marB="45720" anchor="ctr">
+                    <a:lnL w="12700" cap="flat" cmpd="sng" algn="ctr">
+                      <a:solidFill>
+                        <a:srgbClr val="000000">
+                          <a:alpha val="100000"/>
+                        </a:srgbClr>
+                      </a:solidFill>
+                      <a:prstDash val="solid"/>
+                      <a:round/>
+                      <a:headEnd type="none" w="med" len="med"/>
+                      <a:tailEnd type="none" w="med" len="med"/>
+                    </a:lnL>
+                    <a:lnR w="12700" cap="flat" cmpd="sng" algn="ctr">
+                      <a:solidFill>
+                        <a:srgbClr val="000000">
+                          <a:alpha val="100000"/>
+                        </a:srgbClr>
+                      </a:solidFill>
+                      <a:prstDash val="solid"/>
+                      <a:round/>
+                      <a:headEnd type="none" w="med" len="med"/>
+                      <a:tailEnd type="none" w="med" len="med"/>
+                    </a:lnR>
+                    <a:lnT w="12700" cap="flat" cmpd="sng" algn="ctr">
+                      <a:solidFill>
+                        <a:srgbClr val="000000">
+                          <a:alpha val="100000"/>
+                        </a:srgbClr>
+                      </a:solidFill>
+                      <a:prstDash val="solid"/>
+                      <a:round/>
+                      <a:headEnd type="none" w="med" len="med"/>
+                      <a:tailEnd type="none" w="med" len="med"/>
+                    </a:lnT>
+                    <a:lnB w="12700" cap="flat" cmpd="sng" algn="ctr">
+                      <a:solidFill>
+                        <a:srgbClr val="000000">
+                          <a:alpha val="100000"/>
+                        </a:srgbClr>
+                      </a:solidFill>
+                      <a:prstDash val="solid"/>
+                      <a:round/>
+                      <a:headEnd type="none" w="med" len="med"/>
+                      <a:tailEnd type="none" w="med" len="med"/>
+                    </a:lnB>
                     <a:solidFill>
                       <a:schemeClr val="bg1"/>
                     </a:solidFill>
@@ -6009,27 +6864,83 @@
                     <a:bodyPr/>
                     <a:lstStyle/>
                     <a:p>
-                      <a:pPr algn="ctr" latinLnBrk="1"/>
-                      <a:r>
-                        <a:rPr lang="en-US" altLang="ko-KR" sz="1200" b="0" dirty="0" err="1" smtClean="0">
+                      <a:pPr marL="0" indent="0" algn="ctr" fontAlgn="auto" defTabSz="914400" eaLnBrk="0">
+                        <a:lnSpc>
+                          <a:spcPct val="100000"/>
+                        </a:lnSpc>
+                        <a:spcBef>
+                          <a:spcPts val="0"/>
+                        </a:spcBef>
+                        <a:spcAft>
+                          <a:spcPts val="0"/>
+                        </a:spcAft>
+                        <a:buFontTx/>
+                        <a:buNone/>
+                      </a:pPr>
+                      <a:r>
+                        <a:rPr lang="en-US" altLang="ko-KR" sz="1200" kern="1200" dirty="0" smtClean="0" b="0">
                           <a:solidFill>
                             <a:schemeClr val="tx1"/>
                           </a:solidFill>
-                          <a:latin typeface="맑은 고딕" pitchFamily="50" charset="-127"/>
-                          <a:ea typeface="맑은 고딕" pitchFamily="50" charset="-127"/>
+                          <a:latin typeface="맑은 고딕" charset="0"/>
+                          <a:ea typeface="맑은 고딕" charset="0"/>
                         </a:rPr>
                         <a:t>V1.1.0</a:t>
                       </a:r>
-                      <a:endParaRPr lang="ko-KR" altLang="en-US" sz="1200" b="0" dirty="0">
+                      <a:endParaRPr lang="ko-KR" altLang="en-US" sz="1200" kern="1200" dirty="0" smtClean="0" b="0">
                         <a:solidFill>
                           <a:schemeClr val="tx1"/>
                         </a:solidFill>
-                        <a:latin typeface="맑은 고딕" pitchFamily="50" charset="-127"/>
-                        <a:ea typeface="맑은 고딕" pitchFamily="50" charset="-127"/>
+                        <a:latin typeface="맑은 고딕" charset="0"/>
+                        <a:ea typeface="맑은 고딕" charset="0"/>
                       </a:endParaRPr>
                     </a:p>
                   </a:txBody>
-                  <a:tcPr anchor="ctr">
+                  <a:tcPr marL="91440" marR="91440" marT="45720" marB="45720" anchor="ctr">
+                    <a:lnL w="12700" cap="flat" cmpd="sng" algn="ctr">
+                      <a:solidFill>
+                        <a:srgbClr val="000000">
+                          <a:alpha val="100000"/>
+                        </a:srgbClr>
+                      </a:solidFill>
+                      <a:prstDash val="solid"/>
+                      <a:round/>
+                      <a:headEnd type="none" w="med" len="med"/>
+                      <a:tailEnd type="none" w="med" len="med"/>
+                    </a:lnL>
+                    <a:lnR w="12700" cap="flat" cmpd="sng" algn="ctr">
+                      <a:solidFill>
+                        <a:srgbClr val="000000">
+                          <a:alpha val="100000"/>
+                        </a:srgbClr>
+                      </a:solidFill>
+                      <a:prstDash val="solid"/>
+                      <a:round/>
+                      <a:headEnd type="none" w="med" len="med"/>
+                      <a:tailEnd type="none" w="med" len="med"/>
+                    </a:lnR>
+                    <a:lnT w="12700" cap="flat" cmpd="sng" algn="ctr">
+                      <a:solidFill>
+                        <a:srgbClr val="000000">
+                          <a:alpha val="100000"/>
+                        </a:srgbClr>
+                      </a:solidFill>
+                      <a:prstDash val="solid"/>
+                      <a:round/>
+                      <a:headEnd type="none" w="med" len="med"/>
+                      <a:tailEnd type="none" w="med" len="med"/>
+                    </a:lnT>
+                    <a:lnB w="12700" cap="flat" cmpd="sng" algn="ctr">
+                      <a:solidFill>
+                        <a:srgbClr val="000000">
+                          <a:alpha val="100000"/>
+                        </a:srgbClr>
+                      </a:solidFill>
+                      <a:prstDash val="solid"/>
+                      <a:round/>
+                      <a:headEnd type="none" w="med" len="med"/>
+                      <a:tailEnd type="none" w="med" len="med"/>
+                    </a:lnB>
                     <a:solidFill>
                       <a:schemeClr val="bg1"/>
                     </a:solidFill>
@@ -6040,47 +6951,83 @@
                     <a:bodyPr/>
                     <a:lstStyle/>
                     <a:p>
-                      <a:pPr algn="ctr" latinLnBrk="1"/>
-                      <a:r>
-                        <a:rPr lang="ko-KR" altLang="en-US" sz="1200" b="0" dirty="0" smtClean="0">
+                      <a:pPr marL="0" indent="0" algn="ctr" fontAlgn="auto" defTabSz="914400" eaLnBrk="0">
+                        <a:lnSpc>
+                          <a:spcPct val="100000"/>
+                        </a:lnSpc>
+                        <a:spcBef>
+                          <a:spcPts val="0"/>
+                        </a:spcBef>
+                        <a:spcAft>
+                          <a:spcPts val="0"/>
+                        </a:spcAft>
+                        <a:buFontTx/>
+                        <a:buNone/>
+                      </a:pPr>
+                      <a:r>
+                        <a:rPr lang="en-US" altLang="ko-KR" sz="1200" kern="1200" dirty="0" smtClean="0" b="0">
                           <a:solidFill>
                             <a:schemeClr val="tx1"/>
                           </a:solidFill>
-                          <a:latin typeface="맑은 고딕" pitchFamily="50" charset="-127"/>
-                          <a:ea typeface="맑은 고딕" pitchFamily="50" charset="-127"/>
-                        </a:rPr>
-                        <a:t>정리 </a:t>
-                      </a:r>
-                      <a:r>
-                        <a:rPr lang="en-US" altLang="ko-KR" sz="1200" b="0" dirty="0" smtClean="0">
-                          <a:solidFill>
-                            <a:schemeClr val="tx1"/>
-                          </a:solidFill>
-                          <a:latin typeface="맑은 고딕" pitchFamily="50" charset="-127"/>
-                          <a:ea typeface="맑은 고딕" pitchFamily="50" charset="-127"/>
-                        </a:rPr>
-                        <a:t>+ </a:t>
-                      </a:r>
-                      <a:r>
-                        <a:rPr lang="ko-KR" altLang="en-US" sz="1200" b="0" dirty="0" err="1" smtClean="0">
-                          <a:solidFill>
-                            <a:schemeClr val="tx1"/>
-                          </a:solidFill>
-                          <a:latin typeface="맑은 고딕" pitchFamily="50" charset="-127"/>
-                          <a:ea typeface="맑은 고딕" pitchFamily="50" charset="-127"/>
-                        </a:rPr>
-                        <a:t>최종본</a:t>
-                      </a:r>
-                      <a:endParaRPr lang="ko-KR" altLang="en-US" sz="1200" b="0" dirty="0">
+                          <a:latin typeface="맑은 고딕" charset="0"/>
+                          <a:ea typeface="맑은 고딕" charset="0"/>
+                        </a:rPr>
+                        <a:t>정리 + 최종본</a:t>
+                      </a:r>
+                      <a:endParaRPr lang="ko-KR" altLang="en-US" sz="1200" kern="1200" dirty="0" smtClean="0" b="0">
                         <a:solidFill>
                           <a:schemeClr val="tx1"/>
                         </a:solidFill>
-                        <a:latin typeface="맑은 고딕" pitchFamily="50" charset="-127"/>
-                        <a:ea typeface="맑은 고딕" pitchFamily="50" charset="-127"/>
+                        <a:latin typeface="맑은 고딕" charset="0"/>
+                        <a:ea typeface="맑은 고딕" charset="0"/>
                       </a:endParaRPr>
                     </a:p>
                   </a:txBody>
-                  <a:tcPr anchor="ctr">
+                  <a:tcPr marL="91440" marR="91440" marT="45720" marB="45720" anchor="ctr">
+                    <a:lnL w="12700" cap="flat" cmpd="sng" algn="ctr">
+                      <a:solidFill>
+                        <a:srgbClr val="000000">
+                          <a:alpha val="100000"/>
+                        </a:srgbClr>
+                      </a:solidFill>
+                      <a:prstDash val="solid"/>
+                      <a:round/>
+                      <a:headEnd type="none" w="med" len="med"/>
+                      <a:tailEnd type="none" w="med" len="med"/>
+                    </a:lnL>
+                    <a:lnR w="12700" cap="flat" cmpd="sng" algn="ctr">
+                      <a:solidFill>
+                        <a:srgbClr val="000000">
+                          <a:alpha val="100000"/>
+                        </a:srgbClr>
+                      </a:solidFill>
+                      <a:prstDash val="solid"/>
+                      <a:round/>
+                      <a:headEnd type="none" w="med" len="med"/>
+                      <a:tailEnd type="none" w="med" len="med"/>
+                    </a:lnR>
+                    <a:lnT w="12700" cap="flat" cmpd="sng" algn="ctr">
+                      <a:solidFill>
+                        <a:srgbClr val="000000">
+                          <a:alpha val="100000"/>
+                        </a:srgbClr>
+                      </a:solidFill>
+                      <a:prstDash val="solid"/>
+                      <a:round/>
+                      <a:headEnd type="none" w="med" len="med"/>
+                      <a:tailEnd type="none" w="med" len="med"/>
+                    </a:lnT>
+                    <a:lnB w="12700" cap="flat" cmpd="sng" algn="ctr">
+                      <a:solidFill>
+                        <a:srgbClr val="000000">
+                          <a:alpha val="100000"/>
+                        </a:srgbClr>
+                      </a:solidFill>
+                      <a:prstDash val="solid"/>
+                      <a:round/>
+                      <a:headEnd type="none" w="med" len="med"/>
+                      <a:tailEnd type="none" w="med" len="med"/>
+                    </a:lnB>
                     <a:solidFill>
                       <a:schemeClr val="bg1"/>
                     </a:solidFill>
@@ -6091,37 +7038,88 @@
                     <a:bodyPr/>
                     <a:lstStyle/>
                     <a:p>
-                      <a:pPr algn="ctr" latinLnBrk="1"/>
-                      <a:r>
-                        <a:rPr lang="ko-KR" altLang="en-US" sz="1200" b="0" dirty="0" smtClean="0">
+                      <a:pPr marL="0" indent="0" algn="ctr" fontAlgn="auto" defTabSz="914400" eaLnBrk="0">
+                        <a:lnSpc>
+                          <a:spcPct val="100000"/>
+                        </a:lnSpc>
+                        <a:spcBef>
+                          <a:spcPts val="0"/>
+                        </a:spcBef>
+                        <a:spcAft>
+                          <a:spcPts val="0"/>
+                        </a:spcAft>
+                        <a:buFontTx/>
+                        <a:buNone/>
+                      </a:pPr>
+                      <a:r>
+                        <a:rPr lang="en-US" altLang="ko-KR" sz="1200" kern="1200" dirty="0" smtClean="0" b="0">
                           <a:solidFill>
                             <a:schemeClr val="tx1"/>
                           </a:solidFill>
-                          <a:latin typeface="맑은 고딕" pitchFamily="50" charset="-127"/>
-                          <a:ea typeface="맑은 고딕" pitchFamily="50" charset="-127"/>
+                          <a:latin typeface="맑은 고딕" charset="0"/>
+                          <a:ea typeface="맑은 고딕" charset="0"/>
                         </a:rPr>
                         <a:t>최훈아</a:t>
                       </a:r>
-                      <a:endParaRPr lang="ko-KR" altLang="en-US" sz="1200" b="0" dirty="0">
+                      <a:endParaRPr lang="ko-KR" altLang="en-US" sz="1200" kern="1200" dirty="0" smtClean="0" b="0">
                         <a:solidFill>
                           <a:schemeClr val="tx1"/>
                         </a:solidFill>
-                        <a:latin typeface="맑은 고딕" pitchFamily="50" charset="-127"/>
-                        <a:ea typeface="맑은 고딕" pitchFamily="50" charset="-127"/>
+                        <a:latin typeface="맑은 고딕" charset="0"/>
+                        <a:ea typeface="맑은 고딕" charset="0"/>
                       </a:endParaRPr>
                     </a:p>
                   </a:txBody>
-                  <a:tcPr anchor="ctr">
+                  <a:tcPr marL="91440" marR="91440" marT="45720" marB="45720" anchor="ctr">
+                    <a:lnL w="12700" cap="flat" cmpd="sng" algn="ctr">
+                      <a:solidFill>
+                        <a:srgbClr val="000000">
+                          <a:alpha val="100000"/>
+                        </a:srgbClr>
+                      </a:solidFill>
+                      <a:prstDash val="solid"/>
+                      <a:round/>
+                      <a:headEnd type="none" w="med" len="med"/>
+                      <a:tailEnd type="none" w="med" len="med"/>
+                    </a:lnL>
+                    <a:lnR w="12700" cap="flat" cmpd="sng" algn="ctr">
+                      <a:solidFill>
+                        <a:srgbClr val="000000">
+                          <a:alpha val="100000"/>
+                        </a:srgbClr>
+                      </a:solidFill>
+                      <a:prstDash val="solid"/>
+                      <a:round/>
+                      <a:headEnd type="none" w="med" len="med"/>
+                      <a:tailEnd type="none" w="med" len="med"/>
+                    </a:lnR>
+                    <a:lnT w="12700" cap="flat" cmpd="sng" algn="ctr">
+                      <a:solidFill>
+                        <a:srgbClr val="000000">
+                          <a:alpha val="100000"/>
+                        </a:srgbClr>
+                      </a:solidFill>
+                      <a:prstDash val="solid"/>
+                      <a:round/>
+                      <a:headEnd type="none" w="med" len="med"/>
+                      <a:tailEnd type="none" w="med" len="med"/>
+                    </a:lnT>
+                    <a:lnB w="12700" cap="flat" cmpd="sng" algn="ctr">
+                      <a:solidFill>
+                        <a:srgbClr val="000000">
+                          <a:alpha val="100000"/>
+                        </a:srgbClr>
+                      </a:solidFill>
+                      <a:prstDash val="solid"/>
+                      <a:round/>
+                      <a:headEnd type="none" w="med" len="med"/>
+                      <a:tailEnd type="none" w="med" len="med"/>
+                    </a:lnB>
                     <a:solidFill>
                       <a:schemeClr val="bg1"/>
                     </a:solidFill>
                   </a:tcPr>
                 </a:tc>
-                <a:extLst>
-                  <a:ext uri="{0D108BD9-81ED-4DB2-BD59-A6C34878D82A}">
-                    <a16:rowId xmlns:a16="http://schemas.microsoft.com/office/drawing/2014/main" xmlns="" val="10004"/>
-                  </a:ext>
-                </a:extLst>
               </a:tr>
               <a:tr h="370840">
                 <a:tc>
@@ -6129,17 +7127,83 @@
                     <a:bodyPr/>
                     <a:lstStyle/>
                     <a:p>
-                      <a:pPr algn="ctr" latinLnBrk="1"/>
-                      <a:endParaRPr lang="ko-KR" altLang="en-US" sz="1200" b="0">
+                      <a:pPr marL="0" indent="0" algn="ctr" fontAlgn="auto" defTabSz="914400" eaLnBrk="0">
+                        <a:lnSpc>
+                          <a:spcPct val="100000"/>
+                        </a:lnSpc>
+                        <a:spcBef>
+                          <a:spcPts val="0"/>
+                        </a:spcBef>
+                        <a:spcAft>
+                          <a:spcPts val="0"/>
+                        </a:spcAft>
+                        <a:buFontTx/>
+                        <a:buNone/>
+                      </a:pPr>
+                      <a:r>
+                        <a:rPr lang="en-US" altLang="ko-KR" sz="1200" kern="1200" dirty="0" smtClean="0" b="0">
+                          <a:solidFill>
+                            <a:schemeClr val="tx1"/>
+                          </a:solidFill>
+                          <a:latin typeface="맑은 고딕" charset="0"/>
+                          <a:ea typeface="맑은 고딕" charset="0"/>
+                        </a:rPr>
+                        <a:t>2017.06.03</a:t>
+                      </a:r>
+                      <a:endParaRPr lang="ko-KR" altLang="en-US" sz="1200" kern="1200" dirty="0" smtClean="0" b="0">
                         <a:solidFill>
                           <a:schemeClr val="tx1"/>
                         </a:solidFill>
-                        <a:latin typeface="맑은 고딕" pitchFamily="50" charset="-127"/>
-                        <a:ea typeface="맑은 고딕" pitchFamily="50" charset="-127"/>
+                        <a:latin typeface="맑은 고딕" charset="0"/>
+                        <a:ea typeface="맑은 고딕" charset="0"/>
                       </a:endParaRPr>
                     </a:p>
                   </a:txBody>
-                  <a:tcPr anchor="ctr">
+                  <a:tcPr marL="91440" marR="91440" marT="45720" marB="45720" anchor="ctr">
+                    <a:lnL w="12700" cap="flat" cmpd="sng" algn="ctr">
+                      <a:solidFill>
+                        <a:srgbClr val="000000">
+                          <a:alpha val="100000"/>
+                        </a:srgbClr>
+                      </a:solidFill>
+                      <a:prstDash val="solid"/>
+                      <a:round/>
+                      <a:headEnd type="none" w="med" len="med"/>
+                      <a:tailEnd type="none" w="med" len="med"/>
+                    </a:lnL>
+                    <a:lnR w="12700" cap="flat" cmpd="sng" algn="ctr">
+                      <a:solidFill>
+                        <a:srgbClr val="000000">
+                          <a:alpha val="100000"/>
+                        </a:srgbClr>
+                      </a:solidFill>
+                      <a:prstDash val="solid"/>
+                      <a:round/>
+                      <a:headEnd type="none" w="med" len="med"/>
+                      <a:tailEnd type="none" w="med" len="med"/>
+                    </a:lnR>
+                    <a:lnT w="12700" cap="flat" cmpd="sng" algn="ctr">
+                      <a:solidFill>
+                        <a:srgbClr val="000000">
+                          <a:alpha val="100000"/>
+                        </a:srgbClr>
+                      </a:solidFill>
+                      <a:prstDash val="solid"/>
+                      <a:round/>
+                      <a:headEnd type="none" w="med" len="med"/>
+                      <a:tailEnd type="none" w="med" len="med"/>
+                    </a:lnT>
+                    <a:lnB w="12700" cap="flat" cmpd="sng" algn="ctr">
+                      <a:solidFill>
+                        <a:srgbClr val="000000">
+                          <a:alpha val="100000"/>
+                        </a:srgbClr>
+                      </a:solidFill>
+                      <a:prstDash val="solid"/>
+                      <a:round/>
+                      <a:headEnd type="none" w="med" len="med"/>
+                      <a:tailEnd type="none" w="med" len="med"/>
+                    </a:lnB>
                     <a:solidFill>
                       <a:schemeClr val="bg1"/>
                     </a:solidFill>
@@ -6150,17 +7214,83 @@
                     <a:bodyPr/>
                     <a:lstStyle/>
                     <a:p>
-                      <a:pPr algn="ctr" latinLnBrk="1"/>
-                      <a:endParaRPr lang="ko-KR" altLang="en-US" sz="1200" b="0" dirty="0">
+                      <a:pPr marL="0" indent="0" algn="ctr" fontAlgn="auto" defTabSz="914400" eaLnBrk="0">
+                        <a:lnSpc>
+                          <a:spcPct val="100000"/>
+                        </a:lnSpc>
+                        <a:spcBef>
+                          <a:spcPts val="0"/>
+                        </a:spcBef>
+                        <a:spcAft>
+                          <a:spcPts val="0"/>
+                        </a:spcAft>
+                        <a:buFontTx/>
+                        <a:buNone/>
+                      </a:pPr>
+                      <a:r>
+                        <a:rPr lang="en-US" altLang="ko-KR" sz="1200" kern="1200" dirty="0" smtClean="0" b="0">
+                          <a:solidFill>
+                            <a:schemeClr val="tx1"/>
+                          </a:solidFill>
+                          <a:latin typeface="맑은 고딕" charset="0"/>
+                          <a:ea typeface="맑은 고딕" charset="0"/>
+                        </a:rPr>
+                        <a:t>V1.2.0</a:t>
+                      </a:r>
+                      <a:endParaRPr lang="ko-KR" altLang="en-US" sz="1200" kern="1200" dirty="0" smtClean="0" b="0">
                         <a:solidFill>
                           <a:schemeClr val="tx1"/>
                         </a:solidFill>
-                        <a:latin typeface="맑은 고딕" pitchFamily="50" charset="-127"/>
-                        <a:ea typeface="맑은 고딕" pitchFamily="50" charset="-127"/>
+                        <a:latin typeface="맑은 고딕" charset="0"/>
+                        <a:ea typeface="맑은 고딕" charset="0"/>
                       </a:endParaRPr>
                     </a:p>
                   </a:txBody>
-                  <a:tcPr anchor="ctr">
+                  <a:tcPr marL="91440" marR="91440" marT="45720" marB="45720" anchor="ctr">
+                    <a:lnL w="12700" cap="flat" cmpd="sng" algn="ctr">
+                      <a:solidFill>
+                        <a:srgbClr val="000000">
+                          <a:alpha val="100000"/>
+                        </a:srgbClr>
+                      </a:solidFill>
+                      <a:prstDash val="solid"/>
+                      <a:round/>
+                      <a:headEnd type="none" w="med" len="med"/>
+                      <a:tailEnd type="none" w="med" len="med"/>
+                    </a:lnL>
+                    <a:lnR w="12700" cap="flat" cmpd="sng" algn="ctr">
+                      <a:solidFill>
+                        <a:srgbClr val="000000">
+                          <a:alpha val="100000"/>
+                        </a:srgbClr>
+                      </a:solidFill>
+                      <a:prstDash val="solid"/>
+                      <a:round/>
+                      <a:headEnd type="none" w="med" len="med"/>
+                      <a:tailEnd type="none" w="med" len="med"/>
+                    </a:lnR>
+                    <a:lnT w="12700" cap="flat" cmpd="sng" algn="ctr">
+                      <a:solidFill>
+                        <a:srgbClr val="000000">
+                          <a:alpha val="100000"/>
+                        </a:srgbClr>
+                      </a:solidFill>
+                      <a:prstDash val="solid"/>
+                      <a:round/>
+                      <a:headEnd type="none" w="med" len="med"/>
+                      <a:tailEnd type="none" w="med" len="med"/>
+                    </a:lnT>
+                    <a:lnB w="12700" cap="flat" cmpd="sng" algn="ctr">
+                      <a:solidFill>
+                        <a:srgbClr val="000000">
+                          <a:alpha val="100000"/>
+                        </a:srgbClr>
+                      </a:solidFill>
+                      <a:prstDash val="solid"/>
+                      <a:round/>
+                      <a:headEnd type="none" w="med" len="med"/>
+                      <a:tailEnd type="none" w="med" len="med"/>
+                    </a:lnB>
                     <a:solidFill>
                       <a:schemeClr val="bg1"/>
                     </a:solidFill>
@@ -6171,17 +7301,83 @@
                     <a:bodyPr/>
                     <a:lstStyle/>
                     <a:p>
-                      <a:pPr algn="ctr" latinLnBrk="1"/>
-                      <a:endParaRPr lang="ko-KR" altLang="en-US" sz="1200" b="0" dirty="0">
+                      <a:pPr marL="0" indent="0" algn="ctr" fontAlgn="auto" defTabSz="914400" eaLnBrk="0">
+                        <a:lnSpc>
+                          <a:spcPct val="100000"/>
+                        </a:lnSpc>
+                        <a:spcBef>
+                          <a:spcPts val="0"/>
+                        </a:spcBef>
+                        <a:spcAft>
+                          <a:spcPts val="0"/>
+                        </a:spcAft>
+                        <a:buFontTx/>
+                        <a:buNone/>
+                      </a:pPr>
+                      <a:r>
+                        <a:rPr lang="en-US" altLang="ko-KR" sz="1200" kern="1200" dirty="0" smtClean="0" b="0">
+                          <a:solidFill>
+                            <a:schemeClr val="tx1"/>
+                          </a:solidFill>
+                          <a:latin typeface="맑은 고딕" charset="0"/>
+                          <a:ea typeface="맑은 고딕" charset="0"/>
+                        </a:rPr>
+                        <a:t>숨기기 / 다시보기 기능 추가</a:t>
+                      </a:r>
+                      <a:endParaRPr lang="ko-KR" altLang="en-US" sz="1200" kern="1200" dirty="0" smtClean="0" b="0">
                         <a:solidFill>
                           <a:schemeClr val="tx1"/>
                         </a:solidFill>
-                        <a:latin typeface="맑은 고딕" pitchFamily="50" charset="-127"/>
-                        <a:ea typeface="맑은 고딕" pitchFamily="50" charset="-127"/>
+                        <a:latin typeface="맑은 고딕" charset="0"/>
+                        <a:ea typeface="맑은 고딕" charset="0"/>
                       </a:endParaRPr>
                     </a:p>
                   </a:txBody>
-                  <a:tcPr anchor="ctr">
+                  <a:tcPr marL="91440" marR="91440" marT="45720" marB="45720" anchor="ctr">
+                    <a:lnL w="12700" cap="flat" cmpd="sng" algn="ctr">
+                      <a:solidFill>
+                        <a:srgbClr val="000000">
+                          <a:alpha val="100000"/>
+                        </a:srgbClr>
+                      </a:solidFill>
+                      <a:prstDash val="solid"/>
+                      <a:round/>
+                      <a:headEnd type="none" w="med" len="med"/>
+                      <a:tailEnd type="none" w="med" len="med"/>
+                    </a:lnL>
+                    <a:lnR w="12700" cap="flat" cmpd="sng" algn="ctr">
+                      <a:solidFill>
+                        <a:srgbClr val="000000">
+                          <a:alpha val="100000"/>
+                        </a:srgbClr>
+                      </a:solidFill>
+                      <a:prstDash val="solid"/>
+                      <a:round/>
+                      <a:headEnd type="none" w="med" len="med"/>
+                      <a:tailEnd type="none" w="med" len="med"/>
+                    </a:lnR>
+                    <a:lnT w="12700" cap="flat" cmpd="sng" algn="ctr">
+                      <a:solidFill>
+                        <a:srgbClr val="000000">
+                          <a:alpha val="100000"/>
+                        </a:srgbClr>
+                      </a:solidFill>
+                      <a:prstDash val="solid"/>
+                      <a:round/>
+                      <a:headEnd type="none" w="med" len="med"/>
+                      <a:tailEnd type="none" w="med" len="med"/>
+                    </a:lnT>
+                    <a:lnB w="12700" cap="flat" cmpd="sng" algn="ctr">
+                      <a:solidFill>
+                        <a:srgbClr val="000000">
+                          <a:alpha val="100000"/>
+                        </a:srgbClr>
+                      </a:solidFill>
+                      <a:prstDash val="solid"/>
+                      <a:round/>
+                      <a:headEnd type="none" w="med" len="med"/>
+                      <a:tailEnd type="none" w="med" len="med"/>
+                    </a:lnB>
                     <a:solidFill>
                       <a:schemeClr val="bg1"/>
                     </a:solidFill>
@@ -6192,27 +7388,88 @@
                     <a:bodyPr/>
                     <a:lstStyle/>
                     <a:p>
-                      <a:pPr algn="ctr" latinLnBrk="1"/>
-                      <a:endParaRPr lang="ko-KR" altLang="en-US" sz="1200" b="0" dirty="0">
+                      <a:pPr marL="0" indent="0" algn="ctr" fontAlgn="auto" defTabSz="914400" eaLnBrk="0">
+                        <a:lnSpc>
+                          <a:spcPct val="100000"/>
+                        </a:lnSpc>
+                        <a:spcBef>
+                          <a:spcPts val="0"/>
+                        </a:spcBef>
+                        <a:spcAft>
+                          <a:spcPts val="0"/>
+                        </a:spcAft>
+                        <a:buFontTx/>
+                        <a:buNone/>
+                      </a:pPr>
+                      <a:r>
+                        <a:rPr lang="en-US" altLang="ko-KR" sz="1200" kern="1200" dirty="0" smtClean="0" b="0">
+                          <a:solidFill>
+                            <a:schemeClr val="tx1"/>
+                          </a:solidFill>
+                          <a:latin typeface="맑은 고딕" charset="0"/>
+                          <a:ea typeface="맑은 고딕" charset="0"/>
+                        </a:rPr>
+                        <a:t>채나은</a:t>
+                      </a:r>
+                      <a:endParaRPr lang="ko-KR" altLang="en-US" sz="1200" kern="1200" dirty="0" smtClean="0" b="0">
                         <a:solidFill>
                           <a:schemeClr val="tx1"/>
                         </a:solidFill>
-                        <a:latin typeface="맑은 고딕" pitchFamily="50" charset="-127"/>
-                        <a:ea typeface="맑은 고딕" pitchFamily="50" charset="-127"/>
+                        <a:latin typeface="맑은 고딕" charset="0"/>
+                        <a:ea typeface="맑은 고딕" charset="0"/>
                       </a:endParaRPr>
                     </a:p>
                   </a:txBody>
-                  <a:tcPr anchor="ctr">
+                  <a:tcPr marL="91440" marR="91440" marT="45720" marB="45720" anchor="ctr">
+                    <a:lnL w="12700" cap="flat" cmpd="sng" algn="ctr">
+                      <a:solidFill>
+                        <a:srgbClr val="000000">
+                          <a:alpha val="100000"/>
+                        </a:srgbClr>
+                      </a:solidFill>
+                      <a:prstDash val="solid"/>
+                      <a:round/>
+                      <a:headEnd type="none" w="med" len="med"/>
+                      <a:tailEnd type="none" w="med" len="med"/>
+                    </a:lnL>
+                    <a:lnR w="12700" cap="flat" cmpd="sng" algn="ctr">
+                      <a:solidFill>
+                        <a:srgbClr val="000000">
+                          <a:alpha val="100000"/>
+                        </a:srgbClr>
+                      </a:solidFill>
+                      <a:prstDash val="solid"/>
+                      <a:round/>
+                      <a:headEnd type="none" w="med" len="med"/>
+                      <a:tailEnd type="none" w="med" len="med"/>
+                    </a:lnR>
+                    <a:lnT w="12700" cap="flat" cmpd="sng" algn="ctr">
+                      <a:solidFill>
+                        <a:srgbClr val="000000">
+                          <a:alpha val="100000"/>
+                        </a:srgbClr>
+                      </a:solidFill>
+                      <a:prstDash val="solid"/>
+                      <a:round/>
+                      <a:headEnd type="none" w="med" len="med"/>
+                      <a:tailEnd type="none" w="med" len="med"/>
+                    </a:lnT>
+                    <a:lnB w="12700" cap="flat" cmpd="sng" algn="ctr">
+                      <a:solidFill>
+                        <a:srgbClr val="000000">
+                          <a:alpha val="100000"/>
+                        </a:srgbClr>
+                      </a:solidFill>
+                      <a:prstDash val="solid"/>
+                      <a:round/>
+                      <a:headEnd type="none" w="med" len="med"/>
+                      <a:tailEnd type="none" w="med" len="med"/>
+                    </a:lnB>
                     <a:solidFill>
                       <a:schemeClr val="bg1"/>
                     </a:solidFill>
                   </a:tcPr>
                 </a:tc>
-                <a:extLst>
-                  <a:ext uri="{0D108BD9-81ED-4DB2-BD59-A6C34878D82A}">
-                    <a16:rowId xmlns:a16="http://schemas.microsoft.com/office/drawing/2014/main" xmlns="" val="10005"/>
-                  </a:ext>
-                </a:extLst>
               </a:tr>
               <a:tr h="370840">
                 <a:tc>
@@ -6220,17 +7477,73 @@
                     <a:bodyPr/>
                     <a:lstStyle/>
                     <a:p>
-                      <a:pPr algn="ctr" latinLnBrk="1"/>
-                      <a:endParaRPr lang="ko-KR" altLang="en-US" sz="1200" b="0">
+                      <a:pPr marL="0" indent="0" algn="ctr" fontAlgn="auto" defTabSz="914400" eaLnBrk="0">
+                        <a:lnSpc>
+                          <a:spcPct val="100000"/>
+                        </a:lnSpc>
+                        <a:spcBef>
+                          <a:spcPts val="0"/>
+                        </a:spcBef>
+                        <a:spcAft>
+                          <a:spcPts val="0"/>
+                        </a:spcAft>
+                        <a:buFontTx/>
+                        <a:buNone/>
+                      </a:pPr>
+                      <a:endParaRPr lang="ko-KR" altLang="en-US" sz="1200" kern="1200" dirty="0" smtClean="0" b="0">
                         <a:solidFill>
                           <a:schemeClr val="tx1"/>
                         </a:solidFill>
-                        <a:latin typeface="맑은 고딕" pitchFamily="50" charset="-127"/>
-                        <a:ea typeface="맑은 고딕" pitchFamily="50" charset="-127"/>
+                        <a:latin typeface="맑은 고딕" charset="0"/>
+                        <a:ea typeface="맑은 고딕" charset="0"/>
                       </a:endParaRPr>
                     </a:p>
                   </a:txBody>
-                  <a:tcPr anchor="ctr">
+                  <a:tcPr marL="91440" marR="91440" marT="45720" marB="45720" anchor="ctr">
+                    <a:lnL w="12700" cap="flat" cmpd="sng" algn="ctr">
+                      <a:solidFill>
+                        <a:srgbClr val="000000">
+                          <a:alpha val="100000"/>
+                        </a:srgbClr>
+                      </a:solidFill>
+                      <a:prstDash val="solid"/>
+                      <a:round/>
+                      <a:headEnd type="none" w="med" len="med"/>
+                      <a:tailEnd type="none" w="med" len="med"/>
+                    </a:lnL>
+                    <a:lnR w="12700" cap="flat" cmpd="sng" algn="ctr">
+                      <a:solidFill>
+                        <a:srgbClr val="000000">
+                          <a:alpha val="100000"/>
+                        </a:srgbClr>
+                      </a:solidFill>
+                      <a:prstDash val="solid"/>
+                      <a:round/>
+                      <a:headEnd type="none" w="med" len="med"/>
+                      <a:tailEnd type="none" w="med" len="med"/>
+                    </a:lnR>
+                    <a:lnT w="12700" cap="flat" cmpd="sng" algn="ctr">
+                      <a:solidFill>
+                        <a:srgbClr val="000000">
+                          <a:alpha val="100000"/>
+                        </a:srgbClr>
+                      </a:solidFill>
+                      <a:prstDash val="solid"/>
+                      <a:round/>
+                      <a:headEnd type="none" w="med" len="med"/>
+                      <a:tailEnd type="none" w="med" len="med"/>
+                    </a:lnT>
+                    <a:lnB w="12700" cap="flat" cmpd="sng" algn="ctr">
+                      <a:solidFill>
+                        <a:srgbClr val="000000">
+                          <a:alpha val="100000"/>
+                        </a:srgbClr>
+                      </a:solidFill>
+                      <a:prstDash val="solid"/>
+                      <a:round/>
+                      <a:headEnd type="none" w="med" len="med"/>
+                      <a:tailEnd type="none" w="med" len="med"/>
+                    </a:lnB>
                     <a:solidFill>
                       <a:schemeClr val="bg1"/>
                     </a:solidFill>
@@ -6241,17 +7554,73 @@
                     <a:bodyPr/>
                     <a:lstStyle/>
                     <a:p>
-                      <a:pPr algn="ctr" latinLnBrk="1"/>
-                      <a:endParaRPr lang="ko-KR" altLang="en-US" sz="1200" b="0" dirty="0">
+                      <a:pPr marL="0" indent="0" algn="ctr" fontAlgn="auto" defTabSz="914400" eaLnBrk="0">
+                        <a:lnSpc>
+                          <a:spcPct val="100000"/>
+                        </a:lnSpc>
+                        <a:spcBef>
+                          <a:spcPts val="0"/>
+                        </a:spcBef>
+                        <a:spcAft>
+                          <a:spcPts val="0"/>
+                        </a:spcAft>
+                        <a:buFontTx/>
+                        <a:buNone/>
+                      </a:pPr>
+                      <a:endParaRPr lang="ko-KR" altLang="en-US" sz="1200" kern="1200" dirty="0" smtClean="0" b="0">
                         <a:solidFill>
                           <a:schemeClr val="tx1"/>
                         </a:solidFill>
-                        <a:latin typeface="맑은 고딕" pitchFamily="50" charset="-127"/>
-                        <a:ea typeface="맑은 고딕" pitchFamily="50" charset="-127"/>
+                        <a:latin typeface="맑은 고딕" charset="0"/>
+                        <a:ea typeface="맑은 고딕" charset="0"/>
                       </a:endParaRPr>
                     </a:p>
                   </a:txBody>
-                  <a:tcPr anchor="ctr">
+                  <a:tcPr marL="91440" marR="91440" marT="45720" marB="45720" anchor="ctr">
+                    <a:lnL w="12700" cap="flat" cmpd="sng" algn="ctr">
+                      <a:solidFill>
+                        <a:srgbClr val="000000">
+                          <a:alpha val="100000"/>
+                        </a:srgbClr>
+                      </a:solidFill>
+                      <a:prstDash val="solid"/>
+                      <a:round/>
+                      <a:headEnd type="none" w="med" len="med"/>
+                      <a:tailEnd type="none" w="med" len="med"/>
+                    </a:lnL>
+                    <a:lnR w="12700" cap="flat" cmpd="sng" algn="ctr">
+                      <a:solidFill>
+                        <a:srgbClr val="000000">
+                          <a:alpha val="100000"/>
+                        </a:srgbClr>
+                      </a:solidFill>
+                      <a:prstDash val="solid"/>
+                      <a:round/>
+                      <a:headEnd type="none" w="med" len="med"/>
+                      <a:tailEnd type="none" w="med" len="med"/>
+                    </a:lnR>
+                    <a:lnT w="12700" cap="flat" cmpd="sng" algn="ctr">
+                      <a:solidFill>
+                        <a:srgbClr val="000000">
+                          <a:alpha val="100000"/>
+                        </a:srgbClr>
+                      </a:solidFill>
+                      <a:prstDash val="solid"/>
+                      <a:round/>
+                      <a:headEnd type="none" w="med" len="med"/>
+                      <a:tailEnd type="none" w="med" len="med"/>
+                    </a:lnT>
+                    <a:lnB w="12700" cap="flat" cmpd="sng" algn="ctr">
+                      <a:solidFill>
+                        <a:srgbClr val="000000">
+                          <a:alpha val="100000"/>
+                        </a:srgbClr>
+                      </a:solidFill>
+                      <a:prstDash val="solid"/>
+                      <a:round/>
+                      <a:headEnd type="none" w="med" len="med"/>
+                      <a:tailEnd type="none" w="med" len="med"/>
+                    </a:lnB>
                     <a:solidFill>
                       <a:schemeClr val="bg1"/>
                     </a:solidFill>
@@ -6262,17 +7631,73 @@
                     <a:bodyPr/>
                     <a:lstStyle/>
                     <a:p>
-                      <a:pPr algn="ctr" latinLnBrk="1"/>
-                      <a:endParaRPr lang="ko-KR" altLang="en-US" sz="1200" b="0" dirty="0">
+                      <a:pPr marL="0" indent="0" algn="ctr" fontAlgn="auto" defTabSz="914400" eaLnBrk="0">
+                        <a:lnSpc>
+                          <a:spcPct val="100000"/>
+                        </a:lnSpc>
+                        <a:spcBef>
+                          <a:spcPts val="0"/>
+                        </a:spcBef>
+                        <a:spcAft>
+                          <a:spcPts val="0"/>
+                        </a:spcAft>
+                        <a:buFontTx/>
+                        <a:buNone/>
+                      </a:pPr>
+                      <a:endParaRPr lang="ko-KR" altLang="en-US" sz="1200" kern="1200" dirty="0" smtClean="0" b="0">
                         <a:solidFill>
                           <a:schemeClr val="tx1"/>
                         </a:solidFill>
-                        <a:latin typeface="맑은 고딕" pitchFamily="50" charset="-127"/>
-                        <a:ea typeface="맑은 고딕" pitchFamily="50" charset="-127"/>
+                        <a:latin typeface="맑은 고딕" charset="0"/>
+                        <a:ea typeface="맑은 고딕" charset="0"/>
                       </a:endParaRPr>
                     </a:p>
                   </a:txBody>
-                  <a:tcPr anchor="ctr">
+                  <a:tcPr marL="91440" marR="91440" marT="45720" marB="45720" anchor="ctr">
+                    <a:lnL w="12700" cap="flat" cmpd="sng" algn="ctr">
+                      <a:solidFill>
+                        <a:srgbClr val="000000">
+                          <a:alpha val="100000"/>
+                        </a:srgbClr>
+                      </a:solidFill>
+                      <a:prstDash val="solid"/>
+                      <a:round/>
+                      <a:headEnd type="none" w="med" len="med"/>
+                      <a:tailEnd type="none" w="med" len="med"/>
+                    </a:lnL>
+                    <a:lnR w="12700" cap="flat" cmpd="sng" algn="ctr">
+                      <a:solidFill>
+                        <a:srgbClr val="000000">
+                          <a:alpha val="100000"/>
+                        </a:srgbClr>
+                      </a:solidFill>
+                      <a:prstDash val="solid"/>
+                      <a:round/>
+                      <a:headEnd type="none" w="med" len="med"/>
+                      <a:tailEnd type="none" w="med" len="med"/>
+                    </a:lnR>
+                    <a:lnT w="12700" cap="flat" cmpd="sng" algn="ctr">
+                      <a:solidFill>
+                        <a:srgbClr val="000000">
+                          <a:alpha val="100000"/>
+                        </a:srgbClr>
+                      </a:solidFill>
+                      <a:prstDash val="solid"/>
+                      <a:round/>
+                      <a:headEnd type="none" w="med" len="med"/>
+                      <a:tailEnd type="none" w="med" len="med"/>
+                    </a:lnT>
+                    <a:lnB w="12700" cap="flat" cmpd="sng" algn="ctr">
+                      <a:solidFill>
+                        <a:srgbClr val="000000">
+                          <a:alpha val="100000"/>
+                        </a:srgbClr>
+                      </a:solidFill>
+                      <a:prstDash val="solid"/>
+                      <a:round/>
+                      <a:headEnd type="none" w="med" len="med"/>
+                      <a:tailEnd type="none" w="med" len="med"/>
+                    </a:lnB>
                     <a:solidFill>
                       <a:schemeClr val="bg1"/>
                     </a:solidFill>
@@ -6283,27 +7708,78 @@
                     <a:bodyPr/>
                     <a:lstStyle/>
                     <a:p>
-                      <a:pPr algn="ctr" latinLnBrk="1"/>
-                      <a:endParaRPr lang="ko-KR" altLang="en-US" sz="1200" b="0" dirty="0">
+                      <a:pPr marL="0" indent="0" algn="ctr" fontAlgn="auto" defTabSz="914400" eaLnBrk="0">
+                        <a:lnSpc>
+                          <a:spcPct val="100000"/>
+                        </a:lnSpc>
+                        <a:spcBef>
+                          <a:spcPts val="0"/>
+                        </a:spcBef>
+                        <a:spcAft>
+                          <a:spcPts val="0"/>
+                        </a:spcAft>
+                        <a:buFontTx/>
+                        <a:buNone/>
+                      </a:pPr>
+                      <a:endParaRPr lang="ko-KR" altLang="en-US" sz="1200" kern="1200" dirty="0" smtClean="0" b="0">
                         <a:solidFill>
                           <a:schemeClr val="tx1"/>
                         </a:solidFill>
-                        <a:latin typeface="맑은 고딕" pitchFamily="50" charset="-127"/>
-                        <a:ea typeface="맑은 고딕" pitchFamily="50" charset="-127"/>
+                        <a:latin typeface="맑은 고딕" charset="0"/>
+                        <a:ea typeface="맑은 고딕" charset="0"/>
                       </a:endParaRPr>
                     </a:p>
                   </a:txBody>
-                  <a:tcPr anchor="ctr">
+                  <a:tcPr marL="91440" marR="91440" marT="45720" marB="45720" anchor="ctr">
+                    <a:lnL w="12700" cap="flat" cmpd="sng" algn="ctr">
+                      <a:solidFill>
+                        <a:srgbClr val="000000">
+                          <a:alpha val="100000"/>
+                        </a:srgbClr>
+                      </a:solidFill>
+                      <a:prstDash val="solid"/>
+                      <a:round/>
+                      <a:headEnd type="none" w="med" len="med"/>
+                      <a:tailEnd type="none" w="med" len="med"/>
+                    </a:lnL>
+                    <a:lnR w="12700" cap="flat" cmpd="sng" algn="ctr">
+                      <a:solidFill>
+                        <a:srgbClr val="000000">
+                          <a:alpha val="100000"/>
+                        </a:srgbClr>
+                      </a:solidFill>
+                      <a:prstDash val="solid"/>
+                      <a:round/>
+                      <a:headEnd type="none" w="med" len="med"/>
+                      <a:tailEnd type="none" w="med" len="med"/>
+                    </a:lnR>
+                    <a:lnT w="12700" cap="flat" cmpd="sng" algn="ctr">
+                      <a:solidFill>
+                        <a:srgbClr val="000000">
+                          <a:alpha val="100000"/>
+                        </a:srgbClr>
+                      </a:solidFill>
+                      <a:prstDash val="solid"/>
+                      <a:round/>
+                      <a:headEnd type="none" w="med" len="med"/>
+                      <a:tailEnd type="none" w="med" len="med"/>
+                    </a:lnT>
+                    <a:lnB w="12700" cap="flat" cmpd="sng" algn="ctr">
+                      <a:solidFill>
+                        <a:srgbClr val="000000">
+                          <a:alpha val="100000"/>
+                        </a:srgbClr>
+                      </a:solidFill>
+                      <a:prstDash val="solid"/>
+                      <a:round/>
+                      <a:headEnd type="none" w="med" len="med"/>
+                      <a:tailEnd type="none" w="med" len="med"/>
+                    </a:lnB>
                     <a:solidFill>
                       <a:schemeClr val="bg1"/>
                     </a:solidFill>
                   </a:tcPr>
                 </a:tc>
-                <a:extLst>
-                  <a:ext uri="{0D108BD9-81ED-4DB2-BD59-A6C34878D82A}">
-                    <a16:rowId xmlns:a16="http://schemas.microsoft.com/office/drawing/2014/main" xmlns="" val="10006"/>
-                  </a:ext>
-                </a:extLst>
               </a:tr>
               <a:tr h="370840">
                 <a:tc>
@@ -6311,17 +7787,73 @@
                     <a:bodyPr/>
                     <a:lstStyle/>
                     <a:p>
-                      <a:pPr algn="ctr" latinLnBrk="1"/>
-                      <a:endParaRPr lang="ko-KR" altLang="en-US" sz="1200" b="0">
+                      <a:pPr marL="0" indent="0" algn="ctr" fontAlgn="auto" defTabSz="914400" eaLnBrk="0">
+                        <a:lnSpc>
+                          <a:spcPct val="100000"/>
+                        </a:lnSpc>
+                        <a:spcBef>
+                          <a:spcPts val="0"/>
+                        </a:spcBef>
+                        <a:spcAft>
+                          <a:spcPts val="0"/>
+                        </a:spcAft>
+                        <a:buFontTx/>
+                        <a:buNone/>
+                      </a:pPr>
+                      <a:endParaRPr lang="ko-KR" altLang="en-US" sz="1200" kern="1200" dirty="0" smtClean="0" b="0">
                         <a:solidFill>
                           <a:schemeClr val="tx1"/>
                         </a:solidFill>
-                        <a:latin typeface="맑은 고딕" pitchFamily="50" charset="-127"/>
-                        <a:ea typeface="맑은 고딕" pitchFamily="50" charset="-127"/>
+                        <a:latin typeface="맑은 고딕" charset="0"/>
+                        <a:ea typeface="맑은 고딕" charset="0"/>
                       </a:endParaRPr>
                     </a:p>
                   </a:txBody>
-                  <a:tcPr anchor="ctr">
+                  <a:tcPr marL="91440" marR="91440" marT="45720" marB="45720" anchor="ctr">
+                    <a:lnL w="12700" cap="flat" cmpd="sng" algn="ctr">
+                      <a:solidFill>
+                        <a:srgbClr val="000000">
+                          <a:alpha val="100000"/>
+                        </a:srgbClr>
+                      </a:solidFill>
+                      <a:prstDash val="solid"/>
+                      <a:round/>
+                      <a:headEnd type="none" w="med" len="med"/>
+                      <a:tailEnd type="none" w="med" len="med"/>
+                    </a:lnL>
+                    <a:lnR w="12700" cap="flat" cmpd="sng" algn="ctr">
+                      <a:solidFill>
+                        <a:srgbClr val="000000">
+                          <a:alpha val="100000"/>
+                        </a:srgbClr>
+                      </a:solidFill>
+                      <a:prstDash val="solid"/>
+                      <a:round/>
+                      <a:headEnd type="none" w="med" len="med"/>
+                      <a:tailEnd type="none" w="med" len="med"/>
+                    </a:lnR>
+                    <a:lnT w="12700" cap="flat" cmpd="sng" algn="ctr">
+                      <a:solidFill>
+                        <a:srgbClr val="000000">
+                          <a:alpha val="100000"/>
+                        </a:srgbClr>
+                      </a:solidFill>
+                      <a:prstDash val="solid"/>
+                      <a:round/>
+                      <a:headEnd type="none" w="med" len="med"/>
+                      <a:tailEnd type="none" w="med" len="med"/>
+                    </a:lnT>
+                    <a:lnB w="12700" cap="flat" cmpd="sng" algn="ctr">
+                      <a:solidFill>
+                        <a:srgbClr val="000000">
+                          <a:alpha val="100000"/>
+                        </a:srgbClr>
+                      </a:solidFill>
+                      <a:prstDash val="solid"/>
+                      <a:round/>
+                      <a:headEnd type="none" w="med" len="med"/>
+                      <a:tailEnd type="none" w="med" len="med"/>
+                    </a:lnB>
                     <a:solidFill>
                       <a:schemeClr val="bg1"/>
                     </a:solidFill>
@@ -6332,17 +7864,73 @@
                     <a:bodyPr/>
                     <a:lstStyle/>
                     <a:p>
-                      <a:pPr algn="ctr" latinLnBrk="1"/>
-                      <a:endParaRPr lang="ko-KR" altLang="en-US" sz="1200" b="0" dirty="0">
+                      <a:pPr marL="0" indent="0" algn="ctr" fontAlgn="auto" defTabSz="914400" eaLnBrk="0">
+                        <a:lnSpc>
+                          <a:spcPct val="100000"/>
+                        </a:lnSpc>
+                        <a:spcBef>
+                          <a:spcPts val="0"/>
+                        </a:spcBef>
+                        <a:spcAft>
+                          <a:spcPts val="0"/>
+                        </a:spcAft>
+                        <a:buFontTx/>
+                        <a:buNone/>
+                      </a:pPr>
+                      <a:endParaRPr lang="ko-KR" altLang="en-US" sz="1200" kern="1200" dirty="0" smtClean="0" b="0">
                         <a:solidFill>
                           <a:schemeClr val="tx1"/>
                         </a:solidFill>
-                        <a:latin typeface="맑은 고딕" pitchFamily="50" charset="-127"/>
-                        <a:ea typeface="맑은 고딕" pitchFamily="50" charset="-127"/>
+                        <a:latin typeface="맑은 고딕" charset="0"/>
+                        <a:ea typeface="맑은 고딕" charset="0"/>
                       </a:endParaRPr>
                     </a:p>
                   </a:txBody>
-                  <a:tcPr anchor="ctr">
+                  <a:tcPr marL="91440" marR="91440" marT="45720" marB="45720" anchor="ctr">
+                    <a:lnL w="12700" cap="flat" cmpd="sng" algn="ctr">
+                      <a:solidFill>
+                        <a:srgbClr val="000000">
+                          <a:alpha val="100000"/>
+                        </a:srgbClr>
+                      </a:solidFill>
+                      <a:prstDash val="solid"/>
+                      <a:round/>
+                      <a:headEnd type="none" w="med" len="med"/>
+                      <a:tailEnd type="none" w="med" len="med"/>
+                    </a:lnL>
+                    <a:lnR w="12700" cap="flat" cmpd="sng" algn="ctr">
+                      <a:solidFill>
+                        <a:srgbClr val="000000">
+                          <a:alpha val="100000"/>
+                        </a:srgbClr>
+                      </a:solidFill>
+                      <a:prstDash val="solid"/>
+                      <a:round/>
+                      <a:headEnd type="none" w="med" len="med"/>
+                      <a:tailEnd type="none" w="med" len="med"/>
+                    </a:lnR>
+                    <a:lnT w="12700" cap="flat" cmpd="sng" algn="ctr">
+                      <a:solidFill>
+                        <a:srgbClr val="000000">
+                          <a:alpha val="100000"/>
+                        </a:srgbClr>
+                      </a:solidFill>
+                      <a:prstDash val="solid"/>
+                      <a:round/>
+                      <a:headEnd type="none" w="med" len="med"/>
+                      <a:tailEnd type="none" w="med" len="med"/>
+                    </a:lnT>
+                    <a:lnB w="12700" cap="flat" cmpd="sng" algn="ctr">
+                      <a:solidFill>
+                        <a:srgbClr val="000000">
+                          <a:alpha val="100000"/>
+                        </a:srgbClr>
+                      </a:solidFill>
+                      <a:prstDash val="solid"/>
+                      <a:round/>
+                      <a:headEnd type="none" w="med" len="med"/>
+                      <a:tailEnd type="none" w="med" len="med"/>
+                    </a:lnB>
                     <a:solidFill>
                       <a:schemeClr val="bg1"/>
                     </a:solidFill>
@@ -6353,17 +7941,73 @@
                     <a:bodyPr/>
                     <a:lstStyle/>
                     <a:p>
-                      <a:pPr algn="ctr" latinLnBrk="1"/>
-                      <a:endParaRPr lang="ko-KR" altLang="en-US" sz="1200" b="0" dirty="0">
+                      <a:pPr marL="0" indent="0" algn="ctr" fontAlgn="auto" defTabSz="914400" eaLnBrk="0">
+                        <a:lnSpc>
+                          <a:spcPct val="100000"/>
+                        </a:lnSpc>
+                        <a:spcBef>
+                          <a:spcPts val="0"/>
+                        </a:spcBef>
+                        <a:spcAft>
+                          <a:spcPts val="0"/>
+                        </a:spcAft>
+                        <a:buFontTx/>
+                        <a:buNone/>
+                      </a:pPr>
+                      <a:endParaRPr lang="ko-KR" altLang="en-US" sz="1200" kern="1200" dirty="0" smtClean="0" b="0">
                         <a:solidFill>
                           <a:schemeClr val="tx1"/>
                         </a:solidFill>
-                        <a:latin typeface="맑은 고딕" pitchFamily="50" charset="-127"/>
-                        <a:ea typeface="맑은 고딕" pitchFamily="50" charset="-127"/>
+                        <a:latin typeface="맑은 고딕" charset="0"/>
+                        <a:ea typeface="맑은 고딕" charset="0"/>
                       </a:endParaRPr>
                     </a:p>
                   </a:txBody>
-                  <a:tcPr anchor="ctr">
+                  <a:tcPr marL="91440" marR="91440" marT="45720" marB="45720" anchor="ctr">
+                    <a:lnL w="12700" cap="flat" cmpd="sng" algn="ctr">
+                      <a:solidFill>
+                        <a:srgbClr val="000000">
+                          <a:alpha val="100000"/>
+                        </a:srgbClr>
+                      </a:solidFill>
+                      <a:prstDash val="solid"/>
+                      <a:round/>
+                      <a:headEnd type="none" w="med" len="med"/>
+                      <a:tailEnd type="none" w="med" len="med"/>
+                    </a:lnL>
+                    <a:lnR w="12700" cap="flat" cmpd="sng" algn="ctr">
+                      <a:solidFill>
+                        <a:srgbClr val="000000">
+                          <a:alpha val="100000"/>
+                        </a:srgbClr>
+                      </a:solidFill>
+                      <a:prstDash val="solid"/>
+                      <a:round/>
+                      <a:headEnd type="none" w="med" len="med"/>
+                      <a:tailEnd type="none" w="med" len="med"/>
+                    </a:lnR>
+                    <a:lnT w="12700" cap="flat" cmpd="sng" algn="ctr">
+                      <a:solidFill>
+                        <a:srgbClr val="000000">
+                          <a:alpha val="100000"/>
+                        </a:srgbClr>
+                      </a:solidFill>
+                      <a:prstDash val="solid"/>
+                      <a:round/>
+                      <a:headEnd type="none" w="med" len="med"/>
+                      <a:tailEnd type="none" w="med" len="med"/>
+                    </a:lnT>
+                    <a:lnB w="12700" cap="flat" cmpd="sng" algn="ctr">
+                      <a:solidFill>
+                        <a:srgbClr val="000000">
+                          <a:alpha val="100000"/>
+                        </a:srgbClr>
+                      </a:solidFill>
+                      <a:prstDash val="solid"/>
+                      <a:round/>
+                      <a:headEnd type="none" w="med" len="med"/>
+                      <a:tailEnd type="none" w="med" len="med"/>
+                    </a:lnB>
                     <a:solidFill>
                       <a:schemeClr val="bg1"/>
                     </a:solidFill>
@@ -6374,27 +8018,78 @@
                     <a:bodyPr/>
                     <a:lstStyle/>
                     <a:p>
-                      <a:pPr algn="ctr" latinLnBrk="1"/>
-                      <a:endParaRPr lang="ko-KR" altLang="en-US" sz="1200" b="0" dirty="0">
+                      <a:pPr marL="0" indent="0" algn="ctr" fontAlgn="auto" defTabSz="914400" eaLnBrk="0">
+                        <a:lnSpc>
+                          <a:spcPct val="100000"/>
+                        </a:lnSpc>
+                        <a:spcBef>
+                          <a:spcPts val="0"/>
+                        </a:spcBef>
+                        <a:spcAft>
+                          <a:spcPts val="0"/>
+                        </a:spcAft>
+                        <a:buFontTx/>
+                        <a:buNone/>
+                      </a:pPr>
+                      <a:endParaRPr lang="ko-KR" altLang="en-US" sz="1200" kern="1200" dirty="0" smtClean="0" b="0">
                         <a:solidFill>
                           <a:schemeClr val="tx1"/>
                         </a:solidFill>
-                        <a:latin typeface="맑은 고딕" pitchFamily="50" charset="-127"/>
-                        <a:ea typeface="맑은 고딕" pitchFamily="50" charset="-127"/>
+                        <a:latin typeface="맑은 고딕" charset="0"/>
+                        <a:ea typeface="맑은 고딕" charset="0"/>
                       </a:endParaRPr>
                     </a:p>
                   </a:txBody>
-                  <a:tcPr anchor="ctr">
+                  <a:tcPr marL="91440" marR="91440" marT="45720" marB="45720" anchor="ctr">
+                    <a:lnL w="12700" cap="flat" cmpd="sng" algn="ctr">
+                      <a:solidFill>
+                        <a:srgbClr val="000000">
+                          <a:alpha val="100000"/>
+                        </a:srgbClr>
+                      </a:solidFill>
+                      <a:prstDash val="solid"/>
+                      <a:round/>
+                      <a:headEnd type="none" w="med" len="med"/>
+                      <a:tailEnd type="none" w="med" len="med"/>
+                    </a:lnL>
+                    <a:lnR w="12700" cap="flat" cmpd="sng" algn="ctr">
+                      <a:solidFill>
+                        <a:srgbClr val="000000">
+                          <a:alpha val="100000"/>
+                        </a:srgbClr>
+                      </a:solidFill>
+                      <a:prstDash val="solid"/>
+                      <a:round/>
+                      <a:headEnd type="none" w="med" len="med"/>
+                      <a:tailEnd type="none" w="med" len="med"/>
+                    </a:lnR>
+                    <a:lnT w="12700" cap="flat" cmpd="sng" algn="ctr">
+                      <a:solidFill>
+                        <a:srgbClr val="000000">
+                          <a:alpha val="100000"/>
+                        </a:srgbClr>
+                      </a:solidFill>
+                      <a:prstDash val="solid"/>
+                      <a:round/>
+                      <a:headEnd type="none" w="med" len="med"/>
+                      <a:tailEnd type="none" w="med" len="med"/>
+                    </a:lnT>
+                    <a:lnB w="12700" cap="flat" cmpd="sng" algn="ctr">
+                      <a:solidFill>
+                        <a:srgbClr val="000000">
+                          <a:alpha val="100000"/>
+                        </a:srgbClr>
+                      </a:solidFill>
+                      <a:prstDash val="solid"/>
+                      <a:round/>
+                      <a:headEnd type="none" w="med" len="med"/>
+                      <a:tailEnd type="none" w="med" len="med"/>
+                    </a:lnB>
                     <a:solidFill>
                       <a:schemeClr val="bg1"/>
                     </a:solidFill>
                   </a:tcPr>
                 </a:tc>
-                <a:extLst>
-                  <a:ext uri="{0D108BD9-81ED-4DB2-BD59-A6C34878D82A}">
-                    <a16:rowId xmlns:a16="http://schemas.microsoft.com/office/drawing/2014/main" xmlns="" val="10007"/>
-                  </a:ext>
-                </a:extLst>
               </a:tr>
             </a:tbl>
           </a:graphicData>
@@ -6405,6 +8100,14 @@
   <p:clrMapOvr>
     <a:masterClrMapping/>
   </p:clrMapOvr>
+  <mc:AlternateContent xmlns:mc="http://schemas.openxmlformats.org/markup-compatibility/2006">
+    <mc:Choice xmlns:p14="http://schemas.microsoft.com/office/powerpoint/2010/main" Requires="p14">
+      <p:transition spd="slow" p14:dur="2000"/>
+    </mc:Choice>
+    <mc:Fallback>
+      <p:transition spd="slow"/>
+    </mc:Fallback>
+  </mc:AlternateContent>
   <p:timing>
     <p:tnLst>
       <p:par>
@@ -8586,7 +10289,7 @@
 </file>
 
 <file path=ppt/slides/slide7.xml><?xml version="1.0" encoding="utf-8"?>
-<p:sld xmlns:a="http://schemas.openxmlformats.org/drawingml/2006/main" xmlns:r="http://schemas.openxmlformats.org/officeDocument/2006/relationships" xmlns:p="http://schemas.openxmlformats.org/presentationml/2006/main">
+<p:sld xmlns:a="http://schemas.openxmlformats.org/drawingml/2006/main" xmlns:r="http://schemas.openxmlformats.org/officeDocument/2006/relationships" xmlns:p="http://schemas.openxmlformats.org/presentationml/2006/main" xmlns:p14="http://schemas.microsoft.com/office/powerpoint/2010/main">
   <p:cSld>
     <p:spTree>
       <p:nvGrpSpPr>
@@ -8728,8 +10431,8 @@
         </p:nvSpPr>
         <p:spPr>
           <a:xfrm>
-            <a:off x="352425" y="220211"/>
-            <a:ext cx="8327552" cy="625950"/>
+            <a:off x="352425" y="220345"/>
+            <a:ext cx="8327390" cy="626110"/>
           </a:xfrm>
         </p:spPr>
         <p:txBody>
@@ -8750,17 +10453,11 @@
           <p:cNvGraphicFramePr>
             <a:graphicFrameLocks noGrp="1"/>
           </p:cNvGraphicFramePr>
-          <p:nvPr>
-            <p:extLst>
-              <p:ext uri="{D42A27DB-BD31-4B8C-83A1-F6EECF244321}">
-                <p14:modId xmlns:p14="http://schemas.microsoft.com/office/powerpoint/2010/main" val="1610000091"/>
-              </p:ext>
-            </p:extLst>
-          </p:nvPr>
+          <p:nvPr/>
         </p:nvGraphicFramePr>
         <p:xfrm>
-          <a:off x="433453" y="1228296"/>
-          <a:ext cx="3930556" cy="4967786"/>
+          <a:off x="433705" y="1228090"/>
+          <a:ext cx="3930650" cy="4967605"/>
         </p:xfrm>
         <a:graphic>
           <a:graphicData uri="http://schemas.openxmlformats.org/drawingml/2006/table">
@@ -8769,162 +10466,181 @@
                 <a:tableStyleId>{17292A2E-F333-43FB-9621-5CBBE7FDCDCB}</a:tableStyleId>
               </a:tblPr>
               <a:tblGrid>
-                <a:gridCol w="3930556">
-                  <a:extLst>
-                    <a:ext uri="{9D8B030D-6E8A-4147-A177-3AD203B41FA5}">
-                      <a16:colId xmlns:a16="http://schemas.microsoft.com/office/drawing/2014/main" xmlns="" val="20000"/>
-                    </a:ext>
-                  </a:extLst>
-                </a:gridCol>
+                <a:gridCol w="3930650"/>
               </a:tblGrid>
-              <a:tr h="875279">
+              <a:tr h="875030">
                 <a:tc>
                   <a:txBody>
                     <a:bodyPr/>
                     <a:lstStyle/>
                     <a:p>
-                      <a:pPr algn="l" latinLnBrk="1"/>
-                      <a:r>
-                        <a:rPr lang="en-US" altLang="ko-KR" sz="4000" dirty="0" err="1">
-                          <a:latin typeface="나눔바른고딕" panose="020B0603020101020101" pitchFamily="50" charset="-127"/>
-                          <a:ea typeface="나눔바른고딕" panose="020B0603020101020101" pitchFamily="50" charset="-127"/>
+                      <a:pPr marL="0" indent="0" algn="l" fontAlgn="auto" defTabSz="914400" eaLnBrk="0">
+                        <a:lnSpc>
+                          <a:spcPct val="100000"/>
+                        </a:lnSpc>
+                        <a:spcBef>
+                          <a:spcPts val="0"/>
+                        </a:spcBef>
+                        <a:spcAft>
+                          <a:spcPts val="0"/>
+                        </a:spcAft>
+                        <a:buFontTx/>
+                        <a:buNone/>
+                      </a:pPr>
+                      <a:r>
+                        <a:rPr lang="en-US" altLang="ko-KR" sz="4000" kern="1200" dirty="0" smtClean="0" b="0">
+                          <a:latin typeface="나눔바른고딕" charset="0"/>
+                          <a:ea typeface="나눔바른고딕" charset="0"/>
                         </a:rPr>
                         <a:t>Todo</a:t>
                       </a:r>
-                      <a:endParaRPr lang="ko-KR" altLang="en-US" sz="4000" dirty="0">
-                        <a:latin typeface="나눔바른고딕" panose="020B0603020101020101" pitchFamily="50" charset="-127"/>
-                        <a:ea typeface="나눔바른고딕" panose="020B0603020101020101" pitchFamily="50" charset="-127"/>
+                      <a:endParaRPr lang="ko-KR" altLang="en-US" sz="4000" kern="1200" dirty="0" smtClean="0" b="0">
+                        <a:latin typeface="나눔바른고딕" charset="0"/>
+                        <a:ea typeface="나눔바른고딕" charset="0"/>
                       </a:endParaRPr>
                     </a:p>
                   </a:txBody>
-                  <a:tcPr anchor="ctr"/>
+                  <a:tcPr marL="91440" marR="91440" marT="45720" marB="45720" anchor="ctr"/>
                 </a:tc>
-                <a:extLst>
-                  <a:ext uri="{0D108BD9-81ED-4DB2-BD59-A6C34878D82A}">
-                    <a16:rowId xmlns:a16="http://schemas.microsoft.com/office/drawing/2014/main" xmlns="" val="10000"/>
-                  </a:ext>
-                </a:extLst>
               </a:tr>
-              <a:tr h="4092507">
+              <a:tr h="4092575">
                 <a:tc>
                   <a:txBody>
                     <a:bodyPr/>
                     <a:lstStyle/>
                     <a:p>
-                      <a:pPr algn="l" latinLnBrk="1"/>
-                      <a:r>
-                        <a:rPr lang="en-US" altLang="ko-KR" sz="2500" dirty="0">
-                          <a:latin typeface="나눔바른고딕" panose="020B0603020101020101" pitchFamily="50" charset="-127"/>
-                          <a:ea typeface="나눔바른고딕" panose="020B0603020101020101" pitchFamily="50" charset="-127"/>
-                        </a:rPr>
-                        <a:t>task</a:t>
-                      </a:r>
-                      <a:r>
-                        <a:rPr lang="en-US" altLang="ko-KR" sz="2500" baseline="0" dirty="0">
-                          <a:latin typeface="나눔바른고딕" panose="020B0603020101020101" pitchFamily="50" charset="-127"/>
-                          <a:ea typeface="나눔바른고딕" panose="020B0603020101020101" pitchFamily="50" charset="-127"/>
-                        </a:rPr>
-                        <a:t> : String</a:t>
-                      </a:r>
-                    </a:p>
-                    <a:p>
-                      <a:pPr algn="l" latinLnBrk="1"/>
-                      <a:r>
-                        <a:rPr lang="en-US" altLang="ko-KR" sz="2500" baseline="0" dirty="0" err="1">
-                          <a:latin typeface="나눔바른고딕" panose="020B0603020101020101" pitchFamily="50" charset="-127"/>
-                          <a:ea typeface="나눔바른고딕" panose="020B0603020101020101" pitchFamily="50" charset="-127"/>
-                        </a:rPr>
-                        <a:t>endtime</a:t>
-                      </a:r>
-                      <a:r>
-                        <a:rPr lang="en-US" altLang="ko-KR" sz="2500" baseline="0" dirty="0">
-                          <a:latin typeface="나눔바른고딕" panose="020B0603020101020101" pitchFamily="50" charset="-127"/>
-                          <a:ea typeface="나눔바른고딕" panose="020B0603020101020101" pitchFamily="50" charset="-127"/>
-                        </a:rPr>
-                        <a:t> : </a:t>
-                      </a:r>
-                      <a:r>
-                        <a:rPr lang="en-US" altLang="ko-KR" sz="2500" baseline="0" dirty="0" err="1">
-                          <a:latin typeface="나눔바른고딕" panose="020B0603020101020101" pitchFamily="50" charset="-127"/>
-                          <a:ea typeface="나눔바른고딕" panose="020B0603020101020101" pitchFamily="50" charset="-127"/>
-                        </a:rPr>
-                        <a:t>int</a:t>
-                      </a:r>
-                      <a:endParaRPr lang="en-US" altLang="ko-KR" sz="2500" baseline="0" dirty="0">
-                        <a:latin typeface="나눔바른고딕" panose="020B0603020101020101" pitchFamily="50" charset="-127"/>
-                        <a:ea typeface="나눔바른고딕" panose="020B0603020101020101" pitchFamily="50" charset="-127"/>
+                      <a:pPr marL="0" indent="0" algn="l" fontAlgn="auto" defTabSz="914400" eaLnBrk="0">
+                        <a:lnSpc>
+                          <a:spcPct val="100000"/>
+                        </a:lnSpc>
+                        <a:spcBef>
+                          <a:spcPts val="0"/>
+                        </a:spcBef>
+                        <a:spcAft>
+                          <a:spcPts val="0"/>
+                        </a:spcAft>
+                        <a:buFontTx/>
+                        <a:buNone/>
+                      </a:pPr>
+                      <a:r>
+                        <a:rPr lang="en-US" altLang="ko-KR" sz="2500" kern="1200" dirty="0" smtClean="0" b="0">
+                          <a:latin typeface="나눔바른고딕" charset="0"/>
+                          <a:ea typeface="나눔바른고딕" charset="0"/>
+                        </a:rPr>
+                        <a:t>task : String</a:t>
+                      </a:r>
+                      <a:endParaRPr lang="ko-KR" altLang="en-US" sz="2500" kern="1200" dirty="0" smtClean="0" b="0">
+                        <a:latin typeface="나눔바른고딕" charset="0"/>
+                        <a:ea typeface="나눔바른고딕" charset="0"/>
                       </a:endParaRPr>
                     </a:p>
                     <a:p>
-                      <a:pPr algn="l" latinLnBrk="1"/>
-                      <a:r>
-                        <a:rPr lang="en-US" altLang="ko-KR" sz="2500" baseline="0" dirty="0" err="1">
-                          <a:latin typeface="나눔바른고딕" panose="020B0603020101020101" pitchFamily="50" charset="-127"/>
-                          <a:ea typeface="나눔바른고딕" panose="020B0603020101020101" pitchFamily="50" charset="-127"/>
-                        </a:rPr>
-                        <a:t>readEndTime</a:t>
-                      </a:r>
-                      <a:r>
-                        <a:rPr lang="en-US" altLang="ko-KR" sz="2500" baseline="0" dirty="0">
-                          <a:latin typeface="나눔바른고딕" panose="020B0603020101020101" pitchFamily="50" charset="-127"/>
-                          <a:ea typeface="나눔바른고딕" panose="020B0603020101020101" pitchFamily="50" charset="-127"/>
-                        </a:rPr>
-                        <a:t> : </a:t>
-                      </a:r>
-                      <a:r>
-                        <a:rPr lang="en-US" altLang="ko-KR" sz="2500" baseline="0" dirty="0" err="1">
-                          <a:latin typeface="나눔바른고딕" panose="020B0603020101020101" pitchFamily="50" charset="-127"/>
-                          <a:ea typeface="나눔바른고딕" panose="020B0603020101020101" pitchFamily="50" charset="-127"/>
-                        </a:rPr>
-                        <a:t>int</a:t>
-                      </a:r>
-                      <a:endParaRPr lang="en-US" altLang="ko-KR" sz="2500" baseline="0" dirty="0">
-                        <a:latin typeface="나눔바른고딕" panose="020B0603020101020101" pitchFamily="50" charset="-127"/>
-                        <a:ea typeface="나눔바른고딕" panose="020B0603020101020101" pitchFamily="50" charset="-127"/>
+                      <a:pPr marL="0" indent="0" algn="l" fontAlgn="auto" defTabSz="914400" eaLnBrk="0">
+                        <a:lnSpc>
+                          <a:spcPct val="100000"/>
+                        </a:lnSpc>
+                        <a:spcBef>
+                          <a:spcPts val="0"/>
+                        </a:spcBef>
+                        <a:spcAft>
+                          <a:spcPts val="0"/>
+                        </a:spcAft>
+                        <a:buFontTx/>
+                        <a:buNone/>
+                      </a:pPr>
+                      <a:r>
+                        <a:rPr lang="en-US" altLang="ko-KR" sz="2500" kern="1200" dirty="0" smtClean="0" b="0">
+                          <a:latin typeface="나눔바른고딕" charset="0"/>
+                          <a:ea typeface="나눔바른고딕" charset="0"/>
+                        </a:rPr>
+                        <a:t>endtime : int</a:t>
+                      </a:r>
+                      <a:endParaRPr lang="ko-KR" altLang="en-US" sz="2500" kern="1200" dirty="0" smtClean="0" b="0">
+                        <a:latin typeface="나눔바른고딕" charset="0"/>
+                        <a:ea typeface="나눔바른고딕" charset="0"/>
                       </a:endParaRPr>
                     </a:p>
                     <a:p>
-                      <a:pPr algn="l" latinLnBrk="1"/>
-                      <a:r>
-                        <a:rPr lang="en-US" altLang="ko-KR" sz="2500" baseline="0" dirty="0">
-                          <a:latin typeface="나눔바른고딕" panose="020B0603020101020101" pitchFamily="50" charset="-127"/>
-                          <a:ea typeface="나눔바른고딕" panose="020B0603020101020101" pitchFamily="50" charset="-127"/>
+                      <a:pPr marL="0" indent="0" algn="l" fontAlgn="auto" defTabSz="914400" eaLnBrk="0">
+                        <a:lnSpc>
+                          <a:spcPct val="100000"/>
+                        </a:lnSpc>
+                        <a:spcBef>
+                          <a:spcPts val="0"/>
+                        </a:spcBef>
+                        <a:spcAft>
+                          <a:spcPts val="0"/>
+                        </a:spcAft>
+                        <a:buFontTx/>
+                        <a:buNone/>
+                      </a:pPr>
+                      <a:r>
+                        <a:rPr lang="en-US" altLang="ko-KR" sz="2500" kern="1200" dirty="0" smtClean="0" b="0">
+                          <a:latin typeface="나눔바른고딕" charset="0"/>
+                          <a:ea typeface="나눔바른고딕" charset="0"/>
+                        </a:rPr>
+                        <a:t>readEndTime : int</a:t>
+                      </a:r>
+                      <a:endParaRPr lang="ko-KR" altLang="en-US" sz="2500" kern="1200" dirty="0" smtClean="0" b="0">
+                        <a:latin typeface="나눔바른고딕" charset="0"/>
+                        <a:ea typeface="나눔바른고딕" charset="0"/>
+                      </a:endParaRPr>
+                    </a:p>
+                    <a:p>
+                      <a:pPr marL="0" indent="0" algn="l" fontAlgn="auto" defTabSz="914400" eaLnBrk="0">
+                        <a:lnSpc>
+                          <a:spcPct val="100000"/>
+                        </a:lnSpc>
+                        <a:spcBef>
+                          <a:spcPts val="0"/>
+                        </a:spcBef>
+                        <a:spcAft>
+                          <a:spcPts val="0"/>
+                        </a:spcAft>
+                        <a:buFontTx/>
+                        <a:buNone/>
+                      </a:pPr>
+                      <a:r>
+                        <a:rPr lang="en-US" altLang="ko-KR" sz="2500" kern="1200" dirty="0" smtClean="0" b="0">
+                          <a:latin typeface="나눔바른고딕" charset="0"/>
+                          <a:ea typeface="나눔바른고딕" charset="0"/>
                         </a:rPr>
                         <a:t>Important : String</a:t>
                       </a:r>
-                    </a:p>
-                    <a:p>
-                      <a:pPr algn="l" latinLnBrk="1"/>
-                      <a:r>
-                        <a:rPr lang="en-US" altLang="ko-KR" sz="2500" baseline="0" dirty="0">
-                          <a:latin typeface="나눔바른고딕" panose="020B0603020101020101" pitchFamily="50" charset="-127"/>
-                          <a:ea typeface="나눔바른고딕" panose="020B0603020101020101" pitchFamily="50" charset="-127"/>
+                      <a:endParaRPr lang="ko-KR" altLang="en-US" sz="2500" kern="1200" dirty="0" smtClean="0" b="0">
+                        <a:latin typeface="나눔바른고딕" charset="0"/>
+                        <a:ea typeface="나눔바른고딕" charset="0"/>
+                      </a:endParaRPr>
+                    </a:p>
+                    <a:p>
+                      <a:pPr marL="0" indent="0" algn="l" fontAlgn="auto" defTabSz="914400" eaLnBrk="0">
+                        <a:lnSpc>
+                          <a:spcPct val="100000"/>
+                        </a:lnSpc>
+                        <a:spcBef>
+                          <a:spcPts val="0"/>
+                        </a:spcBef>
+                        <a:spcAft>
+                          <a:spcPts val="0"/>
+                        </a:spcAft>
+                        <a:buFontTx/>
+                        <a:buNone/>
+                      </a:pPr>
+                      <a:r>
+                        <a:rPr lang="en-US" altLang="ko-KR" sz="2500" kern="1200" dirty="0" smtClean="0" b="0">
+                          <a:latin typeface="나눔바른고딕" charset="0"/>
+                          <a:ea typeface="나눔바른고딕" charset="0"/>
                         </a:rPr>
                         <a:t>complete : String</a:t>
                       </a:r>
-                    </a:p>
-                    <a:p>
-                      <a:pPr algn="l" latinLnBrk="1"/>
-                      <a:r>
-                        <a:rPr lang="en-US" altLang="ko-KR" sz="2500" baseline="0" dirty="0">
-                          <a:latin typeface="나눔바른고딕" panose="020B0603020101020101" pitchFamily="50" charset="-127"/>
-                          <a:ea typeface="나눔바른고딕" panose="020B0603020101020101" pitchFamily="50" charset="-127"/>
-                        </a:rPr>
-                        <a:t>alarm : String</a:t>
-                      </a:r>
-                      <a:endParaRPr lang="ko-KR" altLang="en-US" sz="2500" dirty="0">
-                        <a:latin typeface="나눔바른고딕" panose="020B0603020101020101" pitchFamily="50" charset="-127"/>
-                        <a:ea typeface="나눔바른고딕" panose="020B0603020101020101" pitchFamily="50" charset="-127"/>
+                      <a:endParaRPr lang="ko-KR" altLang="en-US" sz="2500" kern="1200" dirty="0" smtClean="0" b="0">
+                        <a:latin typeface="나눔바른고딕" charset="0"/>
+                        <a:ea typeface="나눔바른고딕" charset="0"/>
                       </a:endParaRPr>
                     </a:p>
                   </a:txBody>
-                  <a:tcPr anchor="ctr"/>
+                  <a:tcPr marL="91440" marR="91440" marT="45720" marB="45720" anchor="ctr"/>
                 </a:tc>
-                <a:extLst>
-                  <a:ext uri="{0D108BD9-81ED-4DB2-BD59-A6C34878D82A}">
-                    <a16:rowId xmlns:a16="http://schemas.microsoft.com/office/drawing/2014/main" xmlns="" val="10001"/>
-                  </a:ext>
-                </a:extLst>
               </a:tr>
             </a:tbl>
           </a:graphicData>
@@ -8942,8 +10658,8 @@
         </p:nvSpPr>
         <p:spPr>
           <a:xfrm>
-            <a:off x="6061745" y="6464300"/>
-            <a:ext cx="2798763" cy="300038"/>
+            <a:off x="6061710" y="6464300"/>
+            <a:ext cx="2799080" cy="300355"/>
           </a:xfrm>
         </p:spPr>
         <p:txBody>
@@ -8975,6 +10691,21 @@
   <p:clrMapOvr>
     <a:masterClrMapping/>
   </p:clrMapOvr>
+  <mc:AlternateContent xmlns:mc="http://schemas.openxmlformats.org/markup-compatibility/2006">
+    <mc:Choice xmlns:p14="http://schemas.microsoft.com/office/powerpoint/2010/main" Requires="p14">
+      <p:transition spd="slow" p14:dur="2000"/>
+    </mc:Choice>
+    <mc:Fallback>
+      <p:transition spd="slow"/>
+    </mc:Fallback>
+  </mc:AlternateContent>
+  <p:timing>
+    <p:tnLst>
+      <p:par>
+        <p:cTn id="1" dur="indefinite" restart="never" nodeType="tmRoot"/>
+      </p:par>
+    </p:tnLst>
+  </p:timing>
 </p:sld>
 </file>
 
